--- a/figure.pptx
+++ b/figure.pptx
@@ -6,6 +6,8 @@
   </p:sldMasterIdLst>
   <p:sldIdLst>
     <p:sldId id="256" r:id="rId2"/>
+    <p:sldId id="257" r:id="rId3"/>
+    <p:sldId id="258" r:id="rId4"/>
   </p:sldIdLst>
   <p:sldSz cx="12192000" cy="6858000"/>
   <p:notesSz cx="6858000" cy="9144000"/>
@@ -104,6 +106,11 @@
       </a:defRPr>
     </a:lvl9pPr>
   </p:defaultTextStyle>
+  <p:extLst>
+    <p:ext uri="{EFAFB233-063F-42B5-8137-9DF3F51BA10A}">
+      <p15:sldGuideLst xmlns:p15="http://schemas.microsoft.com/office/powerpoint/2012/main"/>
+    </p:ext>
+  </p:extLst>
 </p:presentation>
 </file>
 
@@ -254,7 +261,7 @@
           <a:p>
             <a:fld id="{50DB86B2-1F85-458D-BB4D-F9A4D62C4F3A}" type="datetimeFigureOut">
               <a:rPr kumimoji="1" lang="ja-JP" altLang="en-US" smtClean="0"/>
-              <a:t>2024/8/7</a:t>
+              <a:t>2024/8/8</a:t>
             </a:fld>
             <a:endParaRPr kumimoji="1" lang="ja-JP" altLang="en-US"/>
           </a:p>
@@ -484,7 +491,7 @@
           <a:p>
             <a:fld id="{50DB86B2-1F85-458D-BB4D-F9A4D62C4F3A}" type="datetimeFigureOut">
               <a:rPr kumimoji="1" lang="ja-JP" altLang="en-US" smtClean="0"/>
-              <a:t>2024/8/7</a:t>
+              <a:t>2024/8/8</a:t>
             </a:fld>
             <a:endParaRPr kumimoji="1" lang="ja-JP" altLang="en-US"/>
           </a:p>
@@ -724,7 +731,7 @@
           <a:p>
             <a:fld id="{50DB86B2-1F85-458D-BB4D-F9A4D62C4F3A}" type="datetimeFigureOut">
               <a:rPr kumimoji="1" lang="ja-JP" altLang="en-US" smtClean="0"/>
-              <a:t>2024/8/7</a:t>
+              <a:t>2024/8/8</a:t>
             </a:fld>
             <a:endParaRPr kumimoji="1" lang="ja-JP" altLang="en-US"/>
           </a:p>
@@ -954,7 +961,7 @@
           <a:p>
             <a:fld id="{50DB86B2-1F85-458D-BB4D-F9A4D62C4F3A}" type="datetimeFigureOut">
               <a:rPr kumimoji="1" lang="ja-JP" altLang="en-US" smtClean="0"/>
-              <a:t>2024/8/7</a:t>
+              <a:t>2024/8/8</a:t>
             </a:fld>
             <a:endParaRPr kumimoji="1" lang="ja-JP" altLang="en-US"/>
           </a:p>
@@ -1229,7 +1236,7 @@
           <a:p>
             <a:fld id="{50DB86B2-1F85-458D-BB4D-F9A4D62C4F3A}" type="datetimeFigureOut">
               <a:rPr kumimoji="1" lang="ja-JP" altLang="en-US" smtClean="0"/>
-              <a:t>2024/8/7</a:t>
+              <a:t>2024/8/8</a:t>
             </a:fld>
             <a:endParaRPr kumimoji="1" lang="ja-JP" altLang="en-US"/>
           </a:p>
@@ -1558,7 +1565,7 @@
           <a:p>
             <a:fld id="{50DB86B2-1F85-458D-BB4D-F9A4D62C4F3A}" type="datetimeFigureOut">
               <a:rPr kumimoji="1" lang="ja-JP" altLang="en-US" smtClean="0"/>
-              <a:t>2024/8/7</a:t>
+              <a:t>2024/8/8</a:t>
             </a:fld>
             <a:endParaRPr kumimoji="1" lang="ja-JP" altLang="en-US"/>
           </a:p>
@@ -2034,7 +2041,7 @@
           <a:p>
             <a:fld id="{50DB86B2-1F85-458D-BB4D-F9A4D62C4F3A}" type="datetimeFigureOut">
               <a:rPr kumimoji="1" lang="ja-JP" altLang="en-US" smtClean="0"/>
-              <a:t>2024/8/7</a:t>
+              <a:t>2024/8/8</a:t>
             </a:fld>
             <a:endParaRPr kumimoji="1" lang="ja-JP" altLang="en-US"/>
           </a:p>
@@ -2175,7 +2182,7 @@
           <a:p>
             <a:fld id="{50DB86B2-1F85-458D-BB4D-F9A4D62C4F3A}" type="datetimeFigureOut">
               <a:rPr kumimoji="1" lang="ja-JP" altLang="en-US" smtClean="0"/>
-              <a:t>2024/8/7</a:t>
+              <a:t>2024/8/8</a:t>
             </a:fld>
             <a:endParaRPr kumimoji="1" lang="ja-JP" altLang="en-US"/>
           </a:p>
@@ -2288,7 +2295,7 @@
           <a:p>
             <a:fld id="{50DB86B2-1F85-458D-BB4D-F9A4D62C4F3A}" type="datetimeFigureOut">
               <a:rPr kumimoji="1" lang="ja-JP" altLang="en-US" smtClean="0"/>
-              <a:t>2024/8/7</a:t>
+              <a:t>2024/8/8</a:t>
             </a:fld>
             <a:endParaRPr kumimoji="1" lang="ja-JP" altLang="en-US"/>
           </a:p>
@@ -2631,7 +2638,7 @@
           <a:p>
             <a:fld id="{50DB86B2-1F85-458D-BB4D-F9A4D62C4F3A}" type="datetimeFigureOut">
               <a:rPr kumimoji="1" lang="ja-JP" altLang="en-US" smtClean="0"/>
-              <a:t>2024/8/7</a:t>
+              <a:t>2024/8/8</a:t>
             </a:fld>
             <a:endParaRPr kumimoji="1" lang="ja-JP" altLang="en-US"/>
           </a:p>
@@ -2919,7 +2926,7 @@
           <a:p>
             <a:fld id="{50DB86B2-1F85-458D-BB4D-F9A4D62C4F3A}" type="datetimeFigureOut">
               <a:rPr kumimoji="1" lang="ja-JP" altLang="en-US" smtClean="0"/>
-              <a:t>2024/8/7</a:t>
+              <a:t>2024/8/8</a:t>
             </a:fld>
             <a:endParaRPr kumimoji="1" lang="ja-JP" altLang="en-US"/>
           </a:p>
@@ -3192,7 +3199,7 @@
           <a:p>
             <a:fld id="{50DB86B2-1F85-458D-BB4D-F9A4D62C4F3A}" type="datetimeFigureOut">
               <a:rPr kumimoji="1" lang="ja-JP" altLang="en-US" smtClean="0"/>
-              <a:t>2024/8/7</a:t>
+              <a:t>2024/8/8</a:t>
             </a:fld>
             <a:endParaRPr kumimoji="1" lang="ja-JP" altLang="en-US"/>
           </a:p>
@@ -4487,8 +4494,8 @@
           </p:txBody>
         </p:sp>
       </p:grpSp>
-      <mc:AlternateContent xmlns:mc="http://schemas.openxmlformats.org/markup-compatibility/2006">
-        <mc:Choice xmlns:a14="http://schemas.microsoft.com/office/drawing/2010/main" Requires="a14">
+      <mc:AlternateContent xmlns:mc="http://schemas.openxmlformats.org/markup-compatibility/2006" xmlns:a14="http://schemas.microsoft.com/office/drawing/2010/main">
+        <mc:Choice Requires="a14">
           <p:sp>
             <p:nvSpPr>
               <p:cNvPr id="33" name="テキスト ボックス 32">
@@ -4517,6 +4524,7 @@
               </a:bodyPr>
               <a:lstStyle/>
               <a:p>
+                <a:pPr/>
                 <a14:m>
                   <m:oMathPara xmlns:m="http://schemas.openxmlformats.org/officeDocument/2006/math">
                     <m:oMathParaPr>
@@ -4556,7 +4564,7 @@
             </p:txBody>
           </p:sp>
         </mc:Choice>
-        <mc:Fallback>
+        <mc:Fallback xmlns="">
           <p:sp>
             <p:nvSpPr>
               <p:cNvPr id="33" name="テキスト ボックス 32">
@@ -4601,8 +4609,8 @@
           </p:sp>
         </mc:Fallback>
       </mc:AlternateContent>
-      <mc:AlternateContent xmlns:mc="http://schemas.openxmlformats.org/markup-compatibility/2006">
-        <mc:Choice xmlns:a14="http://schemas.microsoft.com/office/drawing/2010/main" Requires="a14">
+      <mc:AlternateContent xmlns:mc="http://schemas.openxmlformats.org/markup-compatibility/2006" xmlns:a14="http://schemas.microsoft.com/office/drawing/2010/main">
+        <mc:Choice Requires="a14">
           <p:sp>
             <p:nvSpPr>
               <p:cNvPr id="34" name="テキスト ボックス 33">
@@ -4631,6 +4639,7 @@
               </a:bodyPr>
               <a:lstStyle/>
               <a:p>
+                <a:pPr/>
                 <a14:m>
                   <m:oMathPara xmlns:m="http://schemas.openxmlformats.org/officeDocument/2006/math">
                     <m:oMathParaPr>
@@ -4670,7 +4679,7 @@
             </p:txBody>
           </p:sp>
         </mc:Choice>
-        <mc:Fallback>
+        <mc:Fallback xmlns="">
           <p:sp>
             <p:nvSpPr>
               <p:cNvPr id="34" name="テキスト ボックス 33">
@@ -4715,8 +4724,8 @@
           </p:sp>
         </mc:Fallback>
       </mc:AlternateContent>
-      <mc:AlternateContent xmlns:mc="http://schemas.openxmlformats.org/markup-compatibility/2006">
-        <mc:Choice xmlns:a14="http://schemas.microsoft.com/office/drawing/2010/main" Requires="a14">
+      <mc:AlternateContent xmlns:mc="http://schemas.openxmlformats.org/markup-compatibility/2006" xmlns:a14="http://schemas.microsoft.com/office/drawing/2010/main">
+        <mc:Choice Requires="a14">
           <p:sp>
             <p:nvSpPr>
               <p:cNvPr id="35" name="テキスト ボックス 34">
@@ -4745,6 +4754,7 @@
               </a:bodyPr>
               <a:lstStyle/>
               <a:p>
+                <a:pPr/>
                 <a14:m>
                   <m:oMathPara xmlns:m="http://schemas.openxmlformats.org/officeDocument/2006/math">
                     <m:oMathParaPr>
@@ -4784,7 +4794,7 @@
             </p:txBody>
           </p:sp>
         </mc:Choice>
-        <mc:Fallback>
+        <mc:Fallback xmlns="">
           <p:sp>
             <p:nvSpPr>
               <p:cNvPr id="35" name="テキスト ボックス 34">
@@ -4829,8 +4839,8 @@
           </p:sp>
         </mc:Fallback>
       </mc:AlternateContent>
-      <mc:AlternateContent xmlns:mc="http://schemas.openxmlformats.org/markup-compatibility/2006">
-        <mc:Choice xmlns:a14="http://schemas.microsoft.com/office/drawing/2010/main" Requires="a14">
+      <mc:AlternateContent xmlns:mc="http://schemas.openxmlformats.org/markup-compatibility/2006" xmlns:a14="http://schemas.microsoft.com/office/drawing/2010/main">
+        <mc:Choice Requires="a14">
           <p:sp>
             <p:nvSpPr>
               <p:cNvPr id="36" name="テキスト ボックス 35">
@@ -4859,6 +4869,7 @@
               </a:bodyPr>
               <a:lstStyle/>
               <a:p>
+                <a:pPr/>
                 <a14:m>
                   <m:oMathPara xmlns:m="http://schemas.openxmlformats.org/officeDocument/2006/math">
                     <m:oMathParaPr>
@@ -4898,7 +4909,7 @@
             </p:txBody>
           </p:sp>
         </mc:Choice>
-        <mc:Fallback>
+        <mc:Fallback xmlns="">
           <p:sp>
             <p:nvSpPr>
               <p:cNvPr id="36" name="テキスト ボックス 35">
@@ -4943,8 +4954,8 @@
           </p:sp>
         </mc:Fallback>
       </mc:AlternateContent>
-      <mc:AlternateContent xmlns:mc="http://schemas.openxmlformats.org/markup-compatibility/2006">
-        <mc:Choice xmlns:a14="http://schemas.microsoft.com/office/drawing/2010/main" Requires="a14">
+      <mc:AlternateContent xmlns:mc="http://schemas.openxmlformats.org/markup-compatibility/2006" xmlns:a14="http://schemas.microsoft.com/office/drawing/2010/main">
+        <mc:Choice Requires="a14">
           <p:sp>
             <p:nvSpPr>
               <p:cNvPr id="37" name="テキスト ボックス 36">
@@ -4973,6 +4984,7 @@
               </a:bodyPr>
               <a:lstStyle/>
               <a:p>
+                <a:pPr/>
                 <a14:m>
                   <m:oMathPara xmlns:m="http://schemas.openxmlformats.org/officeDocument/2006/math">
                     <m:oMathParaPr>
@@ -5012,7 +5024,7 @@
             </p:txBody>
           </p:sp>
         </mc:Choice>
-        <mc:Fallback>
+        <mc:Fallback xmlns="">
           <p:sp>
             <p:nvSpPr>
               <p:cNvPr id="37" name="テキスト ボックス 36">
@@ -5057,8 +5069,8 @@
           </p:sp>
         </mc:Fallback>
       </mc:AlternateContent>
-      <mc:AlternateContent xmlns:mc="http://schemas.openxmlformats.org/markup-compatibility/2006">
-        <mc:Choice xmlns:a14="http://schemas.microsoft.com/office/drawing/2010/main" Requires="a14">
+      <mc:AlternateContent xmlns:mc="http://schemas.openxmlformats.org/markup-compatibility/2006" xmlns:a14="http://schemas.microsoft.com/office/drawing/2010/main">
+        <mc:Choice Requires="a14">
           <p:sp>
             <p:nvSpPr>
               <p:cNvPr id="38" name="テキスト ボックス 37">
@@ -5087,6 +5099,7 @@
               </a:bodyPr>
               <a:lstStyle/>
               <a:p>
+                <a:pPr/>
                 <a14:m>
                   <m:oMathPara xmlns:m="http://schemas.openxmlformats.org/officeDocument/2006/math">
                     <m:oMathParaPr>
@@ -5126,7 +5139,7 @@
             </p:txBody>
           </p:sp>
         </mc:Choice>
-        <mc:Fallback>
+        <mc:Fallback xmlns="">
           <p:sp>
             <p:nvSpPr>
               <p:cNvPr id="38" name="テキスト ボックス 37">
@@ -5376,6 +5389,2969 @@
     <p:extLst>
       <p:ext uri="{BB962C8B-B14F-4D97-AF65-F5344CB8AC3E}">
         <p14:creationId xmlns:p14="http://schemas.microsoft.com/office/powerpoint/2010/main" val="2273570504"/>
+      </p:ext>
+    </p:extLst>
+  </p:cSld>
+  <p:clrMapOvr>
+    <a:masterClrMapping/>
+  </p:clrMapOvr>
+</p:sld>
+</file>
+
+<file path=ppt/slides/slide2.xml><?xml version="1.0" encoding="utf-8"?>
+<p:sld xmlns:a="http://schemas.openxmlformats.org/drawingml/2006/main" xmlns:r="http://schemas.openxmlformats.org/officeDocument/2006/relationships" xmlns:p="http://schemas.openxmlformats.org/presentationml/2006/main">
+  <p:cSld>
+    <p:spTree>
+      <p:nvGrpSpPr>
+        <p:cNvPr id="1" name=""/>
+        <p:cNvGrpSpPr/>
+        <p:nvPr/>
+      </p:nvGrpSpPr>
+      <p:grpSpPr>
+        <a:xfrm>
+          <a:off x="0" y="0"/>
+          <a:ext cx="0" cy="0"/>
+          <a:chOff x="0" y="0"/>
+          <a:chExt cx="0" cy="0"/>
+        </a:xfrm>
+      </p:grpSpPr>
+      <p:grpSp>
+        <p:nvGrpSpPr>
+          <p:cNvPr id="2" name="グループ化 1">
+            <a:extLst>
+              <a:ext uri="{FF2B5EF4-FFF2-40B4-BE49-F238E27FC236}">
+                <a16:creationId xmlns:a16="http://schemas.microsoft.com/office/drawing/2014/main" id="{AF96298F-9868-3801-8A10-BBA4B2FC43CB}"/>
+              </a:ext>
+            </a:extLst>
+          </p:cNvPr>
+          <p:cNvGrpSpPr/>
+          <p:nvPr/>
+        </p:nvGrpSpPr>
+        <p:grpSpPr>
+          <a:xfrm rot="16200000">
+            <a:off x="3008677" y="4061792"/>
+            <a:ext cx="720000" cy="360000"/>
+            <a:chOff x="1613631" y="2409000"/>
+            <a:chExt cx="720000" cy="360000"/>
+          </a:xfrm>
+        </p:grpSpPr>
+        <p:sp>
+          <p:nvSpPr>
+            <p:cNvPr id="3" name="正方形/長方形 2">
+              <a:extLst>
+                <a:ext uri="{FF2B5EF4-FFF2-40B4-BE49-F238E27FC236}">
+                  <a16:creationId xmlns:a16="http://schemas.microsoft.com/office/drawing/2014/main" id="{4EE04F6E-A454-28C2-B28A-D4B35E06C545}"/>
+                </a:ext>
+              </a:extLst>
+            </p:cNvPr>
+            <p:cNvSpPr/>
+            <p:nvPr/>
+          </p:nvSpPr>
+          <p:spPr>
+            <a:xfrm rot="16200000">
+              <a:off x="1793631" y="2229000"/>
+              <a:ext cx="360000" cy="720000"/>
+            </a:xfrm>
+            <a:prstGeom prst="rect">
+              <a:avLst/>
+            </a:prstGeom>
+            <a:solidFill>
+              <a:schemeClr val="bg1"/>
+            </a:solidFill>
+            <a:ln w="28575">
+              <a:solidFill>
+                <a:schemeClr val="tx1"/>
+              </a:solidFill>
+            </a:ln>
+          </p:spPr>
+          <p:style>
+            <a:lnRef idx="2">
+              <a:schemeClr val="accent1">
+                <a:shade val="15000"/>
+              </a:schemeClr>
+            </a:lnRef>
+            <a:fillRef idx="1">
+              <a:schemeClr val="accent1"/>
+            </a:fillRef>
+            <a:effectRef idx="0">
+              <a:schemeClr val="accent1"/>
+            </a:effectRef>
+            <a:fontRef idx="minor">
+              <a:schemeClr val="lt1"/>
+            </a:fontRef>
+          </p:style>
+          <p:txBody>
+            <a:bodyPr rtlCol="0" anchor="ctr"/>
+            <a:lstStyle/>
+            <a:p>
+              <a:pPr algn="ctr"/>
+              <a:endParaRPr kumimoji="1" lang="ja-JP" altLang="en-US"/>
+            </a:p>
+          </p:txBody>
+        </p:sp>
+        <p:sp>
+          <p:nvSpPr>
+            <p:cNvPr id="4" name="フローチャート: 結合子 3">
+              <a:extLst>
+                <a:ext uri="{FF2B5EF4-FFF2-40B4-BE49-F238E27FC236}">
+                  <a16:creationId xmlns:a16="http://schemas.microsoft.com/office/drawing/2014/main" id="{77BDDB86-088A-0DC8-27ED-243BA51EDE9F}"/>
+                </a:ext>
+              </a:extLst>
+            </p:cNvPr>
+            <p:cNvSpPr/>
+            <p:nvPr/>
+          </p:nvSpPr>
+          <p:spPr>
+            <a:xfrm>
+              <a:off x="1751346" y="2529482"/>
+              <a:ext cx="119034" cy="119034"/>
+            </a:xfrm>
+            <a:prstGeom prst="flowChartConnector">
+              <a:avLst/>
+            </a:prstGeom>
+          </p:spPr>
+          <p:style>
+            <a:lnRef idx="2">
+              <a:schemeClr val="dk1">
+                <a:shade val="15000"/>
+              </a:schemeClr>
+            </a:lnRef>
+            <a:fillRef idx="1">
+              <a:schemeClr val="dk1"/>
+            </a:fillRef>
+            <a:effectRef idx="0">
+              <a:schemeClr val="dk1"/>
+            </a:effectRef>
+            <a:fontRef idx="minor">
+              <a:schemeClr val="lt1"/>
+            </a:fontRef>
+          </p:style>
+          <p:txBody>
+            <a:bodyPr rtlCol="0" anchor="ctr"/>
+            <a:lstStyle/>
+            <a:p>
+              <a:pPr algn="ctr"/>
+              <a:endParaRPr kumimoji="1" lang="ja-JP" altLang="en-US"/>
+            </a:p>
+          </p:txBody>
+        </p:sp>
+      </p:grpSp>
+      <mc:AlternateContent xmlns:mc="http://schemas.openxmlformats.org/markup-compatibility/2006">
+        <mc:Choice xmlns:a14="http://schemas.microsoft.com/office/drawing/2010/main" Requires="a14">
+          <p:sp>
+            <p:nvSpPr>
+              <p:cNvPr id="5" name="テキスト ボックス 4">
+                <a:extLst>
+                  <a:ext uri="{FF2B5EF4-FFF2-40B4-BE49-F238E27FC236}">
+                    <a16:creationId xmlns:a16="http://schemas.microsoft.com/office/drawing/2014/main" id="{780BEECB-B2A8-963D-0FB5-692BAB899623}"/>
+                  </a:ext>
+                </a:extLst>
+              </p:cNvPr>
+              <p:cNvSpPr txBox="1"/>
+              <p:nvPr/>
+            </p:nvSpPr>
+            <p:spPr>
+              <a:xfrm flipH="1">
+                <a:off x="3548676" y="4417126"/>
+                <a:ext cx="387182" cy="369332"/>
+              </a:xfrm>
+              <a:prstGeom prst="rect">
+                <a:avLst/>
+              </a:prstGeom>
+              <a:noFill/>
+            </p:spPr>
+            <p:txBody>
+              <a:bodyPr wrap="square" rtlCol="0">
+                <a:spAutoFit/>
+              </a:bodyPr>
+              <a:lstStyle/>
+              <a:p>
+                <a:pPr/>
+                <a14:m>
+                  <m:oMathPara xmlns:m="http://schemas.openxmlformats.org/officeDocument/2006/math">
+                    <m:oMathParaPr>
+                      <m:jc m:val="centerGroup"/>
+                    </m:oMathParaPr>
+                    <m:oMath xmlns:m="http://schemas.openxmlformats.org/officeDocument/2006/math">
+                      <m:r>
+                        <a:rPr kumimoji="1" lang="en-US" altLang="ja-JP" b="0" i="1" smtClean="0">
+                          <a:latin typeface="Cambria Math" panose="02040503050406030204" pitchFamily="18" charset="0"/>
+                        </a:rPr>
+                        <m:t>𝑝</m:t>
+                      </m:r>
+                    </m:oMath>
+                  </m:oMathPara>
+                </a14:m>
+                <a:endParaRPr kumimoji="1" lang="ja-JP" altLang="en-US" dirty="0"/>
+              </a:p>
+            </p:txBody>
+          </p:sp>
+        </mc:Choice>
+        <mc:Fallback>
+          <p:sp>
+            <p:nvSpPr>
+              <p:cNvPr id="5" name="テキスト ボックス 4">
+                <a:extLst>
+                  <a:ext uri="{FF2B5EF4-FFF2-40B4-BE49-F238E27FC236}">
+                    <a16:creationId xmlns:a16="http://schemas.microsoft.com/office/drawing/2014/main" id="{780BEECB-B2A8-963D-0FB5-692BAB899623}"/>
+                  </a:ext>
+                </a:extLst>
+              </p:cNvPr>
+              <p:cNvSpPr txBox="1">
+                <a:spLocks noRot="1" noChangeAspect="1" noMove="1" noResize="1" noEditPoints="1" noAdjustHandles="1" noChangeArrowheads="1" noChangeShapeType="1" noTextEdit="1"/>
+              </p:cNvSpPr>
+              <p:nvPr/>
+            </p:nvSpPr>
+            <p:spPr>
+              <a:xfrm flipH="1">
+                <a:off x="3548676" y="4417126"/>
+                <a:ext cx="387182" cy="369332"/>
+              </a:xfrm>
+              <a:prstGeom prst="rect">
+                <a:avLst/>
+              </a:prstGeom>
+              <a:blipFill>
+                <a:blip r:embed="rId2"/>
+                <a:stretch>
+                  <a:fillRect b="-6667"/>
+                </a:stretch>
+              </a:blipFill>
+            </p:spPr>
+            <p:txBody>
+              <a:bodyPr/>
+              <a:lstStyle/>
+              <a:p>
+                <a:r>
+                  <a:rPr lang="ja-JP" altLang="en-US">
+                    <a:noFill/>
+                  </a:rPr>
+                  <a:t> </a:t>
+                </a:r>
+              </a:p>
+            </p:txBody>
+          </p:sp>
+        </mc:Fallback>
+      </mc:AlternateContent>
+      <p:cxnSp>
+        <p:nvCxnSpPr>
+          <p:cNvPr id="6" name="直線矢印コネクタ 5">
+            <a:extLst>
+              <a:ext uri="{FF2B5EF4-FFF2-40B4-BE49-F238E27FC236}">
+                <a16:creationId xmlns:a16="http://schemas.microsoft.com/office/drawing/2014/main" id="{B7B7A95D-9AC9-C71F-B9B7-E32CFA44F007}"/>
+              </a:ext>
+            </a:extLst>
+          </p:cNvPr>
+          <p:cNvCxnSpPr/>
+          <p:nvPr/>
+        </p:nvCxnSpPr>
+        <p:spPr>
+          <a:xfrm flipV="1">
+            <a:off x="1017203" y="4565335"/>
+            <a:ext cx="0" cy="1080000"/>
+          </a:xfrm>
+          <a:prstGeom prst="straightConnector1">
+            <a:avLst/>
+          </a:prstGeom>
+          <a:ln w="28575">
+            <a:tailEnd type="triangle"/>
+          </a:ln>
+        </p:spPr>
+        <p:style>
+          <a:lnRef idx="2">
+            <a:schemeClr val="dk1"/>
+          </a:lnRef>
+          <a:fillRef idx="0">
+            <a:schemeClr val="dk1"/>
+          </a:fillRef>
+          <a:effectRef idx="1">
+            <a:schemeClr val="dk1"/>
+          </a:effectRef>
+          <a:fontRef idx="minor">
+            <a:schemeClr val="tx1"/>
+          </a:fontRef>
+        </p:style>
+      </p:cxnSp>
+      <p:cxnSp>
+        <p:nvCxnSpPr>
+          <p:cNvPr id="7" name="直線矢印コネクタ 6">
+            <a:extLst>
+              <a:ext uri="{FF2B5EF4-FFF2-40B4-BE49-F238E27FC236}">
+                <a16:creationId xmlns:a16="http://schemas.microsoft.com/office/drawing/2014/main" id="{3E59696A-7590-72A1-FF3A-4A29CD334694}"/>
+              </a:ext>
+            </a:extLst>
+          </p:cNvPr>
+          <p:cNvCxnSpPr>
+            <a:cxnSpLocks/>
+          </p:cNvCxnSpPr>
+          <p:nvPr/>
+        </p:nvCxnSpPr>
+        <p:spPr>
+          <a:xfrm rot="5400000" flipV="1">
+            <a:off x="1321101" y="4815127"/>
+            <a:ext cx="0" cy="1080000"/>
+          </a:xfrm>
+          <a:prstGeom prst="straightConnector1">
+            <a:avLst/>
+          </a:prstGeom>
+          <a:ln w="28575">
+            <a:tailEnd type="triangle"/>
+          </a:ln>
+        </p:spPr>
+        <p:style>
+          <a:lnRef idx="2">
+            <a:schemeClr val="dk1"/>
+          </a:lnRef>
+          <a:fillRef idx="0">
+            <a:schemeClr val="dk1"/>
+          </a:fillRef>
+          <a:effectRef idx="1">
+            <a:schemeClr val="dk1"/>
+          </a:effectRef>
+          <a:fontRef idx="minor">
+            <a:schemeClr val="tx1"/>
+          </a:fontRef>
+        </p:style>
+      </p:cxnSp>
+      <p:sp>
+        <p:nvSpPr>
+          <p:cNvPr id="8" name="テキスト ボックス 7">
+            <a:extLst>
+              <a:ext uri="{FF2B5EF4-FFF2-40B4-BE49-F238E27FC236}">
+                <a16:creationId xmlns:a16="http://schemas.microsoft.com/office/drawing/2014/main" id="{47E75CE7-AF39-5541-AA0D-71E36CE1F6F8}"/>
+              </a:ext>
+            </a:extLst>
+          </p:cNvPr>
+          <p:cNvSpPr txBox="1"/>
+          <p:nvPr/>
+        </p:nvSpPr>
+        <p:spPr>
+          <a:xfrm flipH="1">
+            <a:off x="1805900" y="5170461"/>
+            <a:ext cx="270532" cy="369332"/>
+          </a:xfrm>
+          <a:prstGeom prst="rect">
+            <a:avLst/>
+          </a:prstGeom>
+          <a:noFill/>
+        </p:spPr>
+        <p:txBody>
+          <a:bodyPr wrap="square" rtlCol="0">
+            <a:spAutoFit/>
+          </a:bodyPr>
+          <a:lstStyle/>
+          <a:p>
+            <a:r>
+              <a:rPr kumimoji="1" lang="en-US" altLang="ja-JP" dirty="0"/>
+              <a:t>y</a:t>
+            </a:r>
+            <a:endParaRPr kumimoji="1" lang="ja-JP" altLang="en-US" dirty="0"/>
+          </a:p>
+        </p:txBody>
+      </p:sp>
+      <p:cxnSp>
+        <p:nvCxnSpPr>
+          <p:cNvPr id="29" name="直線コネクタ 28">
+            <a:extLst>
+              <a:ext uri="{FF2B5EF4-FFF2-40B4-BE49-F238E27FC236}">
+                <a16:creationId xmlns:a16="http://schemas.microsoft.com/office/drawing/2014/main" id="{AED9F827-DE2B-311F-AF5A-62DB0BFB72BC}"/>
+              </a:ext>
+            </a:extLst>
+          </p:cNvPr>
+          <p:cNvCxnSpPr>
+            <a:cxnSpLocks/>
+          </p:cNvCxnSpPr>
+          <p:nvPr/>
+        </p:nvCxnSpPr>
+        <p:spPr>
+          <a:xfrm flipH="1" flipV="1">
+            <a:off x="881937" y="1205578"/>
+            <a:ext cx="2486739" cy="2842217"/>
+          </a:xfrm>
+          <a:prstGeom prst="line">
+            <a:avLst/>
+          </a:prstGeom>
+          <a:ln>
+            <a:prstDash val="dash"/>
+          </a:ln>
+        </p:spPr>
+        <p:style>
+          <a:lnRef idx="2">
+            <a:schemeClr val="dk1"/>
+          </a:lnRef>
+          <a:fillRef idx="0">
+            <a:schemeClr val="dk1"/>
+          </a:fillRef>
+          <a:effectRef idx="1">
+            <a:schemeClr val="dk1"/>
+          </a:effectRef>
+          <a:fontRef idx="minor">
+            <a:schemeClr val="tx1"/>
+          </a:fontRef>
+        </p:style>
+      </p:cxnSp>
+      <p:sp>
+        <p:nvSpPr>
+          <p:cNvPr id="9" name="テキスト ボックス 8">
+            <a:extLst>
+              <a:ext uri="{FF2B5EF4-FFF2-40B4-BE49-F238E27FC236}">
+                <a16:creationId xmlns:a16="http://schemas.microsoft.com/office/drawing/2014/main" id="{FCA7BDDF-B1AF-11D5-57AA-7392D5DC06FB}"/>
+              </a:ext>
+            </a:extLst>
+          </p:cNvPr>
+          <p:cNvSpPr txBox="1"/>
+          <p:nvPr/>
+        </p:nvSpPr>
+        <p:spPr>
+          <a:xfrm flipH="1">
+            <a:off x="881937" y="4232460"/>
+            <a:ext cx="270532" cy="369332"/>
+          </a:xfrm>
+          <a:prstGeom prst="rect">
+            <a:avLst/>
+          </a:prstGeom>
+          <a:noFill/>
+        </p:spPr>
+        <p:txBody>
+          <a:bodyPr wrap="square" rtlCol="0">
+            <a:spAutoFit/>
+          </a:bodyPr>
+          <a:lstStyle/>
+          <a:p>
+            <a:r>
+              <a:rPr kumimoji="1" lang="en-US" altLang="ja-JP" dirty="0"/>
+              <a:t>x</a:t>
+            </a:r>
+            <a:endParaRPr kumimoji="1" lang="ja-JP" altLang="en-US" dirty="0"/>
+          </a:p>
+        </p:txBody>
+      </p:sp>
+      <p:cxnSp>
+        <p:nvCxnSpPr>
+          <p:cNvPr id="11" name="直線コネクタ 10">
+            <a:extLst>
+              <a:ext uri="{FF2B5EF4-FFF2-40B4-BE49-F238E27FC236}">
+                <a16:creationId xmlns:a16="http://schemas.microsoft.com/office/drawing/2014/main" id="{D4D6BDAA-D079-D11B-8792-87AC6C0825D4}"/>
+              </a:ext>
+            </a:extLst>
+          </p:cNvPr>
+          <p:cNvCxnSpPr>
+            <a:cxnSpLocks/>
+          </p:cNvCxnSpPr>
+          <p:nvPr/>
+        </p:nvCxnSpPr>
+        <p:spPr>
+          <a:xfrm flipH="1" flipV="1">
+            <a:off x="1287735" y="685639"/>
+            <a:ext cx="2021424" cy="3601239"/>
+          </a:xfrm>
+          <a:prstGeom prst="line">
+            <a:avLst/>
+          </a:prstGeom>
+          <a:ln>
+            <a:prstDash val="dash"/>
+          </a:ln>
+        </p:spPr>
+        <p:style>
+          <a:lnRef idx="2">
+            <a:schemeClr val="dk1"/>
+          </a:lnRef>
+          <a:fillRef idx="0">
+            <a:schemeClr val="dk1"/>
+          </a:fillRef>
+          <a:effectRef idx="1">
+            <a:schemeClr val="dk1"/>
+          </a:effectRef>
+          <a:fontRef idx="minor">
+            <a:schemeClr val="tx1"/>
+          </a:fontRef>
+        </p:style>
+      </p:cxnSp>
+      <p:grpSp>
+        <p:nvGrpSpPr>
+          <p:cNvPr id="16" name="グループ化 15">
+            <a:extLst>
+              <a:ext uri="{FF2B5EF4-FFF2-40B4-BE49-F238E27FC236}">
+                <a16:creationId xmlns:a16="http://schemas.microsoft.com/office/drawing/2014/main" id="{C3E09CA0-3FBC-B076-3D63-5789B918B2EF}"/>
+              </a:ext>
+            </a:extLst>
+          </p:cNvPr>
+          <p:cNvGrpSpPr/>
+          <p:nvPr/>
+        </p:nvGrpSpPr>
+        <p:grpSpPr>
+          <a:xfrm>
+            <a:off x="2591584" y="3171415"/>
+            <a:ext cx="324151" cy="324151"/>
+            <a:chOff x="5232099" y="1698944"/>
+            <a:chExt cx="914400" cy="914400"/>
+          </a:xfrm>
+        </p:grpSpPr>
+        <p:sp>
+          <p:nvSpPr>
+            <p:cNvPr id="12" name="楕円 11">
+              <a:extLst>
+                <a:ext uri="{FF2B5EF4-FFF2-40B4-BE49-F238E27FC236}">
+                  <a16:creationId xmlns:a16="http://schemas.microsoft.com/office/drawing/2014/main" id="{330B2C1B-080B-279A-9801-F23CB18FF43C}"/>
+                </a:ext>
+              </a:extLst>
+            </p:cNvPr>
+            <p:cNvSpPr/>
+            <p:nvPr/>
+          </p:nvSpPr>
+          <p:spPr>
+            <a:xfrm>
+              <a:off x="5232099" y="1698944"/>
+              <a:ext cx="914400" cy="914400"/>
+            </a:xfrm>
+            <a:prstGeom prst="ellipse">
+              <a:avLst/>
+            </a:prstGeom>
+            <a:solidFill>
+              <a:schemeClr val="bg1"/>
+            </a:solidFill>
+            <a:ln w="28575">
+              <a:solidFill>
+                <a:schemeClr val="bg1">
+                  <a:lumMod val="75000"/>
+                </a:schemeClr>
+              </a:solidFill>
+              <a:prstDash val="solid"/>
+            </a:ln>
+          </p:spPr>
+          <p:style>
+            <a:lnRef idx="2">
+              <a:schemeClr val="accent1">
+                <a:shade val="15000"/>
+              </a:schemeClr>
+            </a:lnRef>
+            <a:fillRef idx="1">
+              <a:schemeClr val="accent1"/>
+            </a:fillRef>
+            <a:effectRef idx="0">
+              <a:schemeClr val="accent1"/>
+            </a:effectRef>
+            <a:fontRef idx="minor">
+              <a:schemeClr val="lt1"/>
+            </a:fontRef>
+          </p:style>
+          <p:txBody>
+            <a:bodyPr rtlCol="0" anchor="ctr"/>
+            <a:lstStyle/>
+            <a:p>
+              <a:pPr algn="ctr"/>
+              <a:endParaRPr kumimoji="1" lang="ja-JP" altLang="en-US"/>
+            </a:p>
+          </p:txBody>
+        </p:sp>
+        <p:cxnSp>
+          <p:nvCxnSpPr>
+            <p:cNvPr id="14" name="直線コネクタ 13">
+              <a:extLst>
+                <a:ext uri="{FF2B5EF4-FFF2-40B4-BE49-F238E27FC236}">
+                  <a16:creationId xmlns:a16="http://schemas.microsoft.com/office/drawing/2014/main" id="{9AC7A422-2854-DE2B-48F5-12871C78FF72}"/>
+                </a:ext>
+              </a:extLst>
+            </p:cNvPr>
+            <p:cNvCxnSpPr>
+              <a:cxnSpLocks/>
+            </p:cNvCxnSpPr>
+            <p:nvPr/>
+          </p:nvCxnSpPr>
+          <p:spPr>
+            <a:xfrm rot="2700000">
+              <a:off x="5232099" y="2156144"/>
+              <a:ext cx="914400" cy="0"/>
+            </a:xfrm>
+            <a:prstGeom prst="line">
+              <a:avLst/>
+            </a:prstGeom>
+            <a:ln w="38100">
+              <a:solidFill>
+                <a:schemeClr val="bg1">
+                  <a:lumMod val="75000"/>
+                </a:schemeClr>
+              </a:solidFill>
+              <a:prstDash val="solid"/>
+            </a:ln>
+          </p:spPr>
+          <p:style>
+            <a:lnRef idx="2">
+              <a:schemeClr val="dk1"/>
+            </a:lnRef>
+            <a:fillRef idx="0">
+              <a:schemeClr val="dk1"/>
+            </a:fillRef>
+            <a:effectRef idx="1">
+              <a:schemeClr val="dk1"/>
+            </a:effectRef>
+            <a:fontRef idx="minor">
+              <a:schemeClr val="tx1"/>
+            </a:fontRef>
+          </p:style>
+        </p:cxnSp>
+        <p:cxnSp>
+          <p:nvCxnSpPr>
+            <p:cNvPr id="15" name="直線コネクタ 14">
+              <a:extLst>
+                <a:ext uri="{FF2B5EF4-FFF2-40B4-BE49-F238E27FC236}">
+                  <a16:creationId xmlns:a16="http://schemas.microsoft.com/office/drawing/2014/main" id="{D77EDB21-E743-153D-F987-19FE57C2811C}"/>
+                </a:ext>
+              </a:extLst>
+            </p:cNvPr>
+            <p:cNvCxnSpPr>
+              <a:cxnSpLocks/>
+            </p:cNvCxnSpPr>
+            <p:nvPr/>
+          </p:nvCxnSpPr>
+          <p:spPr>
+            <a:xfrm rot="18900000" flipH="1">
+              <a:off x="5232099" y="2156144"/>
+              <a:ext cx="914400" cy="0"/>
+            </a:xfrm>
+            <a:prstGeom prst="line">
+              <a:avLst/>
+            </a:prstGeom>
+            <a:ln w="38100">
+              <a:solidFill>
+                <a:schemeClr val="bg1">
+                  <a:lumMod val="75000"/>
+                </a:schemeClr>
+              </a:solidFill>
+              <a:prstDash val="solid"/>
+            </a:ln>
+          </p:spPr>
+          <p:style>
+            <a:lnRef idx="2">
+              <a:schemeClr val="dk1"/>
+            </a:lnRef>
+            <a:fillRef idx="0">
+              <a:schemeClr val="dk1"/>
+            </a:fillRef>
+            <a:effectRef idx="1">
+              <a:schemeClr val="dk1"/>
+            </a:effectRef>
+            <a:fontRef idx="minor">
+              <a:schemeClr val="tx1"/>
+            </a:fontRef>
+          </p:style>
+        </p:cxnSp>
+      </p:grpSp>
+      <p:cxnSp>
+        <p:nvCxnSpPr>
+          <p:cNvPr id="18" name="直線矢印コネクタ 17">
+            <a:extLst>
+              <a:ext uri="{FF2B5EF4-FFF2-40B4-BE49-F238E27FC236}">
+                <a16:creationId xmlns:a16="http://schemas.microsoft.com/office/drawing/2014/main" id="{8F313BB0-86F9-DE6F-201B-619DA82DB93E}"/>
+              </a:ext>
+            </a:extLst>
+          </p:cNvPr>
+          <p:cNvCxnSpPr>
+            <a:cxnSpLocks/>
+          </p:cNvCxnSpPr>
+          <p:nvPr/>
+        </p:nvCxnSpPr>
+        <p:spPr>
+          <a:xfrm flipH="1" flipV="1">
+            <a:off x="2119822" y="2177321"/>
+            <a:ext cx="556300" cy="1006794"/>
+          </a:xfrm>
+          <a:prstGeom prst="straightConnector1">
+            <a:avLst/>
+          </a:prstGeom>
+          <a:ln w="38100">
+            <a:tailEnd type="triangle"/>
+          </a:ln>
+        </p:spPr>
+        <p:style>
+          <a:lnRef idx="2">
+            <a:schemeClr val="dk1"/>
+          </a:lnRef>
+          <a:fillRef idx="0">
+            <a:schemeClr val="dk1"/>
+          </a:fillRef>
+          <a:effectRef idx="1">
+            <a:schemeClr val="dk1"/>
+          </a:effectRef>
+          <a:fontRef idx="minor">
+            <a:schemeClr val="tx1"/>
+          </a:fontRef>
+        </p:style>
+      </p:cxnSp>
+      <p:grpSp>
+        <p:nvGrpSpPr>
+          <p:cNvPr id="22" name="グループ化 21">
+            <a:extLst>
+              <a:ext uri="{FF2B5EF4-FFF2-40B4-BE49-F238E27FC236}">
+                <a16:creationId xmlns:a16="http://schemas.microsoft.com/office/drawing/2014/main" id="{48F831BC-9EB5-69DB-47D5-F3BFC80671ED}"/>
+              </a:ext>
+            </a:extLst>
+          </p:cNvPr>
+          <p:cNvGrpSpPr/>
+          <p:nvPr/>
+        </p:nvGrpSpPr>
+        <p:grpSpPr>
+          <a:xfrm>
+            <a:off x="1690435" y="1548516"/>
+            <a:ext cx="324151" cy="324151"/>
+            <a:chOff x="5232099" y="1698944"/>
+            <a:chExt cx="914400" cy="914400"/>
+          </a:xfrm>
+        </p:grpSpPr>
+        <p:sp>
+          <p:nvSpPr>
+            <p:cNvPr id="23" name="楕円 22">
+              <a:extLst>
+                <a:ext uri="{FF2B5EF4-FFF2-40B4-BE49-F238E27FC236}">
+                  <a16:creationId xmlns:a16="http://schemas.microsoft.com/office/drawing/2014/main" id="{2EE5A788-FF0F-05E2-B0CC-AE57C8533703}"/>
+                </a:ext>
+              </a:extLst>
+            </p:cNvPr>
+            <p:cNvSpPr/>
+            <p:nvPr/>
+          </p:nvSpPr>
+          <p:spPr>
+            <a:xfrm>
+              <a:off x="5232099" y="1698944"/>
+              <a:ext cx="914400" cy="914400"/>
+            </a:xfrm>
+            <a:prstGeom prst="ellipse">
+              <a:avLst/>
+            </a:prstGeom>
+            <a:solidFill>
+              <a:schemeClr val="bg1"/>
+            </a:solidFill>
+            <a:ln w="28575"/>
+          </p:spPr>
+          <p:style>
+            <a:lnRef idx="2">
+              <a:schemeClr val="accent1">
+                <a:shade val="15000"/>
+              </a:schemeClr>
+            </a:lnRef>
+            <a:fillRef idx="1">
+              <a:schemeClr val="accent1"/>
+            </a:fillRef>
+            <a:effectRef idx="0">
+              <a:schemeClr val="accent1"/>
+            </a:effectRef>
+            <a:fontRef idx="minor">
+              <a:schemeClr val="lt1"/>
+            </a:fontRef>
+          </p:style>
+          <p:txBody>
+            <a:bodyPr rtlCol="0" anchor="ctr"/>
+            <a:lstStyle/>
+            <a:p>
+              <a:pPr algn="ctr"/>
+              <a:endParaRPr kumimoji="1" lang="ja-JP" altLang="en-US"/>
+            </a:p>
+          </p:txBody>
+        </p:sp>
+        <p:cxnSp>
+          <p:nvCxnSpPr>
+            <p:cNvPr id="24" name="直線コネクタ 23">
+              <a:extLst>
+                <a:ext uri="{FF2B5EF4-FFF2-40B4-BE49-F238E27FC236}">
+                  <a16:creationId xmlns:a16="http://schemas.microsoft.com/office/drawing/2014/main" id="{B330C045-80B2-7DEC-4C3F-2BD1FB01AA45}"/>
+                </a:ext>
+              </a:extLst>
+            </p:cNvPr>
+            <p:cNvCxnSpPr>
+              <a:cxnSpLocks/>
+            </p:cNvCxnSpPr>
+            <p:nvPr/>
+          </p:nvCxnSpPr>
+          <p:spPr>
+            <a:xfrm rot="2700000">
+              <a:off x="5232099" y="2156144"/>
+              <a:ext cx="914400" cy="0"/>
+            </a:xfrm>
+            <a:prstGeom prst="line">
+              <a:avLst/>
+            </a:prstGeom>
+            <a:ln w="38100"/>
+          </p:spPr>
+          <p:style>
+            <a:lnRef idx="2">
+              <a:schemeClr val="dk1"/>
+            </a:lnRef>
+            <a:fillRef idx="0">
+              <a:schemeClr val="dk1"/>
+            </a:fillRef>
+            <a:effectRef idx="1">
+              <a:schemeClr val="dk1"/>
+            </a:effectRef>
+            <a:fontRef idx="minor">
+              <a:schemeClr val="tx1"/>
+            </a:fontRef>
+          </p:style>
+        </p:cxnSp>
+        <p:cxnSp>
+          <p:nvCxnSpPr>
+            <p:cNvPr id="25" name="直線コネクタ 24">
+              <a:extLst>
+                <a:ext uri="{FF2B5EF4-FFF2-40B4-BE49-F238E27FC236}">
+                  <a16:creationId xmlns:a16="http://schemas.microsoft.com/office/drawing/2014/main" id="{905A8CB4-8DE9-3ACD-4C1F-75172BF9BAB8}"/>
+                </a:ext>
+              </a:extLst>
+            </p:cNvPr>
+            <p:cNvCxnSpPr>
+              <a:cxnSpLocks/>
+            </p:cNvCxnSpPr>
+            <p:nvPr/>
+          </p:nvCxnSpPr>
+          <p:spPr>
+            <a:xfrm rot="18900000" flipH="1">
+              <a:off x="5232099" y="2156144"/>
+              <a:ext cx="914400" cy="0"/>
+            </a:xfrm>
+            <a:prstGeom prst="line">
+              <a:avLst/>
+            </a:prstGeom>
+            <a:ln w="38100"/>
+          </p:spPr>
+          <p:style>
+            <a:lnRef idx="2">
+              <a:schemeClr val="dk1"/>
+            </a:lnRef>
+            <a:fillRef idx="0">
+              <a:schemeClr val="dk1"/>
+            </a:fillRef>
+            <a:effectRef idx="1">
+              <a:schemeClr val="dk1"/>
+            </a:effectRef>
+            <a:fontRef idx="minor">
+              <a:schemeClr val="tx1"/>
+            </a:fontRef>
+          </p:style>
+        </p:cxnSp>
+      </p:grpSp>
+      <mc:AlternateContent xmlns:mc="http://schemas.openxmlformats.org/markup-compatibility/2006">
+        <mc:Choice xmlns:a14="http://schemas.microsoft.com/office/drawing/2010/main" Requires="a14">
+          <p:sp>
+            <p:nvSpPr>
+              <p:cNvPr id="27" name="テキスト ボックス 26">
+                <a:extLst>
+                  <a:ext uri="{FF2B5EF4-FFF2-40B4-BE49-F238E27FC236}">
+                    <a16:creationId xmlns:a16="http://schemas.microsoft.com/office/drawing/2014/main" id="{51850350-2EE5-FB88-A8FC-738F9CE49CF8}"/>
+                  </a:ext>
+                </a:extLst>
+              </p:cNvPr>
+              <p:cNvSpPr txBox="1"/>
+              <p:nvPr/>
+            </p:nvSpPr>
+            <p:spPr>
+              <a:xfrm flipH="1">
+                <a:off x="2808845" y="2802083"/>
+                <a:ext cx="387182" cy="369332"/>
+              </a:xfrm>
+              <a:prstGeom prst="rect">
+                <a:avLst/>
+              </a:prstGeom>
+              <a:noFill/>
+            </p:spPr>
+            <p:txBody>
+              <a:bodyPr wrap="square" rtlCol="0">
+                <a:spAutoFit/>
+              </a:bodyPr>
+              <a:lstStyle/>
+              <a:p>
+                <a:pPr/>
+                <a14:m>
+                  <m:oMathPara xmlns:m="http://schemas.openxmlformats.org/officeDocument/2006/math">
+                    <m:oMathParaPr>
+                      <m:jc m:val="centerGroup"/>
+                    </m:oMathParaPr>
+                    <m:oMath xmlns:m="http://schemas.openxmlformats.org/officeDocument/2006/math">
+                      <m:sSub>
+                        <m:sSubPr>
+                          <m:ctrlPr>
+                            <a:rPr kumimoji="1" lang="en-US" altLang="ja-JP" b="0" i="1" smtClean="0">
+                              <a:latin typeface="Cambria Math" panose="02040503050406030204" pitchFamily="18" charset="0"/>
+                            </a:rPr>
+                          </m:ctrlPr>
+                        </m:sSubPr>
+                        <m:e>
+                          <m:r>
+                            <a:rPr kumimoji="1" lang="en-US" altLang="ja-JP" b="1" i="1" smtClean="0">
+                              <a:latin typeface="Cambria Math" panose="02040503050406030204" pitchFamily="18" charset="0"/>
+                            </a:rPr>
+                            <m:t>𝝃</m:t>
+                          </m:r>
+                        </m:e>
+                        <m:sub>
+                          <m:r>
+                            <a:rPr kumimoji="1" lang="en-US" altLang="ja-JP" b="0" i="1" smtClean="0">
+                              <a:latin typeface="Cambria Math" panose="02040503050406030204" pitchFamily="18" charset="0"/>
+                            </a:rPr>
+                            <m:t>𝑖</m:t>
+                          </m:r>
+                        </m:sub>
+                      </m:sSub>
+                    </m:oMath>
+                  </m:oMathPara>
+                </a14:m>
+                <a:endParaRPr kumimoji="1" lang="ja-JP" altLang="en-US" dirty="0"/>
+              </a:p>
+            </p:txBody>
+          </p:sp>
+        </mc:Choice>
+        <mc:Fallback>
+          <p:sp>
+            <p:nvSpPr>
+              <p:cNvPr id="27" name="テキスト ボックス 26">
+                <a:extLst>
+                  <a:ext uri="{FF2B5EF4-FFF2-40B4-BE49-F238E27FC236}">
+                    <a16:creationId xmlns:a16="http://schemas.microsoft.com/office/drawing/2014/main" id="{51850350-2EE5-FB88-A8FC-738F9CE49CF8}"/>
+                  </a:ext>
+                </a:extLst>
+              </p:cNvPr>
+              <p:cNvSpPr txBox="1">
+                <a:spLocks noRot="1" noChangeAspect="1" noMove="1" noResize="1" noEditPoints="1" noAdjustHandles="1" noChangeArrowheads="1" noChangeShapeType="1" noTextEdit="1"/>
+              </p:cNvSpPr>
+              <p:nvPr/>
+            </p:nvSpPr>
+            <p:spPr>
+              <a:xfrm flipH="1">
+                <a:off x="2808845" y="2802083"/>
+                <a:ext cx="387182" cy="369332"/>
+              </a:xfrm>
+              <a:prstGeom prst="rect">
+                <a:avLst/>
+              </a:prstGeom>
+              <a:blipFill>
+                <a:blip r:embed="rId3"/>
+                <a:stretch>
+                  <a:fillRect l="-3175" b="-13333"/>
+                </a:stretch>
+              </a:blipFill>
+            </p:spPr>
+            <p:txBody>
+              <a:bodyPr/>
+              <a:lstStyle/>
+              <a:p>
+                <a:r>
+                  <a:rPr lang="ja-JP" altLang="en-US">
+                    <a:noFill/>
+                  </a:rPr>
+                  <a:t> </a:t>
+                </a:r>
+              </a:p>
+            </p:txBody>
+          </p:sp>
+        </mc:Fallback>
+      </mc:AlternateContent>
+      <mc:AlternateContent xmlns:mc="http://schemas.openxmlformats.org/markup-compatibility/2006">
+        <mc:Choice xmlns:a14="http://schemas.microsoft.com/office/drawing/2010/main" Requires="a14">
+          <p:sp>
+            <p:nvSpPr>
+              <p:cNvPr id="28" name="テキスト ボックス 27">
+                <a:extLst>
+                  <a:ext uri="{FF2B5EF4-FFF2-40B4-BE49-F238E27FC236}">
+                    <a16:creationId xmlns:a16="http://schemas.microsoft.com/office/drawing/2014/main" id="{8EB3BB71-2C41-8528-0483-9CDBA10149CD}"/>
+                  </a:ext>
+                </a:extLst>
+              </p:cNvPr>
+              <p:cNvSpPr txBox="1"/>
+              <p:nvPr/>
+            </p:nvSpPr>
+            <p:spPr>
+              <a:xfrm flipH="1">
+                <a:off x="2051814" y="1246656"/>
+                <a:ext cx="556300" cy="369332"/>
+              </a:xfrm>
+              <a:prstGeom prst="rect">
+                <a:avLst/>
+              </a:prstGeom>
+              <a:noFill/>
+            </p:spPr>
+            <p:txBody>
+              <a:bodyPr wrap="square" rtlCol="0">
+                <a:spAutoFit/>
+              </a:bodyPr>
+              <a:lstStyle/>
+              <a:p>
+                <a:pPr/>
+                <a14:m>
+                  <m:oMathPara xmlns:m="http://schemas.openxmlformats.org/officeDocument/2006/math">
+                    <m:oMathParaPr>
+                      <m:jc m:val="centerGroup"/>
+                    </m:oMathParaPr>
+                    <m:oMath xmlns:m="http://schemas.openxmlformats.org/officeDocument/2006/math">
+                      <m:sSub>
+                        <m:sSubPr>
+                          <m:ctrlPr>
+                            <a:rPr kumimoji="1" lang="en-US" altLang="ja-JP" b="0" i="1" smtClean="0">
+                              <a:latin typeface="Cambria Math" panose="02040503050406030204" pitchFamily="18" charset="0"/>
+                            </a:rPr>
+                          </m:ctrlPr>
+                        </m:sSubPr>
+                        <m:e>
+                          <m:r>
+                            <a:rPr kumimoji="1" lang="en-US" altLang="ja-JP" b="1" i="1" smtClean="0">
+                              <a:latin typeface="Cambria Math" panose="02040503050406030204" pitchFamily="18" charset="0"/>
+                            </a:rPr>
+                            <m:t>𝝃</m:t>
+                          </m:r>
+                        </m:e>
+                        <m:sub>
+                          <m:r>
+                            <a:rPr kumimoji="1" lang="en-US" altLang="ja-JP" b="0" i="1" smtClean="0">
+                              <a:latin typeface="Cambria Math" panose="02040503050406030204" pitchFamily="18" charset="0"/>
+                            </a:rPr>
+                            <m:t>𝑖</m:t>
+                          </m:r>
+                          <m:r>
+                            <a:rPr kumimoji="1" lang="en-US" altLang="ja-JP" b="0" i="1" smtClean="0">
+                              <a:latin typeface="Cambria Math" panose="02040503050406030204" pitchFamily="18" charset="0"/>
+                            </a:rPr>
+                            <m:t>+1</m:t>
+                          </m:r>
+                        </m:sub>
+                      </m:sSub>
+                    </m:oMath>
+                  </m:oMathPara>
+                </a14:m>
+                <a:endParaRPr kumimoji="1" lang="ja-JP" altLang="en-US" dirty="0"/>
+              </a:p>
+            </p:txBody>
+          </p:sp>
+        </mc:Choice>
+        <mc:Fallback>
+          <p:sp>
+            <p:nvSpPr>
+              <p:cNvPr id="28" name="テキスト ボックス 27">
+                <a:extLst>
+                  <a:ext uri="{FF2B5EF4-FFF2-40B4-BE49-F238E27FC236}">
+                    <a16:creationId xmlns:a16="http://schemas.microsoft.com/office/drawing/2014/main" id="{8EB3BB71-2C41-8528-0483-9CDBA10149CD}"/>
+                  </a:ext>
+                </a:extLst>
+              </p:cNvPr>
+              <p:cNvSpPr txBox="1">
+                <a:spLocks noRot="1" noChangeAspect="1" noMove="1" noResize="1" noEditPoints="1" noAdjustHandles="1" noChangeArrowheads="1" noChangeShapeType="1" noTextEdit="1"/>
+              </p:cNvSpPr>
+              <p:nvPr/>
+            </p:nvSpPr>
+            <p:spPr>
+              <a:xfrm flipH="1">
+                <a:off x="2051814" y="1246656"/>
+                <a:ext cx="556300" cy="369332"/>
+              </a:xfrm>
+              <a:prstGeom prst="rect">
+                <a:avLst/>
+              </a:prstGeom>
+              <a:blipFill>
+                <a:blip r:embed="rId4"/>
+                <a:stretch>
+                  <a:fillRect l="-3297" b="-13333"/>
+                </a:stretch>
+              </a:blipFill>
+            </p:spPr>
+            <p:txBody>
+              <a:bodyPr/>
+              <a:lstStyle/>
+              <a:p>
+                <a:r>
+                  <a:rPr lang="ja-JP" altLang="en-US">
+                    <a:noFill/>
+                  </a:rPr>
+                  <a:t> </a:t>
+                </a:r>
+              </a:p>
+            </p:txBody>
+          </p:sp>
+        </mc:Fallback>
+      </mc:AlternateContent>
+      <p:grpSp>
+        <p:nvGrpSpPr>
+          <p:cNvPr id="35" name="グループ化 34">
+            <a:extLst>
+              <a:ext uri="{FF2B5EF4-FFF2-40B4-BE49-F238E27FC236}">
+                <a16:creationId xmlns:a16="http://schemas.microsoft.com/office/drawing/2014/main" id="{74A30B66-2C3B-BCC0-71DC-A0A32D1970EB}"/>
+              </a:ext>
+            </a:extLst>
+          </p:cNvPr>
+          <p:cNvGrpSpPr/>
+          <p:nvPr/>
+        </p:nvGrpSpPr>
+        <p:grpSpPr>
+          <a:xfrm>
+            <a:off x="1112682" y="1498379"/>
+            <a:ext cx="324151" cy="324151"/>
+            <a:chOff x="5232099" y="1698944"/>
+            <a:chExt cx="914400" cy="914400"/>
+          </a:xfrm>
+        </p:grpSpPr>
+        <p:sp>
+          <p:nvSpPr>
+            <p:cNvPr id="36" name="楕円 35">
+              <a:extLst>
+                <a:ext uri="{FF2B5EF4-FFF2-40B4-BE49-F238E27FC236}">
+                  <a16:creationId xmlns:a16="http://schemas.microsoft.com/office/drawing/2014/main" id="{18AFE62B-893A-E3D0-AB8A-89F16B15E42C}"/>
+                </a:ext>
+              </a:extLst>
+            </p:cNvPr>
+            <p:cNvSpPr/>
+            <p:nvPr/>
+          </p:nvSpPr>
+          <p:spPr>
+            <a:xfrm>
+              <a:off x="5232099" y="1698944"/>
+              <a:ext cx="914400" cy="914400"/>
+            </a:xfrm>
+            <a:prstGeom prst="ellipse">
+              <a:avLst/>
+            </a:prstGeom>
+            <a:solidFill>
+              <a:schemeClr val="bg1"/>
+            </a:solidFill>
+            <a:ln w="28575">
+              <a:solidFill>
+                <a:srgbClr val="00B0F0"/>
+              </a:solidFill>
+            </a:ln>
+          </p:spPr>
+          <p:style>
+            <a:lnRef idx="2">
+              <a:schemeClr val="accent1">
+                <a:shade val="15000"/>
+              </a:schemeClr>
+            </a:lnRef>
+            <a:fillRef idx="1">
+              <a:schemeClr val="accent1"/>
+            </a:fillRef>
+            <a:effectRef idx="0">
+              <a:schemeClr val="accent1"/>
+            </a:effectRef>
+            <a:fontRef idx="minor">
+              <a:schemeClr val="lt1"/>
+            </a:fontRef>
+          </p:style>
+          <p:txBody>
+            <a:bodyPr rtlCol="0" anchor="ctr"/>
+            <a:lstStyle/>
+            <a:p>
+              <a:pPr algn="ctr"/>
+              <a:endParaRPr kumimoji="1" lang="ja-JP" altLang="en-US"/>
+            </a:p>
+          </p:txBody>
+        </p:sp>
+        <p:cxnSp>
+          <p:nvCxnSpPr>
+            <p:cNvPr id="37" name="直線コネクタ 36">
+              <a:extLst>
+                <a:ext uri="{FF2B5EF4-FFF2-40B4-BE49-F238E27FC236}">
+                  <a16:creationId xmlns:a16="http://schemas.microsoft.com/office/drawing/2014/main" id="{A5E70507-668D-2BF0-7C71-F068AAC1C3B9}"/>
+                </a:ext>
+              </a:extLst>
+            </p:cNvPr>
+            <p:cNvCxnSpPr>
+              <a:cxnSpLocks/>
+            </p:cNvCxnSpPr>
+            <p:nvPr/>
+          </p:nvCxnSpPr>
+          <p:spPr>
+            <a:xfrm rot="2700000">
+              <a:off x="5232099" y="2156144"/>
+              <a:ext cx="914400" cy="0"/>
+            </a:xfrm>
+            <a:prstGeom prst="line">
+              <a:avLst/>
+            </a:prstGeom>
+            <a:ln w="38100">
+              <a:solidFill>
+                <a:srgbClr val="00B0F0"/>
+              </a:solidFill>
+            </a:ln>
+          </p:spPr>
+          <p:style>
+            <a:lnRef idx="2">
+              <a:schemeClr val="dk1"/>
+            </a:lnRef>
+            <a:fillRef idx="0">
+              <a:schemeClr val="dk1"/>
+            </a:fillRef>
+            <a:effectRef idx="1">
+              <a:schemeClr val="dk1"/>
+            </a:effectRef>
+            <a:fontRef idx="minor">
+              <a:schemeClr val="tx1"/>
+            </a:fontRef>
+          </p:style>
+        </p:cxnSp>
+        <p:cxnSp>
+          <p:nvCxnSpPr>
+            <p:cNvPr id="38" name="直線コネクタ 37">
+              <a:extLst>
+                <a:ext uri="{FF2B5EF4-FFF2-40B4-BE49-F238E27FC236}">
+                  <a16:creationId xmlns:a16="http://schemas.microsoft.com/office/drawing/2014/main" id="{2844D7EE-B86B-B3B1-68ED-39468D6393F0}"/>
+                </a:ext>
+              </a:extLst>
+            </p:cNvPr>
+            <p:cNvCxnSpPr>
+              <a:cxnSpLocks/>
+            </p:cNvCxnSpPr>
+            <p:nvPr/>
+          </p:nvCxnSpPr>
+          <p:spPr>
+            <a:xfrm rot="18900000" flipH="1">
+              <a:off x="5232099" y="2156144"/>
+              <a:ext cx="914400" cy="0"/>
+            </a:xfrm>
+            <a:prstGeom prst="line">
+              <a:avLst/>
+            </a:prstGeom>
+            <a:ln w="38100">
+              <a:solidFill>
+                <a:srgbClr val="00B0F0"/>
+              </a:solidFill>
+            </a:ln>
+          </p:spPr>
+          <p:style>
+            <a:lnRef idx="2">
+              <a:schemeClr val="dk1"/>
+            </a:lnRef>
+            <a:fillRef idx="0">
+              <a:schemeClr val="dk1"/>
+            </a:fillRef>
+            <a:effectRef idx="1">
+              <a:schemeClr val="dk1"/>
+            </a:effectRef>
+            <a:fontRef idx="minor">
+              <a:schemeClr val="tx1"/>
+            </a:fontRef>
+          </p:style>
+        </p:cxnSp>
+      </p:grpSp>
+      <mc:AlternateContent xmlns:mc="http://schemas.openxmlformats.org/markup-compatibility/2006">
+        <mc:Choice xmlns:a14="http://schemas.microsoft.com/office/drawing/2010/main" Requires="a14">
+          <p:sp>
+            <p:nvSpPr>
+              <p:cNvPr id="39" name="テキスト ボックス 38">
+                <a:extLst>
+                  <a:ext uri="{FF2B5EF4-FFF2-40B4-BE49-F238E27FC236}">
+                    <a16:creationId xmlns:a16="http://schemas.microsoft.com/office/drawing/2014/main" id="{21A812CC-CF08-2A0F-7C1A-E1B0225F729C}"/>
+                  </a:ext>
+                </a:extLst>
+              </p:cNvPr>
+              <p:cNvSpPr txBox="1"/>
+              <p:nvPr/>
+            </p:nvSpPr>
+            <p:spPr>
+              <a:xfrm flipH="1">
+                <a:off x="460903" y="1453198"/>
+                <a:ext cx="556300" cy="369332"/>
+              </a:xfrm>
+              <a:prstGeom prst="rect">
+                <a:avLst/>
+              </a:prstGeom>
+              <a:noFill/>
+            </p:spPr>
+            <p:txBody>
+              <a:bodyPr wrap="square" rtlCol="0">
+                <a:spAutoFit/>
+              </a:bodyPr>
+              <a:lstStyle/>
+              <a:p>
+                <a:pPr/>
+                <a14:m>
+                  <m:oMathPara xmlns:m="http://schemas.openxmlformats.org/officeDocument/2006/math">
+                    <m:oMathParaPr>
+                      <m:jc m:val="centerGroup"/>
+                    </m:oMathParaPr>
+                    <m:oMath xmlns:m="http://schemas.openxmlformats.org/officeDocument/2006/math">
+                      <m:sSub>
+                        <m:sSubPr>
+                          <m:ctrlPr>
+                            <a:rPr kumimoji="1" lang="en-US" altLang="ja-JP" b="0" i="1" smtClean="0">
+                              <a:solidFill>
+                                <a:srgbClr val="00B0F0"/>
+                              </a:solidFill>
+                              <a:latin typeface="Cambria Math" panose="02040503050406030204" pitchFamily="18" charset="0"/>
+                            </a:rPr>
+                          </m:ctrlPr>
+                        </m:sSubPr>
+                        <m:e>
+                          <m:r>
+                            <a:rPr kumimoji="1" lang="en-US" altLang="ja-JP" b="1" i="1" smtClean="0">
+                              <a:solidFill>
+                                <a:srgbClr val="00B0F0"/>
+                              </a:solidFill>
+                              <a:latin typeface="Cambria Math" panose="02040503050406030204" pitchFamily="18" charset="0"/>
+                            </a:rPr>
+                            <m:t>𝝃</m:t>
+                          </m:r>
+                        </m:e>
+                        <m:sub>
+                          <m:r>
+                            <a:rPr kumimoji="1" lang="en-US" altLang="ja-JP" b="0" i="1" smtClean="0">
+                              <a:solidFill>
+                                <a:srgbClr val="00B0F0"/>
+                              </a:solidFill>
+                              <a:latin typeface="Cambria Math" panose="02040503050406030204" pitchFamily="18" charset="0"/>
+                            </a:rPr>
+                            <m:t>𝑖</m:t>
+                          </m:r>
+                          <m:r>
+                            <a:rPr kumimoji="1" lang="en-US" altLang="ja-JP" b="0" i="1" smtClean="0">
+                              <a:solidFill>
+                                <a:srgbClr val="00B0F0"/>
+                              </a:solidFill>
+                              <a:latin typeface="Cambria Math" panose="02040503050406030204" pitchFamily="18" charset="0"/>
+                            </a:rPr>
+                            <m:t>+1</m:t>
+                          </m:r>
+                        </m:sub>
+                      </m:sSub>
+                    </m:oMath>
+                  </m:oMathPara>
+                </a14:m>
+                <a:endParaRPr kumimoji="1" lang="ja-JP" altLang="en-US" dirty="0">
+                  <a:solidFill>
+                    <a:srgbClr val="00B0F0"/>
+                  </a:solidFill>
+                </a:endParaRPr>
+              </a:p>
+            </p:txBody>
+          </p:sp>
+        </mc:Choice>
+        <mc:Fallback>
+          <p:sp>
+            <p:nvSpPr>
+              <p:cNvPr id="39" name="テキスト ボックス 38">
+                <a:extLst>
+                  <a:ext uri="{FF2B5EF4-FFF2-40B4-BE49-F238E27FC236}">
+                    <a16:creationId xmlns:a16="http://schemas.microsoft.com/office/drawing/2014/main" id="{21A812CC-CF08-2A0F-7C1A-E1B0225F729C}"/>
+                  </a:ext>
+                </a:extLst>
+              </p:cNvPr>
+              <p:cNvSpPr txBox="1">
+                <a:spLocks noRot="1" noChangeAspect="1" noMove="1" noResize="1" noEditPoints="1" noAdjustHandles="1" noChangeArrowheads="1" noChangeShapeType="1" noTextEdit="1"/>
+              </p:cNvSpPr>
+              <p:nvPr/>
+            </p:nvSpPr>
+            <p:spPr>
+              <a:xfrm flipH="1">
+                <a:off x="460903" y="1453198"/>
+                <a:ext cx="556300" cy="369332"/>
+              </a:xfrm>
+              <a:prstGeom prst="rect">
+                <a:avLst/>
+              </a:prstGeom>
+              <a:blipFill>
+                <a:blip r:embed="rId5"/>
+                <a:stretch>
+                  <a:fillRect l="-3297" b="-13115"/>
+                </a:stretch>
+              </a:blipFill>
+            </p:spPr>
+            <p:txBody>
+              <a:bodyPr/>
+              <a:lstStyle/>
+              <a:p>
+                <a:r>
+                  <a:rPr lang="ja-JP" altLang="en-US">
+                    <a:noFill/>
+                  </a:rPr>
+                  <a:t> </a:t>
+                </a:r>
+              </a:p>
+            </p:txBody>
+          </p:sp>
+        </mc:Fallback>
+      </mc:AlternateContent>
+      <p:grpSp>
+        <p:nvGrpSpPr>
+          <p:cNvPr id="40" name="グループ化 39">
+            <a:extLst>
+              <a:ext uri="{FF2B5EF4-FFF2-40B4-BE49-F238E27FC236}">
+                <a16:creationId xmlns:a16="http://schemas.microsoft.com/office/drawing/2014/main" id="{DC1F2409-2C7A-B5B5-E97B-61526AA26433}"/>
+              </a:ext>
+            </a:extLst>
+          </p:cNvPr>
+          <p:cNvGrpSpPr/>
+          <p:nvPr/>
+        </p:nvGrpSpPr>
+        <p:grpSpPr>
+          <a:xfrm rot="16200000">
+            <a:off x="9023155" y="4025335"/>
+            <a:ext cx="720000" cy="360000"/>
+            <a:chOff x="1613631" y="2409000"/>
+            <a:chExt cx="720000" cy="360000"/>
+          </a:xfrm>
+        </p:grpSpPr>
+        <p:sp>
+          <p:nvSpPr>
+            <p:cNvPr id="41" name="正方形/長方形 40">
+              <a:extLst>
+                <a:ext uri="{FF2B5EF4-FFF2-40B4-BE49-F238E27FC236}">
+                  <a16:creationId xmlns:a16="http://schemas.microsoft.com/office/drawing/2014/main" id="{A850022B-E07C-8D3E-AD67-2C0B47A9C0CA}"/>
+                </a:ext>
+              </a:extLst>
+            </p:cNvPr>
+            <p:cNvSpPr/>
+            <p:nvPr/>
+          </p:nvSpPr>
+          <p:spPr>
+            <a:xfrm rot="16200000">
+              <a:off x="1793631" y="2229000"/>
+              <a:ext cx="360000" cy="720000"/>
+            </a:xfrm>
+            <a:prstGeom prst="rect">
+              <a:avLst/>
+            </a:prstGeom>
+            <a:solidFill>
+              <a:schemeClr val="bg1"/>
+            </a:solidFill>
+            <a:ln w="28575">
+              <a:solidFill>
+                <a:schemeClr val="tx1"/>
+              </a:solidFill>
+            </a:ln>
+          </p:spPr>
+          <p:style>
+            <a:lnRef idx="2">
+              <a:schemeClr val="accent1">
+                <a:shade val="15000"/>
+              </a:schemeClr>
+            </a:lnRef>
+            <a:fillRef idx="1">
+              <a:schemeClr val="accent1"/>
+            </a:fillRef>
+            <a:effectRef idx="0">
+              <a:schemeClr val="accent1"/>
+            </a:effectRef>
+            <a:fontRef idx="minor">
+              <a:schemeClr val="lt1"/>
+            </a:fontRef>
+          </p:style>
+          <p:txBody>
+            <a:bodyPr rtlCol="0" anchor="ctr"/>
+            <a:lstStyle/>
+            <a:p>
+              <a:pPr algn="ctr"/>
+              <a:endParaRPr kumimoji="1" lang="ja-JP" altLang="en-US"/>
+            </a:p>
+          </p:txBody>
+        </p:sp>
+        <p:sp>
+          <p:nvSpPr>
+            <p:cNvPr id="42" name="フローチャート: 結合子 41">
+              <a:extLst>
+                <a:ext uri="{FF2B5EF4-FFF2-40B4-BE49-F238E27FC236}">
+                  <a16:creationId xmlns:a16="http://schemas.microsoft.com/office/drawing/2014/main" id="{4C14189B-5A3A-5677-3866-82F086ED1DDF}"/>
+                </a:ext>
+              </a:extLst>
+            </p:cNvPr>
+            <p:cNvSpPr/>
+            <p:nvPr/>
+          </p:nvSpPr>
+          <p:spPr>
+            <a:xfrm>
+              <a:off x="1751346" y="2529482"/>
+              <a:ext cx="119034" cy="119034"/>
+            </a:xfrm>
+            <a:prstGeom prst="flowChartConnector">
+              <a:avLst/>
+            </a:prstGeom>
+          </p:spPr>
+          <p:style>
+            <a:lnRef idx="2">
+              <a:schemeClr val="dk1">
+                <a:shade val="15000"/>
+              </a:schemeClr>
+            </a:lnRef>
+            <a:fillRef idx="1">
+              <a:schemeClr val="dk1"/>
+            </a:fillRef>
+            <a:effectRef idx="0">
+              <a:schemeClr val="dk1"/>
+            </a:effectRef>
+            <a:fontRef idx="minor">
+              <a:schemeClr val="lt1"/>
+            </a:fontRef>
+          </p:style>
+          <p:txBody>
+            <a:bodyPr rtlCol="0" anchor="ctr"/>
+            <a:lstStyle/>
+            <a:p>
+              <a:pPr algn="ctr"/>
+              <a:endParaRPr kumimoji="1" lang="ja-JP" altLang="en-US"/>
+            </a:p>
+          </p:txBody>
+        </p:sp>
+      </p:grpSp>
+      <mc:AlternateContent xmlns:mc="http://schemas.openxmlformats.org/markup-compatibility/2006">
+        <mc:Choice xmlns:a14="http://schemas.microsoft.com/office/drawing/2010/main" Requires="a14">
+          <p:sp>
+            <p:nvSpPr>
+              <p:cNvPr id="43" name="テキスト ボックス 42">
+                <a:extLst>
+                  <a:ext uri="{FF2B5EF4-FFF2-40B4-BE49-F238E27FC236}">
+                    <a16:creationId xmlns:a16="http://schemas.microsoft.com/office/drawing/2014/main" id="{85ACEC06-9A47-77DC-2C4C-07345E927A4E}"/>
+                  </a:ext>
+                </a:extLst>
+              </p:cNvPr>
+              <p:cNvSpPr txBox="1"/>
+              <p:nvPr/>
+            </p:nvSpPr>
+            <p:spPr>
+              <a:xfrm flipH="1">
+                <a:off x="9563154" y="4380669"/>
+                <a:ext cx="387182" cy="369332"/>
+              </a:xfrm>
+              <a:prstGeom prst="rect">
+                <a:avLst/>
+              </a:prstGeom>
+              <a:noFill/>
+            </p:spPr>
+            <p:txBody>
+              <a:bodyPr wrap="square" rtlCol="0">
+                <a:spAutoFit/>
+              </a:bodyPr>
+              <a:lstStyle/>
+              <a:p>
+                <a:pPr/>
+                <a14:m>
+                  <m:oMathPara xmlns:m="http://schemas.openxmlformats.org/officeDocument/2006/math">
+                    <m:oMathParaPr>
+                      <m:jc m:val="centerGroup"/>
+                    </m:oMathParaPr>
+                    <m:oMath xmlns:m="http://schemas.openxmlformats.org/officeDocument/2006/math">
+                      <m:r>
+                        <a:rPr kumimoji="1" lang="en-US" altLang="ja-JP" b="0" i="1" smtClean="0">
+                          <a:latin typeface="Cambria Math" panose="02040503050406030204" pitchFamily="18" charset="0"/>
+                        </a:rPr>
+                        <m:t>𝑝</m:t>
+                      </m:r>
+                    </m:oMath>
+                  </m:oMathPara>
+                </a14:m>
+                <a:endParaRPr kumimoji="1" lang="ja-JP" altLang="en-US" dirty="0"/>
+              </a:p>
+            </p:txBody>
+          </p:sp>
+        </mc:Choice>
+        <mc:Fallback>
+          <p:sp>
+            <p:nvSpPr>
+              <p:cNvPr id="43" name="テキスト ボックス 42">
+                <a:extLst>
+                  <a:ext uri="{FF2B5EF4-FFF2-40B4-BE49-F238E27FC236}">
+                    <a16:creationId xmlns:a16="http://schemas.microsoft.com/office/drawing/2014/main" id="{85ACEC06-9A47-77DC-2C4C-07345E927A4E}"/>
+                  </a:ext>
+                </a:extLst>
+              </p:cNvPr>
+              <p:cNvSpPr txBox="1">
+                <a:spLocks noRot="1" noChangeAspect="1" noMove="1" noResize="1" noEditPoints="1" noAdjustHandles="1" noChangeArrowheads="1" noChangeShapeType="1" noTextEdit="1"/>
+              </p:cNvSpPr>
+              <p:nvPr/>
+            </p:nvSpPr>
+            <p:spPr>
+              <a:xfrm flipH="1">
+                <a:off x="9563154" y="4380669"/>
+                <a:ext cx="387182" cy="369332"/>
+              </a:xfrm>
+              <a:prstGeom prst="rect">
+                <a:avLst/>
+              </a:prstGeom>
+              <a:blipFill>
+                <a:blip r:embed="rId6"/>
+                <a:stretch>
+                  <a:fillRect b="-6667"/>
+                </a:stretch>
+              </a:blipFill>
+            </p:spPr>
+            <p:txBody>
+              <a:bodyPr/>
+              <a:lstStyle/>
+              <a:p>
+                <a:r>
+                  <a:rPr lang="ja-JP" altLang="en-US">
+                    <a:noFill/>
+                  </a:rPr>
+                  <a:t> </a:t>
+                </a:r>
+              </a:p>
+            </p:txBody>
+          </p:sp>
+        </mc:Fallback>
+      </mc:AlternateContent>
+      <p:cxnSp>
+        <p:nvCxnSpPr>
+          <p:cNvPr id="44" name="直線コネクタ 43">
+            <a:extLst>
+              <a:ext uri="{FF2B5EF4-FFF2-40B4-BE49-F238E27FC236}">
+                <a16:creationId xmlns:a16="http://schemas.microsoft.com/office/drawing/2014/main" id="{705C8E8A-DBBC-18BD-761B-DA7A26828C04}"/>
+              </a:ext>
+            </a:extLst>
+          </p:cNvPr>
+          <p:cNvCxnSpPr>
+            <a:cxnSpLocks/>
+          </p:cNvCxnSpPr>
+          <p:nvPr/>
+        </p:nvCxnSpPr>
+        <p:spPr>
+          <a:xfrm flipH="1" flipV="1">
+            <a:off x="7302213" y="649182"/>
+            <a:ext cx="2021424" cy="3601239"/>
+          </a:xfrm>
+          <a:prstGeom prst="line">
+            <a:avLst/>
+          </a:prstGeom>
+          <a:ln>
+            <a:prstDash val="dash"/>
+          </a:ln>
+        </p:spPr>
+        <p:style>
+          <a:lnRef idx="2">
+            <a:schemeClr val="dk1"/>
+          </a:lnRef>
+          <a:fillRef idx="0">
+            <a:schemeClr val="dk1"/>
+          </a:fillRef>
+          <a:effectRef idx="1">
+            <a:schemeClr val="dk1"/>
+          </a:effectRef>
+          <a:fontRef idx="minor">
+            <a:schemeClr val="tx1"/>
+          </a:fontRef>
+        </p:style>
+      </p:cxnSp>
+      <p:grpSp>
+        <p:nvGrpSpPr>
+          <p:cNvPr id="45" name="グループ化 44">
+            <a:extLst>
+              <a:ext uri="{FF2B5EF4-FFF2-40B4-BE49-F238E27FC236}">
+                <a16:creationId xmlns:a16="http://schemas.microsoft.com/office/drawing/2014/main" id="{EAFE98A8-39F6-D0CD-2C70-868BB4E7FA73}"/>
+              </a:ext>
+            </a:extLst>
+          </p:cNvPr>
+          <p:cNvGrpSpPr/>
+          <p:nvPr/>
+        </p:nvGrpSpPr>
+        <p:grpSpPr>
+          <a:xfrm>
+            <a:off x="8606062" y="3134958"/>
+            <a:ext cx="324151" cy="324151"/>
+            <a:chOff x="5232099" y="1698944"/>
+            <a:chExt cx="914400" cy="914400"/>
+          </a:xfrm>
+        </p:grpSpPr>
+        <p:sp>
+          <p:nvSpPr>
+            <p:cNvPr id="46" name="楕円 45">
+              <a:extLst>
+                <a:ext uri="{FF2B5EF4-FFF2-40B4-BE49-F238E27FC236}">
+                  <a16:creationId xmlns:a16="http://schemas.microsoft.com/office/drawing/2014/main" id="{D59B36F6-A5CE-2E02-F1AD-67AECDE155CA}"/>
+                </a:ext>
+              </a:extLst>
+            </p:cNvPr>
+            <p:cNvSpPr/>
+            <p:nvPr/>
+          </p:nvSpPr>
+          <p:spPr>
+            <a:xfrm>
+              <a:off x="5232099" y="1698944"/>
+              <a:ext cx="914400" cy="914400"/>
+            </a:xfrm>
+            <a:prstGeom prst="ellipse">
+              <a:avLst/>
+            </a:prstGeom>
+            <a:solidFill>
+              <a:schemeClr val="bg1"/>
+            </a:solidFill>
+            <a:ln w="28575">
+              <a:solidFill>
+                <a:schemeClr val="bg1">
+                  <a:lumMod val="75000"/>
+                </a:schemeClr>
+              </a:solidFill>
+              <a:prstDash val="solid"/>
+            </a:ln>
+          </p:spPr>
+          <p:style>
+            <a:lnRef idx="2">
+              <a:schemeClr val="accent1">
+                <a:shade val="15000"/>
+              </a:schemeClr>
+            </a:lnRef>
+            <a:fillRef idx="1">
+              <a:schemeClr val="accent1"/>
+            </a:fillRef>
+            <a:effectRef idx="0">
+              <a:schemeClr val="accent1"/>
+            </a:effectRef>
+            <a:fontRef idx="minor">
+              <a:schemeClr val="lt1"/>
+            </a:fontRef>
+          </p:style>
+          <p:txBody>
+            <a:bodyPr rtlCol="0" anchor="ctr"/>
+            <a:lstStyle/>
+            <a:p>
+              <a:pPr algn="ctr"/>
+              <a:endParaRPr kumimoji="1" lang="ja-JP" altLang="en-US"/>
+            </a:p>
+          </p:txBody>
+        </p:sp>
+        <p:cxnSp>
+          <p:nvCxnSpPr>
+            <p:cNvPr id="47" name="直線コネクタ 46">
+              <a:extLst>
+                <a:ext uri="{FF2B5EF4-FFF2-40B4-BE49-F238E27FC236}">
+                  <a16:creationId xmlns:a16="http://schemas.microsoft.com/office/drawing/2014/main" id="{787AE96C-F589-7B55-F812-9F01454943F6}"/>
+                </a:ext>
+              </a:extLst>
+            </p:cNvPr>
+            <p:cNvCxnSpPr>
+              <a:cxnSpLocks/>
+            </p:cNvCxnSpPr>
+            <p:nvPr/>
+          </p:nvCxnSpPr>
+          <p:spPr>
+            <a:xfrm rot="2700000">
+              <a:off x="5232099" y="2156144"/>
+              <a:ext cx="914400" cy="0"/>
+            </a:xfrm>
+            <a:prstGeom prst="line">
+              <a:avLst/>
+            </a:prstGeom>
+            <a:ln w="38100">
+              <a:solidFill>
+                <a:schemeClr val="bg1">
+                  <a:lumMod val="75000"/>
+                </a:schemeClr>
+              </a:solidFill>
+              <a:prstDash val="solid"/>
+            </a:ln>
+          </p:spPr>
+          <p:style>
+            <a:lnRef idx="2">
+              <a:schemeClr val="dk1"/>
+            </a:lnRef>
+            <a:fillRef idx="0">
+              <a:schemeClr val="dk1"/>
+            </a:fillRef>
+            <a:effectRef idx="1">
+              <a:schemeClr val="dk1"/>
+            </a:effectRef>
+            <a:fontRef idx="minor">
+              <a:schemeClr val="tx1"/>
+            </a:fontRef>
+          </p:style>
+        </p:cxnSp>
+        <p:cxnSp>
+          <p:nvCxnSpPr>
+            <p:cNvPr id="48" name="直線コネクタ 47">
+              <a:extLst>
+                <a:ext uri="{FF2B5EF4-FFF2-40B4-BE49-F238E27FC236}">
+                  <a16:creationId xmlns:a16="http://schemas.microsoft.com/office/drawing/2014/main" id="{1BD1F81E-71FF-4CB9-A442-BD5CBA095007}"/>
+                </a:ext>
+              </a:extLst>
+            </p:cNvPr>
+            <p:cNvCxnSpPr>
+              <a:cxnSpLocks/>
+            </p:cNvCxnSpPr>
+            <p:nvPr/>
+          </p:nvCxnSpPr>
+          <p:spPr>
+            <a:xfrm rot="18900000" flipH="1">
+              <a:off x="5232099" y="2156144"/>
+              <a:ext cx="914400" cy="0"/>
+            </a:xfrm>
+            <a:prstGeom prst="line">
+              <a:avLst/>
+            </a:prstGeom>
+            <a:ln w="38100">
+              <a:solidFill>
+                <a:schemeClr val="bg1">
+                  <a:lumMod val="75000"/>
+                </a:schemeClr>
+              </a:solidFill>
+              <a:prstDash val="solid"/>
+            </a:ln>
+          </p:spPr>
+          <p:style>
+            <a:lnRef idx="2">
+              <a:schemeClr val="dk1"/>
+            </a:lnRef>
+            <a:fillRef idx="0">
+              <a:schemeClr val="dk1"/>
+            </a:fillRef>
+            <a:effectRef idx="1">
+              <a:schemeClr val="dk1"/>
+            </a:effectRef>
+            <a:fontRef idx="minor">
+              <a:schemeClr val="tx1"/>
+            </a:fontRef>
+          </p:style>
+        </p:cxnSp>
+      </p:grpSp>
+      <p:cxnSp>
+        <p:nvCxnSpPr>
+          <p:cNvPr id="49" name="直線矢印コネクタ 48">
+            <a:extLst>
+              <a:ext uri="{FF2B5EF4-FFF2-40B4-BE49-F238E27FC236}">
+                <a16:creationId xmlns:a16="http://schemas.microsoft.com/office/drawing/2014/main" id="{99C1AF9A-1EEA-5BF9-C89D-6DA313CD433D}"/>
+              </a:ext>
+            </a:extLst>
+          </p:cNvPr>
+          <p:cNvCxnSpPr>
+            <a:cxnSpLocks/>
+          </p:cNvCxnSpPr>
+          <p:nvPr/>
+        </p:nvCxnSpPr>
+        <p:spPr>
+          <a:xfrm flipH="1" flipV="1">
+            <a:off x="8134300" y="2140864"/>
+            <a:ext cx="556300" cy="1006794"/>
+          </a:xfrm>
+          <a:prstGeom prst="straightConnector1">
+            <a:avLst/>
+          </a:prstGeom>
+          <a:ln w="38100">
+            <a:tailEnd type="triangle"/>
+          </a:ln>
+        </p:spPr>
+        <p:style>
+          <a:lnRef idx="2">
+            <a:schemeClr val="dk1"/>
+          </a:lnRef>
+          <a:fillRef idx="0">
+            <a:schemeClr val="dk1"/>
+          </a:fillRef>
+          <a:effectRef idx="1">
+            <a:schemeClr val="dk1"/>
+          </a:effectRef>
+          <a:fontRef idx="minor">
+            <a:schemeClr val="tx1"/>
+          </a:fontRef>
+        </p:style>
+      </p:cxnSp>
+      <p:grpSp>
+        <p:nvGrpSpPr>
+          <p:cNvPr id="50" name="グループ化 49">
+            <a:extLst>
+              <a:ext uri="{FF2B5EF4-FFF2-40B4-BE49-F238E27FC236}">
+                <a16:creationId xmlns:a16="http://schemas.microsoft.com/office/drawing/2014/main" id="{76F6CEF6-5766-C46D-F527-4DF48148C948}"/>
+              </a:ext>
+            </a:extLst>
+          </p:cNvPr>
+          <p:cNvGrpSpPr/>
+          <p:nvPr/>
+        </p:nvGrpSpPr>
+        <p:grpSpPr>
+          <a:xfrm>
+            <a:off x="7704913" y="1512059"/>
+            <a:ext cx="324151" cy="324151"/>
+            <a:chOff x="5232099" y="1698944"/>
+            <a:chExt cx="914400" cy="914400"/>
+          </a:xfrm>
+        </p:grpSpPr>
+        <p:sp>
+          <p:nvSpPr>
+            <p:cNvPr id="51" name="楕円 50">
+              <a:extLst>
+                <a:ext uri="{FF2B5EF4-FFF2-40B4-BE49-F238E27FC236}">
+                  <a16:creationId xmlns:a16="http://schemas.microsoft.com/office/drawing/2014/main" id="{45F55F1B-A07B-755C-E483-F869A880BE54}"/>
+                </a:ext>
+              </a:extLst>
+            </p:cNvPr>
+            <p:cNvSpPr/>
+            <p:nvPr/>
+          </p:nvSpPr>
+          <p:spPr>
+            <a:xfrm>
+              <a:off x="5232099" y="1698944"/>
+              <a:ext cx="914400" cy="914400"/>
+            </a:xfrm>
+            <a:prstGeom prst="ellipse">
+              <a:avLst/>
+            </a:prstGeom>
+            <a:solidFill>
+              <a:schemeClr val="bg1"/>
+            </a:solidFill>
+            <a:ln w="28575"/>
+          </p:spPr>
+          <p:style>
+            <a:lnRef idx="2">
+              <a:schemeClr val="accent1">
+                <a:shade val="15000"/>
+              </a:schemeClr>
+            </a:lnRef>
+            <a:fillRef idx="1">
+              <a:schemeClr val="accent1"/>
+            </a:fillRef>
+            <a:effectRef idx="0">
+              <a:schemeClr val="accent1"/>
+            </a:effectRef>
+            <a:fontRef idx="minor">
+              <a:schemeClr val="lt1"/>
+            </a:fontRef>
+          </p:style>
+          <p:txBody>
+            <a:bodyPr rtlCol="0" anchor="ctr"/>
+            <a:lstStyle/>
+            <a:p>
+              <a:pPr algn="ctr"/>
+              <a:endParaRPr kumimoji="1" lang="ja-JP" altLang="en-US"/>
+            </a:p>
+          </p:txBody>
+        </p:sp>
+        <p:cxnSp>
+          <p:nvCxnSpPr>
+            <p:cNvPr id="52" name="直線コネクタ 51">
+              <a:extLst>
+                <a:ext uri="{FF2B5EF4-FFF2-40B4-BE49-F238E27FC236}">
+                  <a16:creationId xmlns:a16="http://schemas.microsoft.com/office/drawing/2014/main" id="{88F762CC-907B-0934-65A3-F5AD0929A3EB}"/>
+                </a:ext>
+              </a:extLst>
+            </p:cNvPr>
+            <p:cNvCxnSpPr>
+              <a:cxnSpLocks/>
+            </p:cNvCxnSpPr>
+            <p:nvPr/>
+          </p:nvCxnSpPr>
+          <p:spPr>
+            <a:xfrm rot="2700000">
+              <a:off x="5232099" y="2156144"/>
+              <a:ext cx="914400" cy="0"/>
+            </a:xfrm>
+            <a:prstGeom prst="line">
+              <a:avLst/>
+            </a:prstGeom>
+            <a:ln w="38100"/>
+          </p:spPr>
+          <p:style>
+            <a:lnRef idx="2">
+              <a:schemeClr val="dk1"/>
+            </a:lnRef>
+            <a:fillRef idx="0">
+              <a:schemeClr val="dk1"/>
+            </a:fillRef>
+            <a:effectRef idx="1">
+              <a:schemeClr val="dk1"/>
+            </a:effectRef>
+            <a:fontRef idx="minor">
+              <a:schemeClr val="tx1"/>
+            </a:fontRef>
+          </p:style>
+        </p:cxnSp>
+        <p:cxnSp>
+          <p:nvCxnSpPr>
+            <p:cNvPr id="53" name="直線コネクタ 52">
+              <a:extLst>
+                <a:ext uri="{FF2B5EF4-FFF2-40B4-BE49-F238E27FC236}">
+                  <a16:creationId xmlns:a16="http://schemas.microsoft.com/office/drawing/2014/main" id="{D868BDB3-483B-46EE-6697-C9D4BDB4527E}"/>
+                </a:ext>
+              </a:extLst>
+            </p:cNvPr>
+            <p:cNvCxnSpPr>
+              <a:cxnSpLocks/>
+            </p:cNvCxnSpPr>
+            <p:nvPr/>
+          </p:nvCxnSpPr>
+          <p:spPr>
+            <a:xfrm rot="18900000" flipH="1">
+              <a:off x="5232099" y="2156144"/>
+              <a:ext cx="914400" cy="0"/>
+            </a:xfrm>
+            <a:prstGeom prst="line">
+              <a:avLst/>
+            </a:prstGeom>
+            <a:ln w="38100"/>
+          </p:spPr>
+          <p:style>
+            <a:lnRef idx="2">
+              <a:schemeClr val="dk1"/>
+            </a:lnRef>
+            <a:fillRef idx="0">
+              <a:schemeClr val="dk1"/>
+            </a:fillRef>
+            <a:effectRef idx="1">
+              <a:schemeClr val="dk1"/>
+            </a:effectRef>
+            <a:fontRef idx="minor">
+              <a:schemeClr val="tx1"/>
+            </a:fontRef>
+          </p:style>
+        </p:cxnSp>
+      </p:grpSp>
+      <mc:AlternateContent xmlns:mc="http://schemas.openxmlformats.org/markup-compatibility/2006">
+        <mc:Choice xmlns:a14="http://schemas.microsoft.com/office/drawing/2010/main" Requires="a14">
+          <p:sp>
+            <p:nvSpPr>
+              <p:cNvPr id="54" name="テキスト ボックス 53">
+                <a:extLst>
+                  <a:ext uri="{FF2B5EF4-FFF2-40B4-BE49-F238E27FC236}">
+                    <a16:creationId xmlns:a16="http://schemas.microsoft.com/office/drawing/2014/main" id="{E9AE2913-E8D3-9F29-D219-4618DC83DD64}"/>
+                  </a:ext>
+                </a:extLst>
+              </p:cNvPr>
+              <p:cNvSpPr txBox="1"/>
+              <p:nvPr/>
+            </p:nvSpPr>
+            <p:spPr>
+              <a:xfrm flipH="1">
+                <a:off x="8823323" y="2765626"/>
+                <a:ext cx="387182" cy="369332"/>
+              </a:xfrm>
+              <a:prstGeom prst="rect">
+                <a:avLst/>
+              </a:prstGeom>
+              <a:noFill/>
+            </p:spPr>
+            <p:txBody>
+              <a:bodyPr wrap="square" rtlCol="0">
+                <a:spAutoFit/>
+              </a:bodyPr>
+              <a:lstStyle/>
+              <a:p>
+                <a:pPr/>
+                <a14:m>
+                  <m:oMathPara xmlns:m="http://schemas.openxmlformats.org/officeDocument/2006/math">
+                    <m:oMathParaPr>
+                      <m:jc m:val="centerGroup"/>
+                    </m:oMathParaPr>
+                    <m:oMath xmlns:m="http://schemas.openxmlformats.org/officeDocument/2006/math">
+                      <m:sSub>
+                        <m:sSubPr>
+                          <m:ctrlPr>
+                            <a:rPr kumimoji="1" lang="en-US" altLang="ja-JP" b="0" i="1" smtClean="0">
+                              <a:latin typeface="Cambria Math" panose="02040503050406030204" pitchFamily="18" charset="0"/>
+                            </a:rPr>
+                          </m:ctrlPr>
+                        </m:sSubPr>
+                        <m:e>
+                          <m:r>
+                            <a:rPr kumimoji="1" lang="en-US" altLang="ja-JP" b="1" i="1" smtClean="0">
+                              <a:latin typeface="Cambria Math" panose="02040503050406030204" pitchFamily="18" charset="0"/>
+                            </a:rPr>
+                            <m:t>𝝃</m:t>
+                          </m:r>
+                        </m:e>
+                        <m:sub>
+                          <m:r>
+                            <a:rPr kumimoji="1" lang="en-US" altLang="ja-JP" b="0" i="1" smtClean="0">
+                              <a:latin typeface="Cambria Math" panose="02040503050406030204" pitchFamily="18" charset="0"/>
+                            </a:rPr>
+                            <m:t>𝑖</m:t>
+                          </m:r>
+                        </m:sub>
+                      </m:sSub>
+                    </m:oMath>
+                  </m:oMathPara>
+                </a14:m>
+                <a:endParaRPr kumimoji="1" lang="ja-JP" altLang="en-US" dirty="0"/>
+              </a:p>
+            </p:txBody>
+          </p:sp>
+        </mc:Choice>
+        <mc:Fallback>
+          <p:sp>
+            <p:nvSpPr>
+              <p:cNvPr id="54" name="テキスト ボックス 53">
+                <a:extLst>
+                  <a:ext uri="{FF2B5EF4-FFF2-40B4-BE49-F238E27FC236}">
+                    <a16:creationId xmlns:a16="http://schemas.microsoft.com/office/drawing/2014/main" id="{E9AE2913-E8D3-9F29-D219-4618DC83DD64}"/>
+                  </a:ext>
+                </a:extLst>
+              </p:cNvPr>
+              <p:cNvSpPr txBox="1">
+                <a:spLocks noRot="1" noChangeAspect="1" noMove="1" noResize="1" noEditPoints="1" noAdjustHandles="1" noChangeArrowheads="1" noChangeShapeType="1" noTextEdit="1"/>
+              </p:cNvSpPr>
+              <p:nvPr/>
+            </p:nvSpPr>
+            <p:spPr>
+              <a:xfrm flipH="1">
+                <a:off x="8823323" y="2765626"/>
+                <a:ext cx="387182" cy="369332"/>
+              </a:xfrm>
+              <a:prstGeom prst="rect">
+                <a:avLst/>
+              </a:prstGeom>
+              <a:blipFill>
+                <a:blip r:embed="rId7"/>
+                <a:stretch>
+                  <a:fillRect l="-3125" b="-13333"/>
+                </a:stretch>
+              </a:blipFill>
+            </p:spPr>
+            <p:txBody>
+              <a:bodyPr/>
+              <a:lstStyle/>
+              <a:p>
+                <a:r>
+                  <a:rPr lang="ja-JP" altLang="en-US">
+                    <a:noFill/>
+                  </a:rPr>
+                  <a:t> </a:t>
+                </a:r>
+              </a:p>
+            </p:txBody>
+          </p:sp>
+        </mc:Fallback>
+      </mc:AlternateContent>
+      <mc:AlternateContent xmlns:mc="http://schemas.openxmlformats.org/markup-compatibility/2006">
+        <mc:Choice xmlns:a14="http://schemas.microsoft.com/office/drawing/2010/main" Requires="a14">
+          <p:sp>
+            <p:nvSpPr>
+              <p:cNvPr id="55" name="テキスト ボックス 54">
+                <a:extLst>
+                  <a:ext uri="{FF2B5EF4-FFF2-40B4-BE49-F238E27FC236}">
+                    <a16:creationId xmlns:a16="http://schemas.microsoft.com/office/drawing/2014/main" id="{12A0A090-0685-73A6-5F70-793BCCD711A8}"/>
+                  </a:ext>
+                </a:extLst>
+              </p:cNvPr>
+              <p:cNvSpPr txBox="1"/>
+              <p:nvPr/>
+            </p:nvSpPr>
+            <p:spPr>
+              <a:xfrm flipH="1">
+                <a:off x="8066292" y="1210199"/>
+                <a:ext cx="556300" cy="369332"/>
+              </a:xfrm>
+              <a:prstGeom prst="rect">
+                <a:avLst/>
+              </a:prstGeom>
+              <a:noFill/>
+            </p:spPr>
+            <p:txBody>
+              <a:bodyPr wrap="square" rtlCol="0">
+                <a:spAutoFit/>
+              </a:bodyPr>
+              <a:lstStyle/>
+              <a:p>
+                <a:pPr/>
+                <a14:m>
+                  <m:oMathPara xmlns:m="http://schemas.openxmlformats.org/officeDocument/2006/math">
+                    <m:oMathParaPr>
+                      <m:jc m:val="centerGroup"/>
+                    </m:oMathParaPr>
+                    <m:oMath xmlns:m="http://schemas.openxmlformats.org/officeDocument/2006/math">
+                      <m:sSub>
+                        <m:sSubPr>
+                          <m:ctrlPr>
+                            <a:rPr kumimoji="1" lang="en-US" altLang="ja-JP" b="0" i="1" smtClean="0">
+                              <a:latin typeface="Cambria Math" panose="02040503050406030204" pitchFamily="18" charset="0"/>
+                            </a:rPr>
+                          </m:ctrlPr>
+                        </m:sSubPr>
+                        <m:e>
+                          <m:r>
+                            <a:rPr kumimoji="1" lang="en-US" altLang="ja-JP" b="1" i="1" smtClean="0">
+                              <a:latin typeface="Cambria Math" panose="02040503050406030204" pitchFamily="18" charset="0"/>
+                            </a:rPr>
+                            <m:t>𝝃</m:t>
+                          </m:r>
+                        </m:e>
+                        <m:sub>
+                          <m:r>
+                            <a:rPr kumimoji="1" lang="en-US" altLang="ja-JP" b="0" i="1" smtClean="0">
+                              <a:latin typeface="Cambria Math" panose="02040503050406030204" pitchFamily="18" charset="0"/>
+                            </a:rPr>
+                            <m:t>𝑖</m:t>
+                          </m:r>
+                          <m:r>
+                            <a:rPr kumimoji="1" lang="en-US" altLang="ja-JP" b="0" i="1" smtClean="0">
+                              <a:latin typeface="Cambria Math" panose="02040503050406030204" pitchFamily="18" charset="0"/>
+                            </a:rPr>
+                            <m:t>+1</m:t>
+                          </m:r>
+                        </m:sub>
+                      </m:sSub>
+                    </m:oMath>
+                  </m:oMathPara>
+                </a14:m>
+                <a:endParaRPr kumimoji="1" lang="ja-JP" altLang="en-US" dirty="0"/>
+              </a:p>
+            </p:txBody>
+          </p:sp>
+        </mc:Choice>
+        <mc:Fallback>
+          <p:sp>
+            <p:nvSpPr>
+              <p:cNvPr id="55" name="テキスト ボックス 54">
+                <a:extLst>
+                  <a:ext uri="{FF2B5EF4-FFF2-40B4-BE49-F238E27FC236}">
+                    <a16:creationId xmlns:a16="http://schemas.microsoft.com/office/drawing/2014/main" id="{12A0A090-0685-73A6-5F70-793BCCD711A8}"/>
+                  </a:ext>
+                </a:extLst>
+              </p:cNvPr>
+              <p:cNvSpPr txBox="1">
+                <a:spLocks noRot="1" noChangeAspect="1" noMove="1" noResize="1" noEditPoints="1" noAdjustHandles="1" noChangeArrowheads="1" noChangeShapeType="1" noTextEdit="1"/>
+              </p:cNvSpPr>
+              <p:nvPr/>
+            </p:nvSpPr>
+            <p:spPr>
+              <a:xfrm flipH="1">
+                <a:off x="8066292" y="1210199"/>
+                <a:ext cx="556300" cy="369332"/>
+              </a:xfrm>
+              <a:prstGeom prst="rect">
+                <a:avLst/>
+              </a:prstGeom>
+              <a:blipFill>
+                <a:blip r:embed="rId8"/>
+                <a:stretch>
+                  <a:fillRect l="-3297" b="-13333"/>
+                </a:stretch>
+              </a:blipFill>
+            </p:spPr>
+            <p:txBody>
+              <a:bodyPr/>
+              <a:lstStyle/>
+              <a:p>
+                <a:r>
+                  <a:rPr lang="ja-JP" altLang="en-US">
+                    <a:noFill/>
+                  </a:rPr>
+                  <a:t> </a:t>
+                </a:r>
+              </a:p>
+            </p:txBody>
+          </p:sp>
+        </mc:Fallback>
+      </mc:AlternateContent>
+      <p:sp>
+        <p:nvSpPr>
+          <p:cNvPr id="56" name="フローチャート: 結合子 55">
+            <a:extLst>
+              <a:ext uri="{FF2B5EF4-FFF2-40B4-BE49-F238E27FC236}">
+                <a16:creationId xmlns:a16="http://schemas.microsoft.com/office/drawing/2014/main" id="{EC529390-E8BF-AB85-3E2D-2BCB2D71A912}"/>
+              </a:ext>
+            </a:extLst>
+          </p:cNvPr>
+          <p:cNvSpPr/>
+          <p:nvPr/>
+        </p:nvSpPr>
+        <p:spPr>
+          <a:xfrm rot="16200000">
+            <a:off x="3309159" y="3986926"/>
+            <a:ext cx="119034" cy="119034"/>
+          </a:xfrm>
+          <a:prstGeom prst="flowChartConnector">
+            <a:avLst/>
+          </a:prstGeom>
+          <a:solidFill>
+            <a:schemeClr val="accent4">
+              <a:lumMod val="20000"/>
+              <a:lumOff val="80000"/>
+            </a:schemeClr>
+          </a:solidFill>
+          <a:ln>
+            <a:solidFill>
+              <a:srgbClr val="00B0F0"/>
+            </a:solidFill>
+          </a:ln>
+        </p:spPr>
+        <p:style>
+          <a:lnRef idx="2">
+            <a:schemeClr val="dk1">
+              <a:shade val="15000"/>
+            </a:schemeClr>
+          </a:lnRef>
+          <a:fillRef idx="1">
+            <a:schemeClr val="dk1"/>
+          </a:fillRef>
+          <a:effectRef idx="0">
+            <a:schemeClr val="dk1"/>
+          </a:effectRef>
+          <a:fontRef idx="minor">
+            <a:schemeClr val="lt1"/>
+          </a:fontRef>
+        </p:style>
+        <p:txBody>
+          <a:bodyPr rtlCol="0" anchor="ctr"/>
+          <a:lstStyle/>
+          <a:p>
+            <a:pPr algn="ctr"/>
+            <a:endParaRPr kumimoji="1" lang="ja-JP" altLang="en-US"/>
+          </a:p>
+        </p:txBody>
+      </p:sp>
+      <p:cxnSp>
+        <p:nvCxnSpPr>
+          <p:cNvPr id="57" name="直線矢印コネクタ 56">
+            <a:extLst>
+              <a:ext uri="{FF2B5EF4-FFF2-40B4-BE49-F238E27FC236}">
+                <a16:creationId xmlns:a16="http://schemas.microsoft.com/office/drawing/2014/main" id="{B6753286-F436-76BF-A914-9977690F00BC}"/>
+              </a:ext>
+            </a:extLst>
+          </p:cNvPr>
+          <p:cNvCxnSpPr/>
+          <p:nvPr/>
+        </p:nvCxnSpPr>
+        <p:spPr>
+          <a:xfrm flipV="1">
+            <a:off x="7427012" y="4565335"/>
+            <a:ext cx="0" cy="1080000"/>
+          </a:xfrm>
+          <a:prstGeom prst="straightConnector1">
+            <a:avLst/>
+          </a:prstGeom>
+          <a:ln w="28575">
+            <a:tailEnd type="triangle"/>
+          </a:ln>
+        </p:spPr>
+        <p:style>
+          <a:lnRef idx="2">
+            <a:schemeClr val="dk1"/>
+          </a:lnRef>
+          <a:fillRef idx="0">
+            <a:schemeClr val="dk1"/>
+          </a:fillRef>
+          <a:effectRef idx="1">
+            <a:schemeClr val="dk1"/>
+          </a:effectRef>
+          <a:fontRef idx="minor">
+            <a:schemeClr val="tx1"/>
+          </a:fontRef>
+        </p:style>
+      </p:cxnSp>
+      <p:cxnSp>
+        <p:nvCxnSpPr>
+          <p:cNvPr id="58" name="直線矢印コネクタ 57">
+            <a:extLst>
+              <a:ext uri="{FF2B5EF4-FFF2-40B4-BE49-F238E27FC236}">
+                <a16:creationId xmlns:a16="http://schemas.microsoft.com/office/drawing/2014/main" id="{C467441A-BDFD-863A-A354-F797354258C6}"/>
+              </a:ext>
+            </a:extLst>
+          </p:cNvPr>
+          <p:cNvCxnSpPr>
+            <a:cxnSpLocks/>
+          </p:cNvCxnSpPr>
+          <p:nvPr/>
+        </p:nvCxnSpPr>
+        <p:spPr>
+          <a:xfrm rot="5400000" flipV="1">
+            <a:off x="7730910" y="4815127"/>
+            <a:ext cx="0" cy="1080000"/>
+          </a:xfrm>
+          <a:prstGeom prst="straightConnector1">
+            <a:avLst/>
+          </a:prstGeom>
+          <a:ln w="28575">
+            <a:tailEnd type="triangle"/>
+          </a:ln>
+        </p:spPr>
+        <p:style>
+          <a:lnRef idx="2">
+            <a:schemeClr val="dk1"/>
+          </a:lnRef>
+          <a:fillRef idx="0">
+            <a:schemeClr val="dk1"/>
+          </a:fillRef>
+          <a:effectRef idx="1">
+            <a:schemeClr val="dk1"/>
+          </a:effectRef>
+          <a:fontRef idx="minor">
+            <a:schemeClr val="tx1"/>
+          </a:fontRef>
+        </p:style>
+      </p:cxnSp>
+      <p:sp>
+        <p:nvSpPr>
+          <p:cNvPr id="59" name="テキスト ボックス 58">
+            <a:extLst>
+              <a:ext uri="{FF2B5EF4-FFF2-40B4-BE49-F238E27FC236}">
+                <a16:creationId xmlns:a16="http://schemas.microsoft.com/office/drawing/2014/main" id="{FFDDB41A-6D25-8015-A23C-F68F0E10D010}"/>
+              </a:ext>
+            </a:extLst>
+          </p:cNvPr>
+          <p:cNvSpPr txBox="1"/>
+          <p:nvPr/>
+        </p:nvSpPr>
+        <p:spPr>
+          <a:xfrm flipH="1">
+            <a:off x="8215709" y="5170461"/>
+            <a:ext cx="270532" cy="369332"/>
+          </a:xfrm>
+          <a:prstGeom prst="rect">
+            <a:avLst/>
+          </a:prstGeom>
+          <a:noFill/>
+        </p:spPr>
+        <p:txBody>
+          <a:bodyPr wrap="square" rtlCol="0">
+            <a:spAutoFit/>
+          </a:bodyPr>
+          <a:lstStyle/>
+          <a:p>
+            <a:r>
+              <a:rPr kumimoji="1" lang="en-US" altLang="ja-JP" dirty="0"/>
+              <a:t>y</a:t>
+            </a:r>
+            <a:endParaRPr kumimoji="1" lang="ja-JP" altLang="en-US" dirty="0"/>
+          </a:p>
+        </p:txBody>
+      </p:sp>
+      <p:sp>
+        <p:nvSpPr>
+          <p:cNvPr id="60" name="テキスト ボックス 59">
+            <a:extLst>
+              <a:ext uri="{FF2B5EF4-FFF2-40B4-BE49-F238E27FC236}">
+                <a16:creationId xmlns:a16="http://schemas.microsoft.com/office/drawing/2014/main" id="{42F9D2FC-3B1C-37E8-5B56-B77122AA8C87}"/>
+              </a:ext>
+            </a:extLst>
+          </p:cNvPr>
+          <p:cNvSpPr txBox="1"/>
+          <p:nvPr/>
+        </p:nvSpPr>
+        <p:spPr>
+          <a:xfrm flipH="1">
+            <a:off x="7291746" y="4232460"/>
+            <a:ext cx="270532" cy="369332"/>
+          </a:xfrm>
+          <a:prstGeom prst="rect">
+            <a:avLst/>
+          </a:prstGeom>
+          <a:noFill/>
+        </p:spPr>
+        <p:txBody>
+          <a:bodyPr wrap="square" rtlCol="0">
+            <a:spAutoFit/>
+          </a:bodyPr>
+          <a:lstStyle/>
+          <a:p>
+            <a:r>
+              <a:rPr kumimoji="1" lang="en-US" altLang="ja-JP" dirty="0"/>
+              <a:t>x</a:t>
+            </a:r>
+            <a:endParaRPr kumimoji="1" lang="ja-JP" altLang="en-US" dirty="0"/>
+          </a:p>
+        </p:txBody>
+      </p:sp>
+      <mc:AlternateContent xmlns:mc="http://schemas.openxmlformats.org/markup-compatibility/2006">
+        <mc:Choice xmlns:a14="http://schemas.microsoft.com/office/drawing/2010/main" Requires="a14">
+          <p:sp>
+            <p:nvSpPr>
+              <p:cNvPr id="61" name="テキスト ボックス 60">
+                <a:extLst>
+                  <a:ext uri="{FF2B5EF4-FFF2-40B4-BE49-F238E27FC236}">
+                    <a16:creationId xmlns:a16="http://schemas.microsoft.com/office/drawing/2014/main" id="{6EF17FE3-92A2-FA15-671E-AC93FB9DF8D6}"/>
+                  </a:ext>
+                </a:extLst>
+              </p:cNvPr>
+              <p:cNvSpPr txBox="1"/>
+              <p:nvPr/>
+            </p:nvSpPr>
+            <p:spPr>
+              <a:xfrm flipH="1">
+                <a:off x="3548676" y="3780127"/>
+                <a:ext cx="387182" cy="369332"/>
+              </a:xfrm>
+              <a:prstGeom prst="rect">
+                <a:avLst/>
+              </a:prstGeom>
+              <a:noFill/>
+            </p:spPr>
+            <p:txBody>
+              <a:bodyPr wrap="square" rtlCol="0">
+                <a:spAutoFit/>
+              </a:bodyPr>
+              <a:lstStyle/>
+              <a:p>
+                <a:pPr/>
+                <a14:m>
+                  <m:oMathPara xmlns:m="http://schemas.openxmlformats.org/officeDocument/2006/math">
+                    <m:oMathParaPr>
+                      <m:jc m:val="centerGroup"/>
+                    </m:oMathParaPr>
+                    <m:oMath xmlns:m="http://schemas.openxmlformats.org/officeDocument/2006/math">
+                      <m:r>
+                        <a:rPr kumimoji="1" lang="en-US" altLang="ja-JP" b="0" i="1" smtClean="0">
+                          <a:solidFill>
+                            <a:srgbClr val="00B0F0"/>
+                          </a:solidFill>
+                          <a:latin typeface="Cambria Math" panose="02040503050406030204" pitchFamily="18" charset="0"/>
+                        </a:rPr>
+                        <m:t>𝑝</m:t>
+                      </m:r>
+                    </m:oMath>
+                  </m:oMathPara>
+                </a14:m>
+                <a:endParaRPr kumimoji="1" lang="ja-JP" altLang="en-US" dirty="0">
+                  <a:solidFill>
+                    <a:srgbClr val="00B0F0"/>
+                  </a:solidFill>
+                </a:endParaRPr>
+              </a:p>
+            </p:txBody>
+          </p:sp>
+        </mc:Choice>
+        <mc:Fallback>
+          <p:sp>
+            <p:nvSpPr>
+              <p:cNvPr id="61" name="テキスト ボックス 60">
+                <a:extLst>
+                  <a:ext uri="{FF2B5EF4-FFF2-40B4-BE49-F238E27FC236}">
+                    <a16:creationId xmlns:a16="http://schemas.microsoft.com/office/drawing/2014/main" id="{6EF17FE3-92A2-FA15-671E-AC93FB9DF8D6}"/>
+                  </a:ext>
+                </a:extLst>
+              </p:cNvPr>
+              <p:cNvSpPr txBox="1">
+                <a:spLocks noRot="1" noChangeAspect="1" noMove="1" noResize="1" noEditPoints="1" noAdjustHandles="1" noChangeArrowheads="1" noChangeShapeType="1" noTextEdit="1"/>
+              </p:cNvSpPr>
+              <p:nvPr/>
+            </p:nvSpPr>
+            <p:spPr>
+              <a:xfrm flipH="1">
+                <a:off x="3548676" y="3780127"/>
+                <a:ext cx="387182" cy="369332"/>
+              </a:xfrm>
+              <a:prstGeom prst="rect">
+                <a:avLst/>
+              </a:prstGeom>
+              <a:blipFill>
+                <a:blip r:embed="rId9"/>
+                <a:stretch>
+                  <a:fillRect b="-6557"/>
+                </a:stretch>
+              </a:blipFill>
+            </p:spPr>
+            <p:txBody>
+              <a:bodyPr/>
+              <a:lstStyle/>
+              <a:p>
+                <a:r>
+                  <a:rPr lang="ja-JP" altLang="en-US">
+                    <a:noFill/>
+                  </a:rPr>
+                  <a:t> </a:t>
+                </a:r>
+              </a:p>
+            </p:txBody>
+          </p:sp>
+        </mc:Fallback>
+      </mc:AlternateContent>
+    </p:spTree>
+    <p:extLst>
+      <p:ext uri="{BB962C8B-B14F-4D97-AF65-F5344CB8AC3E}">
+        <p14:creationId xmlns:p14="http://schemas.microsoft.com/office/powerpoint/2010/main" val="3882036057"/>
+      </p:ext>
+    </p:extLst>
+  </p:cSld>
+  <p:clrMapOvr>
+    <a:masterClrMapping/>
+  </p:clrMapOvr>
+</p:sld>
+</file>
+
+<file path=ppt/slides/slide3.xml><?xml version="1.0" encoding="utf-8"?>
+<p:sld xmlns:a="http://schemas.openxmlformats.org/drawingml/2006/main" xmlns:r="http://schemas.openxmlformats.org/officeDocument/2006/relationships" xmlns:p="http://schemas.openxmlformats.org/presentationml/2006/main">
+  <p:cSld>
+    <p:spTree>
+      <p:nvGrpSpPr>
+        <p:cNvPr id="1" name=""/>
+        <p:cNvGrpSpPr/>
+        <p:nvPr/>
+      </p:nvGrpSpPr>
+      <p:grpSpPr>
+        <a:xfrm>
+          <a:off x="0" y="0"/>
+          <a:ext cx="0" cy="0"/>
+          <a:chOff x="0" y="0"/>
+          <a:chExt cx="0" cy="0"/>
+        </a:xfrm>
+      </p:grpSpPr>
+      <p:grpSp>
+        <p:nvGrpSpPr>
+          <p:cNvPr id="2" name="グループ化 1">
+            <a:extLst>
+              <a:ext uri="{FF2B5EF4-FFF2-40B4-BE49-F238E27FC236}">
+                <a16:creationId xmlns:a16="http://schemas.microsoft.com/office/drawing/2014/main" id="{16A5134A-C3A6-1617-2152-9B12C6624E95}"/>
+              </a:ext>
+            </a:extLst>
+          </p:cNvPr>
+          <p:cNvGrpSpPr/>
+          <p:nvPr/>
+        </p:nvGrpSpPr>
+        <p:grpSpPr>
+          <a:xfrm rot="16200000">
+            <a:off x="1325528" y="1874119"/>
+            <a:ext cx="2421462" cy="1410896"/>
+            <a:chOff x="1613631" y="2409000"/>
+            <a:chExt cx="720000" cy="419517"/>
+          </a:xfrm>
+        </p:grpSpPr>
+        <p:sp>
+          <p:nvSpPr>
+            <p:cNvPr id="3" name="正方形/長方形 2">
+              <a:extLst>
+                <a:ext uri="{FF2B5EF4-FFF2-40B4-BE49-F238E27FC236}">
+                  <a16:creationId xmlns:a16="http://schemas.microsoft.com/office/drawing/2014/main" id="{34E6FCA5-9627-8229-FF0F-3C9CEC1D60B5}"/>
+                </a:ext>
+              </a:extLst>
+            </p:cNvPr>
+            <p:cNvSpPr/>
+            <p:nvPr/>
+          </p:nvSpPr>
+          <p:spPr>
+            <a:xfrm rot="16200000">
+              <a:off x="1793631" y="2229000"/>
+              <a:ext cx="360000" cy="720000"/>
+            </a:xfrm>
+            <a:prstGeom prst="rect">
+              <a:avLst/>
+            </a:prstGeom>
+            <a:solidFill>
+              <a:schemeClr val="bg1"/>
+            </a:solidFill>
+            <a:ln w="28575">
+              <a:solidFill>
+                <a:schemeClr val="tx1"/>
+              </a:solidFill>
+            </a:ln>
+          </p:spPr>
+          <p:style>
+            <a:lnRef idx="2">
+              <a:schemeClr val="accent1">
+                <a:shade val="15000"/>
+              </a:schemeClr>
+            </a:lnRef>
+            <a:fillRef idx="1">
+              <a:schemeClr val="accent1"/>
+            </a:fillRef>
+            <a:effectRef idx="0">
+              <a:schemeClr val="accent1"/>
+            </a:effectRef>
+            <a:fontRef idx="minor">
+              <a:schemeClr val="lt1"/>
+            </a:fontRef>
+          </p:style>
+          <p:txBody>
+            <a:bodyPr rtlCol="0" anchor="ctr"/>
+            <a:lstStyle/>
+            <a:p>
+              <a:pPr algn="ctr"/>
+              <a:endParaRPr kumimoji="1" lang="ja-JP" altLang="en-US"/>
+            </a:p>
+          </p:txBody>
+        </p:sp>
+        <p:sp>
+          <p:nvSpPr>
+            <p:cNvPr id="4" name="フローチャート: 結合子 3">
+              <a:extLst>
+                <a:ext uri="{FF2B5EF4-FFF2-40B4-BE49-F238E27FC236}">
+                  <a16:creationId xmlns:a16="http://schemas.microsoft.com/office/drawing/2014/main" id="{2B987E7B-D573-C0B4-A810-F62036F5B292}"/>
+                </a:ext>
+              </a:extLst>
+            </p:cNvPr>
+            <p:cNvSpPr/>
+            <p:nvPr/>
+          </p:nvSpPr>
+          <p:spPr>
+            <a:xfrm>
+              <a:off x="1779245" y="2709483"/>
+              <a:ext cx="119034" cy="119034"/>
+            </a:xfrm>
+            <a:prstGeom prst="flowChartConnector">
+              <a:avLst/>
+            </a:prstGeom>
+          </p:spPr>
+          <p:style>
+            <a:lnRef idx="2">
+              <a:schemeClr val="dk1">
+                <a:shade val="15000"/>
+              </a:schemeClr>
+            </a:lnRef>
+            <a:fillRef idx="1">
+              <a:schemeClr val="dk1"/>
+            </a:fillRef>
+            <a:effectRef idx="0">
+              <a:schemeClr val="dk1"/>
+            </a:effectRef>
+            <a:fontRef idx="minor">
+              <a:schemeClr val="lt1"/>
+            </a:fontRef>
+          </p:style>
+          <p:txBody>
+            <a:bodyPr rtlCol="0" anchor="ctr"/>
+            <a:lstStyle/>
+            <a:p>
+              <a:pPr algn="ctr"/>
+              <a:endParaRPr kumimoji="1" lang="ja-JP" altLang="en-US"/>
+            </a:p>
+          </p:txBody>
+        </p:sp>
+      </p:grpSp>
+      <mc:AlternateContent xmlns:mc="http://schemas.openxmlformats.org/markup-compatibility/2006">
+        <mc:Choice xmlns:a14="http://schemas.microsoft.com/office/drawing/2010/main" Requires="a14">
+          <p:sp>
+            <p:nvSpPr>
+              <p:cNvPr id="5" name="テキスト ボックス 4">
+                <a:extLst>
+                  <a:ext uri="{FF2B5EF4-FFF2-40B4-BE49-F238E27FC236}">
+                    <a16:creationId xmlns:a16="http://schemas.microsoft.com/office/drawing/2014/main" id="{22135F35-68BD-FE08-8714-5B2BF2467C5E}"/>
+                  </a:ext>
+                </a:extLst>
+              </p:cNvPr>
+              <p:cNvSpPr txBox="1"/>
+              <p:nvPr/>
+            </p:nvSpPr>
+            <p:spPr>
+              <a:xfrm flipH="1">
+                <a:off x="2560852" y="2463653"/>
+                <a:ext cx="387182" cy="369332"/>
+              </a:xfrm>
+              <a:prstGeom prst="rect">
+                <a:avLst/>
+              </a:prstGeom>
+              <a:noFill/>
+            </p:spPr>
+            <p:txBody>
+              <a:bodyPr wrap="square" rtlCol="0">
+                <a:spAutoFit/>
+              </a:bodyPr>
+              <a:lstStyle/>
+              <a:p>
+                <a:pPr/>
+                <a14:m>
+                  <m:oMathPara xmlns:m="http://schemas.openxmlformats.org/officeDocument/2006/math">
+                    <m:oMathParaPr>
+                      <m:jc m:val="centerGroup"/>
+                    </m:oMathParaPr>
+                    <m:oMath xmlns:m="http://schemas.openxmlformats.org/officeDocument/2006/math">
+                      <m:r>
+                        <a:rPr kumimoji="1" lang="en-US" altLang="ja-JP" b="0" i="1" smtClean="0">
+                          <a:latin typeface="Cambria Math" panose="02040503050406030204" pitchFamily="18" charset="0"/>
+                        </a:rPr>
+                        <m:t>𝑝</m:t>
+                      </m:r>
+                    </m:oMath>
+                  </m:oMathPara>
+                </a14:m>
+                <a:endParaRPr kumimoji="1" lang="ja-JP" altLang="en-US" dirty="0"/>
+              </a:p>
+            </p:txBody>
+          </p:sp>
+        </mc:Choice>
+        <mc:Fallback>
+          <p:sp>
+            <p:nvSpPr>
+              <p:cNvPr id="5" name="テキスト ボックス 4">
+                <a:extLst>
+                  <a:ext uri="{FF2B5EF4-FFF2-40B4-BE49-F238E27FC236}">
+                    <a16:creationId xmlns:a16="http://schemas.microsoft.com/office/drawing/2014/main" id="{22135F35-68BD-FE08-8714-5B2BF2467C5E}"/>
+                  </a:ext>
+                </a:extLst>
+              </p:cNvPr>
+              <p:cNvSpPr txBox="1">
+                <a:spLocks noRot="1" noChangeAspect="1" noMove="1" noResize="1" noEditPoints="1" noAdjustHandles="1" noChangeArrowheads="1" noChangeShapeType="1" noTextEdit="1"/>
+              </p:cNvSpPr>
+              <p:nvPr/>
+            </p:nvSpPr>
+            <p:spPr>
+              <a:xfrm flipH="1">
+                <a:off x="2560852" y="2463653"/>
+                <a:ext cx="387182" cy="369332"/>
+              </a:xfrm>
+              <a:prstGeom prst="rect">
+                <a:avLst/>
+              </a:prstGeom>
+              <a:blipFill>
+                <a:blip r:embed="rId2"/>
+                <a:stretch>
+                  <a:fillRect b="-6557"/>
+                </a:stretch>
+              </a:blipFill>
+            </p:spPr>
+            <p:txBody>
+              <a:bodyPr/>
+              <a:lstStyle/>
+              <a:p>
+                <a:r>
+                  <a:rPr lang="ja-JP" altLang="en-US">
+                    <a:noFill/>
+                  </a:rPr>
+                  <a:t> </a:t>
+                </a:r>
+              </a:p>
+            </p:txBody>
+          </p:sp>
+        </mc:Fallback>
+      </mc:AlternateContent>
+      <mc:AlternateContent xmlns:mc="http://schemas.openxmlformats.org/markup-compatibility/2006">
+        <mc:Choice xmlns:a14="http://schemas.microsoft.com/office/drawing/2010/main" Requires="a14">
+          <p:sp>
+            <p:nvSpPr>
+              <p:cNvPr id="6" name="テキスト ボックス 5">
+                <a:extLst>
+                  <a:ext uri="{FF2B5EF4-FFF2-40B4-BE49-F238E27FC236}">
+                    <a16:creationId xmlns:a16="http://schemas.microsoft.com/office/drawing/2014/main" id="{7A0447F6-C544-FAC7-14FE-B833C4C27712}"/>
+                  </a:ext>
+                </a:extLst>
+              </p:cNvPr>
+              <p:cNvSpPr txBox="1"/>
+              <p:nvPr/>
+            </p:nvSpPr>
+            <p:spPr>
+              <a:xfrm flipH="1">
+                <a:off x="4052112" y="2463653"/>
+                <a:ext cx="587346" cy="369332"/>
+              </a:xfrm>
+              <a:prstGeom prst="rect">
+                <a:avLst/>
+              </a:prstGeom>
+              <a:noFill/>
+            </p:spPr>
+            <p:txBody>
+              <a:bodyPr wrap="square" rtlCol="0">
+                <a:spAutoFit/>
+              </a:bodyPr>
+              <a:lstStyle/>
+              <a:p>
+                <a:pPr/>
+                <a14:m>
+                  <m:oMathPara xmlns:m="http://schemas.openxmlformats.org/officeDocument/2006/math">
+                    <m:oMathParaPr>
+                      <m:jc m:val="centerGroup"/>
+                    </m:oMathParaPr>
+                    <m:oMath xmlns:m="http://schemas.openxmlformats.org/officeDocument/2006/math">
+                      <m:sSub>
+                        <m:sSubPr>
+                          <m:ctrlPr>
+                            <a:rPr kumimoji="1" lang="en-US" altLang="ja-JP" b="0" i="1" smtClean="0">
+                              <a:latin typeface="Cambria Math" panose="02040503050406030204" pitchFamily="18" charset="0"/>
+                            </a:rPr>
+                          </m:ctrlPr>
+                        </m:sSubPr>
+                        <m:e>
+                          <m:r>
+                            <a:rPr kumimoji="1" lang="en-US" altLang="ja-JP" b="0" i="1" smtClean="0">
+                              <a:latin typeface="Cambria Math" panose="02040503050406030204" pitchFamily="18" charset="0"/>
+                            </a:rPr>
+                            <m:t>𝑝</m:t>
+                          </m:r>
+                        </m:e>
+                        <m:sub>
+                          <m:r>
+                            <m:rPr>
+                              <m:sty m:val="p"/>
+                            </m:rPr>
+                            <a:rPr kumimoji="1" lang="en-US" altLang="ja-JP" b="0" i="0" smtClean="0">
+                              <a:latin typeface="Cambria Math" panose="02040503050406030204" pitchFamily="18" charset="0"/>
+                            </a:rPr>
+                            <m:t>ref</m:t>
+                          </m:r>
+                        </m:sub>
+                      </m:sSub>
+                    </m:oMath>
+                  </m:oMathPara>
+                </a14:m>
+                <a:endParaRPr kumimoji="1" lang="ja-JP" altLang="en-US" dirty="0"/>
+              </a:p>
+            </p:txBody>
+          </p:sp>
+        </mc:Choice>
+        <mc:Fallback>
+          <p:sp>
+            <p:nvSpPr>
+              <p:cNvPr id="6" name="テキスト ボックス 5">
+                <a:extLst>
+                  <a:ext uri="{FF2B5EF4-FFF2-40B4-BE49-F238E27FC236}">
+                    <a16:creationId xmlns:a16="http://schemas.microsoft.com/office/drawing/2014/main" id="{7A0447F6-C544-FAC7-14FE-B833C4C27712}"/>
+                  </a:ext>
+                </a:extLst>
+              </p:cNvPr>
+              <p:cNvSpPr txBox="1">
+                <a:spLocks noRot="1" noChangeAspect="1" noMove="1" noResize="1" noEditPoints="1" noAdjustHandles="1" noChangeArrowheads="1" noChangeShapeType="1" noTextEdit="1"/>
+              </p:cNvSpPr>
+              <p:nvPr/>
+            </p:nvSpPr>
+            <p:spPr>
+              <a:xfrm flipH="1">
+                <a:off x="4052112" y="2463653"/>
+                <a:ext cx="587346" cy="369332"/>
+              </a:xfrm>
+              <a:prstGeom prst="rect">
+                <a:avLst/>
+              </a:prstGeom>
+              <a:blipFill>
+                <a:blip r:embed="rId3"/>
+                <a:stretch>
+                  <a:fillRect b="-6557"/>
+                </a:stretch>
+              </a:blipFill>
+            </p:spPr>
+            <p:txBody>
+              <a:bodyPr/>
+              <a:lstStyle/>
+              <a:p>
+                <a:r>
+                  <a:rPr lang="ja-JP" altLang="en-US">
+                    <a:noFill/>
+                  </a:rPr>
+                  <a:t> </a:t>
+                </a:r>
+              </a:p>
+            </p:txBody>
+          </p:sp>
+        </mc:Fallback>
+      </mc:AlternateContent>
+      <p:sp>
+        <p:nvSpPr>
+          <p:cNvPr id="7" name="フローチャート: 結合子 6">
+            <a:extLst>
+              <a:ext uri="{FF2B5EF4-FFF2-40B4-BE49-F238E27FC236}">
+                <a16:creationId xmlns:a16="http://schemas.microsoft.com/office/drawing/2014/main" id="{CD7B419B-21FC-7259-4618-045F74D50F4D}"/>
+              </a:ext>
+            </a:extLst>
+          </p:cNvPr>
+          <p:cNvSpPr/>
+          <p:nvPr/>
+        </p:nvSpPr>
+        <p:spPr>
+          <a:xfrm rot="16200000">
+            <a:off x="4329020" y="2832985"/>
+            <a:ext cx="400328" cy="400328"/>
+          </a:xfrm>
+          <a:prstGeom prst="flowChartConnector">
+            <a:avLst/>
+          </a:prstGeom>
+          <a:solidFill>
+            <a:schemeClr val="accent4">
+              <a:lumMod val="20000"/>
+              <a:lumOff val="80000"/>
+            </a:schemeClr>
+          </a:solidFill>
+          <a:ln>
+            <a:solidFill>
+              <a:srgbClr val="00B0F0"/>
+            </a:solidFill>
+          </a:ln>
+        </p:spPr>
+        <p:style>
+          <a:lnRef idx="2">
+            <a:schemeClr val="dk1">
+              <a:shade val="15000"/>
+            </a:schemeClr>
+          </a:lnRef>
+          <a:fillRef idx="1">
+            <a:schemeClr val="dk1"/>
+          </a:fillRef>
+          <a:effectRef idx="0">
+            <a:schemeClr val="dk1"/>
+          </a:effectRef>
+          <a:fontRef idx="minor">
+            <a:schemeClr val="lt1"/>
+          </a:fontRef>
+        </p:style>
+        <p:txBody>
+          <a:bodyPr rtlCol="0" anchor="ctr"/>
+          <a:lstStyle/>
+          <a:p>
+            <a:pPr algn="ctr"/>
+            <a:endParaRPr kumimoji="1" lang="ja-JP" altLang="en-US"/>
+          </a:p>
+        </p:txBody>
+      </p:sp>
+    </p:spTree>
+    <p:extLst>
+      <p:ext uri="{BB962C8B-B14F-4D97-AF65-F5344CB8AC3E}">
+        <p14:creationId xmlns:p14="http://schemas.microsoft.com/office/powerpoint/2010/main" val="317288318"/>
       </p:ext>
     </p:extLst>
   </p:cSld>

--- a/figure.pptx
+++ b/figure.pptx
@@ -261,7 +261,7 @@
           <a:p>
             <a:fld id="{50DB86B2-1F85-458D-BB4D-F9A4D62C4F3A}" type="datetimeFigureOut">
               <a:rPr kumimoji="1" lang="ja-JP" altLang="en-US" smtClean="0"/>
-              <a:t>2024/8/8</a:t>
+              <a:t>2024/9/11</a:t>
             </a:fld>
             <a:endParaRPr kumimoji="1" lang="ja-JP" altLang="en-US"/>
           </a:p>
@@ -491,7 +491,7 @@
           <a:p>
             <a:fld id="{50DB86B2-1F85-458D-BB4D-F9A4D62C4F3A}" type="datetimeFigureOut">
               <a:rPr kumimoji="1" lang="ja-JP" altLang="en-US" smtClean="0"/>
-              <a:t>2024/8/8</a:t>
+              <a:t>2024/9/11</a:t>
             </a:fld>
             <a:endParaRPr kumimoji="1" lang="ja-JP" altLang="en-US"/>
           </a:p>
@@ -731,7 +731,7 @@
           <a:p>
             <a:fld id="{50DB86B2-1F85-458D-BB4D-F9A4D62C4F3A}" type="datetimeFigureOut">
               <a:rPr kumimoji="1" lang="ja-JP" altLang="en-US" smtClean="0"/>
-              <a:t>2024/8/8</a:t>
+              <a:t>2024/9/11</a:t>
             </a:fld>
             <a:endParaRPr kumimoji="1" lang="ja-JP" altLang="en-US"/>
           </a:p>
@@ -961,7 +961,7 @@
           <a:p>
             <a:fld id="{50DB86B2-1F85-458D-BB4D-F9A4D62C4F3A}" type="datetimeFigureOut">
               <a:rPr kumimoji="1" lang="ja-JP" altLang="en-US" smtClean="0"/>
-              <a:t>2024/8/8</a:t>
+              <a:t>2024/9/11</a:t>
             </a:fld>
             <a:endParaRPr kumimoji="1" lang="ja-JP" altLang="en-US"/>
           </a:p>
@@ -1236,7 +1236,7 @@
           <a:p>
             <a:fld id="{50DB86B2-1F85-458D-BB4D-F9A4D62C4F3A}" type="datetimeFigureOut">
               <a:rPr kumimoji="1" lang="ja-JP" altLang="en-US" smtClean="0"/>
-              <a:t>2024/8/8</a:t>
+              <a:t>2024/9/11</a:t>
             </a:fld>
             <a:endParaRPr kumimoji="1" lang="ja-JP" altLang="en-US"/>
           </a:p>
@@ -1565,7 +1565,7 @@
           <a:p>
             <a:fld id="{50DB86B2-1F85-458D-BB4D-F9A4D62C4F3A}" type="datetimeFigureOut">
               <a:rPr kumimoji="1" lang="ja-JP" altLang="en-US" smtClean="0"/>
-              <a:t>2024/8/8</a:t>
+              <a:t>2024/9/11</a:t>
             </a:fld>
             <a:endParaRPr kumimoji="1" lang="ja-JP" altLang="en-US"/>
           </a:p>
@@ -2041,7 +2041,7 @@
           <a:p>
             <a:fld id="{50DB86B2-1F85-458D-BB4D-F9A4D62C4F3A}" type="datetimeFigureOut">
               <a:rPr kumimoji="1" lang="ja-JP" altLang="en-US" smtClean="0"/>
-              <a:t>2024/8/8</a:t>
+              <a:t>2024/9/11</a:t>
             </a:fld>
             <a:endParaRPr kumimoji="1" lang="ja-JP" altLang="en-US"/>
           </a:p>
@@ -2182,7 +2182,7 @@
           <a:p>
             <a:fld id="{50DB86B2-1F85-458D-BB4D-F9A4D62C4F3A}" type="datetimeFigureOut">
               <a:rPr kumimoji="1" lang="ja-JP" altLang="en-US" smtClean="0"/>
-              <a:t>2024/8/8</a:t>
+              <a:t>2024/9/11</a:t>
             </a:fld>
             <a:endParaRPr kumimoji="1" lang="ja-JP" altLang="en-US"/>
           </a:p>
@@ -2295,7 +2295,7 @@
           <a:p>
             <a:fld id="{50DB86B2-1F85-458D-BB4D-F9A4D62C4F3A}" type="datetimeFigureOut">
               <a:rPr kumimoji="1" lang="ja-JP" altLang="en-US" smtClean="0"/>
-              <a:t>2024/8/8</a:t>
+              <a:t>2024/9/11</a:t>
             </a:fld>
             <a:endParaRPr kumimoji="1" lang="ja-JP" altLang="en-US"/>
           </a:p>
@@ -2638,7 +2638,7 @@
           <a:p>
             <a:fld id="{50DB86B2-1F85-458D-BB4D-F9A4D62C4F3A}" type="datetimeFigureOut">
               <a:rPr kumimoji="1" lang="ja-JP" altLang="en-US" smtClean="0"/>
-              <a:t>2024/8/8</a:t>
+              <a:t>2024/9/11</a:t>
             </a:fld>
             <a:endParaRPr kumimoji="1" lang="ja-JP" altLang="en-US"/>
           </a:p>
@@ -2926,7 +2926,7 @@
           <a:p>
             <a:fld id="{50DB86B2-1F85-458D-BB4D-F9A4D62C4F3A}" type="datetimeFigureOut">
               <a:rPr kumimoji="1" lang="ja-JP" altLang="en-US" smtClean="0"/>
-              <a:t>2024/8/8</a:t>
+              <a:t>2024/9/11</a:t>
             </a:fld>
             <a:endParaRPr kumimoji="1" lang="ja-JP" altLang="en-US"/>
           </a:p>
@@ -3199,7 +3199,7 @@
           <a:p>
             <a:fld id="{50DB86B2-1F85-458D-BB4D-F9A4D62C4F3A}" type="datetimeFigureOut">
               <a:rPr kumimoji="1" lang="ja-JP" altLang="en-US" smtClean="0"/>
-              <a:t>2024/8/8</a:t>
+              <a:t>2024/9/11</a:t>
             </a:fld>
             <a:endParaRPr kumimoji="1" lang="ja-JP" altLang="en-US"/>
           </a:p>
@@ -5417,10 +5417,10 @@
       </p:grpSpPr>
       <p:grpSp>
         <p:nvGrpSpPr>
-          <p:cNvPr id="2" name="グループ化 1">
+          <p:cNvPr id="17" name="グループ化 16">
             <a:extLst>
               <a:ext uri="{FF2B5EF4-FFF2-40B4-BE49-F238E27FC236}">
-                <a16:creationId xmlns:a16="http://schemas.microsoft.com/office/drawing/2014/main" id="{AF96298F-9868-3801-8A10-BBA4B2FC43CB}"/>
+                <a16:creationId xmlns:a16="http://schemas.microsoft.com/office/drawing/2014/main" id="{CFF352DA-D6F6-518E-6FF3-E95BF98B2C00}"/>
               </a:ext>
             </a:extLst>
           </p:cNvPr>
@@ -5428,122 +5428,973 @@
           <p:nvPr/>
         </p:nvGrpSpPr>
         <p:grpSpPr>
-          <a:xfrm rot="16200000">
-            <a:off x="3008677" y="4061792"/>
-            <a:ext cx="720000" cy="360000"/>
-            <a:chOff x="1613631" y="2409000"/>
-            <a:chExt cx="720000" cy="360000"/>
+          <a:xfrm>
+            <a:off x="1351284" y="930924"/>
+            <a:ext cx="9489433" cy="4996153"/>
+            <a:chOff x="1472695" y="800681"/>
+            <a:chExt cx="9489433" cy="4996153"/>
           </a:xfrm>
         </p:grpSpPr>
-        <p:sp>
-          <p:nvSpPr>
-            <p:cNvPr id="3" name="正方形/長方形 2">
+        <p:grpSp>
+          <p:nvGrpSpPr>
+            <p:cNvPr id="13" name="グループ化 12">
               <a:extLst>
                 <a:ext uri="{FF2B5EF4-FFF2-40B4-BE49-F238E27FC236}">
-                  <a16:creationId xmlns:a16="http://schemas.microsoft.com/office/drawing/2014/main" id="{4EE04F6E-A454-28C2-B28A-D4B35E06C545}"/>
+                  <a16:creationId xmlns:a16="http://schemas.microsoft.com/office/drawing/2014/main" id="{E7C68ECE-542D-A386-962D-3E2D83926F3F}"/>
                 </a:ext>
               </a:extLst>
             </p:cNvPr>
-            <p:cNvSpPr/>
+            <p:cNvGrpSpPr/>
             <p:nvPr/>
-          </p:nvSpPr>
-          <p:spPr>
-            <a:xfrm rot="16200000">
-              <a:off x="1793631" y="2229000"/>
-              <a:ext cx="360000" cy="720000"/>
+          </p:nvGrpSpPr>
+          <p:grpSpPr>
+            <a:xfrm>
+              <a:off x="8202702" y="800681"/>
+              <a:ext cx="2759426" cy="4996153"/>
+              <a:chOff x="7190910" y="649182"/>
+              <a:chExt cx="2759426" cy="4996153"/>
             </a:xfrm>
-            <a:prstGeom prst="rect">
-              <a:avLst/>
-            </a:prstGeom>
-            <a:solidFill>
-              <a:schemeClr val="bg1"/>
-            </a:solidFill>
-            <a:ln w="28575">
-              <a:solidFill>
+          </p:grpSpPr>
+          <p:grpSp>
+            <p:nvGrpSpPr>
+              <p:cNvPr id="40" name="グループ化 39">
+                <a:extLst>
+                  <a:ext uri="{FF2B5EF4-FFF2-40B4-BE49-F238E27FC236}">
+                    <a16:creationId xmlns:a16="http://schemas.microsoft.com/office/drawing/2014/main" id="{DC1F2409-2C7A-B5B5-E97B-61526AA26433}"/>
+                  </a:ext>
+                </a:extLst>
+              </p:cNvPr>
+              <p:cNvGrpSpPr/>
+              <p:nvPr/>
+            </p:nvGrpSpPr>
+            <p:grpSpPr>
+              <a:xfrm rot="16200000">
+                <a:off x="9023155" y="4025335"/>
+                <a:ext cx="720000" cy="360000"/>
+                <a:chOff x="1613631" y="2409000"/>
+                <a:chExt cx="720000" cy="360000"/>
+              </a:xfrm>
+            </p:grpSpPr>
+            <p:sp>
+              <p:nvSpPr>
+                <p:cNvPr id="41" name="正方形/長方形 40">
+                  <a:extLst>
+                    <a:ext uri="{FF2B5EF4-FFF2-40B4-BE49-F238E27FC236}">
+                      <a16:creationId xmlns:a16="http://schemas.microsoft.com/office/drawing/2014/main" id="{A850022B-E07C-8D3E-AD67-2C0B47A9C0CA}"/>
+                    </a:ext>
+                  </a:extLst>
+                </p:cNvPr>
+                <p:cNvSpPr/>
+                <p:nvPr/>
+              </p:nvSpPr>
+              <p:spPr>
+                <a:xfrm rot="16200000">
+                  <a:off x="1793631" y="2229000"/>
+                  <a:ext cx="360000" cy="720000"/>
+                </a:xfrm>
+                <a:prstGeom prst="rect">
+                  <a:avLst/>
+                </a:prstGeom>
+                <a:solidFill>
+                  <a:schemeClr val="bg1"/>
+                </a:solidFill>
+                <a:ln w="28575">
+                  <a:solidFill>
+                    <a:schemeClr val="tx1"/>
+                  </a:solidFill>
+                </a:ln>
+              </p:spPr>
+              <p:style>
+                <a:lnRef idx="2">
+                  <a:schemeClr val="accent1">
+                    <a:shade val="15000"/>
+                  </a:schemeClr>
+                </a:lnRef>
+                <a:fillRef idx="1">
+                  <a:schemeClr val="accent1"/>
+                </a:fillRef>
+                <a:effectRef idx="0">
+                  <a:schemeClr val="accent1"/>
+                </a:effectRef>
+                <a:fontRef idx="minor">
+                  <a:schemeClr val="lt1"/>
+                </a:fontRef>
+              </p:style>
+              <p:txBody>
+                <a:bodyPr rtlCol="0" anchor="ctr"/>
+                <a:lstStyle/>
+                <a:p>
+                  <a:pPr algn="ctr"/>
+                  <a:endParaRPr kumimoji="1" lang="ja-JP" altLang="en-US"/>
+                </a:p>
+              </p:txBody>
+            </p:sp>
+            <p:sp>
+              <p:nvSpPr>
+                <p:cNvPr id="42" name="フローチャート: 結合子 41">
+                  <a:extLst>
+                    <a:ext uri="{FF2B5EF4-FFF2-40B4-BE49-F238E27FC236}">
+                      <a16:creationId xmlns:a16="http://schemas.microsoft.com/office/drawing/2014/main" id="{4C14189B-5A3A-5677-3866-82F086ED1DDF}"/>
+                    </a:ext>
+                  </a:extLst>
+                </p:cNvPr>
+                <p:cNvSpPr/>
+                <p:nvPr/>
+              </p:nvSpPr>
+              <p:spPr>
+                <a:xfrm>
+                  <a:off x="1751346" y="2529482"/>
+                  <a:ext cx="119034" cy="119034"/>
+                </a:xfrm>
+                <a:prstGeom prst="flowChartConnector">
+                  <a:avLst/>
+                </a:prstGeom>
+              </p:spPr>
+              <p:style>
+                <a:lnRef idx="2">
+                  <a:schemeClr val="dk1">
+                    <a:shade val="15000"/>
+                  </a:schemeClr>
+                </a:lnRef>
+                <a:fillRef idx="1">
+                  <a:schemeClr val="dk1"/>
+                </a:fillRef>
+                <a:effectRef idx="0">
+                  <a:schemeClr val="dk1"/>
+                </a:effectRef>
+                <a:fontRef idx="minor">
+                  <a:schemeClr val="lt1"/>
+                </a:fontRef>
+              </p:style>
+              <p:txBody>
+                <a:bodyPr rtlCol="0" anchor="ctr"/>
+                <a:lstStyle/>
+                <a:p>
+                  <a:pPr algn="ctr"/>
+                  <a:endParaRPr kumimoji="1" lang="ja-JP" altLang="en-US"/>
+                </a:p>
+              </p:txBody>
+            </p:sp>
+          </p:grpSp>
+          <mc:AlternateContent xmlns:mc="http://schemas.openxmlformats.org/markup-compatibility/2006">
+            <mc:Choice xmlns:a14="http://schemas.microsoft.com/office/drawing/2010/main" Requires="a14">
+              <p:sp>
+                <p:nvSpPr>
+                  <p:cNvPr id="43" name="テキスト ボックス 42">
+                    <a:extLst>
+                      <a:ext uri="{FF2B5EF4-FFF2-40B4-BE49-F238E27FC236}">
+                        <a16:creationId xmlns:a16="http://schemas.microsoft.com/office/drawing/2014/main" id="{85ACEC06-9A47-77DC-2C4C-07345E927A4E}"/>
+                      </a:ext>
+                    </a:extLst>
+                  </p:cNvPr>
+                  <p:cNvSpPr txBox="1"/>
+                  <p:nvPr/>
+                </p:nvSpPr>
+                <p:spPr>
+                  <a:xfrm flipH="1">
+                    <a:off x="9563154" y="4205335"/>
+                    <a:ext cx="387182" cy="369332"/>
+                  </a:xfrm>
+                  <a:prstGeom prst="rect">
+                    <a:avLst/>
+                  </a:prstGeom>
+                  <a:noFill/>
+                </p:spPr>
+                <p:txBody>
+                  <a:bodyPr wrap="square" rtlCol="0">
+                    <a:spAutoFit/>
+                  </a:bodyPr>
+                  <a:lstStyle/>
+                  <a:p>
+                    <a:pPr/>
+                    <a14:m>
+                      <m:oMathPara xmlns:m="http://schemas.openxmlformats.org/officeDocument/2006/math">
+                        <m:oMathParaPr>
+                          <m:jc m:val="centerGroup"/>
+                        </m:oMathParaPr>
+                        <m:oMath xmlns:m="http://schemas.openxmlformats.org/officeDocument/2006/math">
+                          <m:r>
+                            <a:rPr kumimoji="1" lang="en-US" altLang="ja-JP" b="0" i="1" smtClean="0">
+                              <a:latin typeface="Cambria Math" panose="02040503050406030204" pitchFamily="18" charset="0"/>
+                            </a:rPr>
+                            <m:t>𝑝</m:t>
+                          </m:r>
+                        </m:oMath>
+                      </m:oMathPara>
+                    </a14:m>
+                    <a:endParaRPr kumimoji="1" lang="ja-JP" altLang="en-US" dirty="0"/>
+                  </a:p>
+                </p:txBody>
+              </p:sp>
+            </mc:Choice>
+            <mc:Fallback>
+              <p:sp>
+                <p:nvSpPr>
+                  <p:cNvPr id="43" name="テキスト ボックス 42">
+                    <a:extLst>
+                      <a:ext uri="{FF2B5EF4-FFF2-40B4-BE49-F238E27FC236}">
+                        <a16:creationId xmlns:a16="http://schemas.microsoft.com/office/drawing/2014/main" id="{85ACEC06-9A47-77DC-2C4C-07345E927A4E}"/>
+                      </a:ext>
+                    </a:extLst>
+                  </p:cNvPr>
+                  <p:cNvSpPr txBox="1">
+                    <a:spLocks noRot="1" noChangeAspect="1" noMove="1" noResize="1" noEditPoints="1" noAdjustHandles="1" noChangeArrowheads="1" noChangeShapeType="1" noTextEdit="1"/>
+                  </p:cNvSpPr>
+                  <p:nvPr/>
+                </p:nvSpPr>
+                <p:spPr>
+                  <a:xfrm flipH="1">
+                    <a:off x="9563154" y="4205335"/>
+                    <a:ext cx="387182" cy="369332"/>
+                  </a:xfrm>
+                  <a:prstGeom prst="rect">
+                    <a:avLst/>
+                  </a:prstGeom>
+                  <a:blipFill>
+                    <a:blip r:embed="rId2"/>
+                    <a:stretch>
+                      <a:fillRect b="-6557"/>
+                    </a:stretch>
+                  </a:blipFill>
+                </p:spPr>
+                <p:txBody>
+                  <a:bodyPr/>
+                  <a:lstStyle/>
+                  <a:p>
+                    <a:r>
+                      <a:rPr lang="ja-JP" altLang="en-US">
+                        <a:noFill/>
+                      </a:rPr>
+                      <a:t> </a:t>
+                    </a:r>
+                  </a:p>
+                </p:txBody>
+              </p:sp>
+            </mc:Fallback>
+          </mc:AlternateContent>
+          <p:cxnSp>
+            <p:nvCxnSpPr>
+              <p:cNvPr id="44" name="直線コネクタ 43">
+                <a:extLst>
+                  <a:ext uri="{FF2B5EF4-FFF2-40B4-BE49-F238E27FC236}">
+                    <a16:creationId xmlns:a16="http://schemas.microsoft.com/office/drawing/2014/main" id="{705C8E8A-DBBC-18BD-761B-DA7A26828C04}"/>
+                  </a:ext>
+                </a:extLst>
+              </p:cNvPr>
+              <p:cNvCxnSpPr>
+                <a:cxnSpLocks/>
+              </p:cNvCxnSpPr>
+              <p:nvPr/>
+            </p:nvCxnSpPr>
+            <p:spPr>
+              <a:xfrm flipH="1" flipV="1">
+                <a:off x="7302213" y="649182"/>
+                <a:ext cx="2021424" cy="3601239"/>
+              </a:xfrm>
+              <a:prstGeom prst="line">
+                <a:avLst/>
+              </a:prstGeom>
+              <a:ln>
+                <a:prstDash val="dash"/>
+              </a:ln>
+            </p:spPr>
+            <p:style>
+              <a:lnRef idx="2">
+                <a:schemeClr val="dk1"/>
+              </a:lnRef>
+              <a:fillRef idx="0">
+                <a:schemeClr val="dk1"/>
+              </a:fillRef>
+              <a:effectRef idx="1">
+                <a:schemeClr val="dk1"/>
+              </a:effectRef>
+              <a:fontRef idx="minor">
                 <a:schemeClr val="tx1"/>
-              </a:solidFill>
-            </a:ln>
-          </p:spPr>
-          <p:style>
-            <a:lnRef idx="2">
-              <a:schemeClr val="accent1">
-                <a:shade val="15000"/>
-              </a:schemeClr>
-            </a:lnRef>
-            <a:fillRef idx="1">
-              <a:schemeClr val="accent1"/>
-            </a:fillRef>
-            <a:effectRef idx="0">
-              <a:schemeClr val="accent1"/>
-            </a:effectRef>
-            <a:fontRef idx="minor">
-              <a:schemeClr val="lt1"/>
-            </a:fontRef>
-          </p:style>
-          <p:txBody>
-            <a:bodyPr rtlCol="0" anchor="ctr"/>
-            <a:lstStyle/>
-            <a:p>
-              <a:pPr algn="ctr"/>
-              <a:endParaRPr kumimoji="1" lang="ja-JP" altLang="en-US"/>
-            </a:p>
-          </p:txBody>
-        </p:sp>
-        <p:sp>
-          <p:nvSpPr>
-            <p:cNvPr id="4" name="フローチャート: 結合子 3">
-              <a:extLst>
-                <a:ext uri="{FF2B5EF4-FFF2-40B4-BE49-F238E27FC236}">
-                  <a16:creationId xmlns:a16="http://schemas.microsoft.com/office/drawing/2014/main" id="{77BDDB86-088A-0DC8-27ED-243BA51EDE9F}"/>
-                </a:ext>
-              </a:extLst>
-            </p:cNvPr>
-            <p:cNvSpPr/>
-            <p:nvPr/>
-          </p:nvSpPr>
-          <p:spPr>
-            <a:xfrm>
-              <a:off x="1751346" y="2529482"/>
-              <a:ext cx="119034" cy="119034"/>
-            </a:xfrm>
-            <a:prstGeom prst="flowChartConnector">
-              <a:avLst/>
-            </a:prstGeom>
-          </p:spPr>
-          <p:style>
-            <a:lnRef idx="2">
-              <a:schemeClr val="dk1">
-                <a:shade val="15000"/>
-              </a:schemeClr>
-            </a:lnRef>
-            <a:fillRef idx="1">
-              <a:schemeClr val="dk1"/>
-            </a:fillRef>
-            <a:effectRef idx="0">
-              <a:schemeClr val="dk1"/>
-            </a:effectRef>
-            <a:fontRef idx="minor">
-              <a:schemeClr val="lt1"/>
-            </a:fontRef>
-          </p:style>
-          <p:txBody>
-            <a:bodyPr rtlCol="0" anchor="ctr"/>
-            <a:lstStyle/>
-            <a:p>
-              <a:pPr algn="ctr"/>
-              <a:endParaRPr kumimoji="1" lang="ja-JP" altLang="en-US"/>
-            </a:p>
-          </p:txBody>
-        </p:sp>
-      </p:grpSp>
-      <mc:AlternateContent xmlns:mc="http://schemas.openxmlformats.org/markup-compatibility/2006">
-        <mc:Choice xmlns:a14="http://schemas.microsoft.com/office/drawing/2010/main" Requires="a14">
+              </a:fontRef>
+            </p:style>
+          </p:cxnSp>
+          <p:grpSp>
+            <p:nvGrpSpPr>
+              <p:cNvPr id="45" name="グループ化 44">
+                <a:extLst>
+                  <a:ext uri="{FF2B5EF4-FFF2-40B4-BE49-F238E27FC236}">
+                    <a16:creationId xmlns:a16="http://schemas.microsoft.com/office/drawing/2014/main" id="{EAFE98A8-39F6-D0CD-2C70-868BB4E7FA73}"/>
+                  </a:ext>
+                </a:extLst>
+              </p:cNvPr>
+              <p:cNvGrpSpPr/>
+              <p:nvPr/>
+            </p:nvGrpSpPr>
+            <p:grpSpPr>
+              <a:xfrm>
+                <a:off x="8606062" y="3134958"/>
+                <a:ext cx="324151" cy="324151"/>
+                <a:chOff x="5232099" y="1698944"/>
+                <a:chExt cx="914400" cy="914400"/>
+              </a:xfrm>
+            </p:grpSpPr>
+            <p:sp>
+              <p:nvSpPr>
+                <p:cNvPr id="46" name="楕円 45">
+                  <a:extLst>
+                    <a:ext uri="{FF2B5EF4-FFF2-40B4-BE49-F238E27FC236}">
+                      <a16:creationId xmlns:a16="http://schemas.microsoft.com/office/drawing/2014/main" id="{D59B36F6-A5CE-2E02-F1AD-67AECDE155CA}"/>
+                    </a:ext>
+                  </a:extLst>
+                </p:cNvPr>
+                <p:cNvSpPr/>
+                <p:nvPr/>
+              </p:nvSpPr>
+              <p:spPr>
+                <a:xfrm>
+                  <a:off x="5232099" y="1698944"/>
+                  <a:ext cx="914400" cy="914400"/>
+                </a:xfrm>
+                <a:prstGeom prst="ellipse">
+                  <a:avLst/>
+                </a:prstGeom>
+                <a:solidFill>
+                  <a:schemeClr val="bg1"/>
+                </a:solidFill>
+                <a:ln w="28575">
+                  <a:solidFill>
+                    <a:schemeClr val="bg1">
+                      <a:lumMod val="75000"/>
+                    </a:schemeClr>
+                  </a:solidFill>
+                  <a:prstDash val="solid"/>
+                </a:ln>
+              </p:spPr>
+              <p:style>
+                <a:lnRef idx="2">
+                  <a:schemeClr val="accent1">
+                    <a:shade val="15000"/>
+                  </a:schemeClr>
+                </a:lnRef>
+                <a:fillRef idx="1">
+                  <a:schemeClr val="accent1"/>
+                </a:fillRef>
+                <a:effectRef idx="0">
+                  <a:schemeClr val="accent1"/>
+                </a:effectRef>
+                <a:fontRef idx="minor">
+                  <a:schemeClr val="lt1"/>
+                </a:fontRef>
+              </p:style>
+              <p:txBody>
+                <a:bodyPr rtlCol="0" anchor="ctr"/>
+                <a:lstStyle/>
+                <a:p>
+                  <a:pPr algn="ctr"/>
+                  <a:endParaRPr kumimoji="1" lang="ja-JP" altLang="en-US"/>
+                </a:p>
+              </p:txBody>
+            </p:sp>
+            <p:cxnSp>
+              <p:nvCxnSpPr>
+                <p:cNvPr id="47" name="直線コネクタ 46">
+                  <a:extLst>
+                    <a:ext uri="{FF2B5EF4-FFF2-40B4-BE49-F238E27FC236}">
+                      <a16:creationId xmlns:a16="http://schemas.microsoft.com/office/drawing/2014/main" id="{787AE96C-F589-7B55-F812-9F01454943F6}"/>
+                    </a:ext>
+                  </a:extLst>
+                </p:cNvPr>
+                <p:cNvCxnSpPr>
+                  <a:cxnSpLocks/>
+                </p:cNvCxnSpPr>
+                <p:nvPr/>
+              </p:nvCxnSpPr>
+              <p:spPr>
+                <a:xfrm rot="2700000">
+                  <a:off x="5232099" y="2156144"/>
+                  <a:ext cx="914400" cy="0"/>
+                </a:xfrm>
+                <a:prstGeom prst="line">
+                  <a:avLst/>
+                </a:prstGeom>
+                <a:ln w="38100">
+                  <a:solidFill>
+                    <a:schemeClr val="bg1">
+                      <a:lumMod val="75000"/>
+                    </a:schemeClr>
+                  </a:solidFill>
+                  <a:prstDash val="solid"/>
+                </a:ln>
+              </p:spPr>
+              <p:style>
+                <a:lnRef idx="2">
+                  <a:schemeClr val="dk1"/>
+                </a:lnRef>
+                <a:fillRef idx="0">
+                  <a:schemeClr val="dk1"/>
+                </a:fillRef>
+                <a:effectRef idx="1">
+                  <a:schemeClr val="dk1"/>
+                </a:effectRef>
+                <a:fontRef idx="minor">
+                  <a:schemeClr val="tx1"/>
+                </a:fontRef>
+              </p:style>
+            </p:cxnSp>
+            <p:cxnSp>
+              <p:nvCxnSpPr>
+                <p:cNvPr id="48" name="直線コネクタ 47">
+                  <a:extLst>
+                    <a:ext uri="{FF2B5EF4-FFF2-40B4-BE49-F238E27FC236}">
+                      <a16:creationId xmlns:a16="http://schemas.microsoft.com/office/drawing/2014/main" id="{1BD1F81E-71FF-4CB9-A442-BD5CBA095007}"/>
+                    </a:ext>
+                  </a:extLst>
+                </p:cNvPr>
+                <p:cNvCxnSpPr>
+                  <a:cxnSpLocks/>
+                </p:cNvCxnSpPr>
+                <p:nvPr/>
+              </p:nvCxnSpPr>
+              <p:spPr>
+                <a:xfrm rot="18900000" flipH="1">
+                  <a:off x="5232099" y="2156144"/>
+                  <a:ext cx="914400" cy="0"/>
+                </a:xfrm>
+                <a:prstGeom prst="line">
+                  <a:avLst/>
+                </a:prstGeom>
+                <a:ln w="38100">
+                  <a:solidFill>
+                    <a:schemeClr val="bg1">
+                      <a:lumMod val="75000"/>
+                    </a:schemeClr>
+                  </a:solidFill>
+                  <a:prstDash val="solid"/>
+                </a:ln>
+              </p:spPr>
+              <p:style>
+                <a:lnRef idx="2">
+                  <a:schemeClr val="dk1"/>
+                </a:lnRef>
+                <a:fillRef idx="0">
+                  <a:schemeClr val="dk1"/>
+                </a:fillRef>
+                <a:effectRef idx="1">
+                  <a:schemeClr val="dk1"/>
+                </a:effectRef>
+                <a:fontRef idx="minor">
+                  <a:schemeClr val="tx1"/>
+                </a:fontRef>
+              </p:style>
+            </p:cxnSp>
+          </p:grpSp>
+          <p:cxnSp>
+            <p:nvCxnSpPr>
+              <p:cNvPr id="49" name="直線矢印コネクタ 48">
+                <a:extLst>
+                  <a:ext uri="{FF2B5EF4-FFF2-40B4-BE49-F238E27FC236}">
+                    <a16:creationId xmlns:a16="http://schemas.microsoft.com/office/drawing/2014/main" id="{99C1AF9A-1EEA-5BF9-C89D-6DA313CD433D}"/>
+                  </a:ext>
+                </a:extLst>
+              </p:cNvPr>
+              <p:cNvCxnSpPr>
+                <a:cxnSpLocks/>
+              </p:cNvCxnSpPr>
+              <p:nvPr/>
+            </p:nvCxnSpPr>
+            <p:spPr>
+              <a:xfrm flipH="1" flipV="1">
+                <a:off x="8134300" y="2140864"/>
+                <a:ext cx="556300" cy="1006794"/>
+              </a:xfrm>
+              <a:prstGeom prst="straightConnector1">
+                <a:avLst/>
+              </a:prstGeom>
+              <a:ln w="38100">
+                <a:tailEnd type="triangle"/>
+              </a:ln>
+            </p:spPr>
+            <p:style>
+              <a:lnRef idx="2">
+                <a:schemeClr val="dk1"/>
+              </a:lnRef>
+              <a:fillRef idx="0">
+                <a:schemeClr val="dk1"/>
+              </a:fillRef>
+              <a:effectRef idx="1">
+                <a:schemeClr val="dk1"/>
+              </a:effectRef>
+              <a:fontRef idx="minor">
+                <a:schemeClr val="tx1"/>
+              </a:fontRef>
+            </p:style>
+          </p:cxnSp>
+          <p:grpSp>
+            <p:nvGrpSpPr>
+              <p:cNvPr id="50" name="グループ化 49">
+                <a:extLst>
+                  <a:ext uri="{FF2B5EF4-FFF2-40B4-BE49-F238E27FC236}">
+                    <a16:creationId xmlns:a16="http://schemas.microsoft.com/office/drawing/2014/main" id="{76F6CEF6-5766-C46D-F527-4DF48148C948}"/>
+                  </a:ext>
+                </a:extLst>
+              </p:cNvPr>
+              <p:cNvGrpSpPr/>
+              <p:nvPr/>
+            </p:nvGrpSpPr>
+            <p:grpSpPr>
+              <a:xfrm>
+                <a:off x="7704913" y="1512059"/>
+                <a:ext cx="324151" cy="324151"/>
+                <a:chOff x="5232099" y="1698944"/>
+                <a:chExt cx="914400" cy="914400"/>
+              </a:xfrm>
+            </p:grpSpPr>
+            <p:sp>
+              <p:nvSpPr>
+                <p:cNvPr id="51" name="楕円 50">
+                  <a:extLst>
+                    <a:ext uri="{FF2B5EF4-FFF2-40B4-BE49-F238E27FC236}">
+                      <a16:creationId xmlns:a16="http://schemas.microsoft.com/office/drawing/2014/main" id="{45F55F1B-A07B-755C-E483-F869A880BE54}"/>
+                    </a:ext>
+                  </a:extLst>
+                </p:cNvPr>
+                <p:cNvSpPr/>
+                <p:nvPr/>
+              </p:nvSpPr>
+              <p:spPr>
+                <a:xfrm>
+                  <a:off x="5232099" y="1698944"/>
+                  <a:ext cx="914400" cy="914400"/>
+                </a:xfrm>
+                <a:prstGeom prst="ellipse">
+                  <a:avLst/>
+                </a:prstGeom>
+                <a:solidFill>
+                  <a:schemeClr val="bg1"/>
+                </a:solidFill>
+                <a:ln w="28575"/>
+              </p:spPr>
+              <p:style>
+                <a:lnRef idx="2">
+                  <a:schemeClr val="accent1">
+                    <a:shade val="15000"/>
+                  </a:schemeClr>
+                </a:lnRef>
+                <a:fillRef idx="1">
+                  <a:schemeClr val="accent1"/>
+                </a:fillRef>
+                <a:effectRef idx="0">
+                  <a:schemeClr val="accent1"/>
+                </a:effectRef>
+                <a:fontRef idx="minor">
+                  <a:schemeClr val="lt1"/>
+                </a:fontRef>
+              </p:style>
+              <p:txBody>
+                <a:bodyPr rtlCol="0" anchor="ctr"/>
+                <a:lstStyle/>
+                <a:p>
+                  <a:pPr algn="ctr"/>
+                  <a:endParaRPr kumimoji="1" lang="ja-JP" altLang="en-US"/>
+                </a:p>
+              </p:txBody>
+            </p:sp>
+            <p:cxnSp>
+              <p:nvCxnSpPr>
+                <p:cNvPr id="52" name="直線コネクタ 51">
+                  <a:extLst>
+                    <a:ext uri="{FF2B5EF4-FFF2-40B4-BE49-F238E27FC236}">
+                      <a16:creationId xmlns:a16="http://schemas.microsoft.com/office/drawing/2014/main" id="{88F762CC-907B-0934-65A3-F5AD0929A3EB}"/>
+                    </a:ext>
+                  </a:extLst>
+                </p:cNvPr>
+                <p:cNvCxnSpPr>
+                  <a:cxnSpLocks/>
+                </p:cNvCxnSpPr>
+                <p:nvPr/>
+              </p:nvCxnSpPr>
+              <p:spPr>
+                <a:xfrm rot="2700000">
+                  <a:off x="5232099" y="2156144"/>
+                  <a:ext cx="914400" cy="0"/>
+                </a:xfrm>
+                <a:prstGeom prst="line">
+                  <a:avLst/>
+                </a:prstGeom>
+                <a:ln w="38100"/>
+              </p:spPr>
+              <p:style>
+                <a:lnRef idx="2">
+                  <a:schemeClr val="dk1"/>
+                </a:lnRef>
+                <a:fillRef idx="0">
+                  <a:schemeClr val="dk1"/>
+                </a:fillRef>
+                <a:effectRef idx="1">
+                  <a:schemeClr val="dk1"/>
+                </a:effectRef>
+                <a:fontRef idx="minor">
+                  <a:schemeClr val="tx1"/>
+                </a:fontRef>
+              </p:style>
+            </p:cxnSp>
+            <p:cxnSp>
+              <p:nvCxnSpPr>
+                <p:cNvPr id="53" name="直線コネクタ 52">
+                  <a:extLst>
+                    <a:ext uri="{FF2B5EF4-FFF2-40B4-BE49-F238E27FC236}">
+                      <a16:creationId xmlns:a16="http://schemas.microsoft.com/office/drawing/2014/main" id="{D868BDB3-483B-46EE-6697-C9D4BDB4527E}"/>
+                    </a:ext>
+                  </a:extLst>
+                </p:cNvPr>
+                <p:cNvCxnSpPr>
+                  <a:cxnSpLocks/>
+                </p:cNvCxnSpPr>
+                <p:nvPr/>
+              </p:nvCxnSpPr>
+              <p:spPr>
+                <a:xfrm rot="18900000" flipH="1">
+                  <a:off x="5232099" y="2156144"/>
+                  <a:ext cx="914400" cy="0"/>
+                </a:xfrm>
+                <a:prstGeom prst="line">
+                  <a:avLst/>
+                </a:prstGeom>
+                <a:ln w="38100"/>
+              </p:spPr>
+              <p:style>
+                <a:lnRef idx="2">
+                  <a:schemeClr val="dk1"/>
+                </a:lnRef>
+                <a:fillRef idx="0">
+                  <a:schemeClr val="dk1"/>
+                </a:fillRef>
+                <a:effectRef idx="1">
+                  <a:schemeClr val="dk1"/>
+                </a:effectRef>
+                <a:fontRef idx="minor">
+                  <a:schemeClr val="tx1"/>
+                </a:fontRef>
+              </p:style>
+            </p:cxnSp>
+          </p:grpSp>
+          <mc:AlternateContent xmlns:mc="http://schemas.openxmlformats.org/markup-compatibility/2006">
+            <mc:Choice xmlns:a14="http://schemas.microsoft.com/office/drawing/2010/main" Requires="a14">
+              <p:sp>
+                <p:nvSpPr>
+                  <p:cNvPr id="54" name="テキスト ボックス 53">
+                    <a:extLst>
+                      <a:ext uri="{FF2B5EF4-FFF2-40B4-BE49-F238E27FC236}">
+                        <a16:creationId xmlns:a16="http://schemas.microsoft.com/office/drawing/2014/main" id="{E9AE2913-E8D3-9F29-D219-4618DC83DD64}"/>
+                      </a:ext>
+                    </a:extLst>
+                  </p:cNvPr>
+                  <p:cNvSpPr txBox="1"/>
+                  <p:nvPr/>
+                </p:nvSpPr>
+                <p:spPr>
+                  <a:xfrm flipH="1">
+                    <a:off x="8823323" y="2765626"/>
+                    <a:ext cx="387182" cy="369332"/>
+                  </a:xfrm>
+                  <a:prstGeom prst="rect">
+                    <a:avLst/>
+                  </a:prstGeom>
+                  <a:noFill/>
+                </p:spPr>
+                <p:txBody>
+                  <a:bodyPr wrap="square" rtlCol="0">
+                    <a:spAutoFit/>
+                  </a:bodyPr>
+                  <a:lstStyle/>
+                  <a:p>
+                    <a:pPr/>
+                    <a14:m>
+                      <m:oMathPara xmlns:m="http://schemas.openxmlformats.org/officeDocument/2006/math">
+                        <m:oMathParaPr>
+                          <m:jc m:val="centerGroup"/>
+                        </m:oMathParaPr>
+                        <m:oMath xmlns:m="http://schemas.openxmlformats.org/officeDocument/2006/math">
+                          <m:sSub>
+                            <m:sSubPr>
+                              <m:ctrlPr>
+                                <a:rPr kumimoji="1" lang="en-US" altLang="ja-JP" b="0" i="1" smtClean="0">
+                                  <a:latin typeface="Cambria Math" panose="02040503050406030204" pitchFamily="18" charset="0"/>
+                                </a:rPr>
+                              </m:ctrlPr>
+                            </m:sSubPr>
+                            <m:e>
+                              <m:r>
+                                <a:rPr kumimoji="1" lang="en-US" altLang="ja-JP" b="1" i="1" smtClean="0">
+                                  <a:latin typeface="Cambria Math" panose="02040503050406030204" pitchFamily="18" charset="0"/>
+                                </a:rPr>
+                                <m:t>𝝃</m:t>
+                              </m:r>
+                            </m:e>
+                            <m:sub>
+                              <m:r>
+                                <a:rPr kumimoji="1" lang="en-US" altLang="ja-JP" b="0" i="1" smtClean="0">
+                                  <a:latin typeface="Cambria Math" panose="02040503050406030204" pitchFamily="18" charset="0"/>
+                                </a:rPr>
+                                <m:t>𝑖</m:t>
+                              </m:r>
+                            </m:sub>
+                          </m:sSub>
+                        </m:oMath>
+                      </m:oMathPara>
+                    </a14:m>
+                    <a:endParaRPr kumimoji="1" lang="ja-JP" altLang="en-US" dirty="0"/>
+                  </a:p>
+                </p:txBody>
+              </p:sp>
+            </mc:Choice>
+            <mc:Fallback>
+              <p:sp>
+                <p:nvSpPr>
+                  <p:cNvPr id="54" name="テキスト ボックス 53">
+                    <a:extLst>
+                      <a:ext uri="{FF2B5EF4-FFF2-40B4-BE49-F238E27FC236}">
+                        <a16:creationId xmlns:a16="http://schemas.microsoft.com/office/drawing/2014/main" id="{E9AE2913-E8D3-9F29-D219-4618DC83DD64}"/>
+                      </a:ext>
+                    </a:extLst>
+                  </p:cNvPr>
+                  <p:cNvSpPr txBox="1">
+                    <a:spLocks noRot="1" noChangeAspect="1" noMove="1" noResize="1" noEditPoints="1" noAdjustHandles="1" noChangeArrowheads="1" noChangeShapeType="1" noTextEdit="1"/>
+                  </p:cNvSpPr>
+                  <p:nvPr/>
+                </p:nvSpPr>
+                <p:spPr>
+                  <a:xfrm flipH="1">
+                    <a:off x="8823323" y="2765626"/>
+                    <a:ext cx="387182" cy="369332"/>
+                  </a:xfrm>
+                  <a:prstGeom prst="rect">
+                    <a:avLst/>
+                  </a:prstGeom>
+                  <a:blipFill>
+                    <a:blip r:embed="rId3"/>
+                    <a:stretch>
+                      <a:fillRect l="-3125" b="-13333"/>
+                    </a:stretch>
+                  </a:blipFill>
+                </p:spPr>
+                <p:txBody>
+                  <a:bodyPr/>
+                  <a:lstStyle/>
+                  <a:p>
+                    <a:r>
+                      <a:rPr lang="ja-JP" altLang="en-US">
+                        <a:noFill/>
+                      </a:rPr>
+                      <a:t> </a:t>
+                    </a:r>
+                  </a:p>
+                </p:txBody>
+              </p:sp>
+            </mc:Fallback>
+          </mc:AlternateContent>
+          <mc:AlternateContent xmlns:mc="http://schemas.openxmlformats.org/markup-compatibility/2006">
+            <mc:Choice xmlns:a14="http://schemas.microsoft.com/office/drawing/2010/main" Requires="a14">
+              <p:sp>
+                <p:nvSpPr>
+                  <p:cNvPr id="55" name="テキスト ボックス 54">
+                    <a:extLst>
+                      <a:ext uri="{FF2B5EF4-FFF2-40B4-BE49-F238E27FC236}">
+                        <a16:creationId xmlns:a16="http://schemas.microsoft.com/office/drawing/2014/main" id="{12A0A090-0685-73A6-5F70-793BCCD711A8}"/>
+                      </a:ext>
+                    </a:extLst>
+                  </p:cNvPr>
+                  <p:cNvSpPr txBox="1"/>
+                  <p:nvPr/>
+                </p:nvSpPr>
+                <p:spPr>
+                  <a:xfrm flipH="1">
+                    <a:off x="8066292" y="1210199"/>
+                    <a:ext cx="556300" cy="369332"/>
+                  </a:xfrm>
+                  <a:prstGeom prst="rect">
+                    <a:avLst/>
+                  </a:prstGeom>
+                  <a:noFill/>
+                </p:spPr>
+                <p:txBody>
+                  <a:bodyPr wrap="square" rtlCol="0">
+                    <a:spAutoFit/>
+                  </a:bodyPr>
+                  <a:lstStyle/>
+                  <a:p>
+                    <a:pPr/>
+                    <a14:m>
+                      <m:oMathPara xmlns:m="http://schemas.openxmlformats.org/officeDocument/2006/math">
+                        <m:oMathParaPr>
+                          <m:jc m:val="centerGroup"/>
+                        </m:oMathParaPr>
+                        <m:oMath xmlns:m="http://schemas.openxmlformats.org/officeDocument/2006/math">
+                          <m:sSub>
+                            <m:sSubPr>
+                              <m:ctrlPr>
+                                <a:rPr kumimoji="1" lang="en-US" altLang="ja-JP" b="0" i="1" smtClean="0">
+                                  <a:latin typeface="Cambria Math" panose="02040503050406030204" pitchFamily="18" charset="0"/>
+                                </a:rPr>
+                              </m:ctrlPr>
+                            </m:sSubPr>
+                            <m:e>
+                              <m:r>
+                                <a:rPr kumimoji="1" lang="en-US" altLang="ja-JP" b="1" i="1" smtClean="0">
+                                  <a:latin typeface="Cambria Math" panose="02040503050406030204" pitchFamily="18" charset="0"/>
+                                </a:rPr>
+                                <m:t>𝝃</m:t>
+                              </m:r>
+                            </m:e>
+                            <m:sub>
+                              <m:r>
+                                <a:rPr kumimoji="1" lang="en-US" altLang="ja-JP" b="0" i="1" smtClean="0">
+                                  <a:latin typeface="Cambria Math" panose="02040503050406030204" pitchFamily="18" charset="0"/>
+                                </a:rPr>
+                                <m:t>𝑖</m:t>
+                              </m:r>
+                              <m:r>
+                                <a:rPr kumimoji="1" lang="en-US" altLang="ja-JP" b="0" i="1" smtClean="0">
+                                  <a:latin typeface="Cambria Math" panose="02040503050406030204" pitchFamily="18" charset="0"/>
+                                </a:rPr>
+                                <m:t>+1</m:t>
+                              </m:r>
+                            </m:sub>
+                          </m:sSub>
+                        </m:oMath>
+                      </m:oMathPara>
+                    </a14:m>
+                    <a:endParaRPr kumimoji="1" lang="ja-JP" altLang="en-US" dirty="0"/>
+                  </a:p>
+                </p:txBody>
+              </p:sp>
+            </mc:Choice>
+            <mc:Fallback>
+              <p:sp>
+                <p:nvSpPr>
+                  <p:cNvPr id="55" name="テキスト ボックス 54">
+                    <a:extLst>
+                      <a:ext uri="{FF2B5EF4-FFF2-40B4-BE49-F238E27FC236}">
+                        <a16:creationId xmlns:a16="http://schemas.microsoft.com/office/drawing/2014/main" id="{12A0A090-0685-73A6-5F70-793BCCD711A8}"/>
+                      </a:ext>
+                    </a:extLst>
+                  </p:cNvPr>
+                  <p:cNvSpPr txBox="1">
+                    <a:spLocks noRot="1" noChangeAspect="1" noMove="1" noResize="1" noEditPoints="1" noAdjustHandles="1" noChangeArrowheads="1" noChangeShapeType="1" noTextEdit="1"/>
+                  </p:cNvSpPr>
+                  <p:nvPr/>
+                </p:nvSpPr>
+                <p:spPr>
+                  <a:xfrm flipH="1">
+                    <a:off x="8066292" y="1210199"/>
+                    <a:ext cx="556300" cy="369332"/>
+                  </a:xfrm>
+                  <a:prstGeom prst="rect">
+                    <a:avLst/>
+                  </a:prstGeom>
+                  <a:blipFill>
+                    <a:blip r:embed="rId4"/>
+                    <a:stretch>
+                      <a:fillRect l="-3261" b="-13333"/>
+                    </a:stretch>
+                  </a:blipFill>
+                </p:spPr>
+                <p:txBody>
+                  <a:bodyPr/>
+                  <a:lstStyle/>
+                  <a:p>
+                    <a:r>
+                      <a:rPr lang="ja-JP" altLang="en-US">
+                        <a:noFill/>
+                      </a:rPr>
+                      <a:t> </a:t>
+                    </a:r>
+                  </a:p>
+                </p:txBody>
+              </p:sp>
+            </mc:Fallback>
+          </mc:AlternateContent>
+          <p:cxnSp>
+            <p:nvCxnSpPr>
+              <p:cNvPr id="57" name="直線矢印コネクタ 56">
+                <a:extLst>
+                  <a:ext uri="{FF2B5EF4-FFF2-40B4-BE49-F238E27FC236}">
+                    <a16:creationId xmlns:a16="http://schemas.microsoft.com/office/drawing/2014/main" id="{B6753286-F436-76BF-A914-9977690F00BC}"/>
+                  </a:ext>
+                </a:extLst>
+              </p:cNvPr>
+              <p:cNvCxnSpPr/>
+              <p:nvPr/>
+            </p:nvCxnSpPr>
+            <p:spPr>
+              <a:xfrm flipV="1">
+                <a:off x="7427012" y="4565335"/>
+                <a:ext cx="0" cy="1080000"/>
+              </a:xfrm>
+              <a:prstGeom prst="straightConnector1">
+                <a:avLst/>
+              </a:prstGeom>
+              <a:ln w="28575">
+                <a:tailEnd type="triangle"/>
+              </a:ln>
+            </p:spPr>
+            <p:style>
+              <a:lnRef idx="2">
+                <a:schemeClr val="dk1"/>
+              </a:lnRef>
+              <a:fillRef idx="0">
+                <a:schemeClr val="dk1"/>
+              </a:fillRef>
+              <a:effectRef idx="1">
+                <a:schemeClr val="dk1"/>
+              </a:effectRef>
+              <a:fontRef idx="minor">
+                <a:schemeClr val="tx1"/>
+              </a:fontRef>
+            </p:style>
+          </p:cxnSp>
+          <p:cxnSp>
+            <p:nvCxnSpPr>
+              <p:cNvPr id="58" name="直線矢印コネクタ 57">
+                <a:extLst>
+                  <a:ext uri="{FF2B5EF4-FFF2-40B4-BE49-F238E27FC236}">
+                    <a16:creationId xmlns:a16="http://schemas.microsoft.com/office/drawing/2014/main" id="{C467441A-BDFD-863A-A354-F797354258C6}"/>
+                  </a:ext>
+                </a:extLst>
+              </p:cNvPr>
+              <p:cNvCxnSpPr>
+                <a:cxnSpLocks/>
+              </p:cNvCxnSpPr>
+              <p:nvPr/>
+            </p:nvCxnSpPr>
+            <p:spPr>
+              <a:xfrm rot="5400000" flipV="1">
+                <a:off x="7730910" y="4815127"/>
+                <a:ext cx="0" cy="1080000"/>
+              </a:xfrm>
+              <a:prstGeom prst="straightConnector1">
+                <a:avLst/>
+              </a:prstGeom>
+              <a:ln w="28575">
+                <a:tailEnd type="triangle"/>
+              </a:ln>
+            </p:spPr>
+            <p:style>
+              <a:lnRef idx="2">
+                <a:schemeClr val="dk1"/>
+              </a:lnRef>
+              <a:fillRef idx="0">
+                <a:schemeClr val="dk1"/>
+              </a:fillRef>
+              <a:effectRef idx="1">
+                <a:schemeClr val="dk1"/>
+              </a:effectRef>
+              <a:fontRef idx="minor">
+                <a:schemeClr val="tx1"/>
+              </a:fontRef>
+            </p:style>
+          </p:cxnSp>
           <p:sp>
             <p:nvSpPr>
-              <p:cNvPr id="5" name="テキスト ボックス 4">
+              <p:cNvPr id="59" name="テキスト ボックス 58">
                 <a:extLst>
                   <a:ext uri="{FF2B5EF4-FFF2-40B4-BE49-F238E27FC236}">
-                    <a16:creationId xmlns:a16="http://schemas.microsoft.com/office/drawing/2014/main" id="{780BEECB-B2A8-963D-0FB5-692BAB899623}"/>
+                    <a16:creationId xmlns:a16="http://schemas.microsoft.com/office/drawing/2014/main" id="{FFDDB41A-6D25-8015-A23C-F68F0E10D010}"/>
                   </a:ext>
                 </a:extLst>
               </p:cNvPr>
@@ -5552,8 +6403,8 @@
             </p:nvSpPr>
             <p:spPr>
               <a:xfrm flipH="1">
-                <a:off x="3548676" y="4417126"/>
-                <a:ext cx="387182" cy="369332"/>
+                <a:off x="8215709" y="5170461"/>
+                <a:ext cx="270532" cy="369332"/>
               </a:xfrm>
               <a:prstGeom prst="rect">
                 <a:avLst/>
@@ -5566,674 +6417,20 @@
               </a:bodyPr>
               <a:lstStyle/>
               <a:p>
-                <a:pPr/>
-                <a14:m>
-                  <m:oMathPara xmlns:m="http://schemas.openxmlformats.org/officeDocument/2006/math">
-                    <m:oMathParaPr>
-                      <m:jc m:val="centerGroup"/>
-                    </m:oMathParaPr>
-                    <m:oMath xmlns:m="http://schemas.openxmlformats.org/officeDocument/2006/math">
-                      <m:r>
-                        <a:rPr kumimoji="1" lang="en-US" altLang="ja-JP" b="0" i="1" smtClean="0">
-                          <a:latin typeface="Cambria Math" panose="02040503050406030204" pitchFamily="18" charset="0"/>
-                        </a:rPr>
-                        <m:t>𝑝</m:t>
-                      </m:r>
-                    </m:oMath>
-                  </m:oMathPara>
-                </a14:m>
+                <a:r>
+                  <a:rPr kumimoji="1" lang="en-US" altLang="ja-JP" dirty="0"/>
+                  <a:t>y</a:t>
+                </a:r>
                 <a:endParaRPr kumimoji="1" lang="ja-JP" altLang="en-US" dirty="0"/>
               </a:p>
             </p:txBody>
           </p:sp>
-        </mc:Choice>
-        <mc:Fallback>
           <p:sp>
             <p:nvSpPr>
-              <p:cNvPr id="5" name="テキスト ボックス 4">
+              <p:cNvPr id="60" name="テキスト ボックス 59">
                 <a:extLst>
                   <a:ext uri="{FF2B5EF4-FFF2-40B4-BE49-F238E27FC236}">
-                    <a16:creationId xmlns:a16="http://schemas.microsoft.com/office/drawing/2014/main" id="{780BEECB-B2A8-963D-0FB5-692BAB899623}"/>
-                  </a:ext>
-                </a:extLst>
-              </p:cNvPr>
-              <p:cNvSpPr txBox="1">
-                <a:spLocks noRot="1" noChangeAspect="1" noMove="1" noResize="1" noEditPoints="1" noAdjustHandles="1" noChangeArrowheads="1" noChangeShapeType="1" noTextEdit="1"/>
-              </p:cNvSpPr>
-              <p:nvPr/>
-            </p:nvSpPr>
-            <p:spPr>
-              <a:xfrm flipH="1">
-                <a:off x="3548676" y="4417126"/>
-                <a:ext cx="387182" cy="369332"/>
-              </a:xfrm>
-              <a:prstGeom prst="rect">
-                <a:avLst/>
-              </a:prstGeom>
-              <a:blipFill>
-                <a:blip r:embed="rId2"/>
-                <a:stretch>
-                  <a:fillRect b="-6667"/>
-                </a:stretch>
-              </a:blipFill>
-            </p:spPr>
-            <p:txBody>
-              <a:bodyPr/>
-              <a:lstStyle/>
-              <a:p>
-                <a:r>
-                  <a:rPr lang="ja-JP" altLang="en-US">
-                    <a:noFill/>
-                  </a:rPr>
-                  <a:t> </a:t>
-                </a:r>
-              </a:p>
-            </p:txBody>
-          </p:sp>
-        </mc:Fallback>
-      </mc:AlternateContent>
-      <p:cxnSp>
-        <p:nvCxnSpPr>
-          <p:cNvPr id="6" name="直線矢印コネクタ 5">
-            <a:extLst>
-              <a:ext uri="{FF2B5EF4-FFF2-40B4-BE49-F238E27FC236}">
-                <a16:creationId xmlns:a16="http://schemas.microsoft.com/office/drawing/2014/main" id="{B7B7A95D-9AC9-C71F-B9B7-E32CFA44F007}"/>
-              </a:ext>
-            </a:extLst>
-          </p:cNvPr>
-          <p:cNvCxnSpPr/>
-          <p:nvPr/>
-        </p:nvCxnSpPr>
-        <p:spPr>
-          <a:xfrm flipV="1">
-            <a:off x="1017203" y="4565335"/>
-            <a:ext cx="0" cy="1080000"/>
-          </a:xfrm>
-          <a:prstGeom prst="straightConnector1">
-            <a:avLst/>
-          </a:prstGeom>
-          <a:ln w="28575">
-            <a:tailEnd type="triangle"/>
-          </a:ln>
-        </p:spPr>
-        <p:style>
-          <a:lnRef idx="2">
-            <a:schemeClr val="dk1"/>
-          </a:lnRef>
-          <a:fillRef idx="0">
-            <a:schemeClr val="dk1"/>
-          </a:fillRef>
-          <a:effectRef idx="1">
-            <a:schemeClr val="dk1"/>
-          </a:effectRef>
-          <a:fontRef idx="minor">
-            <a:schemeClr val="tx1"/>
-          </a:fontRef>
-        </p:style>
-      </p:cxnSp>
-      <p:cxnSp>
-        <p:nvCxnSpPr>
-          <p:cNvPr id="7" name="直線矢印コネクタ 6">
-            <a:extLst>
-              <a:ext uri="{FF2B5EF4-FFF2-40B4-BE49-F238E27FC236}">
-                <a16:creationId xmlns:a16="http://schemas.microsoft.com/office/drawing/2014/main" id="{3E59696A-7590-72A1-FF3A-4A29CD334694}"/>
-              </a:ext>
-            </a:extLst>
-          </p:cNvPr>
-          <p:cNvCxnSpPr>
-            <a:cxnSpLocks/>
-          </p:cNvCxnSpPr>
-          <p:nvPr/>
-        </p:nvCxnSpPr>
-        <p:spPr>
-          <a:xfrm rot="5400000" flipV="1">
-            <a:off x="1321101" y="4815127"/>
-            <a:ext cx="0" cy="1080000"/>
-          </a:xfrm>
-          <a:prstGeom prst="straightConnector1">
-            <a:avLst/>
-          </a:prstGeom>
-          <a:ln w="28575">
-            <a:tailEnd type="triangle"/>
-          </a:ln>
-        </p:spPr>
-        <p:style>
-          <a:lnRef idx="2">
-            <a:schemeClr val="dk1"/>
-          </a:lnRef>
-          <a:fillRef idx="0">
-            <a:schemeClr val="dk1"/>
-          </a:fillRef>
-          <a:effectRef idx="1">
-            <a:schemeClr val="dk1"/>
-          </a:effectRef>
-          <a:fontRef idx="minor">
-            <a:schemeClr val="tx1"/>
-          </a:fontRef>
-        </p:style>
-      </p:cxnSp>
-      <p:sp>
-        <p:nvSpPr>
-          <p:cNvPr id="8" name="テキスト ボックス 7">
-            <a:extLst>
-              <a:ext uri="{FF2B5EF4-FFF2-40B4-BE49-F238E27FC236}">
-                <a16:creationId xmlns:a16="http://schemas.microsoft.com/office/drawing/2014/main" id="{47E75CE7-AF39-5541-AA0D-71E36CE1F6F8}"/>
-              </a:ext>
-            </a:extLst>
-          </p:cNvPr>
-          <p:cNvSpPr txBox="1"/>
-          <p:nvPr/>
-        </p:nvSpPr>
-        <p:spPr>
-          <a:xfrm flipH="1">
-            <a:off x="1805900" y="5170461"/>
-            <a:ext cx="270532" cy="369332"/>
-          </a:xfrm>
-          <a:prstGeom prst="rect">
-            <a:avLst/>
-          </a:prstGeom>
-          <a:noFill/>
-        </p:spPr>
-        <p:txBody>
-          <a:bodyPr wrap="square" rtlCol="0">
-            <a:spAutoFit/>
-          </a:bodyPr>
-          <a:lstStyle/>
-          <a:p>
-            <a:r>
-              <a:rPr kumimoji="1" lang="en-US" altLang="ja-JP" dirty="0"/>
-              <a:t>y</a:t>
-            </a:r>
-            <a:endParaRPr kumimoji="1" lang="ja-JP" altLang="en-US" dirty="0"/>
-          </a:p>
-        </p:txBody>
-      </p:sp>
-      <p:cxnSp>
-        <p:nvCxnSpPr>
-          <p:cNvPr id="29" name="直線コネクタ 28">
-            <a:extLst>
-              <a:ext uri="{FF2B5EF4-FFF2-40B4-BE49-F238E27FC236}">
-                <a16:creationId xmlns:a16="http://schemas.microsoft.com/office/drawing/2014/main" id="{AED9F827-DE2B-311F-AF5A-62DB0BFB72BC}"/>
-              </a:ext>
-            </a:extLst>
-          </p:cNvPr>
-          <p:cNvCxnSpPr>
-            <a:cxnSpLocks/>
-          </p:cNvCxnSpPr>
-          <p:nvPr/>
-        </p:nvCxnSpPr>
-        <p:spPr>
-          <a:xfrm flipH="1" flipV="1">
-            <a:off x="881937" y="1205578"/>
-            <a:ext cx="2486739" cy="2842217"/>
-          </a:xfrm>
-          <a:prstGeom prst="line">
-            <a:avLst/>
-          </a:prstGeom>
-          <a:ln>
-            <a:prstDash val="dash"/>
-          </a:ln>
-        </p:spPr>
-        <p:style>
-          <a:lnRef idx="2">
-            <a:schemeClr val="dk1"/>
-          </a:lnRef>
-          <a:fillRef idx="0">
-            <a:schemeClr val="dk1"/>
-          </a:fillRef>
-          <a:effectRef idx="1">
-            <a:schemeClr val="dk1"/>
-          </a:effectRef>
-          <a:fontRef idx="minor">
-            <a:schemeClr val="tx1"/>
-          </a:fontRef>
-        </p:style>
-      </p:cxnSp>
-      <p:sp>
-        <p:nvSpPr>
-          <p:cNvPr id="9" name="テキスト ボックス 8">
-            <a:extLst>
-              <a:ext uri="{FF2B5EF4-FFF2-40B4-BE49-F238E27FC236}">
-                <a16:creationId xmlns:a16="http://schemas.microsoft.com/office/drawing/2014/main" id="{FCA7BDDF-B1AF-11D5-57AA-7392D5DC06FB}"/>
-              </a:ext>
-            </a:extLst>
-          </p:cNvPr>
-          <p:cNvSpPr txBox="1"/>
-          <p:nvPr/>
-        </p:nvSpPr>
-        <p:spPr>
-          <a:xfrm flipH="1">
-            <a:off x="881937" y="4232460"/>
-            <a:ext cx="270532" cy="369332"/>
-          </a:xfrm>
-          <a:prstGeom prst="rect">
-            <a:avLst/>
-          </a:prstGeom>
-          <a:noFill/>
-        </p:spPr>
-        <p:txBody>
-          <a:bodyPr wrap="square" rtlCol="0">
-            <a:spAutoFit/>
-          </a:bodyPr>
-          <a:lstStyle/>
-          <a:p>
-            <a:r>
-              <a:rPr kumimoji="1" lang="en-US" altLang="ja-JP" dirty="0"/>
-              <a:t>x</a:t>
-            </a:r>
-            <a:endParaRPr kumimoji="1" lang="ja-JP" altLang="en-US" dirty="0"/>
-          </a:p>
-        </p:txBody>
-      </p:sp>
-      <p:cxnSp>
-        <p:nvCxnSpPr>
-          <p:cNvPr id="11" name="直線コネクタ 10">
-            <a:extLst>
-              <a:ext uri="{FF2B5EF4-FFF2-40B4-BE49-F238E27FC236}">
-                <a16:creationId xmlns:a16="http://schemas.microsoft.com/office/drawing/2014/main" id="{D4D6BDAA-D079-D11B-8792-87AC6C0825D4}"/>
-              </a:ext>
-            </a:extLst>
-          </p:cNvPr>
-          <p:cNvCxnSpPr>
-            <a:cxnSpLocks/>
-          </p:cNvCxnSpPr>
-          <p:nvPr/>
-        </p:nvCxnSpPr>
-        <p:spPr>
-          <a:xfrm flipH="1" flipV="1">
-            <a:off x="1287735" y="685639"/>
-            <a:ext cx="2021424" cy="3601239"/>
-          </a:xfrm>
-          <a:prstGeom prst="line">
-            <a:avLst/>
-          </a:prstGeom>
-          <a:ln>
-            <a:prstDash val="dash"/>
-          </a:ln>
-        </p:spPr>
-        <p:style>
-          <a:lnRef idx="2">
-            <a:schemeClr val="dk1"/>
-          </a:lnRef>
-          <a:fillRef idx="0">
-            <a:schemeClr val="dk1"/>
-          </a:fillRef>
-          <a:effectRef idx="1">
-            <a:schemeClr val="dk1"/>
-          </a:effectRef>
-          <a:fontRef idx="minor">
-            <a:schemeClr val="tx1"/>
-          </a:fontRef>
-        </p:style>
-      </p:cxnSp>
-      <p:grpSp>
-        <p:nvGrpSpPr>
-          <p:cNvPr id="16" name="グループ化 15">
-            <a:extLst>
-              <a:ext uri="{FF2B5EF4-FFF2-40B4-BE49-F238E27FC236}">
-                <a16:creationId xmlns:a16="http://schemas.microsoft.com/office/drawing/2014/main" id="{C3E09CA0-3FBC-B076-3D63-5789B918B2EF}"/>
-              </a:ext>
-            </a:extLst>
-          </p:cNvPr>
-          <p:cNvGrpSpPr/>
-          <p:nvPr/>
-        </p:nvGrpSpPr>
-        <p:grpSpPr>
-          <a:xfrm>
-            <a:off x="2591584" y="3171415"/>
-            <a:ext cx="324151" cy="324151"/>
-            <a:chOff x="5232099" y="1698944"/>
-            <a:chExt cx="914400" cy="914400"/>
-          </a:xfrm>
-        </p:grpSpPr>
-        <p:sp>
-          <p:nvSpPr>
-            <p:cNvPr id="12" name="楕円 11">
-              <a:extLst>
-                <a:ext uri="{FF2B5EF4-FFF2-40B4-BE49-F238E27FC236}">
-                  <a16:creationId xmlns:a16="http://schemas.microsoft.com/office/drawing/2014/main" id="{330B2C1B-080B-279A-9801-F23CB18FF43C}"/>
-                </a:ext>
-              </a:extLst>
-            </p:cNvPr>
-            <p:cNvSpPr/>
-            <p:nvPr/>
-          </p:nvSpPr>
-          <p:spPr>
-            <a:xfrm>
-              <a:off x="5232099" y="1698944"/>
-              <a:ext cx="914400" cy="914400"/>
-            </a:xfrm>
-            <a:prstGeom prst="ellipse">
-              <a:avLst/>
-            </a:prstGeom>
-            <a:solidFill>
-              <a:schemeClr val="bg1"/>
-            </a:solidFill>
-            <a:ln w="28575">
-              <a:solidFill>
-                <a:schemeClr val="bg1">
-                  <a:lumMod val="75000"/>
-                </a:schemeClr>
-              </a:solidFill>
-              <a:prstDash val="solid"/>
-            </a:ln>
-          </p:spPr>
-          <p:style>
-            <a:lnRef idx="2">
-              <a:schemeClr val="accent1">
-                <a:shade val="15000"/>
-              </a:schemeClr>
-            </a:lnRef>
-            <a:fillRef idx="1">
-              <a:schemeClr val="accent1"/>
-            </a:fillRef>
-            <a:effectRef idx="0">
-              <a:schemeClr val="accent1"/>
-            </a:effectRef>
-            <a:fontRef idx="minor">
-              <a:schemeClr val="lt1"/>
-            </a:fontRef>
-          </p:style>
-          <p:txBody>
-            <a:bodyPr rtlCol="0" anchor="ctr"/>
-            <a:lstStyle/>
-            <a:p>
-              <a:pPr algn="ctr"/>
-              <a:endParaRPr kumimoji="1" lang="ja-JP" altLang="en-US"/>
-            </a:p>
-          </p:txBody>
-        </p:sp>
-        <p:cxnSp>
-          <p:nvCxnSpPr>
-            <p:cNvPr id="14" name="直線コネクタ 13">
-              <a:extLst>
-                <a:ext uri="{FF2B5EF4-FFF2-40B4-BE49-F238E27FC236}">
-                  <a16:creationId xmlns:a16="http://schemas.microsoft.com/office/drawing/2014/main" id="{9AC7A422-2854-DE2B-48F5-12871C78FF72}"/>
-                </a:ext>
-              </a:extLst>
-            </p:cNvPr>
-            <p:cNvCxnSpPr>
-              <a:cxnSpLocks/>
-            </p:cNvCxnSpPr>
-            <p:nvPr/>
-          </p:nvCxnSpPr>
-          <p:spPr>
-            <a:xfrm rot="2700000">
-              <a:off x="5232099" y="2156144"/>
-              <a:ext cx="914400" cy="0"/>
-            </a:xfrm>
-            <a:prstGeom prst="line">
-              <a:avLst/>
-            </a:prstGeom>
-            <a:ln w="38100">
-              <a:solidFill>
-                <a:schemeClr val="bg1">
-                  <a:lumMod val="75000"/>
-                </a:schemeClr>
-              </a:solidFill>
-              <a:prstDash val="solid"/>
-            </a:ln>
-          </p:spPr>
-          <p:style>
-            <a:lnRef idx="2">
-              <a:schemeClr val="dk1"/>
-            </a:lnRef>
-            <a:fillRef idx="0">
-              <a:schemeClr val="dk1"/>
-            </a:fillRef>
-            <a:effectRef idx="1">
-              <a:schemeClr val="dk1"/>
-            </a:effectRef>
-            <a:fontRef idx="minor">
-              <a:schemeClr val="tx1"/>
-            </a:fontRef>
-          </p:style>
-        </p:cxnSp>
-        <p:cxnSp>
-          <p:nvCxnSpPr>
-            <p:cNvPr id="15" name="直線コネクタ 14">
-              <a:extLst>
-                <a:ext uri="{FF2B5EF4-FFF2-40B4-BE49-F238E27FC236}">
-                  <a16:creationId xmlns:a16="http://schemas.microsoft.com/office/drawing/2014/main" id="{D77EDB21-E743-153D-F987-19FE57C2811C}"/>
-                </a:ext>
-              </a:extLst>
-            </p:cNvPr>
-            <p:cNvCxnSpPr>
-              <a:cxnSpLocks/>
-            </p:cNvCxnSpPr>
-            <p:nvPr/>
-          </p:nvCxnSpPr>
-          <p:spPr>
-            <a:xfrm rot="18900000" flipH="1">
-              <a:off x="5232099" y="2156144"/>
-              <a:ext cx="914400" cy="0"/>
-            </a:xfrm>
-            <a:prstGeom prst="line">
-              <a:avLst/>
-            </a:prstGeom>
-            <a:ln w="38100">
-              <a:solidFill>
-                <a:schemeClr val="bg1">
-                  <a:lumMod val="75000"/>
-                </a:schemeClr>
-              </a:solidFill>
-              <a:prstDash val="solid"/>
-            </a:ln>
-          </p:spPr>
-          <p:style>
-            <a:lnRef idx="2">
-              <a:schemeClr val="dk1"/>
-            </a:lnRef>
-            <a:fillRef idx="0">
-              <a:schemeClr val="dk1"/>
-            </a:fillRef>
-            <a:effectRef idx="1">
-              <a:schemeClr val="dk1"/>
-            </a:effectRef>
-            <a:fontRef idx="minor">
-              <a:schemeClr val="tx1"/>
-            </a:fontRef>
-          </p:style>
-        </p:cxnSp>
-      </p:grpSp>
-      <p:cxnSp>
-        <p:nvCxnSpPr>
-          <p:cNvPr id="18" name="直線矢印コネクタ 17">
-            <a:extLst>
-              <a:ext uri="{FF2B5EF4-FFF2-40B4-BE49-F238E27FC236}">
-                <a16:creationId xmlns:a16="http://schemas.microsoft.com/office/drawing/2014/main" id="{8F313BB0-86F9-DE6F-201B-619DA82DB93E}"/>
-              </a:ext>
-            </a:extLst>
-          </p:cNvPr>
-          <p:cNvCxnSpPr>
-            <a:cxnSpLocks/>
-          </p:cNvCxnSpPr>
-          <p:nvPr/>
-        </p:nvCxnSpPr>
-        <p:spPr>
-          <a:xfrm flipH="1" flipV="1">
-            <a:off x="2119822" y="2177321"/>
-            <a:ext cx="556300" cy="1006794"/>
-          </a:xfrm>
-          <a:prstGeom prst="straightConnector1">
-            <a:avLst/>
-          </a:prstGeom>
-          <a:ln w="38100">
-            <a:tailEnd type="triangle"/>
-          </a:ln>
-        </p:spPr>
-        <p:style>
-          <a:lnRef idx="2">
-            <a:schemeClr val="dk1"/>
-          </a:lnRef>
-          <a:fillRef idx="0">
-            <a:schemeClr val="dk1"/>
-          </a:fillRef>
-          <a:effectRef idx="1">
-            <a:schemeClr val="dk1"/>
-          </a:effectRef>
-          <a:fontRef idx="minor">
-            <a:schemeClr val="tx1"/>
-          </a:fontRef>
-        </p:style>
-      </p:cxnSp>
-      <p:grpSp>
-        <p:nvGrpSpPr>
-          <p:cNvPr id="22" name="グループ化 21">
-            <a:extLst>
-              <a:ext uri="{FF2B5EF4-FFF2-40B4-BE49-F238E27FC236}">
-                <a16:creationId xmlns:a16="http://schemas.microsoft.com/office/drawing/2014/main" id="{48F831BC-9EB5-69DB-47D5-F3BFC80671ED}"/>
-              </a:ext>
-            </a:extLst>
-          </p:cNvPr>
-          <p:cNvGrpSpPr/>
-          <p:nvPr/>
-        </p:nvGrpSpPr>
-        <p:grpSpPr>
-          <a:xfrm>
-            <a:off x="1690435" y="1548516"/>
-            <a:ext cx="324151" cy="324151"/>
-            <a:chOff x="5232099" y="1698944"/>
-            <a:chExt cx="914400" cy="914400"/>
-          </a:xfrm>
-        </p:grpSpPr>
-        <p:sp>
-          <p:nvSpPr>
-            <p:cNvPr id="23" name="楕円 22">
-              <a:extLst>
-                <a:ext uri="{FF2B5EF4-FFF2-40B4-BE49-F238E27FC236}">
-                  <a16:creationId xmlns:a16="http://schemas.microsoft.com/office/drawing/2014/main" id="{2EE5A788-FF0F-05E2-B0CC-AE57C8533703}"/>
-                </a:ext>
-              </a:extLst>
-            </p:cNvPr>
-            <p:cNvSpPr/>
-            <p:nvPr/>
-          </p:nvSpPr>
-          <p:spPr>
-            <a:xfrm>
-              <a:off x="5232099" y="1698944"/>
-              <a:ext cx="914400" cy="914400"/>
-            </a:xfrm>
-            <a:prstGeom prst="ellipse">
-              <a:avLst/>
-            </a:prstGeom>
-            <a:solidFill>
-              <a:schemeClr val="bg1"/>
-            </a:solidFill>
-            <a:ln w="28575"/>
-          </p:spPr>
-          <p:style>
-            <a:lnRef idx="2">
-              <a:schemeClr val="accent1">
-                <a:shade val="15000"/>
-              </a:schemeClr>
-            </a:lnRef>
-            <a:fillRef idx="1">
-              <a:schemeClr val="accent1"/>
-            </a:fillRef>
-            <a:effectRef idx="0">
-              <a:schemeClr val="accent1"/>
-            </a:effectRef>
-            <a:fontRef idx="minor">
-              <a:schemeClr val="lt1"/>
-            </a:fontRef>
-          </p:style>
-          <p:txBody>
-            <a:bodyPr rtlCol="0" anchor="ctr"/>
-            <a:lstStyle/>
-            <a:p>
-              <a:pPr algn="ctr"/>
-              <a:endParaRPr kumimoji="1" lang="ja-JP" altLang="en-US"/>
-            </a:p>
-          </p:txBody>
-        </p:sp>
-        <p:cxnSp>
-          <p:nvCxnSpPr>
-            <p:cNvPr id="24" name="直線コネクタ 23">
-              <a:extLst>
-                <a:ext uri="{FF2B5EF4-FFF2-40B4-BE49-F238E27FC236}">
-                  <a16:creationId xmlns:a16="http://schemas.microsoft.com/office/drawing/2014/main" id="{B330C045-80B2-7DEC-4C3F-2BD1FB01AA45}"/>
-                </a:ext>
-              </a:extLst>
-            </p:cNvPr>
-            <p:cNvCxnSpPr>
-              <a:cxnSpLocks/>
-            </p:cNvCxnSpPr>
-            <p:nvPr/>
-          </p:nvCxnSpPr>
-          <p:spPr>
-            <a:xfrm rot="2700000">
-              <a:off x="5232099" y="2156144"/>
-              <a:ext cx="914400" cy="0"/>
-            </a:xfrm>
-            <a:prstGeom prst="line">
-              <a:avLst/>
-            </a:prstGeom>
-            <a:ln w="38100"/>
-          </p:spPr>
-          <p:style>
-            <a:lnRef idx="2">
-              <a:schemeClr val="dk1"/>
-            </a:lnRef>
-            <a:fillRef idx="0">
-              <a:schemeClr val="dk1"/>
-            </a:fillRef>
-            <a:effectRef idx="1">
-              <a:schemeClr val="dk1"/>
-            </a:effectRef>
-            <a:fontRef idx="minor">
-              <a:schemeClr val="tx1"/>
-            </a:fontRef>
-          </p:style>
-        </p:cxnSp>
-        <p:cxnSp>
-          <p:nvCxnSpPr>
-            <p:cNvPr id="25" name="直線コネクタ 24">
-              <a:extLst>
-                <a:ext uri="{FF2B5EF4-FFF2-40B4-BE49-F238E27FC236}">
-                  <a16:creationId xmlns:a16="http://schemas.microsoft.com/office/drawing/2014/main" id="{905A8CB4-8DE9-3ACD-4C1F-75172BF9BAB8}"/>
-                </a:ext>
-              </a:extLst>
-            </p:cNvPr>
-            <p:cNvCxnSpPr>
-              <a:cxnSpLocks/>
-            </p:cNvCxnSpPr>
-            <p:nvPr/>
-          </p:nvCxnSpPr>
-          <p:spPr>
-            <a:xfrm rot="18900000" flipH="1">
-              <a:off x="5232099" y="2156144"/>
-              <a:ext cx="914400" cy="0"/>
-            </a:xfrm>
-            <a:prstGeom prst="line">
-              <a:avLst/>
-            </a:prstGeom>
-            <a:ln w="38100"/>
-          </p:spPr>
-          <p:style>
-            <a:lnRef idx="2">
-              <a:schemeClr val="dk1"/>
-            </a:lnRef>
-            <a:fillRef idx="0">
-              <a:schemeClr val="dk1"/>
-            </a:fillRef>
-            <a:effectRef idx="1">
-              <a:schemeClr val="dk1"/>
-            </a:effectRef>
-            <a:fontRef idx="minor">
-              <a:schemeClr val="tx1"/>
-            </a:fontRef>
-          </p:style>
-        </p:cxnSp>
-      </p:grpSp>
-      <mc:AlternateContent xmlns:mc="http://schemas.openxmlformats.org/markup-compatibility/2006">
-        <mc:Choice xmlns:a14="http://schemas.microsoft.com/office/drawing/2010/main" Requires="a14">
-          <p:sp>
-            <p:nvSpPr>
-              <p:cNvPr id="27" name="テキスト ボックス 26">
-                <a:extLst>
-                  <a:ext uri="{FF2B5EF4-FFF2-40B4-BE49-F238E27FC236}">
-                    <a16:creationId xmlns:a16="http://schemas.microsoft.com/office/drawing/2014/main" id="{51850350-2EE5-FB88-A8FC-738F9CE49CF8}"/>
+                    <a16:creationId xmlns:a16="http://schemas.microsoft.com/office/drawing/2014/main" id="{42F9D2FC-3B1C-37E8-5B56-B77122AA8C87}"/>
                   </a:ext>
                 </a:extLst>
               </p:cNvPr>
@@ -6242,8 +6439,8 @@
             </p:nvSpPr>
             <p:spPr>
               <a:xfrm flipH="1">
-                <a:off x="2808845" y="2802083"/>
-                <a:ext cx="387182" cy="369332"/>
+                <a:off x="7291746" y="4232460"/>
+                <a:ext cx="270532" cy="369332"/>
               </a:xfrm>
               <a:prstGeom prst="rect">
                 <a:avLst/>
@@ -6256,99 +6453,338 @@
               </a:bodyPr>
               <a:lstStyle/>
               <a:p>
-                <a:pPr/>
-                <a14:m>
-                  <m:oMathPara xmlns:m="http://schemas.openxmlformats.org/officeDocument/2006/math">
-                    <m:oMathParaPr>
-                      <m:jc m:val="centerGroup"/>
-                    </m:oMathParaPr>
-                    <m:oMath xmlns:m="http://schemas.openxmlformats.org/officeDocument/2006/math">
-                      <m:sSub>
-                        <m:sSubPr>
-                          <m:ctrlPr>
-                            <a:rPr kumimoji="1" lang="en-US" altLang="ja-JP" b="0" i="1" smtClean="0">
-                              <a:latin typeface="Cambria Math" panose="02040503050406030204" pitchFamily="18" charset="0"/>
-                            </a:rPr>
-                          </m:ctrlPr>
-                        </m:sSubPr>
-                        <m:e>
-                          <m:r>
-                            <a:rPr kumimoji="1" lang="en-US" altLang="ja-JP" b="1" i="1" smtClean="0">
-                              <a:latin typeface="Cambria Math" panose="02040503050406030204" pitchFamily="18" charset="0"/>
-                            </a:rPr>
-                            <m:t>𝝃</m:t>
-                          </m:r>
-                        </m:e>
-                        <m:sub>
+                <a:r>
+                  <a:rPr kumimoji="1" lang="en-US" altLang="ja-JP" dirty="0"/>
+                  <a:t>x</a:t>
+                </a:r>
+                <a:endParaRPr kumimoji="1" lang="ja-JP" altLang="en-US" dirty="0"/>
+              </a:p>
+            </p:txBody>
+          </p:sp>
+        </p:grpSp>
+        <p:grpSp>
+          <p:nvGrpSpPr>
+            <p:cNvPr id="10" name="グループ化 9">
+              <a:extLst>
+                <a:ext uri="{FF2B5EF4-FFF2-40B4-BE49-F238E27FC236}">
+                  <a16:creationId xmlns:a16="http://schemas.microsoft.com/office/drawing/2014/main" id="{C6AC4360-C8D4-7763-0A0B-64B600D1E122}"/>
+                </a:ext>
+              </a:extLst>
+            </p:cNvPr>
+            <p:cNvGrpSpPr/>
+            <p:nvPr/>
+          </p:nvGrpSpPr>
+          <p:grpSpPr>
+            <a:xfrm>
+              <a:off x="1472695" y="818909"/>
+              <a:ext cx="3485423" cy="4959696"/>
+              <a:chOff x="460903" y="685639"/>
+              <a:chExt cx="3485423" cy="4959696"/>
+            </a:xfrm>
+          </p:grpSpPr>
+          <p:grpSp>
+            <p:nvGrpSpPr>
+              <p:cNvPr id="2" name="グループ化 1">
+                <a:extLst>
+                  <a:ext uri="{FF2B5EF4-FFF2-40B4-BE49-F238E27FC236}">
+                    <a16:creationId xmlns:a16="http://schemas.microsoft.com/office/drawing/2014/main" id="{AF96298F-9868-3801-8A10-BBA4B2FC43CB}"/>
+                  </a:ext>
+                </a:extLst>
+              </p:cNvPr>
+              <p:cNvGrpSpPr/>
+              <p:nvPr/>
+            </p:nvGrpSpPr>
+            <p:grpSpPr>
+              <a:xfrm rot="16200000">
+                <a:off x="3008677" y="4061792"/>
+                <a:ext cx="720000" cy="360000"/>
+                <a:chOff x="1613631" y="2409000"/>
+                <a:chExt cx="720000" cy="360000"/>
+              </a:xfrm>
+            </p:grpSpPr>
+            <p:sp>
+              <p:nvSpPr>
+                <p:cNvPr id="3" name="正方形/長方形 2">
+                  <a:extLst>
+                    <a:ext uri="{FF2B5EF4-FFF2-40B4-BE49-F238E27FC236}">
+                      <a16:creationId xmlns:a16="http://schemas.microsoft.com/office/drawing/2014/main" id="{4EE04F6E-A454-28C2-B28A-D4B35E06C545}"/>
+                    </a:ext>
+                  </a:extLst>
+                </p:cNvPr>
+                <p:cNvSpPr/>
+                <p:nvPr/>
+              </p:nvSpPr>
+              <p:spPr>
+                <a:xfrm rot="16200000">
+                  <a:off x="1793631" y="2229000"/>
+                  <a:ext cx="360000" cy="720000"/>
+                </a:xfrm>
+                <a:prstGeom prst="rect">
+                  <a:avLst/>
+                </a:prstGeom>
+                <a:solidFill>
+                  <a:schemeClr val="bg1"/>
+                </a:solidFill>
+                <a:ln w="28575">
+                  <a:solidFill>
+                    <a:schemeClr val="tx1"/>
+                  </a:solidFill>
+                </a:ln>
+              </p:spPr>
+              <p:style>
+                <a:lnRef idx="2">
+                  <a:schemeClr val="accent1">
+                    <a:shade val="15000"/>
+                  </a:schemeClr>
+                </a:lnRef>
+                <a:fillRef idx="1">
+                  <a:schemeClr val="accent1"/>
+                </a:fillRef>
+                <a:effectRef idx="0">
+                  <a:schemeClr val="accent1"/>
+                </a:effectRef>
+                <a:fontRef idx="minor">
+                  <a:schemeClr val="lt1"/>
+                </a:fontRef>
+              </p:style>
+              <p:txBody>
+                <a:bodyPr rtlCol="0" anchor="ctr"/>
+                <a:lstStyle/>
+                <a:p>
+                  <a:pPr algn="ctr"/>
+                  <a:endParaRPr kumimoji="1" lang="ja-JP" altLang="en-US"/>
+                </a:p>
+              </p:txBody>
+            </p:sp>
+            <p:sp>
+              <p:nvSpPr>
+                <p:cNvPr id="4" name="フローチャート: 結合子 3">
+                  <a:extLst>
+                    <a:ext uri="{FF2B5EF4-FFF2-40B4-BE49-F238E27FC236}">
+                      <a16:creationId xmlns:a16="http://schemas.microsoft.com/office/drawing/2014/main" id="{77BDDB86-088A-0DC8-27ED-243BA51EDE9F}"/>
+                    </a:ext>
+                  </a:extLst>
+                </p:cNvPr>
+                <p:cNvSpPr/>
+                <p:nvPr/>
+              </p:nvSpPr>
+              <p:spPr>
+                <a:xfrm>
+                  <a:off x="1751346" y="2529482"/>
+                  <a:ext cx="119034" cy="119034"/>
+                </a:xfrm>
+                <a:prstGeom prst="flowChartConnector">
+                  <a:avLst/>
+                </a:prstGeom>
+              </p:spPr>
+              <p:style>
+                <a:lnRef idx="2">
+                  <a:schemeClr val="dk1">
+                    <a:shade val="15000"/>
+                  </a:schemeClr>
+                </a:lnRef>
+                <a:fillRef idx="1">
+                  <a:schemeClr val="dk1"/>
+                </a:fillRef>
+                <a:effectRef idx="0">
+                  <a:schemeClr val="dk1"/>
+                </a:effectRef>
+                <a:fontRef idx="minor">
+                  <a:schemeClr val="lt1"/>
+                </a:fontRef>
+              </p:style>
+              <p:txBody>
+                <a:bodyPr rtlCol="0" anchor="ctr"/>
+                <a:lstStyle/>
+                <a:p>
+                  <a:pPr algn="ctr"/>
+                  <a:endParaRPr kumimoji="1" lang="ja-JP" altLang="en-US"/>
+                </a:p>
+              </p:txBody>
+            </p:sp>
+          </p:grpSp>
+          <mc:AlternateContent xmlns:mc="http://schemas.openxmlformats.org/markup-compatibility/2006">
+            <mc:Choice xmlns:a14="http://schemas.microsoft.com/office/drawing/2010/main" Requires="a14">
+              <p:sp>
+                <p:nvSpPr>
+                  <p:cNvPr id="5" name="テキスト ボックス 4">
+                    <a:extLst>
+                      <a:ext uri="{FF2B5EF4-FFF2-40B4-BE49-F238E27FC236}">
+                        <a16:creationId xmlns:a16="http://schemas.microsoft.com/office/drawing/2014/main" id="{780BEECB-B2A8-963D-0FB5-692BAB899623}"/>
+                      </a:ext>
+                    </a:extLst>
+                  </p:cNvPr>
+                  <p:cNvSpPr txBox="1"/>
+                  <p:nvPr/>
+                </p:nvSpPr>
+                <p:spPr>
+                  <a:xfrm flipH="1">
+                    <a:off x="3559144" y="4205335"/>
+                    <a:ext cx="387182" cy="369332"/>
+                  </a:xfrm>
+                  <a:prstGeom prst="rect">
+                    <a:avLst/>
+                  </a:prstGeom>
+                  <a:noFill/>
+                </p:spPr>
+                <p:txBody>
+                  <a:bodyPr wrap="square" rtlCol="0">
+                    <a:spAutoFit/>
+                  </a:bodyPr>
+                  <a:lstStyle/>
+                  <a:p>
+                    <a:pPr/>
+                    <a14:m>
+                      <m:oMathPara xmlns:m="http://schemas.openxmlformats.org/officeDocument/2006/math">
+                        <m:oMathParaPr>
+                          <m:jc m:val="centerGroup"/>
+                        </m:oMathParaPr>
+                        <m:oMath xmlns:m="http://schemas.openxmlformats.org/officeDocument/2006/math">
                           <m:r>
                             <a:rPr kumimoji="1" lang="en-US" altLang="ja-JP" b="0" i="1" smtClean="0">
                               <a:latin typeface="Cambria Math" panose="02040503050406030204" pitchFamily="18" charset="0"/>
                             </a:rPr>
-                            <m:t>𝑖</m:t>
+                            <m:t>𝑝</m:t>
                           </m:r>
-                        </m:sub>
-                      </m:sSub>
-                    </m:oMath>
-                  </m:oMathPara>
-                </a14:m>
-                <a:endParaRPr kumimoji="1" lang="ja-JP" altLang="en-US" dirty="0"/>
-              </a:p>
-            </p:txBody>
-          </p:sp>
-        </mc:Choice>
-        <mc:Fallback>
-          <p:sp>
-            <p:nvSpPr>
-              <p:cNvPr id="27" name="テキスト ボックス 26">
+                        </m:oMath>
+                      </m:oMathPara>
+                    </a14:m>
+                    <a:endParaRPr kumimoji="1" lang="ja-JP" altLang="en-US" dirty="0"/>
+                  </a:p>
+                </p:txBody>
+              </p:sp>
+            </mc:Choice>
+            <mc:Fallback>
+              <p:sp>
+                <p:nvSpPr>
+                  <p:cNvPr id="5" name="テキスト ボックス 4">
+                    <a:extLst>
+                      <a:ext uri="{FF2B5EF4-FFF2-40B4-BE49-F238E27FC236}">
+                        <a16:creationId xmlns:a16="http://schemas.microsoft.com/office/drawing/2014/main" id="{780BEECB-B2A8-963D-0FB5-692BAB899623}"/>
+                      </a:ext>
+                    </a:extLst>
+                  </p:cNvPr>
+                  <p:cNvSpPr txBox="1">
+                    <a:spLocks noRot="1" noChangeAspect="1" noMove="1" noResize="1" noEditPoints="1" noAdjustHandles="1" noChangeArrowheads="1" noChangeShapeType="1" noTextEdit="1"/>
+                  </p:cNvSpPr>
+                  <p:nvPr/>
+                </p:nvSpPr>
+                <p:spPr>
+                  <a:xfrm flipH="1">
+                    <a:off x="3559144" y="4205335"/>
+                    <a:ext cx="387182" cy="369332"/>
+                  </a:xfrm>
+                  <a:prstGeom prst="rect">
+                    <a:avLst/>
+                  </a:prstGeom>
+                  <a:blipFill>
+                    <a:blip r:embed="rId5"/>
+                    <a:stretch>
+                      <a:fillRect b="-6557"/>
+                    </a:stretch>
+                  </a:blipFill>
+                </p:spPr>
+                <p:txBody>
+                  <a:bodyPr/>
+                  <a:lstStyle/>
+                  <a:p>
+                    <a:r>
+                      <a:rPr lang="ja-JP" altLang="en-US">
+                        <a:noFill/>
+                      </a:rPr>
+                      <a:t> </a:t>
+                    </a:r>
+                  </a:p>
+                </p:txBody>
+              </p:sp>
+            </mc:Fallback>
+          </mc:AlternateContent>
+          <p:cxnSp>
+            <p:nvCxnSpPr>
+              <p:cNvPr id="6" name="直線矢印コネクタ 5">
                 <a:extLst>
                   <a:ext uri="{FF2B5EF4-FFF2-40B4-BE49-F238E27FC236}">
-                    <a16:creationId xmlns:a16="http://schemas.microsoft.com/office/drawing/2014/main" id="{51850350-2EE5-FB88-A8FC-738F9CE49CF8}"/>
+                    <a16:creationId xmlns:a16="http://schemas.microsoft.com/office/drawing/2014/main" id="{B7B7A95D-9AC9-C71F-B9B7-E32CFA44F007}"/>
                   </a:ext>
                 </a:extLst>
               </p:cNvPr>
-              <p:cNvSpPr txBox="1">
-                <a:spLocks noRot="1" noChangeAspect="1" noMove="1" noResize="1" noEditPoints="1" noAdjustHandles="1" noChangeArrowheads="1" noChangeShapeType="1" noTextEdit="1"/>
-              </p:cNvSpPr>
+              <p:cNvCxnSpPr/>
               <p:nvPr/>
-            </p:nvSpPr>
+            </p:nvCxnSpPr>
             <p:spPr>
-              <a:xfrm flipH="1">
-                <a:off x="2808845" y="2802083"/>
-                <a:ext cx="387182" cy="369332"/>
+              <a:xfrm flipV="1">
+                <a:off x="1017203" y="4565335"/>
+                <a:ext cx="0" cy="1080000"/>
               </a:xfrm>
-              <a:prstGeom prst="rect">
+              <a:prstGeom prst="straightConnector1">
                 <a:avLst/>
               </a:prstGeom>
-              <a:blipFill>
-                <a:blip r:embed="rId3"/>
-                <a:stretch>
-                  <a:fillRect l="-3175" b="-13333"/>
-                </a:stretch>
-              </a:blipFill>
+              <a:ln w="28575">
+                <a:tailEnd type="triangle"/>
+              </a:ln>
             </p:spPr>
-            <p:txBody>
-              <a:bodyPr/>
-              <a:lstStyle/>
-              <a:p>
-                <a:r>
-                  <a:rPr lang="ja-JP" altLang="en-US">
-                    <a:noFill/>
-                  </a:rPr>
-                  <a:t> </a:t>
-                </a:r>
-              </a:p>
-            </p:txBody>
-          </p:sp>
-        </mc:Fallback>
-      </mc:AlternateContent>
-      <mc:AlternateContent xmlns:mc="http://schemas.openxmlformats.org/markup-compatibility/2006">
-        <mc:Choice xmlns:a14="http://schemas.microsoft.com/office/drawing/2010/main" Requires="a14">
+            <p:style>
+              <a:lnRef idx="2">
+                <a:schemeClr val="dk1"/>
+              </a:lnRef>
+              <a:fillRef idx="0">
+                <a:schemeClr val="dk1"/>
+              </a:fillRef>
+              <a:effectRef idx="1">
+                <a:schemeClr val="dk1"/>
+              </a:effectRef>
+              <a:fontRef idx="minor">
+                <a:schemeClr val="tx1"/>
+              </a:fontRef>
+            </p:style>
+          </p:cxnSp>
+          <p:cxnSp>
+            <p:nvCxnSpPr>
+              <p:cNvPr id="7" name="直線矢印コネクタ 6">
+                <a:extLst>
+                  <a:ext uri="{FF2B5EF4-FFF2-40B4-BE49-F238E27FC236}">
+                    <a16:creationId xmlns:a16="http://schemas.microsoft.com/office/drawing/2014/main" id="{3E59696A-7590-72A1-FF3A-4A29CD334694}"/>
+                  </a:ext>
+                </a:extLst>
+              </p:cNvPr>
+              <p:cNvCxnSpPr>
+                <a:cxnSpLocks/>
+              </p:cNvCxnSpPr>
+              <p:nvPr/>
+            </p:nvCxnSpPr>
+            <p:spPr>
+              <a:xfrm rot="5400000" flipV="1">
+                <a:off x="1321101" y="4815127"/>
+                <a:ext cx="0" cy="1080000"/>
+              </a:xfrm>
+              <a:prstGeom prst="straightConnector1">
+                <a:avLst/>
+              </a:prstGeom>
+              <a:ln w="28575">
+                <a:tailEnd type="triangle"/>
+              </a:ln>
+            </p:spPr>
+            <p:style>
+              <a:lnRef idx="2">
+                <a:schemeClr val="dk1"/>
+              </a:lnRef>
+              <a:fillRef idx="0">
+                <a:schemeClr val="dk1"/>
+              </a:fillRef>
+              <a:effectRef idx="1">
+                <a:schemeClr val="dk1"/>
+              </a:effectRef>
+              <a:fontRef idx="minor">
+                <a:schemeClr val="tx1"/>
+              </a:fontRef>
+            </p:style>
+          </p:cxnSp>
           <p:sp>
             <p:nvSpPr>
-              <p:cNvPr id="28" name="テキスト ボックス 27">
+              <p:cNvPr id="8" name="テキスト ボックス 7">
                 <a:extLst>
                   <a:ext uri="{FF2B5EF4-FFF2-40B4-BE49-F238E27FC236}">
-                    <a16:creationId xmlns:a16="http://schemas.microsoft.com/office/drawing/2014/main" id="{8EB3BB71-2C41-8528-0483-9CDBA10149CD}"/>
+                    <a16:creationId xmlns:a16="http://schemas.microsoft.com/office/drawing/2014/main" id="{47E75CE7-AF39-5541-AA0D-71E36CE1F6F8}"/>
                   </a:ext>
                 </a:extLst>
               </p:cNvPr>
@@ -6357,8 +6793,8 @@
             </p:nvSpPr>
             <p:spPr>
               <a:xfrm flipH="1">
-                <a:off x="2051814" y="1246656"/>
-                <a:ext cx="556300" cy="369332"/>
+                <a:off x="1805900" y="5170461"/>
+                <a:ext cx="270532" cy="369332"/>
               </a:xfrm>
               <a:prstGeom prst="rect">
                 <a:avLst/>
@@ -6371,266 +6807,61 @@
               </a:bodyPr>
               <a:lstStyle/>
               <a:p>
-                <a:pPr/>
-                <a14:m>
-                  <m:oMathPara xmlns:m="http://schemas.openxmlformats.org/officeDocument/2006/math">
-                    <m:oMathParaPr>
-                      <m:jc m:val="centerGroup"/>
-                    </m:oMathParaPr>
-                    <m:oMath xmlns:m="http://schemas.openxmlformats.org/officeDocument/2006/math">
-                      <m:sSub>
-                        <m:sSubPr>
-                          <m:ctrlPr>
-                            <a:rPr kumimoji="1" lang="en-US" altLang="ja-JP" b="0" i="1" smtClean="0">
-                              <a:latin typeface="Cambria Math" panose="02040503050406030204" pitchFamily="18" charset="0"/>
-                            </a:rPr>
-                          </m:ctrlPr>
-                        </m:sSubPr>
-                        <m:e>
-                          <m:r>
-                            <a:rPr kumimoji="1" lang="en-US" altLang="ja-JP" b="1" i="1" smtClean="0">
-                              <a:latin typeface="Cambria Math" panose="02040503050406030204" pitchFamily="18" charset="0"/>
-                            </a:rPr>
-                            <m:t>𝝃</m:t>
-                          </m:r>
-                        </m:e>
-                        <m:sub>
-                          <m:r>
-                            <a:rPr kumimoji="1" lang="en-US" altLang="ja-JP" b="0" i="1" smtClean="0">
-                              <a:latin typeface="Cambria Math" panose="02040503050406030204" pitchFamily="18" charset="0"/>
-                            </a:rPr>
-                            <m:t>𝑖</m:t>
-                          </m:r>
-                          <m:r>
-                            <a:rPr kumimoji="1" lang="en-US" altLang="ja-JP" b="0" i="1" smtClean="0">
-                              <a:latin typeface="Cambria Math" panose="02040503050406030204" pitchFamily="18" charset="0"/>
-                            </a:rPr>
-                            <m:t>+1</m:t>
-                          </m:r>
-                        </m:sub>
-                      </m:sSub>
-                    </m:oMath>
-                  </m:oMathPara>
-                </a14:m>
+                <a:r>
+                  <a:rPr kumimoji="1" lang="en-US" altLang="ja-JP" dirty="0"/>
+                  <a:t>y</a:t>
+                </a:r>
                 <a:endParaRPr kumimoji="1" lang="ja-JP" altLang="en-US" dirty="0"/>
               </a:p>
             </p:txBody>
           </p:sp>
-        </mc:Choice>
-        <mc:Fallback>
-          <p:sp>
-            <p:nvSpPr>
-              <p:cNvPr id="28" name="テキスト ボックス 27">
+          <p:cxnSp>
+            <p:nvCxnSpPr>
+              <p:cNvPr id="29" name="直線コネクタ 28">
                 <a:extLst>
                   <a:ext uri="{FF2B5EF4-FFF2-40B4-BE49-F238E27FC236}">
-                    <a16:creationId xmlns:a16="http://schemas.microsoft.com/office/drawing/2014/main" id="{8EB3BB71-2C41-8528-0483-9CDBA10149CD}"/>
+                    <a16:creationId xmlns:a16="http://schemas.microsoft.com/office/drawing/2014/main" id="{AED9F827-DE2B-311F-AF5A-62DB0BFB72BC}"/>
                   </a:ext>
                 </a:extLst>
               </p:cNvPr>
-              <p:cNvSpPr txBox="1">
-                <a:spLocks noRot="1" noChangeAspect="1" noMove="1" noResize="1" noEditPoints="1" noAdjustHandles="1" noChangeArrowheads="1" noChangeShapeType="1" noTextEdit="1"/>
-              </p:cNvSpPr>
+              <p:cNvCxnSpPr>
+                <a:cxnSpLocks/>
+              </p:cNvCxnSpPr>
               <p:nvPr/>
-            </p:nvSpPr>
+            </p:nvCxnSpPr>
             <p:spPr>
-              <a:xfrm flipH="1">
-                <a:off x="2051814" y="1246656"/>
-                <a:ext cx="556300" cy="369332"/>
+              <a:xfrm flipH="1" flipV="1">
+                <a:off x="881937" y="1205578"/>
+                <a:ext cx="2486739" cy="2842217"/>
               </a:xfrm>
-              <a:prstGeom prst="rect">
+              <a:prstGeom prst="line">
                 <a:avLst/>
               </a:prstGeom>
-              <a:blipFill>
-                <a:blip r:embed="rId4"/>
-                <a:stretch>
-                  <a:fillRect l="-3297" b="-13333"/>
-                </a:stretch>
-              </a:blipFill>
+              <a:ln>
+                <a:prstDash val="dash"/>
+              </a:ln>
             </p:spPr>
-            <p:txBody>
-              <a:bodyPr/>
-              <a:lstStyle/>
-              <a:p>
-                <a:r>
-                  <a:rPr lang="ja-JP" altLang="en-US">
-                    <a:noFill/>
-                  </a:rPr>
-                  <a:t> </a:t>
-                </a:r>
-              </a:p>
-            </p:txBody>
-          </p:sp>
-        </mc:Fallback>
-      </mc:AlternateContent>
-      <p:grpSp>
-        <p:nvGrpSpPr>
-          <p:cNvPr id="35" name="グループ化 34">
-            <a:extLst>
-              <a:ext uri="{FF2B5EF4-FFF2-40B4-BE49-F238E27FC236}">
-                <a16:creationId xmlns:a16="http://schemas.microsoft.com/office/drawing/2014/main" id="{74A30B66-2C3B-BCC0-71DC-A0A32D1970EB}"/>
-              </a:ext>
-            </a:extLst>
-          </p:cNvPr>
-          <p:cNvGrpSpPr/>
-          <p:nvPr/>
-        </p:nvGrpSpPr>
-        <p:grpSpPr>
-          <a:xfrm>
-            <a:off x="1112682" y="1498379"/>
-            <a:ext cx="324151" cy="324151"/>
-            <a:chOff x="5232099" y="1698944"/>
-            <a:chExt cx="914400" cy="914400"/>
-          </a:xfrm>
-        </p:grpSpPr>
-        <p:sp>
-          <p:nvSpPr>
-            <p:cNvPr id="36" name="楕円 35">
-              <a:extLst>
-                <a:ext uri="{FF2B5EF4-FFF2-40B4-BE49-F238E27FC236}">
-                  <a16:creationId xmlns:a16="http://schemas.microsoft.com/office/drawing/2014/main" id="{18AFE62B-893A-E3D0-AB8A-89F16B15E42C}"/>
-                </a:ext>
-              </a:extLst>
-            </p:cNvPr>
-            <p:cNvSpPr/>
-            <p:nvPr/>
-          </p:nvSpPr>
-          <p:spPr>
-            <a:xfrm>
-              <a:off x="5232099" y="1698944"/>
-              <a:ext cx="914400" cy="914400"/>
-            </a:xfrm>
-            <a:prstGeom prst="ellipse">
-              <a:avLst/>
-            </a:prstGeom>
-            <a:solidFill>
-              <a:schemeClr val="bg1"/>
-            </a:solidFill>
-            <a:ln w="28575">
-              <a:solidFill>
-                <a:srgbClr val="00B0F0"/>
-              </a:solidFill>
-            </a:ln>
-          </p:spPr>
-          <p:style>
-            <a:lnRef idx="2">
-              <a:schemeClr val="accent1">
-                <a:shade val="15000"/>
-              </a:schemeClr>
-            </a:lnRef>
-            <a:fillRef idx="1">
-              <a:schemeClr val="accent1"/>
-            </a:fillRef>
-            <a:effectRef idx="0">
-              <a:schemeClr val="accent1"/>
-            </a:effectRef>
-            <a:fontRef idx="minor">
-              <a:schemeClr val="lt1"/>
-            </a:fontRef>
-          </p:style>
-          <p:txBody>
-            <a:bodyPr rtlCol="0" anchor="ctr"/>
-            <a:lstStyle/>
-            <a:p>
-              <a:pPr algn="ctr"/>
-              <a:endParaRPr kumimoji="1" lang="ja-JP" altLang="en-US"/>
-            </a:p>
-          </p:txBody>
-        </p:sp>
-        <p:cxnSp>
-          <p:nvCxnSpPr>
-            <p:cNvPr id="37" name="直線コネクタ 36">
-              <a:extLst>
-                <a:ext uri="{FF2B5EF4-FFF2-40B4-BE49-F238E27FC236}">
-                  <a16:creationId xmlns:a16="http://schemas.microsoft.com/office/drawing/2014/main" id="{A5E70507-668D-2BF0-7C71-F068AAC1C3B9}"/>
-                </a:ext>
-              </a:extLst>
-            </p:cNvPr>
-            <p:cNvCxnSpPr>
-              <a:cxnSpLocks/>
-            </p:cNvCxnSpPr>
-            <p:nvPr/>
-          </p:nvCxnSpPr>
-          <p:spPr>
-            <a:xfrm rot="2700000">
-              <a:off x="5232099" y="2156144"/>
-              <a:ext cx="914400" cy="0"/>
-            </a:xfrm>
-            <a:prstGeom prst="line">
-              <a:avLst/>
-            </a:prstGeom>
-            <a:ln w="38100">
-              <a:solidFill>
-                <a:srgbClr val="00B0F0"/>
-              </a:solidFill>
-            </a:ln>
-          </p:spPr>
-          <p:style>
-            <a:lnRef idx="2">
-              <a:schemeClr val="dk1"/>
-            </a:lnRef>
-            <a:fillRef idx="0">
-              <a:schemeClr val="dk1"/>
-            </a:fillRef>
-            <a:effectRef idx="1">
-              <a:schemeClr val="dk1"/>
-            </a:effectRef>
-            <a:fontRef idx="minor">
-              <a:schemeClr val="tx1"/>
-            </a:fontRef>
-          </p:style>
-        </p:cxnSp>
-        <p:cxnSp>
-          <p:nvCxnSpPr>
-            <p:cNvPr id="38" name="直線コネクタ 37">
-              <a:extLst>
-                <a:ext uri="{FF2B5EF4-FFF2-40B4-BE49-F238E27FC236}">
-                  <a16:creationId xmlns:a16="http://schemas.microsoft.com/office/drawing/2014/main" id="{2844D7EE-B86B-B3B1-68ED-39468D6393F0}"/>
-                </a:ext>
-              </a:extLst>
-            </p:cNvPr>
-            <p:cNvCxnSpPr>
-              <a:cxnSpLocks/>
-            </p:cNvCxnSpPr>
-            <p:nvPr/>
-          </p:nvCxnSpPr>
-          <p:spPr>
-            <a:xfrm rot="18900000" flipH="1">
-              <a:off x="5232099" y="2156144"/>
-              <a:ext cx="914400" cy="0"/>
-            </a:xfrm>
-            <a:prstGeom prst="line">
-              <a:avLst/>
-            </a:prstGeom>
-            <a:ln w="38100">
-              <a:solidFill>
-                <a:srgbClr val="00B0F0"/>
-              </a:solidFill>
-            </a:ln>
-          </p:spPr>
-          <p:style>
-            <a:lnRef idx="2">
-              <a:schemeClr val="dk1"/>
-            </a:lnRef>
-            <a:fillRef idx="0">
-              <a:schemeClr val="dk1"/>
-            </a:fillRef>
-            <a:effectRef idx="1">
-              <a:schemeClr val="dk1"/>
-            </a:effectRef>
-            <a:fontRef idx="minor">
-              <a:schemeClr val="tx1"/>
-            </a:fontRef>
-          </p:style>
-        </p:cxnSp>
-      </p:grpSp>
-      <mc:AlternateContent xmlns:mc="http://schemas.openxmlformats.org/markup-compatibility/2006">
-        <mc:Choice xmlns:a14="http://schemas.microsoft.com/office/drawing/2010/main" Requires="a14">
+            <p:style>
+              <a:lnRef idx="2">
+                <a:schemeClr val="dk1"/>
+              </a:lnRef>
+              <a:fillRef idx="0">
+                <a:schemeClr val="dk1"/>
+              </a:fillRef>
+              <a:effectRef idx="1">
+                <a:schemeClr val="dk1"/>
+              </a:effectRef>
+              <a:fontRef idx="minor">
+                <a:schemeClr val="tx1"/>
+              </a:fontRef>
+            </p:style>
+          </p:cxnSp>
           <p:sp>
             <p:nvSpPr>
-              <p:cNvPr id="39" name="テキスト ボックス 38">
+              <p:cNvPr id="9" name="テキスト ボックス 8">
                 <a:extLst>
                   <a:ext uri="{FF2B5EF4-FFF2-40B4-BE49-F238E27FC236}">
-                    <a16:creationId xmlns:a16="http://schemas.microsoft.com/office/drawing/2014/main" id="{21A812CC-CF08-2A0F-7C1A-E1B0225F729C}"/>
+                    <a16:creationId xmlns:a16="http://schemas.microsoft.com/office/drawing/2014/main" id="{FCA7BDDF-B1AF-11D5-57AA-7392D5DC06FB}"/>
                   </a:ext>
                 </a:extLst>
               </p:cNvPr>
@@ -6639,8 +6870,8 @@
             </p:nvSpPr>
             <p:spPr>
               <a:xfrm flipH="1">
-                <a:off x="460903" y="1453198"/>
-                <a:ext cx="556300" cy="369332"/>
+                <a:off x="881937" y="4232460"/>
+                <a:ext cx="270532" cy="369332"/>
               </a:xfrm>
               <a:prstGeom prst="rect">
                 <a:avLst/>
@@ -6653,36 +6884,1043 @@
               </a:bodyPr>
               <a:lstStyle/>
               <a:p>
-                <a:pPr/>
-                <a14:m>
-                  <m:oMathPara xmlns:m="http://schemas.openxmlformats.org/officeDocument/2006/math">
-                    <m:oMathParaPr>
-                      <m:jc m:val="centerGroup"/>
-                    </m:oMathParaPr>
-                    <m:oMath xmlns:m="http://schemas.openxmlformats.org/officeDocument/2006/math">
-                      <m:sSub>
-                        <m:sSubPr>
-                          <m:ctrlPr>
-                            <a:rPr kumimoji="1" lang="en-US" altLang="ja-JP" b="0" i="1" smtClean="0">
-                              <a:solidFill>
-                                <a:srgbClr val="00B0F0"/>
-                              </a:solidFill>
-                              <a:latin typeface="Cambria Math" panose="02040503050406030204" pitchFamily="18" charset="0"/>
-                            </a:rPr>
-                          </m:ctrlPr>
-                        </m:sSubPr>
-                        <m:e>
-                          <m:r>
-                            <a:rPr kumimoji="1" lang="en-US" altLang="ja-JP" b="1" i="1" smtClean="0">
-                              <a:solidFill>
-                                <a:srgbClr val="00B0F0"/>
-                              </a:solidFill>
-                              <a:latin typeface="Cambria Math" panose="02040503050406030204" pitchFamily="18" charset="0"/>
-                            </a:rPr>
-                            <m:t>𝝃</m:t>
-                          </m:r>
-                        </m:e>
-                        <m:sub>
+                <a:r>
+                  <a:rPr kumimoji="1" lang="en-US" altLang="ja-JP" dirty="0"/>
+                  <a:t>x</a:t>
+                </a:r>
+                <a:endParaRPr kumimoji="1" lang="ja-JP" altLang="en-US" dirty="0"/>
+              </a:p>
+            </p:txBody>
+          </p:sp>
+          <p:cxnSp>
+            <p:nvCxnSpPr>
+              <p:cNvPr id="11" name="直線コネクタ 10">
+                <a:extLst>
+                  <a:ext uri="{FF2B5EF4-FFF2-40B4-BE49-F238E27FC236}">
+                    <a16:creationId xmlns:a16="http://schemas.microsoft.com/office/drawing/2014/main" id="{D4D6BDAA-D079-D11B-8792-87AC6C0825D4}"/>
+                  </a:ext>
+                </a:extLst>
+              </p:cNvPr>
+              <p:cNvCxnSpPr>
+                <a:cxnSpLocks/>
+              </p:cNvCxnSpPr>
+              <p:nvPr/>
+            </p:nvCxnSpPr>
+            <p:spPr>
+              <a:xfrm flipH="1" flipV="1">
+                <a:off x="1287735" y="685639"/>
+                <a:ext cx="2021424" cy="3601239"/>
+              </a:xfrm>
+              <a:prstGeom prst="line">
+                <a:avLst/>
+              </a:prstGeom>
+              <a:ln>
+                <a:prstDash val="dash"/>
+              </a:ln>
+            </p:spPr>
+            <p:style>
+              <a:lnRef idx="2">
+                <a:schemeClr val="dk1"/>
+              </a:lnRef>
+              <a:fillRef idx="0">
+                <a:schemeClr val="dk1"/>
+              </a:fillRef>
+              <a:effectRef idx="1">
+                <a:schemeClr val="dk1"/>
+              </a:effectRef>
+              <a:fontRef idx="minor">
+                <a:schemeClr val="tx1"/>
+              </a:fontRef>
+            </p:style>
+          </p:cxnSp>
+          <p:grpSp>
+            <p:nvGrpSpPr>
+              <p:cNvPr id="16" name="グループ化 15">
+                <a:extLst>
+                  <a:ext uri="{FF2B5EF4-FFF2-40B4-BE49-F238E27FC236}">
+                    <a16:creationId xmlns:a16="http://schemas.microsoft.com/office/drawing/2014/main" id="{C3E09CA0-3FBC-B076-3D63-5789B918B2EF}"/>
+                  </a:ext>
+                </a:extLst>
+              </p:cNvPr>
+              <p:cNvGrpSpPr/>
+              <p:nvPr/>
+            </p:nvGrpSpPr>
+            <p:grpSpPr>
+              <a:xfrm>
+                <a:off x="2591584" y="3171415"/>
+                <a:ext cx="324151" cy="324151"/>
+                <a:chOff x="5232099" y="1698944"/>
+                <a:chExt cx="914400" cy="914400"/>
+              </a:xfrm>
+            </p:grpSpPr>
+            <p:sp>
+              <p:nvSpPr>
+                <p:cNvPr id="12" name="楕円 11">
+                  <a:extLst>
+                    <a:ext uri="{FF2B5EF4-FFF2-40B4-BE49-F238E27FC236}">
+                      <a16:creationId xmlns:a16="http://schemas.microsoft.com/office/drawing/2014/main" id="{330B2C1B-080B-279A-9801-F23CB18FF43C}"/>
+                    </a:ext>
+                  </a:extLst>
+                </p:cNvPr>
+                <p:cNvSpPr/>
+                <p:nvPr/>
+              </p:nvSpPr>
+              <p:spPr>
+                <a:xfrm>
+                  <a:off x="5232099" y="1698944"/>
+                  <a:ext cx="914400" cy="914400"/>
+                </a:xfrm>
+                <a:prstGeom prst="ellipse">
+                  <a:avLst/>
+                </a:prstGeom>
+                <a:solidFill>
+                  <a:schemeClr val="bg1"/>
+                </a:solidFill>
+                <a:ln w="28575">
+                  <a:solidFill>
+                    <a:schemeClr val="bg1">
+                      <a:lumMod val="75000"/>
+                    </a:schemeClr>
+                  </a:solidFill>
+                  <a:prstDash val="solid"/>
+                </a:ln>
+              </p:spPr>
+              <p:style>
+                <a:lnRef idx="2">
+                  <a:schemeClr val="accent1">
+                    <a:shade val="15000"/>
+                  </a:schemeClr>
+                </a:lnRef>
+                <a:fillRef idx="1">
+                  <a:schemeClr val="accent1"/>
+                </a:fillRef>
+                <a:effectRef idx="0">
+                  <a:schemeClr val="accent1"/>
+                </a:effectRef>
+                <a:fontRef idx="minor">
+                  <a:schemeClr val="lt1"/>
+                </a:fontRef>
+              </p:style>
+              <p:txBody>
+                <a:bodyPr rtlCol="0" anchor="ctr"/>
+                <a:lstStyle/>
+                <a:p>
+                  <a:pPr algn="ctr"/>
+                  <a:endParaRPr kumimoji="1" lang="ja-JP" altLang="en-US"/>
+                </a:p>
+              </p:txBody>
+            </p:sp>
+            <p:cxnSp>
+              <p:nvCxnSpPr>
+                <p:cNvPr id="14" name="直線コネクタ 13">
+                  <a:extLst>
+                    <a:ext uri="{FF2B5EF4-FFF2-40B4-BE49-F238E27FC236}">
+                      <a16:creationId xmlns:a16="http://schemas.microsoft.com/office/drawing/2014/main" id="{9AC7A422-2854-DE2B-48F5-12871C78FF72}"/>
+                    </a:ext>
+                  </a:extLst>
+                </p:cNvPr>
+                <p:cNvCxnSpPr>
+                  <a:cxnSpLocks/>
+                </p:cNvCxnSpPr>
+                <p:nvPr/>
+              </p:nvCxnSpPr>
+              <p:spPr>
+                <a:xfrm rot="2700000">
+                  <a:off x="5232099" y="2156144"/>
+                  <a:ext cx="914400" cy="0"/>
+                </a:xfrm>
+                <a:prstGeom prst="line">
+                  <a:avLst/>
+                </a:prstGeom>
+                <a:ln w="38100">
+                  <a:solidFill>
+                    <a:schemeClr val="bg1">
+                      <a:lumMod val="75000"/>
+                    </a:schemeClr>
+                  </a:solidFill>
+                  <a:prstDash val="solid"/>
+                </a:ln>
+              </p:spPr>
+              <p:style>
+                <a:lnRef idx="2">
+                  <a:schemeClr val="dk1"/>
+                </a:lnRef>
+                <a:fillRef idx="0">
+                  <a:schemeClr val="dk1"/>
+                </a:fillRef>
+                <a:effectRef idx="1">
+                  <a:schemeClr val="dk1"/>
+                </a:effectRef>
+                <a:fontRef idx="minor">
+                  <a:schemeClr val="tx1"/>
+                </a:fontRef>
+              </p:style>
+            </p:cxnSp>
+            <p:cxnSp>
+              <p:nvCxnSpPr>
+                <p:cNvPr id="15" name="直線コネクタ 14">
+                  <a:extLst>
+                    <a:ext uri="{FF2B5EF4-FFF2-40B4-BE49-F238E27FC236}">
+                      <a16:creationId xmlns:a16="http://schemas.microsoft.com/office/drawing/2014/main" id="{D77EDB21-E743-153D-F987-19FE57C2811C}"/>
+                    </a:ext>
+                  </a:extLst>
+                </p:cNvPr>
+                <p:cNvCxnSpPr>
+                  <a:cxnSpLocks/>
+                </p:cNvCxnSpPr>
+                <p:nvPr/>
+              </p:nvCxnSpPr>
+              <p:spPr>
+                <a:xfrm rot="18900000" flipH="1">
+                  <a:off x="5232099" y="2156144"/>
+                  <a:ext cx="914400" cy="0"/>
+                </a:xfrm>
+                <a:prstGeom prst="line">
+                  <a:avLst/>
+                </a:prstGeom>
+                <a:ln w="38100">
+                  <a:solidFill>
+                    <a:schemeClr val="bg1">
+                      <a:lumMod val="75000"/>
+                    </a:schemeClr>
+                  </a:solidFill>
+                  <a:prstDash val="solid"/>
+                </a:ln>
+              </p:spPr>
+              <p:style>
+                <a:lnRef idx="2">
+                  <a:schemeClr val="dk1"/>
+                </a:lnRef>
+                <a:fillRef idx="0">
+                  <a:schemeClr val="dk1"/>
+                </a:fillRef>
+                <a:effectRef idx="1">
+                  <a:schemeClr val="dk1"/>
+                </a:effectRef>
+                <a:fontRef idx="minor">
+                  <a:schemeClr val="tx1"/>
+                </a:fontRef>
+              </p:style>
+            </p:cxnSp>
+          </p:grpSp>
+          <p:cxnSp>
+            <p:nvCxnSpPr>
+              <p:cNvPr id="18" name="直線矢印コネクタ 17">
+                <a:extLst>
+                  <a:ext uri="{FF2B5EF4-FFF2-40B4-BE49-F238E27FC236}">
+                    <a16:creationId xmlns:a16="http://schemas.microsoft.com/office/drawing/2014/main" id="{8F313BB0-86F9-DE6F-201B-619DA82DB93E}"/>
+                  </a:ext>
+                </a:extLst>
+              </p:cNvPr>
+              <p:cNvCxnSpPr>
+                <a:cxnSpLocks/>
+              </p:cNvCxnSpPr>
+              <p:nvPr/>
+            </p:nvCxnSpPr>
+            <p:spPr>
+              <a:xfrm flipH="1" flipV="1">
+                <a:off x="2119822" y="2177321"/>
+                <a:ext cx="556300" cy="1006794"/>
+              </a:xfrm>
+              <a:prstGeom prst="straightConnector1">
+                <a:avLst/>
+              </a:prstGeom>
+              <a:ln w="38100">
+                <a:tailEnd type="triangle"/>
+              </a:ln>
+            </p:spPr>
+            <p:style>
+              <a:lnRef idx="2">
+                <a:schemeClr val="dk1"/>
+              </a:lnRef>
+              <a:fillRef idx="0">
+                <a:schemeClr val="dk1"/>
+              </a:fillRef>
+              <a:effectRef idx="1">
+                <a:schemeClr val="dk1"/>
+              </a:effectRef>
+              <a:fontRef idx="minor">
+                <a:schemeClr val="tx1"/>
+              </a:fontRef>
+            </p:style>
+          </p:cxnSp>
+          <p:grpSp>
+            <p:nvGrpSpPr>
+              <p:cNvPr id="22" name="グループ化 21">
+                <a:extLst>
+                  <a:ext uri="{FF2B5EF4-FFF2-40B4-BE49-F238E27FC236}">
+                    <a16:creationId xmlns:a16="http://schemas.microsoft.com/office/drawing/2014/main" id="{48F831BC-9EB5-69DB-47D5-F3BFC80671ED}"/>
+                  </a:ext>
+                </a:extLst>
+              </p:cNvPr>
+              <p:cNvGrpSpPr/>
+              <p:nvPr/>
+            </p:nvGrpSpPr>
+            <p:grpSpPr>
+              <a:xfrm>
+                <a:off x="1690435" y="1523448"/>
+                <a:ext cx="324151" cy="324151"/>
+                <a:chOff x="5232099" y="1698944"/>
+                <a:chExt cx="914400" cy="914400"/>
+              </a:xfrm>
+            </p:grpSpPr>
+            <p:sp>
+              <p:nvSpPr>
+                <p:cNvPr id="23" name="楕円 22">
+                  <a:extLst>
+                    <a:ext uri="{FF2B5EF4-FFF2-40B4-BE49-F238E27FC236}">
+                      <a16:creationId xmlns:a16="http://schemas.microsoft.com/office/drawing/2014/main" id="{2EE5A788-FF0F-05E2-B0CC-AE57C8533703}"/>
+                    </a:ext>
+                  </a:extLst>
+                </p:cNvPr>
+                <p:cNvSpPr/>
+                <p:nvPr/>
+              </p:nvSpPr>
+              <p:spPr>
+                <a:xfrm>
+                  <a:off x="5232099" y="1698944"/>
+                  <a:ext cx="914400" cy="914400"/>
+                </a:xfrm>
+                <a:prstGeom prst="ellipse">
+                  <a:avLst/>
+                </a:prstGeom>
+                <a:solidFill>
+                  <a:schemeClr val="bg1"/>
+                </a:solidFill>
+                <a:ln w="28575"/>
+              </p:spPr>
+              <p:style>
+                <a:lnRef idx="2">
+                  <a:schemeClr val="accent1">
+                    <a:shade val="15000"/>
+                  </a:schemeClr>
+                </a:lnRef>
+                <a:fillRef idx="1">
+                  <a:schemeClr val="accent1"/>
+                </a:fillRef>
+                <a:effectRef idx="0">
+                  <a:schemeClr val="accent1"/>
+                </a:effectRef>
+                <a:fontRef idx="minor">
+                  <a:schemeClr val="lt1"/>
+                </a:fontRef>
+              </p:style>
+              <p:txBody>
+                <a:bodyPr rtlCol="0" anchor="ctr"/>
+                <a:lstStyle/>
+                <a:p>
+                  <a:pPr algn="ctr"/>
+                  <a:endParaRPr kumimoji="1" lang="ja-JP" altLang="en-US"/>
+                </a:p>
+              </p:txBody>
+            </p:sp>
+            <p:cxnSp>
+              <p:nvCxnSpPr>
+                <p:cNvPr id="24" name="直線コネクタ 23">
+                  <a:extLst>
+                    <a:ext uri="{FF2B5EF4-FFF2-40B4-BE49-F238E27FC236}">
+                      <a16:creationId xmlns:a16="http://schemas.microsoft.com/office/drawing/2014/main" id="{B330C045-80B2-7DEC-4C3F-2BD1FB01AA45}"/>
+                    </a:ext>
+                  </a:extLst>
+                </p:cNvPr>
+                <p:cNvCxnSpPr>
+                  <a:cxnSpLocks/>
+                </p:cNvCxnSpPr>
+                <p:nvPr/>
+              </p:nvCxnSpPr>
+              <p:spPr>
+                <a:xfrm rot="2700000">
+                  <a:off x="5232099" y="2156144"/>
+                  <a:ext cx="914400" cy="0"/>
+                </a:xfrm>
+                <a:prstGeom prst="line">
+                  <a:avLst/>
+                </a:prstGeom>
+                <a:ln w="38100"/>
+              </p:spPr>
+              <p:style>
+                <a:lnRef idx="2">
+                  <a:schemeClr val="dk1"/>
+                </a:lnRef>
+                <a:fillRef idx="0">
+                  <a:schemeClr val="dk1"/>
+                </a:fillRef>
+                <a:effectRef idx="1">
+                  <a:schemeClr val="dk1"/>
+                </a:effectRef>
+                <a:fontRef idx="minor">
+                  <a:schemeClr val="tx1"/>
+                </a:fontRef>
+              </p:style>
+            </p:cxnSp>
+            <p:cxnSp>
+              <p:nvCxnSpPr>
+                <p:cNvPr id="25" name="直線コネクタ 24">
+                  <a:extLst>
+                    <a:ext uri="{FF2B5EF4-FFF2-40B4-BE49-F238E27FC236}">
+                      <a16:creationId xmlns:a16="http://schemas.microsoft.com/office/drawing/2014/main" id="{905A8CB4-8DE9-3ACD-4C1F-75172BF9BAB8}"/>
+                    </a:ext>
+                  </a:extLst>
+                </p:cNvPr>
+                <p:cNvCxnSpPr>
+                  <a:cxnSpLocks/>
+                </p:cNvCxnSpPr>
+                <p:nvPr/>
+              </p:nvCxnSpPr>
+              <p:spPr>
+                <a:xfrm rot="18900000" flipH="1">
+                  <a:off x="5232099" y="2156144"/>
+                  <a:ext cx="914400" cy="0"/>
+                </a:xfrm>
+                <a:prstGeom prst="line">
+                  <a:avLst/>
+                </a:prstGeom>
+                <a:ln w="38100"/>
+              </p:spPr>
+              <p:style>
+                <a:lnRef idx="2">
+                  <a:schemeClr val="dk1"/>
+                </a:lnRef>
+                <a:fillRef idx="0">
+                  <a:schemeClr val="dk1"/>
+                </a:fillRef>
+                <a:effectRef idx="1">
+                  <a:schemeClr val="dk1"/>
+                </a:effectRef>
+                <a:fontRef idx="minor">
+                  <a:schemeClr val="tx1"/>
+                </a:fontRef>
+              </p:style>
+            </p:cxnSp>
+          </p:grpSp>
+          <mc:AlternateContent xmlns:mc="http://schemas.openxmlformats.org/markup-compatibility/2006">
+            <mc:Choice xmlns:a14="http://schemas.microsoft.com/office/drawing/2010/main" Requires="a14">
+              <p:sp>
+                <p:nvSpPr>
+                  <p:cNvPr id="27" name="テキスト ボックス 26">
+                    <a:extLst>
+                      <a:ext uri="{FF2B5EF4-FFF2-40B4-BE49-F238E27FC236}">
+                        <a16:creationId xmlns:a16="http://schemas.microsoft.com/office/drawing/2014/main" id="{51850350-2EE5-FB88-A8FC-738F9CE49CF8}"/>
+                      </a:ext>
+                    </a:extLst>
+                  </p:cNvPr>
+                  <p:cNvSpPr txBox="1"/>
+                  <p:nvPr/>
+                </p:nvSpPr>
+                <p:spPr>
+                  <a:xfrm flipH="1">
+                    <a:off x="2808845" y="2802083"/>
+                    <a:ext cx="387182" cy="369332"/>
+                  </a:xfrm>
+                  <a:prstGeom prst="rect">
+                    <a:avLst/>
+                  </a:prstGeom>
+                  <a:noFill/>
+                </p:spPr>
+                <p:txBody>
+                  <a:bodyPr wrap="square" rtlCol="0">
+                    <a:spAutoFit/>
+                  </a:bodyPr>
+                  <a:lstStyle/>
+                  <a:p>
+                    <a:pPr/>
+                    <a14:m>
+                      <m:oMathPara xmlns:m="http://schemas.openxmlformats.org/officeDocument/2006/math">
+                        <m:oMathParaPr>
+                          <m:jc m:val="centerGroup"/>
+                        </m:oMathParaPr>
+                        <m:oMath xmlns:m="http://schemas.openxmlformats.org/officeDocument/2006/math">
+                          <m:sSub>
+                            <m:sSubPr>
+                              <m:ctrlPr>
+                                <a:rPr kumimoji="1" lang="en-US" altLang="ja-JP" b="0" i="1" smtClean="0">
+                                  <a:latin typeface="Cambria Math" panose="02040503050406030204" pitchFamily="18" charset="0"/>
+                                </a:rPr>
+                              </m:ctrlPr>
+                            </m:sSubPr>
+                            <m:e>
+                              <m:r>
+                                <a:rPr kumimoji="1" lang="en-US" altLang="ja-JP" b="1" i="1" smtClean="0">
+                                  <a:latin typeface="Cambria Math" panose="02040503050406030204" pitchFamily="18" charset="0"/>
+                                </a:rPr>
+                                <m:t>𝝃</m:t>
+                              </m:r>
+                            </m:e>
+                            <m:sub>
+                              <m:r>
+                                <a:rPr kumimoji="1" lang="en-US" altLang="ja-JP" b="0" i="1" smtClean="0">
+                                  <a:latin typeface="Cambria Math" panose="02040503050406030204" pitchFamily="18" charset="0"/>
+                                </a:rPr>
+                                <m:t>𝑖</m:t>
+                              </m:r>
+                            </m:sub>
+                          </m:sSub>
+                        </m:oMath>
+                      </m:oMathPara>
+                    </a14:m>
+                    <a:endParaRPr kumimoji="1" lang="ja-JP" altLang="en-US" dirty="0"/>
+                  </a:p>
+                </p:txBody>
+              </p:sp>
+            </mc:Choice>
+            <mc:Fallback>
+              <p:sp>
+                <p:nvSpPr>
+                  <p:cNvPr id="27" name="テキスト ボックス 26">
+                    <a:extLst>
+                      <a:ext uri="{FF2B5EF4-FFF2-40B4-BE49-F238E27FC236}">
+                        <a16:creationId xmlns:a16="http://schemas.microsoft.com/office/drawing/2014/main" id="{51850350-2EE5-FB88-A8FC-738F9CE49CF8}"/>
+                      </a:ext>
+                    </a:extLst>
+                  </p:cNvPr>
+                  <p:cNvSpPr txBox="1">
+                    <a:spLocks noRot="1" noChangeAspect="1" noMove="1" noResize="1" noEditPoints="1" noAdjustHandles="1" noChangeArrowheads="1" noChangeShapeType="1" noTextEdit="1"/>
+                  </p:cNvSpPr>
+                  <p:nvPr/>
+                </p:nvSpPr>
+                <p:spPr>
+                  <a:xfrm flipH="1">
+                    <a:off x="2808845" y="2802083"/>
+                    <a:ext cx="387182" cy="369332"/>
+                  </a:xfrm>
+                  <a:prstGeom prst="rect">
+                    <a:avLst/>
+                  </a:prstGeom>
+                  <a:blipFill>
+                    <a:blip r:embed="rId6"/>
+                    <a:stretch>
+                      <a:fillRect l="-3175" b="-13333"/>
+                    </a:stretch>
+                  </a:blipFill>
+                </p:spPr>
+                <p:txBody>
+                  <a:bodyPr/>
+                  <a:lstStyle/>
+                  <a:p>
+                    <a:r>
+                      <a:rPr lang="ja-JP" altLang="en-US">
+                        <a:noFill/>
+                      </a:rPr>
+                      <a:t> </a:t>
+                    </a:r>
+                  </a:p>
+                </p:txBody>
+              </p:sp>
+            </mc:Fallback>
+          </mc:AlternateContent>
+          <mc:AlternateContent xmlns:mc="http://schemas.openxmlformats.org/markup-compatibility/2006">
+            <mc:Choice xmlns:a14="http://schemas.microsoft.com/office/drawing/2010/main" Requires="a14">
+              <p:sp>
+                <p:nvSpPr>
+                  <p:cNvPr id="28" name="テキスト ボックス 27">
+                    <a:extLst>
+                      <a:ext uri="{FF2B5EF4-FFF2-40B4-BE49-F238E27FC236}">
+                        <a16:creationId xmlns:a16="http://schemas.microsoft.com/office/drawing/2014/main" id="{8EB3BB71-2C41-8528-0483-9CDBA10149CD}"/>
+                      </a:ext>
+                    </a:extLst>
+                  </p:cNvPr>
+                  <p:cNvSpPr txBox="1"/>
+                  <p:nvPr/>
+                </p:nvSpPr>
+                <p:spPr>
+                  <a:xfrm flipH="1">
+                    <a:off x="2051814" y="1246656"/>
+                    <a:ext cx="556300" cy="369332"/>
+                  </a:xfrm>
+                  <a:prstGeom prst="rect">
+                    <a:avLst/>
+                  </a:prstGeom>
+                  <a:noFill/>
+                </p:spPr>
+                <p:txBody>
+                  <a:bodyPr wrap="square" rtlCol="0">
+                    <a:spAutoFit/>
+                  </a:bodyPr>
+                  <a:lstStyle/>
+                  <a:p>
+                    <a:pPr/>
+                    <a14:m>
+                      <m:oMathPara xmlns:m="http://schemas.openxmlformats.org/officeDocument/2006/math">
+                        <m:oMathParaPr>
+                          <m:jc m:val="centerGroup"/>
+                        </m:oMathParaPr>
+                        <m:oMath xmlns:m="http://schemas.openxmlformats.org/officeDocument/2006/math">
+                          <m:sSub>
+                            <m:sSubPr>
+                              <m:ctrlPr>
+                                <a:rPr kumimoji="1" lang="en-US" altLang="ja-JP" b="0" i="1" smtClean="0">
+                                  <a:latin typeface="Cambria Math" panose="02040503050406030204" pitchFamily="18" charset="0"/>
+                                </a:rPr>
+                              </m:ctrlPr>
+                            </m:sSubPr>
+                            <m:e>
+                              <m:r>
+                                <a:rPr kumimoji="1" lang="en-US" altLang="ja-JP" b="1" i="1" smtClean="0">
+                                  <a:latin typeface="Cambria Math" panose="02040503050406030204" pitchFamily="18" charset="0"/>
+                                </a:rPr>
+                                <m:t>𝝃</m:t>
+                              </m:r>
+                            </m:e>
+                            <m:sub>
+                              <m:r>
+                                <a:rPr kumimoji="1" lang="en-US" altLang="ja-JP" b="0" i="1" smtClean="0">
+                                  <a:latin typeface="Cambria Math" panose="02040503050406030204" pitchFamily="18" charset="0"/>
+                                </a:rPr>
+                                <m:t>𝑖</m:t>
+                              </m:r>
+                              <m:r>
+                                <a:rPr kumimoji="1" lang="en-US" altLang="ja-JP" b="0" i="1" smtClean="0">
+                                  <a:latin typeface="Cambria Math" panose="02040503050406030204" pitchFamily="18" charset="0"/>
+                                </a:rPr>
+                                <m:t>+1</m:t>
+                              </m:r>
+                            </m:sub>
+                          </m:sSub>
+                        </m:oMath>
+                      </m:oMathPara>
+                    </a14:m>
+                    <a:endParaRPr kumimoji="1" lang="ja-JP" altLang="en-US" dirty="0"/>
+                  </a:p>
+                </p:txBody>
+              </p:sp>
+            </mc:Choice>
+            <mc:Fallback>
+              <p:sp>
+                <p:nvSpPr>
+                  <p:cNvPr id="28" name="テキスト ボックス 27">
+                    <a:extLst>
+                      <a:ext uri="{FF2B5EF4-FFF2-40B4-BE49-F238E27FC236}">
+                        <a16:creationId xmlns:a16="http://schemas.microsoft.com/office/drawing/2014/main" id="{8EB3BB71-2C41-8528-0483-9CDBA10149CD}"/>
+                      </a:ext>
+                    </a:extLst>
+                  </p:cNvPr>
+                  <p:cNvSpPr txBox="1">
+                    <a:spLocks noRot="1" noChangeAspect="1" noMove="1" noResize="1" noEditPoints="1" noAdjustHandles="1" noChangeArrowheads="1" noChangeShapeType="1" noTextEdit="1"/>
+                  </p:cNvSpPr>
+                  <p:nvPr/>
+                </p:nvSpPr>
+                <p:spPr>
+                  <a:xfrm flipH="1">
+                    <a:off x="2051814" y="1246656"/>
+                    <a:ext cx="556300" cy="369332"/>
+                  </a:xfrm>
+                  <a:prstGeom prst="rect">
+                    <a:avLst/>
+                  </a:prstGeom>
+                  <a:blipFill>
+                    <a:blip r:embed="rId7"/>
+                    <a:stretch>
+                      <a:fillRect l="-3297" b="-13333"/>
+                    </a:stretch>
+                  </a:blipFill>
+                </p:spPr>
+                <p:txBody>
+                  <a:bodyPr/>
+                  <a:lstStyle/>
+                  <a:p>
+                    <a:r>
+                      <a:rPr lang="ja-JP" altLang="en-US">
+                        <a:noFill/>
+                      </a:rPr>
+                      <a:t> </a:t>
+                    </a:r>
+                  </a:p>
+                </p:txBody>
+              </p:sp>
+            </mc:Fallback>
+          </mc:AlternateContent>
+          <p:grpSp>
+            <p:nvGrpSpPr>
+              <p:cNvPr id="35" name="グループ化 34">
+                <a:extLst>
+                  <a:ext uri="{FF2B5EF4-FFF2-40B4-BE49-F238E27FC236}">
+                    <a16:creationId xmlns:a16="http://schemas.microsoft.com/office/drawing/2014/main" id="{74A30B66-2C3B-BCC0-71DC-A0A32D1970EB}"/>
+                  </a:ext>
+                </a:extLst>
+              </p:cNvPr>
+              <p:cNvGrpSpPr/>
+              <p:nvPr/>
+            </p:nvGrpSpPr>
+            <p:grpSpPr>
+              <a:xfrm>
+                <a:off x="1112682" y="1523448"/>
+                <a:ext cx="324151" cy="324151"/>
+                <a:chOff x="5232099" y="1698944"/>
+                <a:chExt cx="914400" cy="914400"/>
+              </a:xfrm>
+            </p:grpSpPr>
+            <p:sp>
+              <p:nvSpPr>
+                <p:cNvPr id="36" name="楕円 35">
+                  <a:extLst>
+                    <a:ext uri="{FF2B5EF4-FFF2-40B4-BE49-F238E27FC236}">
+                      <a16:creationId xmlns:a16="http://schemas.microsoft.com/office/drawing/2014/main" id="{18AFE62B-893A-E3D0-AB8A-89F16B15E42C}"/>
+                    </a:ext>
+                  </a:extLst>
+                </p:cNvPr>
+                <p:cNvSpPr/>
+                <p:nvPr/>
+              </p:nvSpPr>
+              <p:spPr>
+                <a:xfrm>
+                  <a:off x="5232099" y="1698944"/>
+                  <a:ext cx="914400" cy="914400"/>
+                </a:xfrm>
+                <a:prstGeom prst="ellipse">
+                  <a:avLst/>
+                </a:prstGeom>
+                <a:solidFill>
+                  <a:schemeClr val="bg1"/>
+                </a:solidFill>
+                <a:ln w="28575">
+                  <a:solidFill>
+                    <a:srgbClr val="00B0F0"/>
+                  </a:solidFill>
+                </a:ln>
+              </p:spPr>
+              <p:style>
+                <a:lnRef idx="2">
+                  <a:schemeClr val="accent1">
+                    <a:shade val="15000"/>
+                  </a:schemeClr>
+                </a:lnRef>
+                <a:fillRef idx="1">
+                  <a:schemeClr val="accent1"/>
+                </a:fillRef>
+                <a:effectRef idx="0">
+                  <a:schemeClr val="accent1"/>
+                </a:effectRef>
+                <a:fontRef idx="minor">
+                  <a:schemeClr val="lt1"/>
+                </a:fontRef>
+              </p:style>
+              <p:txBody>
+                <a:bodyPr rtlCol="0" anchor="ctr"/>
+                <a:lstStyle/>
+                <a:p>
+                  <a:pPr algn="ctr"/>
+                  <a:endParaRPr kumimoji="1" lang="ja-JP" altLang="en-US"/>
+                </a:p>
+              </p:txBody>
+            </p:sp>
+            <p:cxnSp>
+              <p:nvCxnSpPr>
+                <p:cNvPr id="37" name="直線コネクタ 36">
+                  <a:extLst>
+                    <a:ext uri="{FF2B5EF4-FFF2-40B4-BE49-F238E27FC236}">
+                      <a16:creationId xmlns:a16="http://schemas.microsoft.com/office/drawing/2014/main" id="{A5E70507-668D-2BF0-7C71-F068AAC1C3B9}"/>
+                    </a:ext>
+                  </a:extLst>
+                </p:cNvPr>
+                <p:cNvCxnSpPr>
+                  <a:cxnSpLocks/>
+                </p:cNvCxnSpPr>
+                <p:nvPr/>
+              </p:nvCxnSpPr>
+              <p:spPr>
+                <a:xfrm rot="2700000">
+                  <a:off x="5232099" y="2156144"/>
+                  <a:ext cx="914400" cy="0"/>
+                </a:xfrm>
+                <a:prstGeom prst="line">
+                  <a:avLst/>
+                </a:prstGeom>
+                <a:ln w="38100">
+                  <a:solidFill>
+                    <a:srgbClr val="00B0F0"/>
+                  </a:solidFill>
+                </a:ln>
+              </p:spPr>
+              <p:style>
+                <a:lnRef idx="2">
+                  <a:schemeClr val="dk1"/>
+                </a:lnRef>
+                <a:fillRef idx="0">
+                  <a:schemeClr val="dk1"/>
+                </a:fillRef>
+                <a:effectRef idx="1">
+                  <a:schemeClr val="dk1"/>
+                </a:effectRef>
+                <a:fontRef idx="minor">
+                  <a:schemeClr val="tx1"/>
+                </a:fontRef>
+              </p:style>
+            </p:cxnSp>
+            <p:cxnSp>
+              <p:nvCxnSpPr>
+                <p:cNvPr id="38" name="直線コネクタ 37">
+                  <a:extLst>
+                    <a:ext uri="{FF2B5EF4-FFF2-40B4-BE49-F238E27FC236}">
+                      <a16:creationId xmlns:a16="http://schemas.microsoft.com/office/drawing/2014/main" id="{2844D7EE-B86B-B3B1-68ED-39468D6393F0}"/>
+                    </a:ext>
+                  </a:extLst>
+                </p:cNvPr>
+                <p:cNvCxnSpPr>
+                  <a:cxnSpLocks/>
+                </p:cNvCxnSpPr>
+                <p:nvPr/>
+              </p:nvCxnSpPr>
+              <p:spPr>
+                <a:xfrm rot="18900000" flipH="1">
+                  <a:off x="5232099" y="2156144"/>
+                  <a:ext cx="914400" cy="0"/>
+                </a:xfrm>
+                <a:prstGeom prst="line">
+                  <a:avLst/>
+                </a:prstGeom>
+                <a:ln w="38100">
+                  <a:solidFill>
+                    <a:srgbClr val="00B0F0"/>
+                  </a:solidFill>
+                </a:ln>
+              </p:spPr>
+              <p:style>
+                <a:lnRef idx="2">
+                  <a:schemeClr val="dk1"/>
+                </a:lnRef>
+                <a:fillRef idx="0">
+                  <a:schemeClr val="dk1"/>
+                </a:fillRef>
+                <a:effectRef idx="1">
+                  <a:schemeClr val="dk1"/>
+                </a:effectRef>
+                <a:fontRef idx="minor">
+                  <a:schemeClr val="tx1"/>
+                </a:fontRef>
+              </p:style>
+            </p:cxnSp>
+          </p:grpSp>
+          <mc:AlternateContent xmlns:mc="http://schemas.openxmlformats.org/markup-compatibility/2006">
+            <mc:Choice xmlns:a14="http://schemas.microsoft.com/office/drawing/2010/main" Requires="a14">
+              <p:sp>
+                <p:nvSpPr>
+                  <p:cNvPr id="39" name="テキスト ボックス 38">
+                    <a:extLst>
+                      <a:ext uri="{FF2B5EF4-FFF2-40B4-BE49-F238E27FC236}">
+                        <a16:creationId xmlns:a16="http://schemas.microsoft.com/office/drawing/2014/main" id="{21A812CC-CF08-2A0F-7C1A-E1B0225F729C}"/>
+                      </a:ext>
+                    </a:extLst>
+                  </p:cNvPr>
+                  <p:cNvSpPr txBox="1"/>
+                  <p:nvPr/>
+                </p:nvSpPr>
+                <p:spPr>
+                  <a:xfrm flipH="1">
+                    <a:off x="460903" y="1246656"/>
+                    <a:ext cx="556300" cy="369332"/>
+                  </a:xfrm>
+                  <a:prstGeom prst="rect">
+                    <a:avLst/>
+                  </a:prstGeom>
+                  <a:noFill/>
+                </p:spPr>
+                <p:txBody>
+                  <a:bodyPr wrap="square" rtlCol="0">
+                    <a:spAutoFit/>
+                  </a:bodyPr>
+                  <a:lstStyle/>
+                  <a:p>
+                    <a:pPr/>
+                    <a14:m>
+                      <m:oMathPara xmlns:m="http://schemas.openxmlformats.org/officeDocument/2006/math">
+                        <m:oMathParaPr>
+                          <m:jc m:val="centerGroup"/>
+                        </m:oMathParaPr>
+                        <m:oMath xmlns:m="http://schemas.openxmlformats.org/officeDocument/2006/math">
+                          <m:sSub>
+                            <m:sSubPr>
+                              <m:ctrlPr>
+                                <a:rPr kumimoji="1" lang="en-US" altLang="ja-JP" b="0" i="1" smtClean="0">
+                                  <a:solidFill>
+                                    <a:srgbClr val="00B0F0"/>
+                                  </a:solidFill>
+                                  <a:latin typeface="Cambria Math" panose="02040503050406030204" pitchFamily="18" charset="0"/>
+                                </a:rPr>
+                              </m:ctrlPr>
+                            </m:sSubPr>
+                            <m:e>
+                              <m:r>
+                                <a:rPr kumimoji="1" lang="en-US" altLang="ja-JP" b="1" i="1" smtClean="0">
+                                  <a:solidFill>
+                                    <a:srgbClr val="00B0F0"/>
+                                  </a:solidFill>
+                                  <a:latin typeface="Cambria Math" panose="02040503050406030204" pitchFamily="18" charset="0"/>
+                                </a:rPr>
+                                <m:t>𝝃</m:t>
+                              </m:r>
+                            </m:e>
+                            <m:sub>
+                              <m:r>
+                                <a:rPr kumimoji="1" lang="en-US" altLang="ja-JP" b="0" i="1" smtClean="0">
+                                  <a:solidFill>
+                                    <a:srgbClr val="00B0F0"/>
+                                  </a:solidFill>
+                                  <a:latin typeface="Cambria Math" panose="02040503050406030204" pitchFamily="18" charset="0"/>
+                                </a:rPr>
+                                <m:t>𝑖</m:t>
+                              </m:r>
+                              <m:r>
+                                <a:rPr kumimoji="1" lang="en-US" altLang="ja-JP" b="0" i="1" smtClean="0">
+                                  <a:solidFill>
+                                    <a:srgbClr val="00B0F0"/>
+                                  </a:solidFill>
+                                  <a:latin typeface="Cambria Math" panose="02040503050406030204" pitchFamily="18" charset="0"/>
+                                </a:rPr>
+                                <m:t>+1</m:t>
+                              </m:r>
+                            </m:sub>
+                          </m:sSub>
+                        </m:oMath>
+                      </m:oMathPara>
+                    </a14:m>
+                    <a:endParaRPr kumimoji="1" lang="ja-JP" altLang="en-US" dirty="0">
+                      <a:solidFill>
+                        <a:srgbClr val="00B0F0"/>
+                      </a:solidFill>
+                    </a:endParaRPr>
+                  </a:p>
+                </p:txBody>
+              </p:sp>
+            </mc:Choice>
+            <mc:Fallback>
+              <p:sp>
+                <p:nvSpPr>
+                  <p:cNvPr id="39" name="テキスト ボックス 38">
+                    <a:extLst>
+                      <a:ext uri="{FF2B5EF4-FFF2-40B4-BE49-F238E27FC236}">
+                        <a16:creationId xmlns:a16="http://schemas.microsoft.com/office/drawing/2014/main" id="{21A812CC-CF08-2A0F-7C1A-E1B0225F729C}"/>
+                      </a:ext>
+                    </a:extLst>
+                  </p:cNvPr>
+                  <p:cNvSpPr txBox="1">
+                    <a:spLocks noRot="1" noChangeAspect="1" noMove="1" noResize="1" noEditPoints="1" noAdjustHandles="1" noChangeArrowheads="1" noChangeShapeType="1" noTextEdit="1"/>
+                  </p:cNvSpPr>
+                  <p:nvPr/>
+                </p:nvSpPr>
+                <p:spPr>
+                  <a:xfrm flipH="1">
+                    <a:off x="460903" y="1246656"/>
+                    <a:ext cx="556300" cy="369332"/>
+                  </a:xfrm>
+                  <a:prstGeom prst="rect">
+                    <a:avLst/>
+                  </a:prstGeom>
+                  <a:blipFill>
+                    <a:blip r:embed="rId8"/>
+                    <a:stretch>
+                      <a:fillRect l="-3297" b="-13333"/>
+                    </a:stretch>
+                  </a:blipFill>
+                </p:spPr>
+                <p:txBody>
+                  <a:bodyPr/>
+                  <a:lstStyle/>
+                  <a:p>
+                    <a:r>
+                      <a:rPr lang="ja-JP" altLang="en-US">
+                        <a:noFill/>
+                      </a:rPr>
+                      <a:t> </a:t>
+                    </a:r>
+                  </a:p>
+                </p:txBody>
+              </p:sp>
+            </mc:Fallback>
+          </mc:AlternateContent>
+          <p:sp>
+            <p:nvSpPr>
+              <p:cNvPr id="56" name="フローチャート: 結合子 55">
+                <a:extLst>
+                  <a:ext uri="{FF2B5EF4-FFF2-40B4-BE49-F238E27FC236}">
+                    <a16:creationId xmlns:a16="http://schemas.microsoft.com/office/drawing/2014/main" id="{EC529390-E8BF-AB85-3E2D-2BCB2D71A912}"/>
+                  </a:ext>
+                </a:extLst>
+              </p:cNvPr>
+              <p:cNvSpPr/>
+              <p:nvPr/>
+            </p:nvSpPr>
+            <p:spPr>
+              <a:xfrm rot="16200000">
+                <a:off x="3309159" y="3986926"/>
+                <a:ext cx="119034" cy="119034"/>
+              </a:xfrm>
+              <a:prstGeom prst="flowChartConnector">
+                <a:avLst/>
+              </a:prstGeom>
+              <a:solidFill>
+                <a:schemeClr val="accent4">
+                  <a:lumMod val="20000"/>
+                  <a:lumOff val="80000"/>
+                </a:schemeClr>
+              </a:solidFill>
+              <a:ln>
+                <a:solidFill>
+                  <a:srgbClr val="00B0F0"/>
+                </a:solidFill>
+              </a:ln>
+            </p:spPr>
+            <p:style>
+              <a:lnRef idx="2">
+                <a:schemeClr val="dk1">
+                  <a:shade val="15000"/>
+                </a:schemeClr>
+              </a:lnRef>
+              <a:fillRef idx="1">
+                <a:schemeClr val="dk1"/>
+              </a:fillRef>
+              <a:effectRef idx="0">
+                <a:schemeClr val="dk1"/>
+              </a:effectRef>
+              <a:fontRef idx="minor">
+                <a:schemeClr val="lt1"/>
+              </a:fontRef>
+            </p:style>
+            <p:txBody>
+              <a:bodyPr rtlCol="0" anchor="ctr"/>
+              <a:lstStyle/>
+              <a:p>
+                <a:pPr algn="ctr"/>
+                <a:endParaRPr kumimoji="1" lang="ja-JP" altLang="en-US"/>
+              </a:p>
+            </p:txBody>
+          </p:sp>
+          <mc:AlternateContent xmlns:mc="http://schemas.openxmlformats.org/markup-compatibility/2006">
+            <mc:Choice xmlns:a14="http://schemas.microsoft.com/office/drawing/2010/main" Requires="a14">
+              <p:sp>
+                <p:nvSpPr>
+                  <p:cNvPr id="61" name="テキスト ボックス 60">
+                    <a:extLst>
+                      <a:ext uri="{FF2B5EF4-FFF2-40B4-BE49-F238E27FC236}">
+                        <a16:creationId xmlns:a16="http://schemas.microsoft.com/office/drawing/2014/main" id="{6EF17FE3-92A2-FA15-671E-AC93FB9DF8D6}"/>
+                      </a:ext>
+                    </a:extLst>
+                  </p:cNvPr>
+                  <p:cNvSpPr txBox="1"/>
+                  <p:nvPr/>
+                </p:nvSpPr>
+                <p:spPr>
+                  <a:xfrm flipH="1">
+                    <a:off x="3559144" y="3836003"/>
+                    <a:ext cx="387182" cy="369332"/>
+                  </a:xfrm>
+                  <a:prstGeom prst="rect">
+                    <a:avLst/>
+                  </a:prstGeom>
+                  <a:noFill/>
+                </p:spPr>
+                <p:txBody>
+                  <a:bodyPr wrap="square" rtlCol="0">
+                    <a:spAutoFit/>
+                  </a:bodyPr>
+                  <a:lstStyle/>
+                  <a:p>
+                    <a:pPr/>
+                    <a14:m>
+                      <m:oMathPara xmlns:m="http://schemas.openxmlformats.org/officeDocument/2006/math">
+                        <m:oMathParaPr>
+                          <m:jc m:val="centerGroup"/>
+                        </m:oMathParaPr>
+                        <m:oMath xmlns:m="http://schemas.openxmlformats.org/officeDocument/2006/math">
                           <m:r>
                             <a:rPr kumimoji="1" lang="en-US" altLang="ja-JP" b="0" i="1" smtClean="0">
                               <a:solidFill>
@@ -6690,1242 +7928,67 @@
                               </a:solidFill>
                               <a:latin typeface="Cambria Math" panose="02040503050406030204" pitchFamily="18" charset="0"/>
                             </a:rPr>
-                            <m:t>𝑖</m:t>
+                            <m:t>𝑝</m:t>
                           </m:r>
-                          <m:r>
-                            <a:rPr kumimoji="1" lang="en-US" altLang="ja-JP" b="0" i="1" smtClean="0">
-                              <a:solidFill>
-                                <a:srgbClr val="00B0F0"/>
-                              </a:solidFill>
-                              <a:latin typeface="Cambria Math" panose="02040503050406030204" pitchFamily="18" charset="0"/>
-                            </a:rPr>
-                            <m:t>+1</m:t>
-                          </m:r>
-                        </m:sub>
-                      </m:sSub>
-                    </m:oMath>
-                  </m:oMathPara>
-                </a14:m>
-                <a:endParaRPr kumimoji="1" lang="ja-JP" altLang="en-US" dirty="0">
-                  <a:solidFill>
-                    <a:srgbClr val="00B0F0"/>
-                  </a:solidFill>
-                </a:endParaRPr>
-              </a:p>
-            </p:txBody>
-          </p:sp>
-        </mc:Choice>
-        <mc:Fallback>
-          <p:sp>
-            <p:nvSpPr>
-              <p:cNvPr id="39" name="テキスト ボックス 38">
-                <a:extLst>
-                  <a:ext uri="{FF2B5EF4-FFF2-40B4-BE49-F238E27FC236}">
-                    <a16:creationId xmlns:a16="http://schemas.microsoft.com/office/drawing/2014/main" id="{21A812CC-CF08-2A0F-7C1A-E1B0225F729C}"/>
-                  </a:ext>
-                </a:extLst>
-              </p:cNvPr>
-              <p:cNvSpPr txBox="1">
-                <a:spLocks noRot="1" noChangeAspect="1" noMove="1" noResize="1" noEditPoints="1" noAdjustHandles="1" noChangeArrowheads="1" noChangeShapeType="1" noTextEdit="1"/>
-              </p:cNvSpPr>
-              <p:nvPr/>
-            </p:nvSpPr>
-            <p:spPr>
-              <a:xfrm flipH="1">
-                <a:off x="460903" y="1453198"/>
-                <a:ext cx="556300" cy="369332"/>
-              </a:xfrm>
-              <a:prstGeom prst="rect">
-                <a:avLst/>
-              </a:prstGeom>
-              <a:blipFill>
-                <a:blip r:embed="rId5"/>
-                <a:stretch>
-                  <a:fillRect l="-3297" b="-13115"/>
-                </a:stretch>
-              </a:blipFill>
-            </p:spPr>
-            <p:txBody>
-              <a:bodyPr/>
-              <a:lstStyle/>
-              <a:p>
-                <a:r>
-                  <a:rPr lang="ja-JP" altLang="en-US">
-                    <a:noFill/>
-                  </a:rPr>
-                  <a:t> </a:t>
-                </a:r>
-              </a:p>
-            </p:txBody>
-          </p:sp>
-        </mc:Fallback>
-      </mc:AlternateContent>
-      <p:grpSp>
-        <p:nvGrpSpPr>
-          <p:cNvPr id="40" name="グループ化 39">
-            <a:extLst>
-              <a:ext uri="{FF2B5EF4-FFF2-40B4-BE49-F238E27FC236}">
-                <a16:creationId xmlns:a16="http://schemas.microsoft.com/office/drawing/2014/main" id="{DC1F2409-2C7A-B5B5-E97B-61526AA26433}"/>
-              </a:ext>
-            </a:extLst>
-          </p:cNvPr>
-          <p:cNvGrpSpPr/>
-          <p:nvPr/>
-        </p:nvGrpSpPr>
-        <p:grpSpPr>
-          <a:xfrm rot="16200000">
-            <a:off x="9023155" y="4025335"/>
-            <a:ext cx="720000" cy="360000"/>
-            <a:chOff x="1613631" y="2409000"/>
-            <a:chExt cx="720000" cy="360000"/>
-          </a:xfrm>
-        </p:grpSpPr>
-        <p:sp>
-          <p:nvSpPr>
-            <p:cNvPr id="41" name="正方形/長方形 40">
-              <a:extLst>
-                <a:ext uri="{FF2B5EF4-FFF2-40B4-BE49-F238E27FC236}">
-                  <a16:creationId xmlns:a16="http://schemas.microsoft.com/office/drawing/2014/main" id="{A850022B-E07C-8D3E-AD67-2C0B47A9C0CA}"/>
-                </a:ext>
-              </a:extLst>
-            </p:cNvPr>
-            <p:cNvSpPr/>
-            <p:nvPr/>
-          </p:nvSpPr>
-          <p:spPr>
-            <a:xfrm rot="16200000">
-              <a:off x="1793631" y="2229000"/>
-              <a:ext cx="360000" cy="720000"/>
-            </a:xfrm>
-            <a:prstGeom prst="rect">
-              <a:avLst/>
-            </a:prstGeom>
-            <a:solidFill>
-              <a:schemeClr val="bg1"/>
-            </a:solidFill>
-            <a:ln w="28575">
-              <a:solidFill>
-                <a:schemeClr val="tx1"/>
-              </a:solidFill>
-            </a:ln>
-          </p:spPr>
-          <p:style>
-            <a:lnRef idx="2">
-              <a:schemeClr val="accent1">
-                <a:shade val="15000"/>
-              </a:schemeClr>
-            </a:lnRef>
-            <a:fillRef idx="1">
-              <a:schemeClr val="accent1"/>
-            </a:fillRef>
-            <a:effectRef idx="0">
-              <a:schemeClr val="accent1"/>
-            </a:effectRef>
-            <a:fontRef idx="minor">
-              <a:schemeClr val="lt1"/>
-            </a:fontRef>
-          </p:style>
-          <p:txBody>
-            <a:bodyPr rtlCol="0" anchor="ctr"/>
-            <a:lstStyle/>
-            <a:p>
-              <a:pPr algn="ctr"/>
-              <a:endParaRPr kumimoji="1" lang="ja-JP" altLang="en-US"/>
-            </a:p>
-          </p:txBody>
-        </p:sp>
-        <p:sp>
-          <p:nvSpPr>
-            <p:cNvPr id="42" name="フローチャート: 結合子 41">
-              <a:extLst>
-                <a:ext uri="{FF2B5EF4-FFF2-40B4-BE49-F238E27FC236}">
-                  <a16:creationId xmlns:a16="http://schemas.microsoft.com/office/drawing/2014/main" id="{4C14189B-5A3A-5677-3866-82F086ED1DDF}"/>
-                </a:ext>
-              </a:extLst>
-            </p:cNvPr>
-            <p:cNvSpPr/>
-            <p:nvPr/>
-          </p:nvSpPr>
-          <p:spPr>
-            <a:xfrm>
-              <a:off x="1751346" y="2529482"/>
-              <a:ext cx="119034" cy="119034"/>
-            </a:xfrm>
-            <a:prstGeom prst="flowChartConnector">
-              <a:avLst/>
-            </a:prstGeom>
-          </p:spPr>
-          <p:style>
-            <a:lnRef idx="2">
-              <a:schemeClr val="dk1">
-                <a:shade val="15000"/>
-              </a:schemeClr>
-            </a:lnRef>
-            <a:fillRef idx="1">
-              <a:schemeClr val="dk1"/>
-            </a:fillRef>
-            <a:effectRef idx="0">
-              <a:schemeClr val="dk1"/>
-            </a:effectRef>
-            <a:fontRef idx="minor">
-              <a:schemeClr val="lt1"/>
-            </a:fontRef>
-          </p:style>
-          <p:txBody>
-            <a:bodyPr rtlCol="0" anchor="ctr"/>
-            <a:lstStyle/>
-            <a:p>
-              <a:pPr algn="ctr"/>
-              <a:endParaRPr kumimoji="1" lang="ja-JP" altLang="en-US"/>
-            </a:p>
-          </p:txBody>
-        </p:sp>
+                        </m:oMath>
+                      </m:oMathPara>
+                    </a14:m>
+                    <a:endParaRPr kumimoji="1" lang="ja-JP" altLang="en-US" dirty="0">
+                      <a:solidFill>
+                        <a:srgbClr val="00B0F0"/>
+                      </a:solidFill>
+                    </a:endParaRPr>
+                  </a:p>
+                </p:txBody>
+              </p:sp>
+            </mc:Choice>
+            <mc:Fallback>
+              <p:sp>
+                <p:nvSpPr>
+                  <p:cNvPr id="61" name="テキスト ボックス 60">
+                    <a:extLst>
+                      <a:ext uri="{FF2B5EF4-FFF2-40B4-BE49-F238E27FC236}">
+                        <a16:creationId xmlns:a16="http://schemas.microsoft.com/office/drawing/2014/main" id="{6EF17FE3-92A2-FA15-671E-AC93FB9DF8D6}"/>
+                      </a:ext>
+                    </a:extLst>
+                  </p:cNvPr>
+                  <p:cNvSpPr txBox="1">
+                    <a:spLocks noRot="1" noChangeAspect="1" noMove="1" noResize="1" noEditPoints="1" noAdjustHandles="1" noChangeArrowheads="1" noChangeShapeType="1" noTextEdit="1"/>
+                  </p:cNvSpPr>
+                  <p:nvPr/>
+                </p:nvSpPr>
+                <p:spPr>
+                  <a:xfrm flipH="1">
+                    <a:off x="3559144" y="3836003"/>
+                    <a:ext cx="387182" cy="369332"/>
+                  </a:xfrm>
+                  <a:prstGeom prst="rect">
+                    <a:avLst/>
+                  </a:prstGeom>
+                  <a:blipFill>
+                    <a:blip r:embed="rId9"/>
+                    <a:stretch>
+                      <a:fillRect b="-6557"/>
+                    </a:stretch>
+                  </a:blipFill>
+                </p:spPr>
+                <p:txBody>
+                  <a:bodyPr/>
+                  <a:lstStyle/>
+                  <a:p>
+                    <a:r>
+                      <a:rPr lang="ja-JP" altLang="en-US">
+                        <a:noFill/>
+                      </a:rPr>
+                      <a:t> </a:t>
+                    </a:r>
+                  </a:p>
+                </p:txBody>
+              </p:sp>
+            </mc:Fallback>
+          </mc:AlternateContent>
+        </p:grpSp>
       </p:grpSp>
-      <mc:AlternateContent xmlns:mc="http://schemas.openxmlformats.org/markup-compatibility/2006">
-        <mc:Choice xmlns:a14="http://schemas.microsoft.com/office/drawing/2010/main" Requires="a14">
-          <p:sp>
-            <p:nvSpPr>
-              <p:cNvPr id="43" name="テキスト ボックス 42">
-                <a:extLst>
-                  <a:ext uri="{FF2B5EF4-FFF2-40B4-BE49-F238E27FC236}">
-                    <a16:creationId xmlns:a16="http://schemas.microsoft.com/office/drawing/2014/main" id="{85ACEC06-9A47-77DC-2C4C-07345E927A4E}"/>
-                  </a:ext>
-                </a:extLst>
-              </p:cNvPr>
-              <p:cNvSpPr txBox="1"/>
-              <p:nvPr/>
-            </p:nvSpPr>
-            <p:spPr>
-              <a:xfrm flipH="1">
-                <a:off x="9563154" y="4380669"/>
-                <a:ext cx="387182" cy="369332"/>
-              </a:xfrm>
-              <a:prstGeom prst="rect">
-                <a:avLst/>
-              </a:prstGeom>
-              <a:noFill/>
-            </p:spPr>
-            <p:txBody>
-              <a:bodyPr wrap="square" rtlCol="0">
-                <a:spAutoFit/>
-              </a:bodyPr>
-              <a:lstStyle/>
-              <a:p>
-                <a:pPr/>
-                <a14:m>
-                  <m:oMathPara xmlns:m="http://schemas.openxmlformats.org/officeDocument/2006/math">
-                    <m:oMathParaPr>
-                      <m:jc m:val="centerGroup"/>
-                    </m:oMathParaPr>
-                    <m:oMath xmlns:m="http://schemas.openxmlformats.org/officeDocument/2006/math">
-                      <m:r>
-                        <a:rPr kumimoji="1" lang="en-US" altLang="ja-JP" b="0" i="1" smtClean="0">
-                          <a:latin typeface="Cambria Math" panose="02040503050406030204" pitchFamily="18" charset="0"/>
-                        </a:rPr>
-                        <m:t>𝑝</m:t>
-                      </m:r>
-                    </m:oMath>
-                  </m:oMathPara>
-                </a14:m>
-                <a:endParaRPr kumimoji="1" lang="ja-JP" altLang="en-US" dirty="0"/>
-              </a:p>
-            </p:txBody>
-          </p:sp>
-        </mc:Choice>
-        <mc:Fallback>
-          <p:sp>
-            <p:nvSpPr>
-              <p:cNvPr id="43" name="テキスト ボックス 42">
-                <a:extLst>
-                  <a:ext uri="{FF2B5EF4-FFF2-40B4-BE49-F238E27FC236}">
-                    <a16:creationId xmlns:a16="http://schemas.microsoft.com/office/drawing/2014/main" id="{85ACEC06-9A47-77DC-2C4C-07345E927A4E}"/>
-                  </a:ext>
-                </a:extLst>
-              </p:cNvPr>
-              <p:cNvSpPr txBox="1">
-                <a:spLocks noRot="1" noChangeAspect="1" noMove="1" noResize="1" noEditPoints="1" noAdjustHandles="1" noChangeArrowheads="1" noChangeShapeType="1" noTextEdit="1"/>
-              </p:cNvSpPr>
-              <p:nvPr/>
-            </p:nvSpPr>
-            <p:spPr>
-              <a:xfrm flipH="1">
-                <a:off x="9563154" y="4380669"/>
-                <a:ext cx="387182" cy="369332"/>
-              </a:xfrm>
-              <a:prstGeom prst="rect">
-                <a:avLst/>
-              </a:prstGeom>
-              <a:blipFill>
-                <a:blip r:embed="rId6"/>
-                <a:stretch>
-                  <a:fillRect b="-6667"/>
-                </a:stretch>
-              </a:blipFill>
-            </p:spPr>
-            <p:txBody>
-              <a:bodyPr/>
-              <a:lstStyle/>
-              <a:p>
-                <a:r>
-                  <a:rPr lang="ja-JP" altLang="en-US">
-                    <a:noFill/>
-                  </a:rPr>
-                  <a:t> </a:t>
-                </a:r>
-              </a:p>
-            </p:txBody>
-          </p:sp>
-        </mc:Fallback>
-      </mc:AlternateContent>
-      <p:cxnSp>
-        <p:nvCxnSpPr>
-          <p:cNvPr id="44" name="直線コネクタ 43">
-            <a:extLst>
-              <a:ext uri="{FF2B5EF4-FFF2-40B4-BE49-F238E27FC236}">
-                <a16:creationId xmlns:a16="http://schemas.microsoft.com/office/drawing/2014/main" id="{705C8E8A-DBBC-18BD-761B-DA7A26828C04}"/>
-              </a:ext>
-            </a:extLst>
-          </p:cNvPr>
-          <p:cNvCxnSpPr>
-            <a:cxnSpLocks/>
-          </p:cNvCxnSpPr>
-          <p:nvPr/>
-        </p:nvCxnSpPr>
-        <p:spPr>
-          <a:xfrm flipH="1" flipV="1">
-            <a:off x="7302213" y="649182"/>
-            <a:ext cx="2021424" cy="3601239"/>
-          </a:xfrm>
-          <a:prstGeom prst="line">
-            <a:avLst/>
-          </a:prstGeom>
-          <a:ln>
-            <a:prstDash val="dash"/>
-          </a:ln>
-        </p:spPr>
-        <p:style>
-          <a:lnRef idx="2">
-            <a:schemeClr val="dk1"/>
-          </a:lnRef>
-          <a:fillRef idx="0">
-            <a:schemeClr val="dk1"/>
-          </a:fillRef>
-          <a:effectRef idx="1">
-            <a:schemeClr val="dk1"/>
-          </a:effectRef>
-          <a:fontRef idx="minor">
-            <a:schemeClr val="tx1"/>
-          </a:fontRef>
-        </p:style>
-      </p:cxnSp>
-      <p:grpSp>
-        <p:nvGrpSpPr>
-          <p:cNvPr id="45" name="グループ化 44">
-            <a:extLst>
-              <a:ext uri="{FF2B5EF4-FFF2-40B4-BE49-F238E27FC236}">
-                <a16:creationId xmlns:a16="http://schemas.microsoft.com/office/drawing/2014/main" id="{EAFE98A8-39F6-D0CD-2C70-868BB4E7FA73}"/>
-              </a:ext>
-            </a:extLst>
-          </p:cNvPr>
-          <p:cNvGrpSpPr/>
-          <p:nvPr/>
-        </p:nvGrpSpPr>
-        <p:grpSpPr>
-          <a:xfrm>
-            <a:off x="8606062" y="3134958"/>
-            <a:ext cx="324151" cy="324151"/>
-            <a:chOff x="5232099" y="1698944"/>
-            <a:chExt cx="914400" cy="914400"/>
-          </a:xfrm>
-        </p:grpSpPr>
-        <p:sp>
-          <p:nvSpPr>
-            <p:cNvPr id="46" name="楕円 45">
-              <a:extLst>
-                <a:ext uri="{FF2B5EF4-FFF2-40B4-BE49-F238E27FC236}">
-                  <a16:creationId xmlns:a16="http://schemas.microsoft.com/office/drawing/2014/main" id="{D59B36F6-A5CE-2E02-F1AD-67AECDE155CA}"/>
-                </a:ext>
-              </a:extLst>
-            </p:cNvPr>
-            <p:cNvSpPr/>
-            <p:nvPr/>
-          </p:nvSpPr>
-          <p:spPr>
-            <a:xfrm>
-              <a:off x="5232099" y="1698944"/>
-              <a:ext cx="914400" cy="914400"/>
-            </a:xfrm>
-            <a:prstGeom prst="ellipse">
-              <a:avLst/>
-            </a:prstGeom>
-            <a:solidFill>
-              <a:schemeClr val="bg1"/>
-            </a:solidFill>
-            <a:ln w="28575">
-              <a:solidFill>
-                <a:schemeClr val="bg1">
-                  <a:lumMod val="75000"/>
-                </a:schemeClr>
-              </a:solidFill>
-              <a:prstDash val="solid"/>
-            </a:ln>
-          </p:spPr>
-          <p:style>
-            <a:lnRef idx="2">
-              <a:schemeClr val="accent1">
-                <a:shade val="15000"/>
-              </a:schemeClr>
-            </a:lnRef>
-            <a:fillRef idx="1">
-              <a:schemeClr val="accent1"/>
-            </a:fillRef>
-            <a:effectRef idx="0">
-              <a:schemeClr val="accent1"/>
-            </a:effectRef>
-            <a:fontRef idx="minor">
-              <a:schemeClr val="lt1"/>
-            </a:fontRef>
-          </p:style>
-          <p:txBody>
-            <a:bodyPr rtlCol="0" anchor="ctr"/>
-            <a:lstStyle/>
-            <a:p>
-              <a:pPr algn="ctr"/>
-              <a:endParaRPr kumimoji="1" lang="ja-JP" altLang="en-US"/>
-            </a:p>
-          </p:txBody>
-        </p:sp>
-        <p:cxnSp>
-          <p:nvCxnSpPr>
-            <p:cNvPr id="47" name="直線コネクタ 46">
-              <a:extLst>
-                <a:ext uri="{FF2B5EF4-FFF2-40B4-BE49-F238E27FC236}">
-                  <a16:creationId xmlns:a16="http://schemas.microsoft.com/office/drawing/2014/main" id="{787AE96C-F589-7B55-F812-9F01454943F6}"/>
-                </a:ext>
-              </a:extLst>
-            </p:cNvPr>
-            <p:cNvCxnSpPr>
-              <a:cxnSpLocks/>
-            </p:cNvCxnSpPr>
-            <p:nvPr/>
-          </p:nvCxnSpPr>
-          <p:spPr>
-            <a:xfrm rot="2700000">
-              <a:off x="5232099" y="2156144"/>
-              <a:ext cx="914400" cy="0"/>
-            </a:xfrm>
-            <a:prstGeom prst="line">
-              <a:avLst/>
-            </a:prstGeom>
-            <a:ln w="38100">
-              <a:solidFill>
-                <a:schemeClr val="bg1">
-                  <a:lumMod val="75000"/>
-                </a:schemeClr>
-              </a:solidFill>
-              <a:prstDash val="solid"/>
-            </a:ln>
-          </p:spPr>
-          <p:style>
-            <a:lnRef idx="2">
-              <a:schemeClr val="dk1"/>
-            </a:lnRef>
-            <a:fillRef idx="0">
-              <a:schemeClr val="dk1"/>
-            </a:fillRef>
-            <a:effectRef idx="1">
-              <a:schemeClr val="dk1"/>
-            </a:effectRef>
-            <a:fontRef idx="minor">
-              <a:schemeClr val="tx1"/>
-            </a:fontRef>
-          </p:style>
-        </p:cxnSp>
-        <p:cxnSp>
-          <p:nvCxnSpPr>
-            <p:cNvPr id="48" name="直線コネクタ 47">
-              <a:extLst>
-                <a:ext uri="{FF2B5EF4-FFF2-40B4-BE49-F238E27FC236}">
-                  <a16:creationId xmlns:a16="http://schemas.microsoft.com/office/drawing/2014/main" id="{1BD1F81E-71FF-4CB9-A442-BD5CBA095007}"/>
-                </a:ext>
-              </a:extLst>
-            </p:cNvPr>
-            <p:cNvCxnSpPr>
-              <a:cxnSpLocks/>
-            </p:cNvCxnSpPr>
-            <p:nvPr/>
-          </p:nvCxnSpPr>
-          <p:spPr>
-            <a:xfrm rot="18900000" flipH="1">
-              <a:off x="5232099" y="2156144"/>
-              <a:ext cx="914400" cy="0"/>
-            </a:xfrm>
-            <a:prstGeom prst="line">
-              <a:avLst/>
-            </a:prstGeom>
-            <a:ln w="38100">
-              <a:solidFill>
-                <a:schemeClr val="bg1">
-                  <a:lumMod val="75000"/>
-                </a:schemeClr>
-              </a:solidFill>
-              <a:prstDash val="solid"/>
-            </a:ln>
-          </p:spPr>
-          <p:style>
-            <a:lnRef idx="2">
-              <a:schemeClr val="dk1"/>
-            </a:lnRef>
-            <a:fillRef idx="0">
-              <a:schemeClr val="dk1"/>
-            </a:fillRef>
-            <a:effectRef idx="1">
-              <a:schemeClr val="dk1"/>
-            </a:effectRef>
-            <a:fontRef idx="minor">
-              <a:schemeClr val="tx1"/>
-            </a:fontRef>
-          </p:style>
-        </p:cxnSp>
-      </p:grpSp>
-      <p:cxnSp>
-        <p:nvCxnSpPr>
-          <p:cNvPr id="49" name="直線矢印コネクタ 48">
-            <a:extLst>
-              <a:ext uri="{FF2B5EF4-FFF2-40B4-BE49-F238E27FC236}">
-                <a16:creationId xmlns:a16="http://schemas.microsoft.com/office/drawing/2014/main" id="{99C1AF9A-1EEA-5BF9-C89D-6DA313CD433D}"/>
-              </a:ext>
-            </a:extLst>
-          </p:cNvPr>
-          <p:cNvCxnSpPr>
-            <a:cxnSpLocks/>
-          </p:cNvCxnSpPr>
-          <p:nvPr/>
-        </p:nvCxnSpPr>
-        <p:spPr>
-          <a:xfrm flipH="1" flipV="1">
-            <a:off x="8134300" y="2140864"/>
-            <a:ext cx="556300" cy="1006794"/>
-          </a:xfrm>
-          <a:prstGeom prst="straightConnector1">
-            <a:avLst/>
-          </a:prstGeom>
-          <a:ln w="38100">
-            <a:tailEnd type="triangle"/>
-          </a:ln>
-        </p:spPr>
-        <p:style>
-          <a:lnRef idx="2">
-            <a:schemeClr val="dk1"/>
-          </a:lnRef>
-          <a:fillRef idx="0">
-            <a:schemeClr val="dk1"/>
-          </a:fillRef>
-          <a:effectRef idx="1">
-            <a:schemeClr val="dk1"/>
-          </a:effectRef>
-          <a:fontRef idx="minor">
-            <a:schemeClr val="tx1"/>
-          </a:fontRef>
-        </p:style>
-      </p:cxnSp>
-      <p:grpSp>
-        <p:nvGrpSpPr>
-          <p:cNvPr id="50" name="グループ化 49">
-            <a:extLst>
-              <a:ext uri="{FF2B5EF4-FFF2-40B4-BE49-F238E27FC236}">
-                <a16:creationId xmlns:a16="http://schemas.microsoft.com/office/drawing/2014/main" id="{76F6CEF6-5766-C46D-F527-4DF48148C948}"/>
-              </a:ext>
-            </a:extLst>
-          </p:cNvPr>
-          <p:cNvGrpSpPr/>
-          <p:nvPr/>
-        </p:nvGrpSpPr>
-        <p:grpSpPr>
-          <a:xfrm>
-            <a:off x="7704913" y="1512059"/>
-            <a:ext cx="324151" cy="324151"/>
-            <a:chOff x="5232099" y="1698944"/>
-            <a:chExt cx="914400" cy="914400"/>
-          </a:xfrm>
-        </p:grpSpPr>
-        <p:sp>
-          <p:nvSpPr>
-            <p:cNvPr id="51" name="楕円 50">
-              <a:extLst>
-                <a:ext uri="{FF2B5EF4-FFF2-40B4-BE49-F238E27FC236}">
-                  <a16:creationId xmlns:a16="http://schemas.microsoft.com/office/drawing/2014/main" id="{45F55F1B-A07B-755C-E483-F869A880BE54}"/>
-                </a:ext>
-              </a:extLst>
-            </p:cNvPr>
-            <p:cNvSpPr/>
-            <p:nvPr/>
-          </p:nvSpPr>
-          <p:spPr>
-            <a:xfrm>
-              <a:off x="5232099" y="1698944"/>
-              <a:ext cx="914400" cy="914400"/>
-            </a:xfrm>
-            <a:prstGeom prst="ellipse">
-              <a:avLst/>
-            </a:prstGeom>
-            <a:solidFill>
-              <a:schemeClr val="bg1"/>
-            </a:solidFill>
-            <a:ln w="28575"/>
-          </p:spPr>
-          <p:style>
-            <a:lnRef idx="2">
-              <a:schemeClr val="accent1">
-                <a:shade val="15000"/>
-              </a:schemeClr>
-            </a:lnRef>
-            <a:fillRef idx="1">
-              <a:schemeClr val="accent1"/>
-            </a:fillRef>
-            <a:effectRef idx="0">
-              <a:schemeClr val="accent1"/>
-            </a:effectRef>
-            <a:fontRef idx="minor">
-              <a:schemeClr val="lt1"/>
-            </a:fontRef>
-          </p:style>
-          <p:txBody>
-            <a:bodyPr rtlCol="0" anchor="ctr"/>
-            <a:lstStyle/>
-            <a:p>
-              <a:pPr algn="ctr"/>
-              <a:endParaRPr kumimoji="1" lang="ja-JP" altLang="en-US"/>
-            </a:p>
-          </p:txBody>
-        </p:sp>
-        <p:cxnSp>
-          <p:nvCxnSpPr>
-            <p:cNvPr id="52" name="直線コネクタ 51">
-              <a:extLst>
-                <a:ext uri="{FF2B5EF4-FFF2-40B4-BE49-F238E27FC236}">
-                  <a16:creationId xmlns:a16="http://schemas.microsoft.com/office/drawing/2014/main" id="{88F762CC-907B-0934-65A3-F5AD0929A3EB}"/>
-                </a:ext>
-              </a:extLst>
-            </p:cNvPr>
-            <p:cNvCxnSpPr>
-              <a:cxnSpLocks/>
-            </p:cNvCxnSpPr>
-            <p:nvPr/>
-          </p:nvCxnSpPr>
-          <p:spPr>
-            <a:xfrm rot="2700000">
-              <a:off x="5232099" y="2156144"/>
-              <a:ext cx="914400" cy="0"/>
-            </a:xfrm>
-            <a:prstGeom prst="line">
-              <a:avLst/>
-            </a:prstGeom>
-            <a:ln w="38100"/>
-          </p:spPr>
-          <p:style>
-            <a:lnRef idx="2">
-              <a:schemeClr val="dk1"/>
-            </a:lnRef>
-            <a:fillRef idx="0">
-              <a:schemeClr val="dk1"/>
-            </a:fillRef>
-            <a:effectRef idx="1">
-              <a:schemeClr val="dk1"/>
-            </a:effectRef>
-            <a:fontRef idx="minor">
-              <a:schemeClr val="tx1"/>
-            </a:fontRef>
-          </p:style>
-        </p:cxnSp>
-        <p:cxnSp>
-          <p:nvCxnSpPr>
-            <p:cNvPr id="53" name="直線コネクタ 52">
-              <a:extLst>
-                <a:ext uri="{FF2B5EF4-FFF2-40B4-BE49-F238E27FC236}">
-                  <a16:creationId xmlns:a16="http://schemas.microsoft.com/office/drawing/2014/main" id="{D868BDB3-483B-46EE-6697-C9D4BDB4527E}"/>
-                </a:ext>
-              </a:extLst>
-            </p:cNvPr>
-            <p:cNvCxnSpPr>
-              <a:cxnSpLocks/>
-            </p:cNvCxnSpPr>
-            <p:nvPr/>
-          </p:nvCxnSpPr>
-          <p:spPr>
-            <a:xfrm rot="18900000" flipH="1">
-              <a:off x="5232099" y="2156144"/>
-              <a:ext cx="914400" cy="0"/>
-            </a:xfrm>
-            <a:prstGeom prst="line">
-              <a:avLst/>
-            </a:prstGeom>
-            <a:ln w="38100"/>
-          </p:spPr>
-          <p:style>
-            <a:lnRef idx="2">
-              <a:schemeClr val="dk1"/>
-            </a:lnRef>
-            <a:fillRef idx="0">
-              <a:schemeClr val="dk1"/>
-            </a:fillRef>
-            <a:effectRef idx="1">
-              <a:schemeClr val="dk1"/>
-            </a:effectRef>
-            <a:fontRef idx="minor">
-              <a:schemeClr val="tx1"/>
-            </a:fontRef>
-          </p:style>
-        </p:cxnSp>
-      </p:grpSp>
-      <mc:AlternateContent xmlns:mc="http://schemas.openxmlformats.org/markup-compatibility/2006">
-        <mc:Choice xmlns:a14="http://schemas.microsoft.com/office/drawing/2010/main" Requires="a14">
-          <p:sp>
-            <p:nvSpPr>
-              <p:cNvPr id="54" name="テキスト ボックス 53">
-                <a:extLst>
-                  <a:ext uri="{FF2B5EF4-FFF2-40B4-BE49-F238E27FC236}">
-                    <a16:creationId xmlns:a16="http://schemas.microsoft.com/office/drawing/2014/main" id="{E9AE2913-E8D3-9F29-D219-4618DC83DD64}"/>
-                  </a:ext>
-                </a:extLst>
-              </p:cNvPr>
-              <p:cNvSpPr txBox="1"/>
-              <p:nvPr/>
-            </p:nvSpPr>
-            <p:spPr>
-              <a:xfrm flipH="1">
-                <a:off x="8823323" y="2765626"/>
-                <a:ext cx="387182" cy="369332"/>
-              </a:xfrm>
-              <a:prstGeom prst="rect">
-                <a:avLst/>
-              </a:prstGeom>
-              <a:noFill/>
-            </p:spPr>
-            <p:txBody>
-              <a:bodyPr wrap="square" rtlCol="0">
-                <a:spAutoFit/>
-              </a:bodyPr>
-              <a:lstStyle/>
-              <a:p>
-                <a:pPr/>
-                <a14:m>
-                  <m:oMathPara xmlns:m="http://schemas.openxmlformats.org/officeDocument/2006/math">
-                    <m:oMathParaPr>
-                      <m:jc m:val="centerGroup"/>
-                    </m:oMathParaPr>
-                    <m:oMath xmlns:m="http://schemas.openxmlformats.org/officeDocument/2006/math">
-                      <m:sSub>
-                        <m:sSubPr>
-                          <m:ctrlPr>
-                            <a:rPr kumimoji="1" lang="en-US" altLang="ja-JP" b="0" i="1" smtClean="0">
-                              <a:latin typeface="Cambria Math" panose="02040503050406030204" pitchFamily="18" charset="0"/>
-                            </a:rPr>
-                          </m:ctrlPr>
-                        </m:sSubPr>
-                        <m:e>
-                          <m:r>
-                            <a:rPr kumimoji="1" lang="en-US" altLang="ja-JP" b="1" i="1" smtClean="0">
-                              <a:latin typeface="Cambria Math" panose="02040503050406030204" pitchFamily="18" charset="0"/>
-                            </a:rPr>
-                            <m:t>𝝃</m:t>
-                          </m:r>
-                        </m:e>
-                        <m:sub>
-                          <m:r>
-                            <a:rPr kumimoji="1" lang="en-US" altLang="ja-JP" b="0" i="1" smtClean="0">
-                              <a:latin typeface="Cambria Math" panose="02040503050406030204" pitchFamily="18" charset="0"/>
-                            </a:rPr>
-                            <m:t>𝑖</m:t>
-                          </m:r>
-                        </m:sub>
-                      </m:sSub>
-                    </m:oMath>
-                  </m:oMathPara>
-                </a14:m>
-                <a:endParaRPr kumimoji="1" lang="ja-JP" altLang="en-US" dirty="0"/>
-              </a:p>
-            </p:txBody>
-          </p:sp>
-        </mc:Choice>
-        <mc:Fallback>
-          <p:sp>
-            <p:nvSpPr>
-              <p:cNvPr id="54" name="テキスト ボックス 53">
-                <a:extLst>
-                  <a:ext uri="{FF2B5EF4-FFF2-40B4-BE49-F238E27FC236}">
-                    <a16:creationId xmlns:a16="http://schemas.microsoft.com/office/drawing/2014/main" id="{E9AE2913-E8D3-9F29-D219-4618DC83DD64}"/>
-                  </a:ext>
-                </a:extLst>
-              </p:cNvPr>
-              <p:cNvSpPr txBox="1">
-                <a:spLocks noRot="1" noChangeAspect="1" noMove="1" noResize="1" noEditPoints="1" noAdjustHandles="1" noChangeArrowheads="1" noChangeShapeType="1" noTextEdit="1"/>
-              </p:cNvSpPr>
-              <p:nvPr/>
-            </p:nvSpPr>
-            <p:spPr>
-              <a:xfrm flipH="1">
-                <a:off x="8823323" y="2765626"/>
-                <a:ext cx="387182" cy="369332"/>
-              </a:xfrm>
-              <a:prstGeom prst="rect">
-                <a:avLst/>
-              </a:prstGeom>
-              <a:blipFill>
-                <a:blip r:embed="rId7"/>
-                <a:stretch>
-                  <a:fillRect l="-3125" b="-13333"/>
-                </a:stretch>
-              </a:blipFill>
-            </p:spPr>
-            <p:txBody>
-              <a:bodyPr/>
-              <a:lstStyle/>
-              <a:p>
-                <a:r>
-                  <a:rPr lang="ja-JP" altLang="en-US">
-                    <a:noFill/>
-                  </a:rPr>
-                  <a:t> </a:t>
-                </a:r>
-              </a:p>
-            </p:txBody>
-          </p:sp>
-        </mc:Fallback>
-      </mc:AlternateContent>
-      <mc:AlternateContent xmlns:mc="http://schemas.openxmlformats.org/markup-compatibility/2006">
-        <mc:Choice xmlns:a14="http://schemas.microsoft.com/office/drawing/2010/main" Requires="a14">
-          <p:sp>
-            <p:nvSpPr>
-              <p:cNvPr id="55" name="テキスト ボックス 54">
-                <a:extLst>
-                  <a:ext uri="{FF2B5EF4-FFF2-40B4-BE49-F238E27FC236}">
-                    <a16:creationId xmlns:a16="http://schemas.microsoft.com/office/drawing/2014/main" id="{12A0A090-0685-73A6-5F70-793BCCD711A8}"/>
-                  </a:ext>
-                </a:extLst>
-              </p:cNvPr>
-              <p:cNvSpPr txBox="1"/>
-              <p:nvPr/>
-            </p:nvSpPr>
-            <p:spPr>
-              <a:xfrm flipH="1">
-                <a:off x="8066292" y="1210199"/>
-                <a:ext cx="556300" cy="369332"/>
-              </a:xfrm>
-              <a:prstGeom prst="rect">
-                <a:avLst/>
-              </a:prstGeom>
-              <a:noFill/>
-            </p:spPr>
-            <p:txBody>
-              <a:bodyPr wrap="square" rtlCol="0">
-                <a:spAutoFit/>
-              </a:bodyPr>
-              <a:lstStyle/>
-              <a:p>
-                <a:pPr/>
-                <a14:m>
-                  <m:oMathPara xmlns:m="http://schemas.openxmlformats.org/officeDocument/2006/math">
-                    <m:oMathParaPr>
-                      <m:jc m:val="centerGroup"/>
-                    </m:oMathParaPr>
-                    <m:oMath xmlns:m="http://schemas.openxmlformats.org/officeDocument/2006/math">
-                      <m:sSub>
-                        <m:sSubPr>
-                          <m:ctrlPr>
-                            <a:rPr kumimoji="1" lang="en-US" altLang="ja-JP" b="0" i="1" smtClean="0">
-                              <a:latin typeface="Cambria Math" panose="02040503050406030204" pitchFamily="18" charset="0"/>
-                            </a:rPr>
-                          </m:ctrlPr>
-                        </m:sSubPr>
-                        <m:e>
-                          <m:r>
-                            <a:rPr kumimoji="1" lang="en-US" altLang="ja-JP" b="1" i="1" smtClean="0">
-                              <a:latin typeface="Cambria Math" panose="02040503050406030204" pitchFamily="18" charset="0"/>
-                            </a:rPr>
-                            <m:t>𝝃</m:t>
-                          </m:r>
-                        </m:e>
-                        <m:sub>
-                          <m:r>
-                            <a:rPr kumimoji="1" lang="en-US" altLang="ja-JP" b="0" i="1" smtClean="0">
-                              <a:latin typeface="Cambria Math" panose="02040503050406030204" pitchFamily="18" charset="0"/>
-                            </a:rPr>
-                            <m:t>𝑖</m:t>
-                          </m:r>
-                          <m:r>
-                            <a:rPr kumimoji="1" lang="en-US" altLang="ja-JP" b="0" i="1" smtClean="0">
-                              <a:latin typeface="Cambria Math" panose="02040503050406030204" pitchFamily="18" charset="0"/>
-                            </a:rPr>
-                            <m:t>+1</m:t>
-                          </m:r>
-                        </m:sub>
-                      </m:sSub>
-                    </m:oMath>
-                  </m:oMathPara>
-                </a14:m>
-                <a:endParaRPr kumimoji="1" lang="ja-JP" altLang="en-US" dirty="0"/>
-              </a:p>
-            </p:txBody>
-          </p:sp>
-        </mc:Choice>
-        <mc:Fallback>
-          <p:sp>
-            <p:nvSpPr>
-              <p:cNvPr id="55" name="テキスト ボックス 54">
-                <a:extLst>
-                  <a:ext uri="{FF2B5EF4-FFF2-40B4-BE49-F238E27FC236}">
-                    <a16:creationId xmlns:a16="http://schemas.microsoft.com/office/drawing/2014/main" id="{12A0A090-0685-73A6-5F70-793BCCD711A8}"/>
-                  </a:ext>
-                </a:extLst>
-              </p:cNvPr>
-              <p:cNvSpPr txBox="1">
-                <a:spLocks noRot="1" noChangeAspect="1" noMove="1" noResize="1" noEditPoints="1" noAdjustHandles="1" noChangeArrowheads="1" noChangeShapeType="1" noTextEdit="1"/>
-              </p:cNvSpPr>
-              <p:nvPr/>
-            </p:nvSpPr>
-            <p:spPr>
-              <a:xfrm flipH="1">
-                <a:off x="8066292" y="1210199"/>
-                <a:ext cx="556300" cy="369332"/>
-              </a:xfrm>
-              <a:prstGeom prst="rect">
-                <a:avLst/>
-              </a:prstGeom>
-              <a:blipFill>
-                <a:blip r:embed="rId8"/>
-                <a:stretch>
-                  <a:fillRect l="-3297" b="-13333"/>
-                </a:stretch>
-              </a:blipFill>
-            </p:spPr>
-            <p:txBody>
-              <a:bodyPr/>
-              <a:lstStyle/>
-              <a:p>
-                <a:r>
-                  <a:rPr lang="ja-JP" altLang="en-US">
-                    <a:noFill/>
-                  </a:rPr>
-                  <a:t> </a:t>
-                </a:r>
-              </a:p>
-            </p:txBody>
-          </p:sp>
-        </mc:Fallback>
-      </mc:AlternateContent>
-      <p:sp>
-        <p:nvSpPr>
-          <p:cNvPr id="56" name="フローチャート: 結合子 55">
-            <a:extLst>
-              <a:ext uri="{FF2B5EF4-FFF2-40B4-BE49-F238E27FC236}">
-                <a16:creationId xmlns:a16="http://schemas.microsoft.com/office/drawing/2014/main" id="{EC529390-E8BF-AB85-3E2D-2BCB2D71A912}"/>
-              </a:ext>
-            </a:extLst>
-          </p:cNvPr>
-          <p:cNvSpPr/>
-          <p:nvPr/>
-        </p:nvSpPr>
-        <p:spPr>
-          <a:xfrm rot="16200000">
-            <a:off x="3309159" y="3986926"/>
-            <a:ext cx="119034" cy="119034"/>
-          </a:xfrm>
-          <a:prstGeom prst="flowChartConnector">
-            <a:avLst/>
-          </a:prstGeom>
-          <a:solidFill>
-            <a:schemeClr val="accent4">
-              <a:lumMod val="20000"/>
-              <a:lumOff val="80000"/>
-            </a:schemeClr>
-          </a:solidFill>
-          <a:ln>
-            <a:solidFill>
-              <a:srgbClr val="00B0F0"/>
-            </a:solidFill>
-          </a:ln>
-        </p:spPr>
-        <p:style>
-          <a:lnRef idx="2">
-            <a:schemeClr val="dk1">
-              <a:shade val="15000"/>
-            </a:schemeClr>
-          </a:lnRef>
-          <a:fillRef idx="1">
-            <a:schemeClr val="dk1"/>
-          </a:fillRef>
-          <a:effectRef idx="0">
-            <a:schemeClr val="dk1"/>
-          </a:effectRef>
-          <a:fontRef idx="minor">
-            <a:schemeClr val="lt1"/>
-          </a:fontRef>
-        </p:style>
-        <p:txBody>
-          <a:bodyPr rtlCol="0" anchor="ctr"/>
-          <a:lstStyle/>
-          <a:p>
-            <a:pPr algn="ctr"/>
-            <a:endParaRPr kumimoji="1" lang="ja-JP" altLang="en-US"/>
-          </a:p>
-        </p:txBody>
-      </p:sp>
-      <p:cxnSp>
-        <p:nvCxnSpPr>
-          <p:cNvPr id="57" name="直線矢印コネクタ 56">
-            <a:extLst>
-              <a:ext uri="{FF2B5EF4-FFF2-40B4-BE49-F238E27FC236}">
-                <a16:creationId xmlns:a16="http://schemas.microsoft.com/office/drawing/2014/main" id="{B6753286-F436-76BF-A914-9977690F00BC}"/>
-              </a:ext>
-            </a:extLst>
-          </p:cNvPr>
-          <p:cNvCxnSpPr/>
-          <p:nvPr/>
-        </p:nvCxnSpPr>
-        <p:spPr>
-          <a:xfrm flipV="1">
-            <a:off x="7427012" y="4565335"/>
-            <a:ext cx="0" cy="1080000"/>
-          </a:xfrm>
-          <a:prstGeom prst="straightConnector1">
-            <a:avLst/>
-          </a:prstGeom>
-          <a:ln w="28575">
-            <a:tailEnd type="triangle"/>
-          </a:ln>
-        </p:spPr>
-        <p:style>
-          <a:lnRef idx="2">
-            <a:schemeClr val="dk1"/>
-          </a:lnRef>
-          <a:fillRef idx="0">
-            <a:schemeClr val="dk1"/>
-          </a:fillRef>
-          <a:effectRef idx="1">
-            <a:schemeClr val="dk1"/>
-          </a:effectRef>
-          <a:fontRef idx="minor">
-            <a:schemeClr val="tx1"/>
-          </a:fontRef>
-        </p:style>
-      </p:cxnSp>
-      <p:cxnSp>
-        <p:nvCxnSpPr>
-          <p:cNvPr id="58" name="直線矢印コネクタ 57">
-            <a:extLst>
-              <a:ext uri="{FF2B5EF4-FFF2-40B4-BE49-F238E27FC236}">
-                <a16:creationId xmlns:a16="http://schemas.microsoft.com/office/drawing/2014/main" id="{C467441A-BDFD-863A-A354-F797354258C6}"/>
-              </a:ext>
-            </a:extLst>
-          </p:cNvPr>
-          <p:cNvCxnSpPr>
-            <a:cxnSpLocks/>
-          </p:cNvCxnSpPr>
-          <p:nvPr/>
-        </p:nvCxnSpPr>
-        <p:spPr>
-          <a:xfrm rot="5400000" flipV="1">
-            <a:off x="7730910" y="4815127"/>
-            <a:ext cx="0" cy="1080000"/>
-          </a:xfrm>
-          <a:prstGeom prst="straightConnector1">
-            <a:avLst/>
-          </a:prstGeom>
-          <a:ln w="28575">
-            <a:tailEnd type="triangle"/>
-          </a:ln>
-        </p:spPr>
-        <p:style>
-          <a:lnRef idx="2">
-            <a:schemeClr val="dk1"/>
-          </a:lnRef>
-          <a:fillRef idx="0">
-            <a:schemeClr val="dk1"/>
-          </a:fillRef>
-          <a:effectRef idx="1">
-            <a:schemeClr val="dk1"/>
-          </a:effectRef>
-          <a:fontRef idx="minor">
-            <a:schemeClr val="tx1"/>
-          </a:fontRef>
-        </p:style>
-      </p:cxnSp>
-      <p:sp>
-        <p:nvSpPr>
-          <p:cNvPr id="59" name="テキスト ボックス 58">
-            <a:extLst>
-              <a:ext uri="{FF2B5EF4-FFF2-40B4-BE49-F238E27FC236}">
-                <a16:creationId xmlns:a16="http://schemas.microsoft.com/office/drawing/2014/main" id="{FFDDB41A-6D25-8015-A23C-F68F0E10D010}"/>
-              </a:ext>
-            </a:extLst>
-          </p:cNvPr>
-          <p:cNvSpPr txBox="1"/>
-          <p:nvPr/>
-        </p:nvSpPr>
-        <p:spPr>
-          <a:xfrm flipH="1">
-            <a:off x="8215709" y="5170461"/>
-            <a:ext cx="270532" cy="369332"/>
-          </a:xfrm>
-          <a:prstGeom prst="rect">
-            <a:avLst/>
-          </a:prstGeom>
-          <a:noFill/>
-        </p:spPr>
-        <p:txBody>
-          <a:bodyPr wrap="square" rtlCol="0">
-            <a:spAutoFit/>
-          </a:bodyPr>
-          <a:lstStyle/>
-          <a:p>
-            <a:r>
-              <a:rPr kumimoji="1" lang="en-US" altLang="ja-JP" dirty="0"/>
-              <a:t>y</a:t>
-            </a:r>
-            <a:endParaRPr kumimoji="1" lang="ja-JP" altLang="en-US" dirty="0"/>
-          </a:p>
-        </p:txBody>
-      </p:sp>
-      <p:sp>
-        <p:nvSpPr>
-          <p:cNvPr id="60" name="テキスト ボックス 59">
-            <a:extLst>
-              <a:ext uri="{FF2B5EF4-FFF2-40B4-BE49-F238E27FC236}">
-                <a16:creationId xmlns:a16="http://schemas.microsoft.com/office/drawing/2014/main" id="{42F9D2FC-3B1C-37E8-5B56-B77122AA8C87}"/>
-              </a:ext>
-            </a:extLst>
-          </p:cNvPr>
-          <p:cNvSpPr txBox="1"/>
-          <p:nvPr/>
-        </p:nvSpPr>
-        <p:spPr>
-          <a:xfrm flipH="1">
-            <a:off x="7291746" y="4232460"/>
-            <a:ext cx="270532" cy="369332"/>
-          </a:xfrm>
-          <a:prstGeom prst="rect">
-            <a:avLst/>
-          </a:prstGeom>
-          <a:noFill/>
-        </p:spPr>
-        <p:txBody>
-          <a:bodyPr wrap="square" rtlCol="0">
-            <a:spAutoFit/>
-          </a:bodyPr>
-          <a:lstStyle/>
-          <a:p>
-            <a:r>
-              <a:rPr kumimoji="1" lang="en-US" altLang="ja-JP" dirty="0"/>
-              <a:t>x</a:t>
-            </a:r>
-            <a:endParaRPr kumimoji="1" lang="ja-JP" altLang="en-US" dirty="0"/>
-          </a:p>
-        </p:txBody>
-      </p:sp>
-      <mc:AlternateContent xmlns:mc="http://schemas.openxmlformats.org/markup-compatibility/2006">
-        <mc:Choice xmlns:a14="http://schemas.microsoft.com/office/drawing/2010/main" Requires="a14">
-          <p:sp>
-            <p:nvSpPr>
-              <p:cNvPr id="61" name="テキスト ボックス 60">
-                <a:extLst>
-                  <a:ext uri="{FF2B5EF4-FFF2-40B4-BE49-F238E27FC236}">
-                    <a16:creationId xmlns:a16="http://schemas.microsoft.com/office/drawing/2014/main" id="{6EF17FE3-92A2-FA15-671E-AC93FB9DF8D6}"/>
-                  </a:ext>
-                </a:extLst>
-              </p:cNvPr>
-              <p:cNvSpPr txBox="1"/>
-              <p:nvPr/>
-            </p:nvSpPr>
-            <p:spPr>
-              <a:xfrm flipH="1">
-                <a:off x="3548676" y="3780127"/>
-                <a:ext cx="387182" cy="369332"/>
-              </a:xfrm>
-              <a:prstGeom prst="rect">
-                <a:avLst/>
-              </a:prstGeom>
-              <a:noFill/>
-            </p:spPr>
-            <p:txBody>
-              <a:bodyPr wrap="square" rtlCol="0">
-                <a:spAutoFit/>
-              </a:bodyPr>
-              <a:lstStyle/>
-              <a:p>
-                <a:pPr/>
-                <a14:m>
-                  <m:oMathPara xmlns:m="http://schemas.openxmlformats.org/officeDocument/2006/math">
-                    <m:oMathParaPr>
-                      <m:jc m:val="centerGroup"/>
-                    </m:oMathParaPr>
-                    <m:oMath xmlns:m="http://schemas.openxmlformats.org/officeDocument/2006/math">
-                      <m:r>
-                        <a:rPr kumimoji="1" lang="en-US" altLang="ja-JP" b="0" i="1" smtClean="0">
-                          <a:solidFill>
-                            <a:srgbClr val="00B0F0"/>
-                          </a:solidFill>
-                          <a:latin typeface="Cambria Math" panose="02040503050406030204" pitchFamily="18" charset="0"/>
-                        </a:rPr>
-                        <m:t>𝑝</m:t>
-                      </m:r>
-                    </m:oMath>
-                  </m:oMathPara>
-                </a14:m>
-                <a:endParaRPr kumimoji="1" lang="ja-JP" altLang="en-US" dirty="0">
-                  <a:solidFill>
-                    <a:srgbClr val="00B0F0"/>
-                  </a:solidFill>
-                </a:endParaRPr>
-              </a:p>
-            </p:txBody>
-          </p:sp>
-        </mc:Choice>
-        <mc:Fallback>
-          <p:sp>
-            <p:nvSpPr>
-              <p:cNvPr id="61" name="テキスト ボックス 60">
-                <a:extLst>
-                  <a:ext uri="{FF2B5EF4-FFF2-40B4-BE49-F238E27FC236}">
-                    <a16:creationId xmlns:a16="http://schemas.microsoft.com/office/drawing/2014/main" id="{6EF17FE3-92A2-FA15-671E-AC93FB9DF8D6}"/>
-                  </a:ext>
-                </a:extLst>
-              </p:cNvPr>
-              <p:cNvSpPr txBox="1">
-                <a:spLocks noRot="1" noChangeAspect="1" noMove="1" noResize="1" noEditPoints="1" noAdjustHandles="1" noChangeArrowheads="1" noChangeShapeType="1" noTextEdit="1"/>
-              </p:cNvSpPr>
-              <p:nvPr/>
-            </p:nvSpPr>
-            <p:spPr>
-              <a:xfrm flipH="1">
-                <a:off x="3548676" y="3780127"/>
-                <a:ext cx="387182" cy="369332"/>
-              </a:xfrm>
-              <a:prstGeom prst="rect">
-                <a:avLst/>
-              </a:prstGeom>
-              <a:blipFill>
-                <a:blip r:embed="rId9"/>
-                <a:stretch>
-                  <a:fillRect b="-6557"/>
-                </a:stretch>
-              </a:blipFill>
-            </p:spPr>
-            <p:txBody>
-              <a:bodyPr/>
-              <a:lstStyle/>
-              <a:p>
-                <a:r>
-                  <a:rPr lang="ja-JP" altLang="en-US">
-                    <a:noFill/>
-                  </a:rPr>
-                  <a:t> </a:t>
-                </a:r>
-              </a:p>
-            </p:txBody>
-          </p:sp>
-        </mc:Fallback>
-      </mc:AlternateContent>
     </p:spTree>
     <p:extLst>
       <p:ext uri="{BB962C8B-B14F-4D97-AF65-F5344CB8AC3E}">
@@ -8077,8 +8140,8 @@
           </p:txBody>
         </p:sp>
       </p:grpSp>
-      <mc:AlternateContent xmlns:mc="http://schemas.openxmlformats.org/markup-compatibility/2006">
-        <mc:Choice xmlns:a14="http://schemas.microsoft.com/office/drawing/2010/main" Requires="a14">
+      <mc:AlternateContent xmlns:mc="http://schemas.openxmlformats.org/markup-compatibility/2006" xmlns:a14="http://schemas.microsoft.com/office/drawing/2010/main">
+        <mc:Choice Requires="a14">
           <p:sp>
             <p:nvSpPr>
               <p:cNvPr id="5" name="テキスト ボックス 4">
@@ -8128,7 +8191,7 @@
             </p:txBody>
           </p:sp>
         </mc:Choice>
-        <mc:Fallback>
+        <mc:Fallback xmlns="">
           <p:sp>
             <p:nvSpPr>
               <p:cNvPr id="5" name="テキスト ボックス 4">
@@ -8173,8 +8236,8 @@
           </p:sp>
         </mc:Fallback>
       </mc:AlternateContent>
-      <mc:AlternateContent xmlns:mc="http://schemas.openxmlformats.org/markup-compatibility/2006">
-        <mc:Choice xmlns:a14="http://schemas.microsoft.com/office/drawing/2010/main" Requires="a14">
+      <mc:AlternateContent xmlns:mc="http://schemas.openxmlformats.org/markup-compatibility/2006" xmlns:a14="http://schemas.microsoft.com/office/drawing/2010/main">
+        <mc:Choice Requires="a14">
           <p:sp>
             <p:nvSpPr>
               <p:cNvPr id="6" name="テキスト ボックス 5">
@@ -8246,7 +8309,7 @@
             </p:txBody>
           </p:sp>
         </mc:Choice>
-        <mc:Fallback>
+        <mc:Fallback xmlns="">
           <p:sp>
             <p:nvSpPr>
               <p:cNvPr id="6" name="テキスト ボックス 5">

--- a/figure.pptx
+++ b/figure.pptx
@@ -8,6 +8,7 @@
     <p:sldId id="256" r:id="rId2"/>
     <p:sldId id="257" r:id="rId3"/>
     <p:sldId id="258" r:id="rId4"/>
+    <p:sldId id="259" r:id="rId5"/>
   </p:sldIdLst>
   <p:sldSz cx="12192000" cy="6858000"/>
   <p:notesSz cx="6858000" cy="9144000"/>
@@ -261,7 +262,7 @@
           <a:p>
             <a:fld id="{50DB86B2-1F85-458D-BB4D-F9A4D62C4F3A}" type="datetimeFigureOut">
               <a:rPr kumimoji="1" lang="ja-JP" altLang="en-US" smtClean="0"/>
-              <a:t>2024/9/11</a:t>
+              <a:t>2024/11/17</a:t>
             </a:fld>
             <a:endParaRPr kumimoji="1" lang="ja-JP" altLang="en-US"/>
           </a:p>
@@ -491,7 +492,7 @@
           <a:p>
             <a:fld id="{50DB86B2-1F85-458D-BB4D-F9A4D62C4F3A}" type="datetimeFigureOut">
               <a:rPr kumimoji="1" lang="ja-JP" altLang="en-US" smtClean="0"/>
-              <a:t>2024/9/11</a:t>
+              <a:t>2024/11/17</a:t>
             </a:fld>
             <a:endParaRPr kumimoji="1" lang="ja-JP" altLang="en-US"/>
           </a:p>
@@ -731,7 +732,7 @@
           <a:p>
             <a:fld id="{50DB86B2-1F85-458D-BB4D-F9A4D62C4F3A}" type="datetimeFigureOut">
               <a:rPr kumimoji="1" lang="ja-JP" altLang="en-US" smtClean="0"/>
-              <a:t>2024/9/11</a:t>
+              <a:t>2024/11/17</a:t>
             </a:fld>
             <a:endParaRPr kumimoji="1" lang="ja-JP" altLang="en-US"/>
           </a:p>
@@ -961,7 +962,7 @@
           <a:p>
             <a:fld id="{50DB86B2-1F85-458D-BB4D-F9A4D62C4F3A}" type="datetimeFigureOut">
               <a:rPr kumimoji="1" lang="ja-JP" altLang="en-US" smtClean="0"/>
-              <a:t>2024/9/11</a:t>
+              <a:t>2024/11/17</a:t>
             </a:fld>
             <a:endParaRPr kumimoji="1" lang="ja-JP" altLang="en-US"/>
           </a:p>
@@ -1236,7 +1237,7 @@
           <a:p>
             <a:fld id="{50DB86B2-1F85-458D-BB4D-F9A4D62C4F3A}" type="datetimeFigureOut">
               <a:rPr kumimoji="1" lang="ja-JP" altLang="en-US" smtClean="0"/>
-              <a:t>2024/9/11</a:t>
+              <a:t>2024/11/17</a:t>
             </a:fld>
             <a:endParaRPr kumimoji="1" lang="ja-JP" altLang="en-US"/>
           </a:p>
@@ -1565,7 +1566,7 @@
           <a:p>
             <a:fld id="{50DB86B2-1F85-458D-BB4D-F9A4D62C4F3A}" type="datetimeFigureOut">
               <a:rPr kumimoji="1" lang="ja-JP" altLang="en-US" smtClean="0"/>
-              <a:t>2024/9/11</a:t>
+              <a:t>2024/11/17</a:t>
             </a:fld>
             <a:endParaRPr kumimoji="1" lang="ja-JP" altLang="en-US"/>
           </a:p>
@@ -2041,7 +2042,7 @@
           <a:p>
             <a:fld id="{50DB86B2-1F85-458D-BB4D-F9A4D62C4F3A}" type="datetimeFigureOut">
               <a:rPr kumimoji="1" lang="ja-JP" altLang="en-US" smtClean="0"/>
-              <a:t>2024/9/11</a:t>
+              <a:t>2024/11/17</a:t>
             </a:fld>
             <a:endParaRPr kumimoji="1" lang="ja-JP" altLang="en-US"/>
           </a:p>
@@ -2182,7 +2183,7 @@
           <a:p>
             <a:fld id="{50DB86B2-1F85-458D-BB4D-F9A4D62C4F3A}" type="datetimeFigureOut">
               <a:rPr kumimoji="1" lang="ja-JP" altLang="en-US" smtClean="0"/>
-              <a:t>2024/9/11</a:t>
+              <a:t>2024/11/17</a:t>
             </a:fld>
             <a:endParaRPr kumimoji="1" lang="ja-JP" altLang="en-US"/>
           </a:p>
@@ -2295,7 +2296,7 @@
           <a:p>
             <a:fld id="{50DB86B2-1F85-458D-BB4D-F9A4D62C4F3A}" type="datetimeFigureOut">
               <a:rPr kumimoji="1" lang="ja-JP" altLang="en-US" smtClean="0"/>
-              <a:t>2024/9/11</a:t>
+              <a:t>2024/11/17</a:t>
             </a:fld>
             <a:endParaRPr kumimoji="1" lang="ja-JP" altLang="en-US"/>
           </a:p>
@@ -2638,7 +2639,7 @@
           <a:p>
             <a:fld id="{50DB86B2-1F85-458D-BB4D-F9A4D62C4F3A}" type="datetimeFigureOut">
               <a:rPr kumimoji="1" lang="ja-JP" altLang="en-US" smtClean="0"/>
-              <a:t>2024/9/11</a:t>
+              <a:t>2024/11/17</a:t>
             </a:fld>
             <a:endParaRPr kumimoji="1" lang="ja-JP" altLang="en-US"/>
           </a:p>
@@ -2926,7 +2927,7 @@
           <a:p>
             <a:fld id="{50DB86B2-1F85-458D-BB4D-F9A4D62C4F3A}" type="datetimeFigureOut">
               <a:rPr kumimoji="1" lang="ja-JP" altLang="en-US" smtClean="0"/>
-              <a:t>2024/9/11</a:t>
+              <a:t>2024/11/17</a:t>
             </a:fld>
             <a:endParaRPr kumimoji="1" lang="ja-JP" altLang="en-US"/>
           </a:p>
@@ -3199,7 +3200,7 @@
           <a:p>
             <a:fld id="{50DB86B2-1F85-458D-BB4D-F9A4D62C4F3A}" type="datetimeFigureOut">
               <a:rPr kumimoji="1" lang="ja-JP" altLang="en-US" smtClean="0"/>
-              <a:t>2024/9/11</a:t>
+              <a:t>2024/11/17</a:t>
             </a:fld>
             <a:endParaRPr kumimoji="1" lang="ja-JP" altLang="en-US"/>
           </a:p>
@@ -5576,8 +5577,8 @@
               </p:txBody>
             </p:sp>
           </p:grpSp>
-          <mc:AlternateContent xmlns:mc="http://schemas.openxmlformats.org/markup-compatibility/2006">
-            <mc:Choice xmlns:a14="http://schemas.microsoft.com/office/drawing/2010/main" Requires="a14">
+          <mc:AlternateContent xmlns:mc="http://schemas.openxmlformats.org/markup-compatibility/2006" xmlns:a14="http://schemas.microsoft.com/office/drawing/2010/main">
+            <mc:Choice Requires="a14">
               <p:sp>
                 <p:nvSpPr>
                   <p:cNvPr id="43" name="テキスト ボックス 42">
@@ -5627,7 +5628,7 @@
                 </p:txBody>
               </p:sp>
             </mc:Choice>
-            <mc:Fallback>
+            <mc:Fallback xmlns="">
               <p:sp>
                 <p:nvSpPr>
                   <p:cNvPr id="43" name="テキスト ボックス 42">
@@ -6073,8 +6074,8 @@
               </p:style>
             </p:cxnSp>
           </p:grpSp>
-          <mc:AlternateContent xmlns:mc="http://schemas.openxmlformats.org/markup-compatibility/2006">
-            <mc:Choice xmlns:a14="http://schemas.microsoft.com/office/drawing/2010/main" Requires="a14">
+          <mc:AlternateContent xmlns:mc="http://schemas.openxmlformats.org/markup-compatibility/2006" xmlns:a14="http://schemas.microsoft.com/office/drawing/2010/main">
+            <mc:Choice Requires="a14">
               <p:sp>
                 <p:nvSpPr>
                   <p:cNvPr id="54" name="テキスト ボックス 53">
@@ -6143,7 +6144,7 @@
                 </p:txBody>
               </p:sp>
             </mc:Choice>
-            <mc:Fallback>
+            <mc:Fallback xmlns="">
               <p:sp>
                 <p:nvSpPr>
                   <p:cNvPr id="54" name="テキスト ボックス 53">
@@ -6188,8 +6189,8 @@
               </p:sp>
             </mc:Fallback>
           </mc:AlternateContent>
-          <mc:AlternateContent xmlns:mc="http://schemas.openxmlformats.org/markup-compatibility/2006">
-            <mc:Choice xmlns:a14="http://schemas.microsoft.com/office/drawing/2010/main" Requires="a14">
+          <mc:AlternateContent xmlns:mc="http://schemas.openxmlformats.org/markup-compatibility/2006" xmlns:a14="http://schemas.microsoft.com/office/drawing/2010/main">
+            <mc:Choice Requires="a14">
               <p:sp>
                 <p:nvSpPr>
                   <p:cNvPr id="55" name="テキスト ボックス 54">
@@ -6264,7 +6265,7 @@
                 </p:txBody>
               </p:sp>
             </mc:Choice>
-            <mc:Fallback>
+            <mc:Fallback xmlns="">
               <p:sp>
                 <p:nvSpPr>
                   <p:cNvPr id="55" name="テキスト ボックス 54">
@@ -6603,8 +6604,8 @@
               </p:txBody>
             </p:sp>
           </p:grpSp>
-          <mc:AlternateContent xmlns:mc="http://schemas.openxmlformats.org/markup-compatibility/2006">
-            <mc:Choice xmlns:a14="http://schemas.microsoft.com/office/drawing/2010/main" Requires="a14">
+          <mc:AlternateContent xmlns:mc="http://schemas.openxmlformats.org/markup-compatibility/2006" xmlns:a14="http://schemas.microsoft.com/office/drawing/2010/main">
+            <mc:Choice Requires="a14">
               <p:sp>
                 <p:nvSpPr>
                   <p:cNvPr id="5" name="テキスト ボックス 4">
@@ -6654,7 +6655,7 @@
                 </p:txBody>
               </p:sp>
             </mc:Choice>
-            <mc:Fallback>
+            <mc:Fallback xmlns="">
               <p:sp>
                 <p:nvSpPr>
                   <p:cNvPr id="5" name="テキスト ボックス 4">
@@ -7293,8 +7294,8 @@
               </p:style>
             </p:cxnSp>
           </p:grpSp>
-          <mc:AlternateContent xmlns:mc="http://schemas.openxmlformats.org/markup-compatibility/2006">
-            <mc:Choice xmlns:a14="http://schemas.microsoft.com/office/drawing/2010/main" Requires="a14">
+          <mc:AlternateContent xmlns:mc="http://schemas.openxmlformats.org/markup-compatibility/2006" xmlns:a14="http://schemas.microsoft.com/office/drawing/2010/main">
+            <mc:Choice Requires="a14">
               <p:sp>
                 <p:nvSpPr>
                   <p:cNvPr id="27" name="テキスト ボックス 26">
@@ -7363,7 +7364,7 @@
                 </p:txBody>
               </p:sp>
             </mc:Choice>
-            <mc:Fallback>
+            <mc:Fallback xmlns="">
               <p:sp>
                 <p:nvSpPr>
                   <p:cNvPr id="27" name="テキスト ボックス 26">
@@ -7408,8 +7409,8 @@
               </p:sp>
             </mc:Fallback>
           </mc:AlternateContent>
-          <mc:AlternateContent xmlns:mc="http://schemas.openxmlformats.org/markup-compatibility/2006">
-            <mc:Choice xmlns:a14="http://schemas.microsoft.com/office/drawing/2010/main" Requires="a14">
+          <mc:AlternateContent xmlns:mc="http://schemas.openxmlformats.org/markup-compatibility/2006" xmlns:a14="http://schemas.microsoft.com/office/drawing/2010/main">
+            <mc:Choice Requires="a14">
               <p:sp>
                 <p:nvSpPr>
                   <p:cNvPr id="28" name="テキスト ボックス 27">
@@ -7484,7 +7485,7 @@
                 </p:txBody>
               </p:sp>
             </mc:Choice>
-            <mc:Fallback>
+            <mc:Fallback xmlns="">
               <p:sp>
                 <p:nvSpPr>
                   <p:cNvPr id="28" name="テキスト ボックス 27">
@@ -7690,8 +7691,8 @@
               </p:style>
             </p:cxnSp>
           </p:grpSp>
-          <mc:AlternateContent xmlns:mc="http://schemas.openxmlformats.org/markup-compatibility/2006">
-            <mc:Choice xmlns:a14="http://schemas.microsoft.com/office/drawing/2010/main" Requires="a14">
+          <mc:AlternateContent xmlns:mc="http://schemas.openxmlformats.org/markup-compatibility/2006" xmlns:a14="http://schemas.microsoft.com/office/drawing/2010/main">
+            <mc:Choice Requires="a14">
               <p:sp>
                 <p:nvSpPr>
                   <p:cNvPr id="39" name="テキスト ボックス 38">
@@ -7782,7 +7783,7 @@
                 </p:txBody>
               </p:sp>
             </mc:Choice>
-            <mc:Fallback>
+            <mc:Fallback xmlns="">
               <p:sp>
                 <p:nvSpPr>
                   <p:cNvPr id="39" name="テキスト ボックス 38">
@@ -7884,8 +7885,8 @@
               </a:p>
             </p:txBody>
           </p:sp>
-          <mc:AlternateContent xmlns:mc="http://schemas.openxmlformats.org/markup-compatibility/2006">
-            <mc:Choice xmlns:a14="http://schemas.microsoft.com/office/drawing/2010/main" Requires="a14">
+          <mc:AlternateContent xmlns:mc="http://schemas.openxmlformats.org/markup-compatibility/2006" xmlns:a14="http://schemas.microsoft.com/office/drawing/2010/main">
+            <mc:Choice Requires="a14">
               <p:sp>
                 <p:nvSpPr>
                   <p:cNvPr id="61" name="テキスト ボックス 60">
@@ -7942,7 +7943,7 @@
                 </p:txBody>
               </p:sp>
             </mc:Choice>
-            <mc:Fallback>
+            <mc:Fallback xmlns="">
               <p:sp>
                 <p:nvSpPr>
                   <p:cNvPr id="61" name="テキスト ボックス 60">
@@ -8424,6 +8425,860 @@
 </p:sld>
 </file>
 
+<file path=ppt/slides/slide4.xml><?xml version="1.0" encoding="utf-8"?>
+<p:sld xmlns:a="http://schemas.openxmlformats.org/drawingml/2006/main" xmlns:r="http://schemas.openxmlformats.org/officeDocument/2006/relationships" xmlns:p="http://schemas.openxmlformats.org/presentationml/2006/main">
+  <p:cSld>
+    <p:spTree>
+      <p:nvGrpSpPr>
+        <p:cNvPr id="1" name=""/>
+        <p:cNvGrpSpPr/>
+        <p:nvPr/>
+      </p:nvGrpSpPr>
+      <p:grpSpPr>
+        <a:xfrm>
+          <a:off x="0" y="0"/>
+          <a:ext cx="0" cy="0"/>
+          <a:chOff x="0" y="0"/>
+          <a:chExt cx="0" cy="0"/>
+        </a:xfrm>
+      </p:grpSpPr>
+      <p:pic>
+        <p:nvPicPr>
+          <p:cNvPr id="4" name="図 3">
+            <a:extLst>
+              <a:ext uri="{FF2B5EF4-FFF2-40B4-BE49-F238E27FC236}">
+                <a16:creationId xmlns:a16="http://schemas.microsoft.com/office/drawing/2014/main" id="{043E41C6-DE01-F17D-8889-E62DA905982D}"/>
+              </a:ext>
+            </a:extLst>
+          </p:cNvPr>
+          <p:cNvPicPr>
+            <a:picLocks noChangeAspect="1"/>
+          </p:cNvPicPr>
+          <p:nvPr/>
+        </p:nvPicPr>
+        <p:blipFill>
+          <a:blip r:embed="rId2"/>
+          <a:stretch>
+            <a:fillRect/>
+          </a:stretch>
+        </p:blipFill>
+        <p:spPr>
+          <a:xfrm>
+            <a:off x="630557" y="517381"/>
+            <a:ext cx="6134678" cy="2682472"/>
+          </a:xfrm>
+          <a:prstGeom prst="rect">
+            <a:avLst/>
+          </a:prstGeom>
+        </p:spPr>
+      </p:pic>
+      <p:sp>
+        <p:nvSpPr>
+          <p:cNvPr id="28" name="正方形/長方形 27">
+            <a:extLst>
+              <a:ext uri="{FF2B5EF4-FFF2-40B4-BE49-F238E27FC236}">
+                <a16:creationId xmlns:a16="http://schemas.microsoft.com/office/drawing/2014/main" id="{A6F5D2BB-08C5-EA70-638B-B812E9FE2BBD}"/>
+              </a:ext>
+            </a:extLst>
+          </p:cNvPr>
+          <p:cNvSpPr/>
+          <p:nvPr/>
+        </p:nvSpPr>
+        <p:spPr>
+          <a:xfrm>
+            <a:off x="752079" y="2875789"/>
+            <a:ext cx="5940000" cy="229343"/>
+          </a:xfrm>
+          <a:prstGeom prst="rect">
+            <a:avLst/>
+          </a:prstGeom>
+          <a:solidFill>
+            <a:schemeClr val="bg1">
+              <a:lumMod val="75000"/>
+            </a:schemeClr>
+          </a:solidFill>
+          <a:ln>
+            <a:noFill/>
+          </a:ln>
+        </p:spPr>
+        <p:style>
+          <a:lnRef idx="2">
+            <a:schemeClr val="accent1">
+              <a:shade val="15000"/>
+            </a:schemeClr>
+          </a:lnRef>
+          <a:fillRef idx="1">
+            <a:schemeClr val="accent1"/>
+          </a:fillRef>
+          <a:effectRef idx="0">
+            <a:schemeClr val="accent1"/>
+          </a:effectRef>
+          <a:fontRef idx="minor">
+            <a:schemeClr val="lt1"/>
+          </a:fontRef>
+        </p:style>
+        <p:txBody>
+          <a:bodyPr rtlCol="0" anchor="ctr"/>
+          <a:lstStyle/>
+          <a:p>
+            <a:pPr algn="ctr"/>
+            <a:endParaRPr kumimoji="1" lang="ja-JP" altLang="en-US"/>
+          </a:p>
+        </p:txBody>
+      </p:sp>
+      <p:sp>
+        <p:nvSpPr>
+          <p:cNvPr id="5" name="楕円 4">
+            <a:extLst>
+              <a:ext uri="{FF2B5EF4-FFF2-40B4-BE49-F238E27FC236}">
+                <a16:creationId xmlns:a16="http://schemas.microsoft.com/office/drawing/2014/main" id="{FB0F82A0-89FF-3533-103A-9C2BF6FD2844}"/>
+              </a:ext>
+            </a:extLst>
+          </p:cNvPr>
+          <p:cNvSpPr/>
+          <p:nvPr/>
+        </p:nvSpPr>
+        <p:spPr>
+          <a:xfrm>
+            <a:off x="1834202" y="2072160"/>
+            <a:ext cx="795484" cy="795484"/>
+          </a:xfrm>
+          <a:prstGeom prst="ellipse">
+            <a:avLst/>
+          </a:prstGeom>
+          <a:noFill/>
+          <a:ln>
+            <a:solidFill>
+              <a:schemeClr val="tx1"/>
+            </a:solidFill>
+          </a:ln>
+        </p:spPr>
+        <p:style>
+          <a:lnRef idx="2">
+            <a:schemeClr val="accent1">
+              <a:shade val="15000"/>
+            </a:schemeClr>
+          </a:lnRef>
+          <a:fillRef idx="1">
+            <a:schemeClr val="accent1"/>
+          </a:fillRef>
+          <a:effectRef idx="0">
+            <a:schemeClr val="accent1"/>
+          </a:effectRef>
+          <a:fontRef idx="minor">
+            <a:schemeClr val="lt1"/>
+          </a:fontRef>
+        </p:style>
+        <p:txBody>
+          <a:bodyPr rtlCol="0" anchor="ctr"/>
+          <a:lstStyle/>
+          <a:p>
+            <a:pPr algn="ctr"/>
+            <a:endParaRPr kumimoji="1" lang="ja-JP" altLang="en-US"/>
+          </a:p>
+        </p:txBody>
+      </p:sp>
+      <p:cxnSp>
+        <p:nvCxnSpPr>
+          <p:cNvPr id="7" name="直線矢印コネクタ 6">
+            <a:extLst>
+              <a:ext uri="{FF2B5EF4-FFF2-40B4-BE49-F238E27FC236}">
+                <a16:creationId xmlns:a16="http://schemas.microsoft.com/office/drawing/2014/main" id="{6403CCDF-27E6-A335-0681-40D1655ADAB4}"/>
+              </a:ext>
+            </a:extLst>
+          </p:cNvPr>
+          <p:cNvCxnSpPr/>
+          <p:nvPr/>
+        </p:nvCxnSpPr>
+        <p:spPr>
+          <a:xfrm>
+            <a:off x="752079" y="2867644"/>
+            <a:ext cx="5940000" cy="0"/>
+          </a:xfrm>
+          <a:prstGeom prst="straightConnector1">
+            <a:avLst/>
+          </a:prstGeom>
+          <a:ln w="28575">
+            <a:solidFill>
+              <a:schemeClr val="tx1"/>
+            </a:solidFill>
+            <a:tailEnd type="triangle"/>
+          </a:ln>
+        </p:spPr>
+        <p:style>
+          <a:lnRef idx="2">
+            <a:schemeClr val="accent1"/>
+          </a:lnRef>
+          <a:fillRef idx="0">
+            <a:schemeClr val="accent1"/>
+          </a:fillRef>
+          <a:effectRef idx="1">
+            <a:schemeClr val="accent1"/>
+          </a:effectRef>
+          <a:fontRef idx="minor">
+            <a:schemeClr val="tx1"/>
+          </a:fontRef>
+        </p:style>
+      </p:cxnSp>
+      <p:sp>
+        <p:nvSpPr>
+          <p:cNvPr id="11" name="楕円 10">
+            <a:extLst>
+              <a:ext uri="{FF2B5EF4-FFF2-40B4-BE49-F238E27FC236}">
+                <a16:creationId xmlns:a16="http://schemas.microsoft.com/office/drawing/2014/main" id="{CDF76E43-A88A-1722-F331-45AE18CEDBBF}"/>
+              </a:ext>
+            </a:extLst>
+          </p:cNvPr>
+          <p:cNvSpPr/>
+          <p:nvPr/>
+        </p:nvSpPr>
+        <p:spPr>
+          <a:xfrm>
+            <a:off x="3033155" y="2072160"/>
+            <a:ext cx="795484" cy="795484"/>
+          </a:xfrm>
+          <a:prstGeom prst="ellipse">
+            <a:avLst/>
+          </a:prstGeom>
+          <a:noFill/>
+          <a:ln>
+            <a:solidFill>
+              <a:schemeClr val="tx1"/>
+            </a:solidFill>
+          </a:ln>
+        </p:spPr>
+        <p:style>
+          <a:lnRef idx="2">
+            <a:schemeClr val="accent1">
+              <a:shade val="15000"/>
+            </a:schemeClr>
+          </a:lnRef>
+          <a:fillRef idx="1">
+            <a:schemeClr val="accent1"/>
+          </a:fillRef>
+          <a:effectRef idx="0">
+            <a:schemeClr val="accent1"/>
+          </a:effectRef>
+          <a:fontRef idx="minor">
+            <a:schemeClr val="lt1"/>
+          </a:fontRef>
+        </p:style>
+        <p:txBody>
+          <a:bodyPr rtlCol="0" anchor="ctr"/>
+          <a:lstStyle/>
+          <a:p>
+            <a:pPr algn="ctr"/>
+            <a:endParaRPr kumimoji="1" lang="ja-JP" altLang="en-US"/>
+          </a:p>
+        </p:txBody>
+      </p:sp>
+      <p:sp>
+        <p:nvSpPr>
+          <p:cNvPr id="12" name="四角形: 角を丸くする 11">
+            <a:extLst>
+              <a:ext uri="{FF2B5EF4-FFF2-40B4-BE49-F238E27FC236}">
+                <a16:creationId xmlns:a16="http://schemas.microsoft.com/office/drawing/2014/main" id="{605BAAC0-0E12-7D6B-8A29-23CC8D528C48}"/>
+              </a:ext>
+            </a:extLst>
+          </p:cNvPr>
+          <p:cNvSpPr/>
+          <p:nvPr/>
+        </p:nvSpPr>
+        <p:spPr>
+          <a:xfrm>
+            <a:off x="5362119" y="2566937"/>
+            <a:ext cx="513366" cy="292562"/>
+          </a:xfrm>
+          <a:prstGeom prst="roundRect">
+            <a:avLst/>
+          </a:prstGeom>
+          <a:solidFill>
+            <a:schemeClr val="bg1">
+              <a:lumMod val="75000"/>
+              <a:alpha val="70000"/>
+            </a:schemeClr>
+          </a:solidFill>
+          <a:ln>
+            <a:solidFill>
+              <a:schemeClr val="tx1"/>
+            </a:solidFill>
+          </a:ln>
+        </p:spPr>
+        <p:style>
+          <a:lnRef idx="2">
+            <a:schemeClr val="accent1">
+              <a:shade val="15000"/>
+            </a:schemeClr>
+          </a:lnRef>
+          <a:fillRef idx="1">
+            <a:schemeClr val="accent1"/>
+          </a:fillRef>
+          <a:effectRef idx="0">
+            <a:schemeClr val="accent1"/>
+          </a:effectRef>
+          <a:fontRef idx="minor">
+            <a:schemeClr val="lt1"/>
+          </a:fontRef>
+        </p:style>
+        <p:txBody>
+          <a:bodyPr rtlCol="0" anchor="ctr"/>
+          <a:lstStyle/>
+          <a:p>
+            <a:pPr algn="ctr"/>
+            <a:endParaRPr kumimoji="1" lang="ja-JP" altLang="en-US"/>
+          </a:p>
+        </p:txBody>
+      </p:sp>
+      <p:sp>
+        <p:nvSpPr>
+          <p:cNvPr id="24" name="テキスト ボックス 23">
+            <a:extLst>
+              <a:ext uri="{FF2B5EF4-FFF2-40B4-BE49-F238E27FC236}">
+                <a16:creationId xmlns:a16="http://schemas.microsoft.com/office/drawing/2014/main" id="{BE2E0300-3D26-68C8-1B0C-763E3E72D3C0}"/>
+              </a:ext>
+            </a:extLst>
+          </p:cNvPr>
+          <p:cNvSpPr txBox="1"/>
+          <p:nvPr/>
+        </p:nvSpPr>
+        <p:spPr>
+          <a:xfrm>
+            <a:off x="2581981" y="1289246"/>
+            <a:ext cx="1748627" cy="369332"/>
+          </a:xfrm>
+          <a:prstGeom prst="rect">
+            <a:avLst/>
+          </a:prstGeom>
+          <a:noFill/>
+        </p:spPr>
+        <p:txBody>
+          <a:bodyPr wrap="square" rtlCol="0">
+            <a:spAutoFit/>
+          </a:bodyPr>
+          <a:lstStyle/>
+          <a:p>
+            <a:r>
+              <a:rPr lang="ja-JP" altLang="en-US" b="1" dirty="0">
+                <a:ea typeface="Meiryo UI" panose="020B0604030504040204" pitchFamily="50" charset="-128"/>
+              </a:rPr>
+              <a:t>サイクロイド曲線</a:t>
+            </a:r>
+            <a:endParaRPr kumimoji="1" lang="ja-JP" altLang="en-US" b="1" dirty="0">
+              <a:ea typeface="Meiryo UI" panose="020B0604030504040204" pitchFamily="50" charset="-128"/>
+            </a:endParaRPr>
+          </a:p>
+        </p:txBody>
+      </p:sp>
+      <p:cxnSp>
+        <p:nvCxnSpPr>
+          <p:cNvPr id="25" name="直線コネクタ 24">
+            <a:extLst>
+              <a:ext uri="{FF2B5EF4-FFF2-40B4-BE49-F238E27FC236}">
+                <a16:creationId xmlns:a16="http://schemas.microsoft.com/office/drawing/2014/main" id="{5B99B098-4FDE-09B0-07B9-4D6A4A7F2B9C}"/>
+              </a:ext>
+            </a:extLst>
+          </p:cNvPr>
+          <p:cNvCxnSpPr>
+            <a:cxnSpLocks/>
+            <a:stCxn id="24" idx="3"/>
+          </p:cNvCxnSpPr>
+          <p:nvPr/>
+        </p:nvCxnSpPr>
+        <p:spPr>
+          <a:xfrm>
+            <a:off x="4330608" y="1473912"/>
+            <a:ext cx="395528" cy="774387"/>
+          </a:xfrm>
+          <a:prstGeom prst="line">
+            <a:avLst/>
+          </a:prstGeom>
+        </p:spPr>
+        <p:style>
+          <a:lnRef idx="2">
+            <a:schemeClr val="dk1"/>
+          </a:lnRef>
+          <a:fillRef idx="0">
+            <a:schemeClr val="dk1"/>
+          </a:fillRef>
+          <a:effectRef idx="1">
+            <a:schemeClr val="dk1"/>
+          </a:effectRef>
+          <a:fontRef idx="minor">
+            <a:schemeClr val="tx1"/>
+          </a:fontRef>
+        </p:style>
+      </p:cxnSp>
+      <p:sp>
+        <p:nvSpPr>
+          <p:cNvPr id="29" name="楕円 28">
+            <a:extLst>
+              <a:ext uri="{FF2B5EF4-FFF2-40B4-BE49-F238E27FC236}">
+                <a16:creationId xmlns:a16="http://schemas.microsoft.com/office/drawing/2014/main" id="{D367A7F3-58AA-D7E5-1E7C-D3C979B56D2B}"/>
+              </a:ext>
+            </a:extLst>
+          </p:cNvPr>
+          <p:cNvSpPr/>
+          <p:nvPr/>
+        </p:nvSpPr>
+        <p:spPr>
+          <a:xfrm>
+            <a:off x="856591" y="2080305"/>
+            <a:ext cx="795484" cy="795484"/>
+          </a:xfrm>
+          <a:prstGeom prst="ellipse">
+            <a:avLst/>
+          </a:prstGeom>
+          <a:noFill/>
+          <a:ln>
+            <a:solidFill>
+              <a:schemeClr val="tx1"/>
+            </a:solidFill>
+          </a:ln>
+        </p:spPr>
+        <p:style>
+          <a:lnRef idx="2">
+            <a:schemeClr val="accent1">
+              <a:shade val="15000"/>
+            </a:schemeClr>
+          </a:lnRef>
+          <a:fillRef idx="1">
+            <a:schemeClr val="accent1"/>
+          </a:fillRef>
+          <a:effectRef idx="0">
+            <a:schemeClr val="accent1"/>
+          </a:effectRef>
+          <a:fontRef idx="minor">
+            <a:schemeClr val="lt1"/>
+          </a:fontRef>
+        </p:style>
+        <p:txBody>
+          <a:bodyPr rtlCol="0" anchor="ctr"/>
+          <a:lstStyle/>
+          <a:p>
+            <a:pPr algn="ctr"/>
+            <a:endParaRPr kumimoji="1" lang="ja-JP" altLang="en-US"/>
+          </a:p>
+        </p:txBody>
+      </p:sp>
+      <p:sp>
+        <p:nvSpPr>
+          <p:cNvPr id="8" name="四角形: 角を丸くする 7">
+            <a:extLst>
+              <a:ext uri="{FF2B5EF4-FFF2-40B4-BE49-F238E27FC236}">
+                <a16:creationId xmlns:a16="http://schemas.microsoft.com/office/drawing/2014/main" id="{E04F09A1-46DF-3A89-9B2C-1D17E008407F}"/>
+              </a:ext>
+            </a:extLst>
+          </p:cNvPr>
+          <p:cNvSpPr/>
+          <p:nvPr/>
+        </p:nvSpPr>
+        <p:spPr>
+          <a:xfrm>
+            <a:off x="1003392" y="2575082"/>
+            <a:ext cx="513366" cy="292562"/>
+          </a:xfrm>
+          <a:prstGeom prst="roundRect">
+            <a:avLst/>
+          </a:prstGeom>
+          <a:solidFill>
+            <a:schemeClr val="bg1">
+              <a:lumMod val="75000"/>
+              <a:alpha val="70000"/>
+            </a:schemeClr>
+          </a:solidFill>
+          <a:ln>
+            <a:solidFill>
+              <a:schemeClr val="tx1"/>
+            </a:solidFill>
+          </a:ln>
+        </p:spPr>
+        <p:style>
+          <a:lnRef idx="2">
+            <a:schemeClr val="accent1">
+              <a:shade val="15000"/>
+            </a:schemeClr>
+          </a:lnRef>
+          <a:fillRef idx="1">
+            <a:schemeClr val="accent1"/>
+          </a:fillRef>
+          <a:effectRef idx="0">
+            <a:schemeClr val="accent1"/>
+          </a:effectRef>
+          <a:fontRef idx="minor">
+            <a:schemeClr val="lt1"/>
+          </a:fontRef>
+        </p:style>
+        <p:txBody>
+          <a:bodyPr rtlCol="0" anchor="ctr"/>
+          <a:lstStyle/>
+          <a:p>
+            <a:pPr algn="ctr"/>
+            <a:endParaRPr kumimoji="1" lang="ja-JP" altLang="en-US"/>
+          </a:p>
+        </p:txBody>
+      </p:sp>
+      <p:sp>
+        <p:nvSpPr>
+          <p:cNvPr id="10" name="四角形: 角を丸くする 9">
+            <a:extLst>
+              <a:ext uri="{FF2B5EF4-FFF2-40B4-BE49-F238E27FC236}">
+                <a16:creationId xmlns:a16="http://schemas.microsoft.com/office/drawing/2014/main" id="{D20DE7D9-C9E4-E23E-7841-DC5B8EF9F18D}"/>
+              </a:ext>
+            </a:extLst>
+          </p:cNvPr>
+          <p:cNvSpPr/>
+          <p:nvPr/>
+        </p:nvSpPr>
+        <p:spPr>
+          <a:xfrm>
+            <a:off x="1577519" y="2072159"/>
+            <a:ext cx="513366" cy="292562"/>
+          </a:xfrm>
+          <a:prstGeom prst="roundRect">
+            <a:avLst/>
+          </a:prstGeom>
+          <a:solidFill>
+            <a:schemeClr val="bg1">
+              <a:lumMod val="75000"/>
+              <a:alpha val="70000"/>
+            </a:schemeClr>
+          </a:solidFill>
+          <a:ln>
+            <a:solidFill>
+              <a:schemeClr val="tx1"/>
+            </a:solidFill>
+          </a:ln>
+        </p:spPr>
+        <p:style>
+          <a:lnRef idx="2">
+            <a:schemeClr val="accent1">
+              <a:shade val="15000"/>
+            </a:schemeClr>
+          </a:lnRef>
+          <a:fillRef idx="1">
+            <a:schemeClr val="accent1"/>
+          </a:fillRef>
+          <a:effectRef idx="0">
+            <a:schemeClr val="accent1"/>
+          </a:effectRef>
+          <a:fontRef idx="minor">
+            <a:schemeClr val="lt1"/>
+          </a:fontRef>
+        </p:style>
+        <p:txBody>
+          <a:bodyPr rtlCol="0" anchor="ctr"/>
+          <a:lstStyle/>
+          <a:p>
+            <a:pPr algn="ctr"/>
+            <a:endParaRPr kumimoji="1" lang="ja-JP" altLang="en-US"/>
+          </a:p>
+        </p:txBody>
+      </p:sp>
+      <p:sp>
+        <p:nvSpPr>
+          <p:cNvPr id="13" name="テキスト ボックス 12">
+            <a:extLst>
+              <a:ext uri="{FF2B5EF4-FFF2-40B4-BE49-F238E27FC236}">
+                <a16:creationId xmlns:a16="http://schemas.microsoft.com/office/drawing/2014/main" id="{12DDE61D-1E67-AD92-B3CC-9F557782392E}"/>
+              </a:ext>
+            </a:extLst>
+          </p:cNvPr>
+          <p:cNvSpPr txBox="1"/>
+          <p:nvPr/>
+        </p:nvSpPr>
+        <p:spPr>
+          <a:xfrm>
+            <a:off x="2894471" y="3518110"/>
+            <a:ext cx="803425" cy="369332"/>
+          </a:xfrm>
+          <a:prstGeom prst="rect">
+            <a:avLst/>
+          </a:prstGeom>
+          <a:noFill/>
+        </p:spPr>
+        <p:txBody>
+          <a:bodyPr wrap="none" rtlCol="0">
+            <a:spAutoFit/>
+          </a:bodyPr>
+          <a:lstStyle/>
+          <a:p>
+            <a:r>
+              <a:rPr kumimoji="1" lang="ja-JP" altLang="en-US" b="1" dirty="0">
+                <a:ea typeface="Meiryo UI" panose="020B0604030504040204" pitchFamily="50" charset="-128"/>
+              </a:rPr>
+              <a:t>振り足</a:t>
+            </a:r>
+          </a:p>
+        </p:txBody>
+      </p:sp>
+      <p:cxnSp>
+        <p:nvCxnSpPr>
+          <p:cNvPr id="15" name="直線コネクタ 14">
+            <a:extLst>
+              <a:ext uri="{FF2B5EF4-FFF2-40B4-BE49-F238E27FC236}">
+                <a16:creationId xmlns:a16="http://schemas.microsoft.com/office/drawing/2014/main" id="{6AAE6D0A-9897-4B47-866E-2F6905FB4219}"/>
+              </a:ext>
+            </a:extLst>
+          </p:cNvPr>
+          <p:cNvCxnSpPr>
+            <a:cxnSpLocks/>
+            <a:endCxn id="13" idx="1"/>
+          </p:cNvCxnSpPr>
+          <p:nvPr/>
+        </p:nvCxnSpPr>
+        <p:spPr>
+          <a:xfrm>
+            <a:off x="1254333" y="2723261"/>
+            <a:ext cx="1640138" cy="979515"/>
+          </a:xfrm>
+          <a:prstGeom prst="line">
+            <a:avLst/>
+          </a:prstGeom>
+        </p:spPr>
+        <p:style>
+          <a:lnRef idx="2">
+            <a:schemeClr val="dk1"/>
+          </a:lnRef>
+          <a:fillRef idx="0">
+            <a:schemeClr val="dk1"/>
+          </a:fillRef>
+          <a:effectRef idx="1">
+            <a:schemeClr val="dk1"/>
+          </a:effectRef>
+          <a:fontRef idx="minor">
+            <a:schemeClr val="tx1"/>
+          </a:fontRef>
+        </p:style>
+      </p:cxnSp>
+      <p:cxnSp>
+        <p:nvCxnSpPr>
+          <p:cNvPr id="17" name="直線コネクタ 16">
+            <a:extLst>
+              <a:ext uri="{FF2B5EF4-FFF2-40B4-BE49-F238E27FC236}">
+                <a16:creationId xmlns:a16="http://schemas.microsoft.com/office/drawing/2014/main" id="{CE187B66-F10B-4684-1283-DD63DF28C059}"/>
+              </a:ext>
+            </a:extLst>
+          </p:cNvPr>
+          <p:cNvCxnSpPr>
+            <a:cxnSpLocks/>
+            <a:endCxn id="13" idx="1"/>
+          </p:cNvCxnSpPr>
+          <p:nvPr/>
+        </p:nvCxnSpPr>
+        <p:spPr>
+          <a:xfrm>
+            <a:off x="1834202" y="2208088"/>
+            <a:ext cx="1060269" cy="1494688"/>
+          </a:xfrm>
+          <a:prstGeom prst="line">
+            <a:avLst/>
+          </a:prstGeom>
+        </p:spPr>
+        <p:style>
+          <a:lnRef idx="2">
+            <a:schemeClr val="dk1"/>
+          </a:lnRef>
+          <a:fillRef idx="0">
+            <a:schemeClr val="dk1"/>
+          </a:fillRef>
+          <a:effectRef idx="1">
+            <a:schemeClr val="dk1"/>
+          </a:effectRef>
+          <a:fontRef idx="minor">
+            <a:schemeClr val="tx1"/>
+          </a:fontRef>
+        </p:style>
+      </p:cxnSp>
+      <p:cxnSp>
+        <p:nvCxnSpPr>
+          <p:cNvPr id="18" name="直線コネクタ 17">
+            <a:extLst>
+              <a:ext uri="{FF2B5EF4-FFF2-40B4-BE49-F238E27FC236}">
+                <a16:creationId xmlns:a16="http://schemas.microsoft.com/office/drawing/2014/main" id="{79C3DA83-A485-F954-E06A-0E5B626949CC}"/>
+              </a:ext>
+            </a:extLst>
+          </p:cNvPr>
+          <p:cNvCxnSpPr>
+            <a:cxnSpLocks/>
+            <a:stCxn id="13" idx="3"/>
+          </p:cNvCxnSpPr>
+          <p:nvPr/>
+        </p:nvCxnSpPr>
+        <p:spPr>
+          <a:xfrm flipV="1">
+            <a:off x="3697896" y="2733044"/>
+            <a:ext cx="1920906" cy="969732"/>
+          </a:xfrm>
+          <a:prstGeom prst="line">
+            <a:avLst/>
+          </a:prstGeom>
+        </p:spPr>
+        <p:style>
+          <a:lnRef idx="2">
+            <a:schemeClr val="dk1"/>
+          </a:lnRef>
+          <a:fillRef idx="0">
+            <a:schemeClr val="dk1"/>
+          </a:fillRef>
+          <a:effectRef idx="1">
+            <a:schemeClr val="dk1"/>
+          </a:effectRef>
+          <a:fontRef idx="minor">
+            <a:schemeClr val="tx1"/>
+          </a:fontRef>
+        </p:style>
+      </p:cxnSp>
+      <p:sp>
+        <p:nvSpPr>
+          <p:cNvPr id="30" name="楕円 29">
+            <a:extLst>
+              <a:ext uri="{FF2B5EF4-FFF2-40B4-BE49-F238E27FC236}">
+                <a16:creationId xmlns:a16="http://schemas.microsoft.com/office/drawing/2014/main" id="{1DD86E33-DACE-69B9-0721-B868DEE7A82C}"/>
+              </a:ext>
+            </a:extLst>
+          </p:cNvPr>
+          <p:cNvSpPr/>
+          <p:nvPr/>
+        </p:nvSpPr>
+        <p:spPr>
+          <a:xfrm>
+            <a:off x="1200893" y="2832018"/>
+            <a:ext cx="72000" cy="72000"/>
+          </a:xfrm>
+          <a:prstGeom prst="ellipse">
+            <a:avLst/>
+          </a:prstGeom>
+        </p:spPr>
+        <p:style>
+          <a:lnRef idx="2">
+            <a:schemeClr val="dk1">
+              <a:shade val="15000"/>
+            </a:schemeClr>
+          </a:lnRef>
+          <a:fillRef idx="1">
+            <a:schemeClr val="dk1"/>
+          </a:fillRef>
+          <a:effectRef idx="0">
+            <a:schemeClr val="dk1"/>
+          </a:effectRef>
+          <a:fontRef idx="minor">
+            <a:schemeClr val="lt1"/>
+          </a:fontRef>
+        </p:style>
+        <p:txBody>
+          <a:bodyPr rtlCol="0" anchor="ctr"/>
+          <a:lstStyle/>
+          <a:p>
+            <a:pPr algn="ctr"/>
+            <a:endParaRPr kumimoji="1" lang="ja-JP" altLang="en-US"/>
+          </a:p>
+        </p:txBody>
+      </p:sp>
+      <p:sp>
+        <p:nvSpPr>
+          <p:cNvPr id="31" name="楕円 30">
+            <a:extLst>
+              <a:ext uri="{FF2B5EF4-FFF2-40B4-BE49-F238E27FC236}">
+                <a16:creationId xmlns:a16="http://schemas.microsoft.com/office/drawing/2014/main" id="{330C868B-377E-BC24-D071-CABA8B883C5D}"/>
+              </a:ext>
+            </a:extLst>
+          </p:cNvPr>
+          <p:cNvSpPr/>
+          <p:nvPr/>
+        </p:nvSpPr>
+        <p:spPr>
+          <a:xfrm>
+            <a:off x="1806308" y="2325363"/>
+            <a:ext cx="72000" cy="72000"/>
+          </a:xfrm>
+          <a:prstGeom prst="ellipse">
+            <a:avLst/>
+          </a:prstGeom>
+        </p:spPr>
+        <p:style>
+          <a:lnRef idx="2">
+            <a:schemeClr val="dk1">
+              <a:shade val="15000"/>
+            </a:schemeClr>
+          </a:lnRef>
+          <a:fillRef idx="1">
+            <a:schemeClr val="dk1"/>
+          </a:fillRef>
+          <a:effectRef idx="0">
+            <a:schemeClr val="dk1"/>
+          </a:effectRef>
+          <a:fontRef idx="minor">
+            <a:schemeClr val="lt1"/>
+          </a:fontRef>
+        </p:style>
+        <p:txBody>
+          <a:bodyPr rtlCol="0" anchor="ctr"/>
+          <a:lstStyle/>
+          <a:p>
+            <a:pPr algn="ctr"/>
+            <a:endParaRPr kumimoji="1" lang="ja-JP" altLang="en-US"/>
+          </a:p>
+        </p:txBody>
+      </p:sp>
+      <p:sp>
+        <p:nvSpPr>
+          <p:cNvPr id="32" name="楕円 31">
+            <a:extLst>
+              <a:ext uri="{FF2B5EF4-FFF2-40B4-BE49-F238E27FC236}">
+                <a16:creationId xmlns:a16="http://schemas.microsoft.com/office/drawing/2014/main" id="{4080E5A3-1DCE-AEB4-D828-7C3803A31818}"/>
+              </a:ext>
+            </a:extLst>
+          </p:cNvPr>
+          <p:cNvSpPr/>
+          <p:nvPr/>
+        </p:nvSpPr>
+        <p:spPr>
+          <a:xfrm>
+            <a:off x="3396752" y="2035590"/>
+            <a:ext cx="72000" cy="72000"/>
+          </a:xfrm>
+          <a:prstGeom prst="ellipse">
+            <a:avLst/>
+          </a:prstGeom>
+        </p:spPr>
+        <p:style>
+          <a:lnRef idx="2">
+            <a:schemeClr val="dk1">
+              <a:shade val="15000"/>
+            </a:schemeClr>
+          </a:lnRef>
+          <a:fillRef idx="1">
+            <a:schemeClr val="dk1"/>
+          </a:fillRef>
+          <a:effectRef idx="0">
+            <a:schemeClr val="dk1"/>
+          </a:effectRef>
+          <a:fontRef idx="minor">
+            <a:schemeClr val="lt1"/>
+          </a:fontRef>
+        </p:style>
+        <p:txBody>
+          <a:bodyPr rtlCol="0" anchor="ctr"/>
+          <a:lstStyle/>
+          <a:p>
+            <a:pPr algn="ctr"/>
+            <a:endParaRPr kumimoji="1" lang="ja-JP" altLang="en-US"/>
+          </a:p>
+        </p:txBody>
+      </p:sp>
+    </p:spTree>
+    <p:extLst>
+      <p:ext uri="{BB962C8B-B14F-4D97-AF65-F5344CB8AC3E}">
+        <p14:creationId xmlns:p14="http://schemas.microsoft.com/office/powerpoint/2010/main" val="3213702098"/>
+      </p:ext>
+    </p:extLst>
+  </p:cSld>
+  <p:clrMapOvr>
+    <a:masterClrMapping/>
+  </p:clrMapOvr>
+</p:sld>
+</file>
+
 <file path=ppt/theme/theme1.xml><?xml version="1.0" encoding="utf-8"?>
 <a:theme xmlns:a="http://schemas.openxmlformats.org/drawingml/2006/main" name="Office テーマ">
   <a:themeElements>

--- a/figure.pptx
+++ b/figure.pptx
@@ -9,6 +9,7 @@
     <p:sldId id="257" r:id="rId3"/>
     <p:sldId id="258" r:id="rId4"/>
     <p:sldId id="259" r:id="rId5"/>
+    <p:sldId id="260" r:id="rId6"/>
   </p:sldIdLst>
   <p:sldSz cx="12192000" cy="6858000"/>
   <p:notesSz cx="6858000" cy="9144000"/>
@@ -262,7 +263,7 @@
           <a:p>
             <a:fld id="{50DB86B2-1F85-458D-BB4D-F9A4D62C4F3A}" type="datetimeFigureOut">
               <a:rPr kumimoji="1" lang="ja-JP" altLang="en-US" smtClean="0"/>
-              <a:t>2024/11/17</a:t>
+              <a:t>2024/11/27</a:t>
             </a:fld>
             <a:endParaRPr kumimoji="1" lang="ja-JP" altLang="en-US"/>
           </a:p>
@@ -492,7 +493,7 @@
           <a:p>
             <a:fld id="{50DB86B2-1F85-458D-BB4D-F9A4D62C4F3A}" type="datetimeFigureOut">
               <a:rPr kumimoji="1" lang="ja-JP" altLang="en-US" smtClean="0"/>
-              <a:t>2024/11/17</a:t>
+              <a:t>2024/11/27</a:t>
             </a:fld>
             <a:endParaRPr kumimoji="1" lang="ja-JP" altLang="en-US"/>
           </a:p>
@@ -732,7 +733,7 @@
           <a:p>
             <a:fld id="{50DB86B2-1F85-458D-BB4D-F9A4D62C4F3A}" type="datetimeFigureOut">
               <a:rPr kumimoji="1" lang="ja-JP" altLang="en-US" smtClean="0"/>
-              <a:t>2024/11/17</a:t>
+              <a:t>2024/11/27</a:t>
             </a:fld>
             <a:endParaRPr kumimoji="1" lang="ja-JP" altLang="en-US"/>
           </a:p>
@@ -962,7 +963,7 @@
           <a:p>
             <a:fld id="{50DB86B2-1F85-458D-BB4D-F9A4D62C4F3A}" type="datetimeFigureOut">
               <a:rPr kumimoji="1" lang="ja-JP" altLang="en-US" smtClean="0"/>
-              <a:t>2024/11/17</a:t>
+              <a:t>2024/11/27</a:t>
             </a:fld>
             <a:endParaRPr kumimoji="1" lang="ja-JP" altLang="en-US"/>
           </a:p>
@@ -1237,7 +1238,7 @@
           <a:p>
             <a:fld id="{50DB86B2-1F85-458D-BB4D-F9A4D62C4F3A}" type="datetimeFigureOut">
               <a:rPr kumimoji="1" lang="ja-JP" altLang="en-US" smtClean="0"/>
-              <a:t>2024/11/17</a:t>
+              <a:t>2024/11/27</a:t>
             </a:fld>
             <a:endParaRPr kumimoji="1" lang="ja-JP" altLang="en-US"/>
           </a:p>
@@ -1566,7 +1567,7 @@
           <a:p>
             <a:fld id="{50DB86B2-1F85-458D-BB4D-F9A4D62C4F3A}" type="datetimeFigureOut">
               <a:rPr kumimoji="1" lang="ja-JP" altLang="en-US" smtClean="0"/>
-              <a:t>2024/11/17</a:t>
+              <a:t>2024/11/27</a:t>
             </a:fld>
             <a:endParaRPr kumimoji="1" lang="ja-JP" altLang="en-US"/>
           </a:p>
@@ -2042,7 +2043,7 @@
           <a:p>
             <a:fld id="{50DB86B2-1F85-458D-BB4D-F9A4D62C4F3A}" type="datetimeFigureOut">
               <a:rPr kumimoji="1" lang="ja-JP" altLang="en-US" smtClean="0"/>
-              <a:t>2024/11/17</a:t>
+              <a:t>2024/11/27</a:t>
             </a:fld>
             <a:endParaRPr kumimoji="1" lang="ja-JP" altLang="en-US"/>
           </a:p>
@@ -2183,7 +2184,7 @@
           <a:p>
             <a:fld id="{50DB86B2-1F85-458D-BB4D-F9A4D62C4F3A}" type="datetimeFigureOut">
               <a:rPr kumimoji="1" lang="ja-JP" altLang="en-US" smtClean="0"/>
-              <a:t>2024/11/17</a:t>
+              <a:t>2024/11/27</a:t>
             </a:fld>
             <a:endParaRPr kumimoji="1" lang="ja-JP" altLang="en-US"/>
           </a:p>
@@ -2296,7 +2297,7 @@
           <a:p>
             <a:fld id="{50DB86B2-1F85-458D-BB4D-F9A4D62C4F3A}" type="datetimeFigureOut">
               <a:rPr kumimoji="1" lang="ja-JP" altLang="en-US" smtClean="0"/>
-              <a:t>2024/11/17</a:t>
+              <a:t>2024/11/27</a:t>
             </a:fld>
             <a:endParaRPr kumimoji="1" lang="ja-JP" altLang="en-US"/>
           </a:p>
@@ -2639,7 +2640,7 @@
           <a:p>
             <a:fld id="{50DB86B2-1F85-458D-BB4D-F9A4D62C4F3A}" type="datetimeFigureOut">
               <a:rPr kumimoji="1" lang="ja-JP" altLang="en-US" smtClean="0"/>
-              <a:t>2024/11/17</a:t>
+              <a:t>2024/11/27</a:t>
             </a:fld>
             <a:endParaRPr kumimoji="1" lang="ja-JP" altLang="en-US"/>
           </a:p>
@@ -2927,7 +2928,7 @@
           <a:p>
             <a:fld id="{50DB86B2-1F85-458D-BB4D-F9A4D62C4F3A}" type="datetimeFigureOut">
               <a:rPr kumimoji="1" lang="ja-JP" altLang="en-US" smtClean="0"/>
-              <a:t>2024/11/17</a:t>
+              <a:t>2024/11/27</a:t>
             </a:fld>
             <a:endParaRPr kumimoji="1" lang="ja-JP" altLang="en-US"/>
           </a:p>
@@ -3200,7 +3201,7 @@
           <a:p>
             <a:fld id="{50DB86B2-1F85-458D-BB4D-F9A4D62C4F3A}" type="datetimeFigureOut">
               <a:rPr kumimoji="1" lang="ja-JP" altLang="en-US" smtClean="0"/>
-              <a:t>2024/11/17</a:t>
+              <a:t>2024/11/27</a:t>
             </a:fld>
             <a:endParaRPr kumimoji="1" lang="ja-JP" altLang="en-US"/>
           </a:p>
@@ -9279,6 +9280,834 @@
 </p:sld>
 </file>
 
+<file path=ppt/slides/slide5.xml><?xml version="1.0" encoding="utf-8"?>
+<p:sld xmlns:a="http://schemas.openxmlformats.org/drawingml/2006/main" xmlns:r="http://schemas.openxmlformats.org/officeDocument/2006/relationships" xmlns:p="http://schemas.openxmlformats.org/presentationml/2006/main">
+  <p:cSld>
+    <p:spTree>
+      <p:nvGrpSpPr>
+        <p:cNvPr id="1" name=""/>
+        <p:cNvGrpSpPr/>
+        <p:nvPr/>
+      </p:nvGrpSpPr>
+      <p:grpSpPr>
+        <a:xfrm>
+          <a:off x="0" y="0"/>
+          <a:ext cx="0" cy="0"/>
+          <a:chOff x="0" y="0"/>
+          <a:chExt cx="0" cy="0"/>
+        </a:xfrm>
+      </p:grpSpPr>
+      <p:pic>
+        <p:nvPicPr>
+          <p:cNvPr id="16" name="図 15">
+            <a:extLst>
+              <a:ext uri="{FF2B5EF4-FFF2-40B4-BE49-F238E27FC236}">
+                <a16:creationId xmlns:a16="http://schemas.microsoft.com/office/drawing/2014/main" id="{A79682DE-E721-F5CE-7D89-891F225A3136}"/>
+              </a:ext>
+            </a:extLst>
+          </p:cNvPr>
+          <p:cNvPicPr>
+            <a:picLocks noChangeAspect="1"/>
+          </p:cNvPicPr>
+          <p:nvPr/>
+        </p:nvPicPr>
+        <p:blipFill>
+          <a:blip r:embed="rId2"/>
+          <a:srcRect r="70488"/>
+          <a:stretch/>
+        </p:blipFill>
+        <p:spPr>
+          <a:xfrm>
+            <a:off x="630557" y="517381"/>
+            <a:ext cx="1810493" cy="2682472"/>
+          </a:xfrm>
+          <a:prstGeom prst="rect">
+            <a:avLst/>
+          </a:prstGeom>
+        </p:spPr>
+      </p:pic>
+      <p:sp>
+        <p:nvSpPr>
+          <p:cNvPr id="35" name="正方形/長方形 34">
+            <a:extLst>
+              <a:ext uri="{FF2B5EF4-FFF2-40B4-BE49-F238E27FC236}">
+                <a16:creationId xmlns:a16="http://schemas.microsoft.com/office/drawing/2014/main" id="{5FC19625-7B4C-DF97-CBC0-7F448DA86957}"/>
+              </a:ext>
+            </a:extLst>
+          </p:cNvPr>
+          <p:cNvSpPr/>
+          <p:nvPr/>
+        </p:nvSpPr>
+        <p:spPr>
+          <a:xfrm>
+            <a:off x="2099881" y="2173847"/>
+            <a:ext cx="984672" cy="705821"/>
+          </a:xfrm>
+          <a:prstGeom prst="rect">
+            <a:avLst/>
+          </a:prstGeom>
+          <a:solidFill>
+            <a:schemeClr val="bg1">
+              <a:lumMod val="75000"/>
+            </a:schemeClr>
+          </a:solidFill>
+          <a:ln>
+            <a:noFill/>
+          </a:ln>
+        </p:spPr>
+        <p:style>
+          <a:lnRef idx="2">
+            <a:schemeClr val="accent1">
+              <a:shade val="15000"/>
+            </a:schemeClr>
+          </a:lnRef>
+          <a:fillRef idx="1">
+            <a:schemeClr val="accent1"/>
+          </a:fillRef>
+          <a:effectRef idx="0">
+            <a:schemeClr val="accent1"/>
+          </a:effectRef>
+          <a:fontRef idx="minor">
+            <a:schemeClr val="lt1"/>
+          </a:fontRef>
+        </p:style>
+        <p:txBody>
+          <a:bodyPr rtlCol="0" anchor="ctr"/>
+          <a:lstStyle/>
+          <a:p>
+            <a:pPr algn="ctr"/>
+            <a:endParaRPr kumimoji="1" lang="ja-JP" altLang="en-US" dirty="0"/>
+          </a:p>
+        </p:txBody>
+      </p:sp>
+      <p:sp>
+        <p:nvSpPr>
+          <p:cNvPr id="17" name="正方形/長方形 16">
+            <a:extLst>
+              <a:ext uri="{FF2B5EF4-FFF2-40B4-BE49-F238E27FC236}">
+                <a16:creationId xmlns:a16="http://schemas.microsoft.com/office/drawing/2014/main" id="{B84285F3-1C5E-BCA5-775F-C05172D996F8}"/>
+              </a:ext>
+            </a:extLst>
+          </p:cNvPr>
+          <p:cNvSpPr/>
+          <p:nvPr/>
+        </p:nvSpPr>
+        <p:spPr>
+          <a:xfrm>
+            <a:off x="752079" y="2875789"/>
+            <a:ext cx="2332474" cy="229343"/>
+          </a:xfrm>
+          <a:prstGeom prst="rect">
+            <a:avLst/>
+          </a:prstGeom>
+          <a:solidFill>
+            <a:schemeClr val="bg1">
+              <a:lumMod val="75000"/>
+            </a:schemeClr>
+          </a:solidFill>
+          <a:ln>
+            <a:noFill/>
+          </a:ln>
+        </p:spPr>
+        <p:style>
+          <a:lnRef idx="2">
+            <a:schemeClr val="accent1">
+              <a:shade val="15000"/>
+            </a:schemeClr>
+          </a:lnRef>
+          <a:fillRef idx="1">
+            <a:schemeClr val="accent1"/>
+          </a:fillRef>
+          <a:effectRef idx="0">
+            <a:schemeClr val="accent1"/>
+          </a:effectRef>
+          <a:fontRef idx="minor">
+            <a:schemeClr val="lt1"/>
+          </a:fontRef>
+        </p:style>
+        <p:txBody>
+          <a:bodyPr rtlCol="0" anchor="ctr"/>
+          <a:lstStyle/>
+          <a:p>
+            <a:pPr algn="ctr"/>
+            <a:endParaRPr kumimoji="1" lang="ja-JP" altLang="en-US"/>
+          </a:p>
+        </p:txBody>
+      </p:sp>
+      <p:sp>
+        <p:nvSpPr>
+          <p:cNvPr id="25" name="四角形: 角を丸くする 24">
+            <a:extLst>
+              <a:ext uri="{FF2B5EF4-FFF2-40B4-BE49-F238E27FC236}">
+                <a16:creationId xmlns:a16="http://schemas.microsoft.com/office/drawing/2014/main" id="{7FF3F82A-A419-3EAE-B891-B0AF4E3EC1A8}"/>
+              </a:ext>
+            </a:extLst>
+          </p:cNvPr>
+          <p:cNvSpPr/>
+          <p:nvPr/>
+        </p:nvSpPr>
+        <p:spPr>
+          <a:xfrm>
+            <a:off x="1573542" y="2060158"/>
+            <a:ext cx="513366" cy="292562"/>
+          </a:xfrm>
+          <a:prstGeom prst="roundRect">
+            <a:avLst/>
+          </a:prstGeom>
+          <a:solidFill>
+            <a:schemeClr val="bg1">
+              <a:lumMod val="75000"/>
+              <a:alpha val="70000"/>
+            </a:schemeClr>
+          </a:solidFill>
+          <a:ln>
+            <a:solidFill>
+              <a:schemeClr val="tx1"/>
+            </a:solidFill>
+          </a:ln>
+        </p:spPr>
+        <p:style>
+          <a:lnRef idx="2">
+            <a:schemeClr val="accent1">
+              <a:shade val="15000"/>
+            </a:schemeClr>
+          </a:lnRef>
+          <a:fillRef idx="1">
+            <a:schemeClr val="accent1"/>
+          </a:fillRef>
+          <a:effectRef idx="0">
+            <a:schemeClr val="accent1"/>
+          </a:effectRef>
+          <a:fontRef idx="minor">
+            <a:schemeClr val="lt1"/>
+          </a:fontRef>
+        </p:style>
+        <p:txBody>
+          <a:bodyPr rtlCol="0" anchor="ctr"/>
+          <a:lstStyle/>
+          <a:p>
+            <a:pPr algn="ctr"/>
+            <a:endParaRPr kumimoji="1" lang="ja-JP" altLang="en-US"/>
+          </a:p>
+        </p:txBody>
+      </p:sp>
+      <p:sp>
+        <p:nvSpPr>
+          <p:cNvPr id="21" name="テキスト ボックス 20">
+            <a:extLst>
+              <a:ext uri="{FF2B5EF4-FFF2-40B4-BE49-F238E27FC236}">
+                <a16:creationId xmlns:a16="http://schemas.microsoft.com/office/drawing/2014/main" id="{60EEE717-167D-E1E5-6148-33AD2F3A329C}"/>
+              </a:ext>
+            </a:extLst>
+          </p:cNvPr>
+          <p:cNvSpPr txBox="1"/>
+          <p:nvPr/>
+        </p:nvSpPr>
+        <p:spPr>
+          <a:xfrm>
+            <a:off x="1878308" y="3308947"/>
+            <a:ext cx="1810493" cy="369332"/>
+          </a:xfrm>
+          <a:prstGeom prst="rect">
+            <a:avLst/>
+          </a:prstGeom>
+          <a:noFill/>
+        </p:spPr>
+        <p:txBody>
+          <a:bodyPr wrap="square" rtlCol="0">
+            <a:spAutoFit/>
+          </a:bodyPr>
+          <a:lstStyle/>
+          <a:p>
+            <a:r>
+              <a:rPr lang="ja-JP" altLang="en-US" b="1" dirty="0">
+                <a:ea typeface="Meiryo UI" panose="020B0604030504040204" pitchFamily="50" charset="-128"/>
+              </a:rPr>
+              <a:t>実際の遊脚軌道</a:t>
+            </a:r>
+            <a:endParaRPr kumimoji="1" lang="ja-JP" altLang="en-US" b="1" dirty="0">
+              <a:ea typeface="Meiryo UI" panose="020B0604030504040204" pitchFamily="50" charset="-128"/>
+            </a:endParaRPr>
+          </a:p>
+        </p:txBody>
+      </p:sp>
+      <p:cxnSp>
+        <p:nvCxnSpPr>
+          <p:cNvPr id="22" name="直線コネクタ 21">
+            <a:extLst>
+              <a:ext uri="{FF2B5EF4-FFF2-40B4-BE49-F238E27FC236}">
+                <a16:creationId xmlns:a16="http://schemas.microsoft.com/office/drawing/2014/main" id="{6442A853-73DA-38BE-0974-E4BC343DD999}"/>
+              </a:ext>
+            </a:extLst>
+          </p:cNvPr>
+          <p:cNvCxnSpPr>
+            <a:cxnSpLocks/>
+            <a:stCxn id="21" idx="1"/>
+          </p:cNvCxnSpPr>
+          <p:nvPr/>
+        </p:nvCxnSpPr>
+        <p:spPr>
+          <a:xfrm flipH="1" flipV="1">
+            <a:off x="1727607" y="2405508"/>
+            <a:ext cx="150701" cy="1088105"/>
+          </a:xfrm>
+          <a:prstGeom prst="line">
+            <a:avLst/>
+          </a:prstGeom>
+        </p:spPr>
+        <p:style>
+          <a:lnRef idx="2">
+            <a:schemeClr val="dk1"/>
+          </a:lnRef>
+          <a:fillRef idx="0">
+            <a:schemeClr val="dk1"/>
+          </a:fillRef>
+          <a:effectRef idx="1">
+            <a:schemeClr val="dk1"/>
+          </a:effectRef>
+          <a:fontRef idx="minor">
+            <a:schemeClr val="tx1"/>
+          </a:fontRef>
+        </p:style>
+      </p:cxnSp>
+      <p:sp>
+        <p:nvSpPr>
+          <p:cNvPr id="24" name="四角形: 角を丸くする 23">
+            <a:extLst>
+              <a:ext uri="{FF2B5EF4-FFF2-40B4-BE49-F238E27FC236}">
+                <a16:creationId xmlns:a16="http://schemas.microsoft.com/office/drawing/2014/main" id="{46CBE573-A7A8-75F6-7CCA-1E5B34392CB7}"/>
+              </a:ext>
+            </a:extLst>
+          </p:cNvPr>
+          <p:cNvSpPr/>
+          <p:nvPr/>
+        </p:nvSpPr>
+        <p:spPr>
+          <a:xfrm>
+            <a:off x="1003392" y="2575082"/>
+            <a:ext cx="513366" cy="292562"/>
+          </a:xfrm>
+          <a:prstGeom prst="roundRect">
+            <a:avLst/>
+          </a:prstGeom>
+          <a:solidFill>
+            <a:schemeClr val="bg1">
+              <a:lumMod val="75000"/>
+              <a:alpha val="70000"/>
+            </a:schemeClr>
+          </a:solidFill>
+          <a:ln>
+            <a:solidFill>
+              <a:schemeClr val="tx1"/>
+            </a:solidFill>
+          </a:ln>
+        </p:spPr>
+        <p:style>
+          <a:lnRef idx="2">
+            <a:schemeClr val="accent1">
+              <a:shade val="15000"/>
+            </a:schemeClr>
+          </a:lnRef>
+          <a:fillRef idx="1">
+            <a:schemeClr val="accent1"/>
+          </a:fillRef>
+          <a:effectRef idx="0">
+            <a:schemeClr val="accent1"/>
+          </a:effectRef>
+          <a:fontRef idx="minor">
+            <a:schemeClr val="lt1"/>
+          </a:fontRef>
+        </p:style>
+        <p:txBody>
+          <a:bodyPr rtlCol="0" anchor="ctr"/>
+          <a:lstStyle/>
+          <a:p>
+            <a:pPr algn="ctr"/>
+            <a:endParaRPr kumimoji="1" lang="ja-JP" altLang="en-US"/>
+          </a:p>
+        </p:txBody>
+      </p:sp>
+      <p:sp>
+        <p:nvSpPr>
+          <p:cNvPr id="26" name="テキスト ボックス 25">
+            <a:extLst>
+              <a:ext uri="{FF2B5EF4-FFF2-40B4-BE49-F238E27FC236}">
+                <a16:creationId xmlns:a16="http://schemas.microsoft.com/office/drawing/2014/main" id="{636FA066-92D9-4B14-BD61-81CBA8031A85}"/>
+              </a:ext>
+            </a:extLst>
+          </p:cNvPr>
+          <p:cNvSpPr txBox="1"/>
+          <p:nvPr/>
+        </p:nvSpPr>
+        <p:spPr>
+          <a:xfrm>
+            <a:off x="1685195" y="3731376"/>
+            <a:ext cx="803425" cy="369332"/>
+          </a:xfrm>
+          <a:prstGeom prst="rect">
+            <a:avLst/>
+          </a:prstGeom>
+          <a:noFill/>
+        </p:spPr>
+        <p:txBody>
+          <a:bodyPr wrap="none" rtlCol="0">
+            <a:spAutoFit/>
+          </a:bodyPr>
+          <a:lstStyle/>
+          <a:p>
+            <a:r>
+              <a:rPr kumimoji="1" lang="ja-JP" altLang="en-US" b="1" dirty="0">
+                <a:ea typeface="Meiryo UI" panose="020B0604030504040204" pitchFamily="50" charset="-128"/>
+              </a:rPr>
+              <a:t>振り足</a:t>
+            </a:r>
+          </a:p>
+        </p:txBody>
+      </p:sp>
+      <p:cxnSp>
+        <p:nvCxnSpPr>
+          <p:cNvPr id="27" name="直線コネクタ 26">
+            <a:extLst>
+              <a:ext uri="{FF2B5EF4-FFF2-40B4-BE49-F238E27FC236}">
+                <a16:creationId xmlns:a16="http://schemas.microsoft.com/office/drawing/2014/main" id="{CD3A18C2-36DB-479E-AD12-CDCBA290A523}"/>
+              </a:ext>
+            </a:extLst>
+          </p:cNvPr>
+          <p:cNvCxnSpPr>
+            <a:cxnSpLocks/>
+            <a:endCxn id="26" idx="1"/>
+          </p:cNvCxnSpPr>
+          <p:nvPr/>
+        </p:nvCxnSpPr>
+        <p:spPr>
+          <a:xfrm>
+            <a:off x="1359317" y="2713175"/>
+            <a:ext cx="325878" cy="1202867"/>
+          </a:xfrm>
+          <a:prstGeom prst="line">
+            <a:avLst/>
+          </a:prstGeom>
+        </p:spPr>
+        <p:style>
+          <a:lnRef idx="2">
+            <a:schemeClr val="dk1"/>
+          </a:lnRef>
+          <a:fillRef idx="0">
+            <a:schemeClr val="dk1"/>
+          </a:fillRef>
+          <a:effectRef idx="1">
+            <a:schemeClr val="dk1"/>
+          </a:effectRef>
+          <a:fontRef idx="minor">
+            <a:schemeClr val="tx1"/>
+          </a:fontRef>
+        </p:style>
+      </p:cxnSp>
+      <p:sp>
+        <p:nvSpPr>
+          <p:cNvPr id="29" name="楕円 28">
+            <a:extLst>
+              <a:ext uri="{FF2B5EF4-FFF2-40B4-BE49-F238E27FC236}">
+                <a16:creationId xmlns:a16="http://schemas.microsoft.com/office/drawing/2014/main" id="{66BE1AD3-1969-942C-600A-60FC567DB1F2}"/>
+              </a:ext>
+            </a:extLst>
+          </p:cNvPr>
+          <p:cNvSpPr/>
+          <p:nvPr/>
+        </p:nvSpPr>
+        <p:spPr>
+          <a:xfrm>
+            <a:off x="1200893" y="2832018"/>
+            <a:ext cx="72000" cy="72000"/>
+          </a:xfrm>
+          <a:prstGeom prst="ellipse">
+            <a:avLst/>
+          </a:prstGeom>
+        </p:spPr>
+        <p:style>
+          <a:lnRef idx="2">
+            <a:schemeClr val="dk1">
+              <a:shade val="15000"/>
+            </a:schemeClr>
+          </a:lnRef>
+          <a:fillRef idx="1">
+            <a:schemeClr val="dk1"/>
+          </a:fillRef>
+          <a:effectRef idx="0">
+            <a:schemeClr val="dk1"/>
+          </a:effectRef>
+          <a:fontRef idx="minor">
+            <a:schemeClr val="lt1"/>
+          </a:fontRef>
+        </p:style>
+        <p:txBody>
+          <a:bodyPr rtlCol="0" anchor="ctr"/>
+          <a:lstStyle/>
+          <a:p>
+            <a:pPr algn="ctr"/>
+            <a:endParaRPr kumimoji="1" lang="ja-JP" altLang="en-US"/>
+          </a:p>
+        </p:txBody>
+      </p:sp>
+      <p:sp>
+        <p:nvSpPr>
+          <p:cNvPr id="30" name="楕円 29">
+            <a:extLst>
+              <a:ext uri="{FF2B5EF4-FFF2-40B4-BE49-F238E27FC236}">
+                <a16:creationId xmlns:a16="http://schemas.microsoft.com/office/drawing/2014/main" id="{72572AE9-49B1-70F5-9022-70B04F2F7B7C}"/>
+              </a:ext>
+            </a:extLst>
+          </p:cNvPr>
+          <p:cNvSpPr/>
+          <p:nvPr/>
+        </p:nvSpPr>
+        <p:spPr>
+          <a:xfrm>
+            <a:off x="1806308" y="2325363"/>
+            <a:ext cx="72000" cy="72000"/>
+          </a:xfrm>
+          <a:prstGeom prst="ellipse">
+            <a:avLst/>
+          </a:prstGeom>
+        </p:spPr>
+        <p:style>
+          <a:lnRef idx="2">
+            <a:schemeClr val="dk1">
+              <a:shade val="15000"/>
+            </a:schemeClr>
+          </a:lnRef>
+          <a:fillRef idx="1">
+            <a:schemeClr val="dk1"/>
+          </a:fillRef>
+          <a:effectRef idx="0">
+            <a:schemeClr val="dk1"/>
+          </a:effectRef>
+          <a:fontRef idx="minor">
+            <a:schemeClr val="lt1"/>
+          </a:fontRef>
+        </p:style>
+        <p:txBody>
+          <a:bodyPr rtlCol="0" anchor="ctr"/>
+          <a:lstStyle/>
+          <a:p>
+            <a:pPr algn="ctr"/>
+            <a:endParaRPr kumimoji="1" lang="ja-JP" altLang="en-US"/>
+          </a:p>
+        </p:txBody>
+      </p:sp>
+      <p:cxnSp>
+        <p:nvCxnSpPr>
+          <p:cNvPr id="37" name="直線コネクタ 36">
+            <a:extLst>
+              <a:ext uri="{FF2B5EF4-FFF2-40B4-BE49-F238E27FC236}">
+                <a16:creationId xmlns:a16="http://schemas.microsoft.com/office/drawing/2014/main" id="{BA8E4F64-1295-1C60-D1C7-FA1B95900F8F}"/>
+              </a:ext>
+            </a:extLst>
+          </p:cNvPr>
+          <p:cNvCxnSpPr>
+            <a:cxnSpLocks/>
+          </p:cNvCxnSpPr>
+          <p:nvPr/>
+        </p:nvCxnSpPr>
+        <p:spPr>
+          <a:xfrm>
+            <a:off x="2090885" y="2170732"/>
+            <a:ext cx="986551" cy="0"/>
+          </a:xfrm>
+          <a:prstGeom prst="line">
+            <a:avLst/>
+          </a:prstGeom>
+        </p:spPr>
+        <p:style>
+          <a:lnRef idx="2">
+            <a:schemeClr val="dk1"/>
+          </a:lnRef>
+          <a:fillRef idx="0">
+            <a:schemeClr val="dk1"/>
+          </a:fillRef>
+          <a:effectRef idx="1">
+            <a:schemeClr val="dk1"/>
+          </a:effectRef>
+          <a:fontRef idx="minor">
+            <a:schemeClr val="tx1"/>
+          </a:fontRef>
+        </p:style>
+      </p:cxnSp>
+      <p:cxnSp>
+        <p:nvCxnSpPr>
+          <p:cNvPr id="41" name="直線コネクタ 40">
+            <a:extLst>
+              <a:ext uri="{FF2B5EF4-FFF2-40B4-BE49-F238E27FC236}">
+                <a16:creationId xmlns:a16="http://schemas.microsoft.com/office/drawing/2014/main" id="{D7A7CBF6-EEF5-9218-3318-FCF01B9AF02A}"/>
+              </a:ext>
+            </a:extLst>
+          </p:cNvPr>
+          <p:cNvCxnSpPr>
+            <a:cxnSpLocks/>
+          </p:cNvCxnSpPr>
+          <p:nvPr/>
+        </p:nvCxnSpPr>
+        <p:spPr>
+          <a:xfrm>
+            <a:off x="752079" y="2875789"/>
+            <a:ext cx="1346400" cy="0"/>
+          </a:xfrm>
+          <a:prstGeom prst="line">
+            <a:avLst/>
+          </a:prstGeom>
+        </p:spPr>
+        <p:style>
+          <a:lnRef idx="2">
+            <a:schemeClr val="dk1"/>
+          </a:lnRef>
+          <a:fillRef idx="0">
+            <a:schemeClr val="dk1"/>
+          </a:fillRef>
+          <a:effectRef idx="1">
+            <a:schemeClr val="dk1"/>
+          </a:effectRef>
+          <a:fontRef idx="minor">
+            <a:schemeClr val="tx1"/>
+          </a:fontRef>
+        </p:style>
+      </p:cxnSp>
+      <p:cxnSp>
+        <p:nvCxnSpPr>
+          <p:cNvPr id="42" name="直線コネクタ 41">
+            <a:extLst>
+              <a:ext uri="{FF2B5EF4-FFF2-40B4-BE49-F238E27FC236}">
+                <a16:creationId xmlns:a16="http://schemas.microsoft.com/office/drawing/2014/main" id="{053A1A42-8019-0434-9ABB-895A82CFAF36}"/>
+              </a:ext>
+            </a:extLst>
+          </p:cNvPr>
+          <p:cNvCxnSpPr>
+            <a:cxnSpLocks/>
+          </p:cNvCxnSpPr>
+          <p:nvPr/>
+        </p:nvCxnSpPr>
+        <p:spPr>
+          <a:xfrm>
+            <a:off x="2090885" y="2170732"/>
+            <a:ext cx="0" cy="705600"/>
+          </a:xfrm>
+          <a:prstGeom prst="line">
+            <a:avLst/>
+          </a:prstGeom>
+        </p:spPr>
+        <p:style>
+          <a:lnRef idx="2">
+            <a:schemeClr val="dk1"/>
+          </a:lnRef>
+          <a:fillRef idx="0">
+            <a:schemeClr val="dk1"/>
+          </a:fillRef>
+          <a:effectRef idx="1">
+            <a:schemeClr val="dk1"/>
+          </a:effectRef>
+          <a:fontRef idx="minor">
+            <a:schemeClr val="tx1"/>
+          </a:fontRef>
+        </p:style>
+      </p:cxnSp>
+      <p:sp>
+        <p:nvSpPr>
+          <p:cNvPr id="54" name="部分円 53">
+            <a:extLst>
+              <a:ext uri="{FF2B5EF4-FFF2-40B4-BE49-F238E27FC236}">
+                <a16:creationId xmlns:a16="http://schemas.microsoft.com/office/drawing/2014/main" id="{1DD5BB77-91FF-D858-973D-971C5929DBDB}"/>
+              </a:ext>
+            </a:extLst>
+          </p:cNvPr>
+          <p:cNvSpPr/>
+          <p:nvPr/>
+        </p:nvSpPr>
+        <p:spPr>
+          <a:xfrm>
+            <a:off x="1243667" y="1390325"/>
+            <a:ext cx="1336218" cy="1458697"/>
+          </a:xfrm>
+          <a:custGeom>
+            <a:avLst/>
+            <a:gdLst>
+              <a:gd name="connsiteX0" fmla="*/ 25 w 1348108"/>
+              <a:gd name="connsiteY0" fmla="*/ 1284920 h 2592124"/>
+              <a:gd name="connsiteX1" fmla="*/ 227299 w 1348108"/>
+              <a:gd name="connsiteY1" fmla="*/ 325562 h 2592124"/>
+              <a:gd name="connsiteX2" fmla="*/ 1244803 w 1348108"/>
+              <a:gd name="connsiteY2" fmla="*/ 606547 h 2592124"/>
+              <a:gd name="connsiteX3" fmla="*/ 674054 w 1348108"/>
+              <a:gd name="connsiteY3" fmla="*/ 1296062 h 2592124"/>
+              <a:gd name="connsiteX4" fmla="*/ 25 w 1348108"/>
+              <a:gd name="connsiteY4" fmla="*/ 1284920 h 2592124"/>
+              <a:gd name="connsiteX0" fmla="*/ 0 w 1244778"/>
+              <a:gd name="connsiteY0" fmla="*/ 1285038 h 1285038"/>
+              <a:gd name="connsiteX1" fmla="*/ 227274 w 1244778"/>
+              <a:gd name="connsiteY1" fmla="*/ 325680 h 1285038"/>
+              <a:gd name="connsiteX2" fmla="*/ 1244778 w 1244778"/>
+              <a:gd name="connsiteY2" fmla="*/ 606665 h 1285038"/>
+              <a:gd name="connsiteX3" fmla="*/ 0 w 1244778"/>
+              <a:gd name="connsiteY3" fmla="*/ 1285038 h 1285038"/>
+              <a:gd name="connsiteX0" fmla="*/ 0 w 1336218"/>
+              <a:gd name="connsiteY0" fmla="*/ 1278795 h 1278795"/>
+              <a:gd name="connsiteX1" fmla="*/ 227274 w 1336218"/>
+              <a:gd name="connsiteY1" fmla="*/ 319437 h 1278795"/>
+              <a:gd name="connsiteX2" fmla="*/ 1336218 w 1336218"/>
+              <a:gd name="connsiteY2" fmla="*/ 691862 h 1278795"/>
+            </a:gdLst>
+            <a:ahLst/>
+            <a:cxnLst>
+              <a:cxn ang="0">
+                <a:pos x="connsiteX0" y="connsiteY0"/>
+              </a:cxn>
+              <a:cxn ang="0">
+                <a:pos x="connsiteX1" y="connsiteY1"/>
+              </a:cxn>
+              <a:cxn ang="0">
+                <a:pos x="connsiteX2" y="connsiteY2"/>
+              </a:cxn>
+            </a:cxnLst>
+            <a:rect l="l" t="t" r="r" b="b"/>
+            <a:pathLst>
+              <a:path w="1336218" h="1278795">
+                <a:moveTo>
+                  <a:pt x="0" y="1278795"/>
+                </a:moveTo>
+                <a:cubicBezTo>
+                  <a:pt x="1642" y="911536"/>
+                  <a:pt x="84244" y="562861"/>
+                  <a:pt x="227274" y="319437"/>
+                </a:cubicBezTo>
+                <a:cubicBezTo>
+                  <a:pt x="538847" y="-210833"/>
+                  <a:pt x="1023413" y="-77019"/>
+                  <a:pt x="1336218" y="691862"/>
+                </a:cubicBezTo>
+              </a:path>
+            </a:pathLst>
+          </a:custGeom>
+          <a:ln w="19050">
+            <a:prstDash val="dash"/>
+          </a:ln>
+        </p:spPr>
+        <p:style>
+          <a:lnRef idx="1">
+            <a:schemeClr val="dk1"/>
+          </a:lnRef>
+          <a:fillRef idx="0">
+            <a:schemeClr val="dk1"/>
+          </a:fillRef>
+          <a:effectRef idx="0">
+            <a:schemeClr val="dk1"/>
+          </a:effectRef>
+          <a:fontRef idx="minor">
+            <a:schemeClr val="tx1"/>
+          </a:fontRef>
+        </p:style>
+        <p:txBody>
+          <a:bodyPr rtlCol="0" anchor="ctr"/>
+          <a:lstStyle/>
+          <a:p>
+            <a:pPr algn="ctr"/>
+            <a:endParaRPr kumimoji="1" lang="ja-JP" altLang="en-US">
+              <a:solidFill>
+                <a:schemeClr val="tx1"/>
+              </a:solidFill>
+            </a:endParaRPr>
+          </a:p>
+        </p:txBody>
+      </p:sp>
+      <p:sp>
+        <p:nvSpPr>
+          <p:cNvPr id="56" name="テキスト ボックス 55">
+            <a:extLst>
+              <a:ext uri="{FF2B5EF4-FFF2-40B4-BE49-F238E27FC236}">
+                <a16:creationId xmlns:a16="http://schemas.microsoft.com/office/drawing/2014/main" id="{423446F0-4AD9-1263-FAEA-C2FA44DCED7C}"/>
+              </a:ext>
+            </a:extLst>
+          </p:cNvPr>
+          <p:cNvSpPr txBox="1"/>
+          <p:nvPr/>
+        </p:nvSpPr>
+        <p:spPr>
+          <a:xfrm>
+            <a:off x="2730586" y="1333867"/>
+            <a:ext cx="2332474" cy="369332"/>
+          </a:xfrm>
+          <a:prstGeom prst="rect">
+            <a:avLst/>
+          </a:prstGeom>
+          <a:noFill/>
+        </p:spPr>
+        <p:txBody>
+          <a:bodyPr wrap="square" rtlCol="0">
+            <a:spAutoFit/>
+          </a:bodyPr>
+          <a:lstStyle/>
+          <a:p>
+            <a:r>
+              <a:rPr lang="ja-JP" altLang="en-US" b="1" dirty="0">
+                <a:ea typeface="Meiryo UI" panose="020B0604030504040204" pitchFamily="50" charset="-128"/>
+              </a:rPr>
+              <a:t>動いてほしい遊脚軌道</a:t>
+            </a:r>
+            <a:endParaRPr kumimoji="1" lang="ja-JP" altLang="en-US" b="1" dirty="0">
+              <a:ea typeface="Meiryo UI" panose="020B0604030504040204" pitchFamily="50" charset="-128"/>
+            </a:endParaRPr>
+          </a:p>
+        </p:txBody>
+      </p:sp>
+      <p:cxnSp>
+        <p:nvCxnSpPr>
+          <p:cNvPr id="57" name="直線コネクタ 56">
+            <a:extLst>
+              <a:ext uri="{FF2B5EF4-FFF2-40B4-BE49-F238E27FC236}">
+                <a16:creationId xmlns:a16="http://schemas.microsoft.com/office/drawing/2014/main" id="{DFFA2065-32F4-3DE7-0BBC-32E0CF688828}"/>
+              </a:ext>
+            </a:extLst>
+          </p:cNvPr>
+          <p:cNvCxnSpPr>
+            <a:cxnSpLocks/>
+            <a:stCxn id="56" idx="1"/>
+          </p:cNvCxnSpPr>
+          <p:nvPr/>
+        </p:nvCxnSpPr>
+        <p:spPr>
+          <a:xfrm flipH="1">
+            <a:off x="2344685" y="1518533"/>
+            <a:ext cx="385901" cy="179248"/>
+          </a:xfrm>
+          <a:prstGeom prst="line">
+            <a:avLst/>
+          </a:prstGeom>
+        </p:spPr>
+        <p:style>
+          <a:lnRef idx="2">
+            <a:schemeClr val="dk1"/>
+          </a:lnRef>
+          <a:fillRef idx="0">
+            <a:schemeClr val="dk1"/>
+          </a:fillRef>
+          <a:effectRef idx="1">
+            <a:schemeClr val="dk1"/>
+          </a:effectRef>
+          <a:fontRef idx="minor">
+            <a:schemeClr val="tx1"/>
+          </a:fontRef>
+        </p:style>
+      </p:cxnSp>
+    </p:spTree>
+    <p:extLst>
+      <p:ext uri="{BB962C8B-B14F-4D97-AF65-F5344CB8AC3E}">
+        <p14:creationId xmlns:p14="http://schemas.microsoft.com/office/powerpoint/2010/main" val="1140161819"/>
+      </p:ext>
+    </p:extLst>
+  </p:cSld>
+  <p:clrMapOvr>
+    <a:masterClrMapping/>
+  </p:clrMapOvr>
+</p:sld>
+</file>
+
 <file path=ppt/theme/theme1.xml><?xml version="1.0" encoding="utf-8"?>
 <a:theme xmlns:a="http://schemas.openxmlformats.org/drawingml/2006/main" name="Office テーマ">
   <a:themeElements>
